--- a/slides.pptx
+++ b/slides.pptx
@@ -2,23 +2,29 @@
 <file path=ppt/presentation.xml><?xml version="1.0" encoding="utf-8"?>
 <p:presentation xmlns:a="http://schemas.openxmlformats.org/drawingml/2006/main" xmlns:r="http://schemas.openxmlformats.org/officeDocument/2006/relationships" xmlns:p="http://schemas.openxmlformats.org/presentationml/2006/main" saveSubsetFonts="1">
   <p:sldMasterIdLst>
-    <p:sldMasterId id="2147483648" r:id="rId1"/>
+    <p:sldMasterId id="2147483660" r:id="rId1"/>
   </p:sldMasterIdLst>
   <p:sldIdLst>
     <p:sldId id="256" r:id="rId2"/>
     <p:sldId id="257" r:id="rId3"/>
     <p:sldId id="258" r:id="rId4"/>
     <p:sldId id="259" r:id="rId5"/>
-    <p:sldId id="260" r:id="rId6"/>
-    <p:sldId id="261" r:id="rId7"/>
-    <p:sldId id="262" r:id="rId8"/>
-    <p:sldId id="263" r:id="rId9"/>
+    <p:sldId id="269" r:id="rId6"/>
+    <p:sldId id="260" r:id="rId7"/>
+    <p:sldId id="261" r:id="rId8"/>
+    <p:sldId id="262" r:id="rId9"/>
+    <p:sldId id="273" r:id="rId10"/>
+    <p:sldId id="263" r:id="rId11"/>
+    <p:sldId id="265" r:id="rId12"/>
+    <p:sldId id="271" r:id="rId13"/>
+    <p:sldId id="267" r:id="rId14"/>
+    <p:sldId id="268" r:id="rId15"/>
   </p:sldIdLst>
   <p:sldSz cx="12192000" cy="6858000"/>
   <p:notesSz cx="6858000" cy="9144000"/>
   <p:defaultTextStyle>
     <a:defPPr>
-      <a:defRPr lang="LID4096"/>
+      <a:defRPr lang="it-IT"/>
     </a:defPPr>
     <a:lvl1pPr marL="0" algn="l" defTabSz="914400" rtl="0" eaLnBrk="1" latinLnBrk="0" hangingPunct="1">
       <a:defRPr sz="1800" kern="1200">
@@ -111,6 +117,11 @@
       </a:defRPr>
     </a:lvl9pPr>
   </p:defaultTextStyle>
+  <p:extLst>
+    <p:ext uri="{EFAFB233-063F-42B5-8137-9DF3F51BA10A}">
+      <p15:sldGuideLst xmlns:p15="http://schemas.microsoft.com/office/powerpoint/2012/main"/>
+    </p:ext>
+  </p:extLst>
 </p:presentation>
 </file>
 
@@ -136,7 +147,7 @@
           <p:cNvPr id="2" name="Titolo 1">
             <a:extLst>
               <a:ext uri="{FF2B5EF4-FFF2-40B4-BE49-F238E27FC236}">
-                <a16:creationId xmlns:a16="http://schemas.microsoft.com/office/drawing/2014/main" id="{B3FED2E3-EDA1-5A52-ACE7-C91928C7DD3E}"/>
+                <a16:creationId xmlns:a16="http://schemas.microsoft.com/office/drawing/2014/main" id="{F56D4827-C04F-C95A-116D-C5037D66988F}"/>
               </a:ext>
             </a:extLst>
           </p:cNvPr>
@@ -165,7 +176,6 @@
               <a:rPr lang="it-IT"/>
               <a:t>Fare clic per modificare lo stile del titolo dello schema</a:t>
             </a:r>
-            <a:endParaRPr lang="LID4096"/>
           </a:p>
         </p:txBody>
       </p:sp>
@@ -174,7 +184,7 @@
           <p:cNvPr id="3" name="Sottotitolo 2">
             <a:extLst>
               <a:ext uri="{FF2B5EF4-FFF2-40B4-BE49-F238E27FC236}">
-                <a16:creationId xmlns:a16="http://schemas.microsoft.com/office/drawing/2014/main" id="{0F9D7731-AF23-920A-20F6-2366E8A6121F}"/>
+                <a16:creationId xmlns:a16="http://schemas.microsoft.com/office/drawing/2014/main" id="{593FF2F7-885E-71C0-6E07-11D85D6824B8}"/>
               </a:ext>
             </a:extLst>
           </p:cNvPr>
@@ -236,7 +246,6 @@
               <a:rPr lang="it-IT"/>
               <a:t>Fare clic per modificare lo stile del sottotitolo dello schema</a:t>
             </a:r>
-            <a:endParaRPr lang="LID4096"/>
           </a:p>
         </p:txBody>
       </p:sp>
@@ -245,7 +254,7 @@
           <p:cNvPr id="4" name="Segnaposto data 3">
             <a:extLst>
               <a:ext uri="{FF2B5EF4-FFF2-40B4-BE49-F238E27FC236}">
-                <a16:creationId xmlns:a16="http://schemas.microsoft.com/office/drawing/2014/main" id="{B7B33BB5-45F7-77A3-41DC-65DF9E4F2E2B}"/>
+                <a16:creationId xmlns:a16="http://schemas.microsoft.com/office/drawing/2014/main" id="{E48B609F-80CB-C096-8B2C-3A9FE0191FF3}"/>
               </a:ext>
             </a:extLst>
           </p:cNvPr>
@@ -263,7 +272,7 @@
           <a:p>
             <a:fld id="{84A671E0-5ED3-4EC8-917B-08DC168EAD8E}" type="datetimeFigureOut">
               <a:rPr lang="LID4096" smtClean="0"/>
-              <a:t>04/18/2023</a:t>
+              <a:t>05/14/2023</a:t>
             </a:fld>
             <a:endParaRPr lang="LID4096"/>
           </a:p>
@@ -274,7 +283,7 @@
           <p:cNvPr id="5" name="Segnaposto piè di pagina 4">
             <a:extLst>
               <a:ext uri="{FF2B5EF4-FFF2-40B4-BE49-F238E27FC236}">
-                <a16:creationId xmlns:a16="http://schemas.microsoft.com/office/drawing/2014/main" id="{BED1346F-FCCC-5258-140C-3DA415AC9F19}"/>
+                <a16:creationId xmlns:a16="http://schemas.microsoft.com/office/drawing/2014/main" id="{8744006A-38F1-16A9-61BA-AC6AD9569FF0}"/>
               </a:ext>
             </a:extLst>
           </p:cNvPr>
@@ -299,7 +308,7 @@
           <p:cNvPr id="6" name="Segnaposto numero diapositiva 5">
             <a:extLst>
               <a:ext uri="{FF2B5EF4-FFF2-40B4-BE49-F238E27FC236}">
-                <a16:creationId xmlns:a16="http://schemas.microsoft.com/office/drawing/2014/main" id="{857D011A-80D7-40FC-86F7-D3CBA2A5EF03}"/>
+                <a16:creationId xmlns:a16="http://schemas.microsoft.com/office/drawing/2014/main" id="{8317CCD1-849A-4196-4B7C-AFA6313034A3}"/>
               </a:ext>
             </a:extLst>
           </p:cNvPr>
@@ -326,7 +335,7 @@
     </p:spTree>
     <p:extLst>
       <p:ext uri="{BB962C8B-B14F-4D97-AF65-F5344CB8AC3E}">
-        <p14:creationId xmlns:p14="http://schemas.microsoft.com/office/powerpoint/2010/main" val="2914573452"/>
+        <p14:creationId xmlns:p14="http://schemas.microsoft.com/office/powerpoint/2010/main" val="775641506"/>
       </p:ext>
     </p:extLst>
   </p:cSld>
@@ -358,7 +367,7 @@
           <p:cNvPr id="2" name="Titolo 1">
             <a:extLst>
               <a:ext uri="{FF2B5EF4-FFF2-40B4-BE49-F238E27FC236}">
-                <a16:creationId xmlns:a16="http://schemas.microsoft.com/office/drawing/2014/main" id="{30574329-8220-C499-005D-7714F549F90B}"/>
+                <a16:creationId xmlns:a16="http://schemas.microsoft.com/office/drawing/2014/main" id="{5A9F0ADB-17FB-6DF4-9DFC-BB421ACE2D10}"/>
               </a:ext>
             </a:extLst>
           </p:cNvPr>
@@ -378,7 +387,6 @@
               <a:rPr lang="it-IT"/>
               <a:t>Fare clic per modificare lo stile del titolo dello schema</a:t>
             </a:r>
-            <a:endParaRPr lang="LID4096"/>
           </a:p>
         </p:txBody>
       </p:sp>
@@ -387,7 +395,7 @@
           <p:cNvPr id="3" name="Segnaposto testo verticale 2">
             <a:extLst>
               <a:ext uri="{FF2B5EF4-FFF2-40B4-BE49-F238E27FC236}">
-                <a16:creationId xmlns:a16="http://schemas.microsoft.com/office/drawing/2014/main" id="{4774D9E0-2517-3483-2947-075241EED485}"/>
+                <a16:creationId xmlns:a16="http://schemas.microsoft.com/office/drawing/2014/main" id="{172C92F5-F474-72E2-2DF1-B23E7C226DA4}"/>
               </a:ext>
             </a:extLst>
           </p:cNvPr>
@@ -436,7 +444,6 @@
               <a:rPr lang="it-IT"/>
               <a:t>Quinto livello</a:t>
             </a:r>
-            <a:endParaRPr lang="LID4096"/>
           </a:p>
         </p:txBody>
       </p:sp>
@@ -445,7 +452,7 @@
           <p:cNvPr id="4" name="Segnaposto data 3">
             <a:extLst>
               <a:ext uri="{FF2B5EF4-FFF2-40B4-BE49-F238E27FC236}">
-                <a16:creationId xmlns:a16="http://schemas.microsoft.com/office/drawing/2014/main" id="{C6695F6C-D71E-B47D-6DDA-8052FA1DAEE5}"/>
+                <a16:creationId xmlns:a16="http://schemas.microsoft.com/office/drawing/2014/main" id="{EA58C8D4-67CC-17B3-7301-954B03AECEDC}"/>
               </a:ext>
             </a:extLst>
           </p:cNvPr>
@@ -463,7 +470,7 @@
           <a:p>
             <a:fld id="{84A671E0-5ED3-4EC8-917B-08DC168EAD8E}" type="datetimeFigureOut">
               <a:rPr lang="LID4096" smtClean="0"/>
-              <a:t>04/18/2023</a:t>
+              <a:t>05/14/2023</a:t>
             </a:fld>
             <a:endParaRPr lang="LID4096"/>
           </a:p>
@@ -474,7 +481,7 @@
           <p:cNvPr id="5" name="Segnaposto piè di pagina 4">
             <a:extLst>
               <a:ext uri="{FF2B5EF4-FFF2-40B4-BE49-F238E27FC236}">
-                <a16:creationId xmlns:a16="http://schemas.microsoft.com/office/drawing/2014/main" id="{9777B5CF-EEE3-4A6B-3D49-912981B43497}"/>
+                <a16:creationId xmlns:a16="http://schemas.microsoft.com/office/drawing/2014/main" id="{AAFA067D-3C05-8310-2411-96F2276969EB}"/>
               </a:ext>
             </a:extLst>
           </p:cNvPr>
@@ -499,7 +506,7 @@
           <p:cNvPr id="6" name="Segnaposto numero diapositiva 5">
             <a:extLst>
               <a:ext uri="{FF2B5EF4-FFF2-40B4-BE49-F238E27FC236}">
-                <a16:creationId xmlns:a16="http://schemas.microsoft.com/office/drawing/2014/main" id="{FD5A4C5D-A5F0-8109-7E23-60D230F6E95A}"/>
+                <a16:creationId xmlns:a16="http://schemas.microsoft.com/office/drawing/2014/main" id="{2FFE75A1-61CD-6D3E-C045-FC9EEE14BB20}"/>
               </a:ext>
             </a:extLst>
           </p:cNvPr>
@@ -526,7 +533,7 @@
     </p:spTree>
     <p:extLst>
       <p:ext uri="{BB962C8B-B14F-4D97-AF65-F5344CB8AC3E}">
-        <p14:creationId xmlns:p14="http://schemas.microsoft.com/office/powerpoint/2010/main" val="3943106923"/>
+        <p14:creationId xmlns:p14="http://schemas.microsoft.com/office/powerpoint/2010/main" val="1135330629"/>
       </p:ext>
     </p:extLst>
   </p:cSld>
@@ -558,7 +565,7 @@
           <p:cNvPr id="2" name="Titolo verticale 1">
             <a:extLst>
               <a:ext uri="{FF2B5EF4-FFF2-40B4-BE49-F238E27FC236}">
-                <a16:creationId xmlns:a16="http://schemas.microsoft.com/office/drawing/2014/main" id="{D80E3A97-5971-8B4D-2557-CD9FFD683F4B}"/>
+                <a16:creationId xmlns:a16="http://schemas.microsoft.com/office/drawing/2014/main" id="{60510C1C-39C3-BE17-2EB8-EFAD7D5FA6D8}"/>
               </a:ext>
             </a:extLst>
           </p:cNvPr>
@@ -583,7 +590,6 @@
               <a:rPr lang="it-IT"/>
               <a:t>Fare clic per modificare lo stile del titolo dello schema</a:t>
             </a:r>
-            <a:endParaRPr lang="LID4096"/>
           </a:p>
         </p:txBody>
       </p:sp>
@@ -592,7 +598,7 @@
           <p:cNvPr id="3" name="Segnaposto testo verticale 2">
             <a:extLst>
               <a:ext uri="{FF2B5EF4-FFF2-40B4-BE49-F238E27FC236}">
-                <a16:creationId xmlns:a16="http://schemas.microsoft.com/office/drawing/2014/main" id="{517CAE4D-A468-20CB-8831-2D837F6C7417}"/>
+                <a16:creationId xmlns:a16="http://schemas.microsoft.com/office/drawing/2014/main" id="{572C0A25-1F1E-E773-C94D-ED1BEBB2B85F}"/>
               </a:ext>
             </a:extLst>
           </p:cNvPr>
@@ -646,7 +652,6 @@
               <a:rPr lang="it-IT"/>
               <a:t>Quinto livello</a:t>
             </a:r>
-            <a:endParaRPr lang="LID4096"/>
           </a:p>
         </p:txBody>
       </p:sp>
@@ -655,7 +660,7 @@
           <p:cNvPr id="4" name="Segnaposto data 3">
             <a:extLst>
               <a:ext uri="{FF2B5EF4-FFF2-40B4-BE49-F238E27FC236}">
-                <a16:creationId xmlns:a16="http://schemas.microsoft.com/office/drawing/2014/main" id="{401C3D61-A61F-7549-BACC-2B33B7CA9ABE}"/>
+                <a16:creationId xmlns:a16="http://schemas.microsoft.com/office/drawing/2014/main" id="{BE3E5AD4-8B72-CE75-6D62-612F2CC69A17}"/>
               </a:ext>
             </a:extLst>
           </p:cNvPr>
@@ -673,7 +678,7 @@
           <a:p>
             <a:fld id="{84A671E0-5ED3-4EC8-917B-08DC168EAD8E}" type="datetimeFigureOut">
               <a:rPr lang="LID4096" smtClean="0"/>
-              <a:t>04/18/2023</a:t>
+              <a:t>05/14/2023</a:t>
             </a:fld>
             <a:endParaRPr lang="LID4096"/>
           </a:p>
@@ -684,7 +689,7 @@
           <p:cNvPr id="5" name="Segnaposto piè di pagina 4">
             <a:extLst>
               <a:ext uri="{FF2B5EF4-FFF2-40B4-BE49-F238E27FC236}">
-                <a16:creationId xmlns:a16="http://schemas.microsoft.com/office/drawing/2014/main" id="{289FE579-29DA-6191-74B2-0E9D86AAB9B3}"/>
+                <a16:creationId xmlns:a16="http://schemas.microsoft.com/office/drawing/2014/main" id="{9F243404-D9B1-10DF-14EE-695F8B6C1B83}"/>
               </a:ext>
             </a:extLst>
           </p:cNvPr>
@@ -709,7 +714,7 @@
           <p:cNvPr id="6" name="Segnaposto numero diapositiva 5">
             <a:extLst>
               <a:ext uri="{FF2B5EF4-FFF2-40B4-BE49-F238E27FC236}">
-                <a16:creationId xmlns:a16="http://schemas.microsoft.com/office/drawing/2014/main" id="{62C81473-9286-F7AD-F625-7BBB80CB362B}"/>
+                <a16:creationId xmlns:a16="http://schemas.microsoft.com/office/drawing/2014/main" id="{B57D22A1-030B-3B78-A926-DF76F6440FC9}"/>
               </a:ext>
             </a:extLst>
           </p:cNvPr>
@@ -736,7 +741,7 @@
     </p:spTree>
     <p:extLst>
       <p:ext uri="{BB962C8B-B14F-4D97-AF65-F5344CB8AC3E}">
-        <p14:creationId xmlns:p14="http://schemas.microsoft.com/office/powerpoint/2010/main" val="1532980105"/>
+        <p14:creationId xmlns:p14="http://schemas.microsoft.com/office/powerpoint/2010/main" val="2771542896"/>
       </p:ext>
     </p:extLst>
   </p:cSld>
@@ -768,7 +773,7 @@
           <p:cNvPr id="2" name="Titolo 1">
             <a:extLst>
               <a:ext uri="{FF2B5EF4-FFF2-40B4-BE49-F238E27FC236}">
-                <a16:creationId xmlns:a16="http://schemas.microsoft.com/office/drawing/2014/main" id="{3FF6032B-72EB-F27D-6389-7DE8C455B253}"/>
+                <a16:creationId xmlns:a16="http://schemas.microsoft.com/office/drawing/2014/main" id="{4B433CDB-C26F-DB93-EEB8-16FDFDD0298D}"/>
               </a:ext>
             </a:extLst>
           </p:cNvPr>
@@ -788,7 +793,6 @@
               <a:rPr lang="it-IT"/>
               <a:t>Fare clic per modificare lo stile del titolo dello schema</a:t>
             </a:r>
-            <a:endParaRPr lang="LID4096"/>
           </a:p>
         </p:txBody>
       </p:sp>
@@ -797,7 +801,7 @@
           <p:cNvPr id="3" name="Segnaposto contenuto 2">
             <a:extLst>
               <a:ext uri="{FF2B5EF4-FFF2-40B4-BE49-F238E27FC236}">
-                <a16:creationId xmlns:a16="http://schemas.microsoft.com/office/drawing/2014/main" id="{1E0ABCF0-79BB-4BB8-14E8-C0D783ECE1DE}"/>
+                <a16:creationId xmlns:a16="http://schemas.microsoft.com/office/drawing/2014/main" id="{5508CE47-996F-CD0E-2D40-C20427EF3C61}"/>
               </a:ext>
             </a:extLst>
           </p:cNvPr>
@@ -846,7 +850,6 @@
               <a:rPr lang="it-IT"/>
               <a:t>Quinto livello</a:t>
             </a:r>
-            <a:endParaRPr lang="LID4096"/>
           </a:p>
         </p:txBody>
       </p:sp>
@@ -855,7 +858,7 @@
           <p:cNvPr id="4" name="Segnaposto data 3">
             <a:extLst>
               <a:ext uri="{FF2B5EF4-FFF2-40B4-BE49-F238E27FC236}">
-                <a16:creationId xmlns:a16="http://schemas.microsoft.com/office/drawing/2014/main" id="{A3A367A5-5D29-57DC-6E94-15772A325818}"/>
+                <a16:creationId xmlns:a16="http://schemas.microsoft.com/office/drawing/2014/main" id="{B024E06F-6164-5E81-06CA-91157B5FEB2C}"/>
               </a:ext>
             </a:extLst>
           </p:cNvPr>
@@ -873,7 +876,7 @@
           <a:p>
             <a:fld id="{84A671E0-5ED3-4EC8-917B-08DC168EAD8E}" type="datetimeFigureOut">
               <a:rPr lang="LID4096" smtClean="0"/>
-              <a:t>04/18/2023</a:t>
+              <a:t>05/14/2023</a:t>
             </a:fld>
             <a:endParaRPr lang="LID4096"/>
           </a:p>
@@ -884,7 +887,7 @@
           <p:cNvPr id="5" name="Segnaposto piè di pagina 4">
             <a:extLst>
               <a:ext uri="{FF2B5EF4-FFF2-40B4-BE49-F238E27FC236}">
-                <a16:creationId xmlns:a16="http://schemas.microsoft.com/office/drawing/2014/main" id="{6AA8C308-7E87-BFF7-D8A2-518C02618359}"/>
+                <a16:creationId xmlns:a16="http://schemas.microsoft.com/office/drawing/2014/main" id="{A5CEE76B-2877-822D-5DCB-1FE8EEDE2BEF}"/>
               </a:ext>
             </a:extLst>
           </p:cNvPr>
@@ -909,7 +912,7 @@
           <p:cNvPr id="6" name="Segnaposto numero diapositiva 5">
             <a:extLst>
               <a:ext uri="{FF2B5EF4-FFF2-40B4-BE49-F238E27FC236}">
-                <a16:creationId xmlns:a16="http://schemas.microsoft.com/office/drawing/2014/main" id="{7B1E50B4-BE1F-3DFA-762D-803D6F5450E0}"/>
+                <a16:creationId xmlns:a16="http://schemas.microsoft.com/office/drawing/2014/main" id="{4FD13FEC-6F19-99E0-FAB7-89D4A9A6CDD5}"/>
               </a:ext>
             </a:extLst>
           </p:cNvPr>
@@ -936,7 +939,7 @@
     </p:spTree>
     <p:extLst>
       <p:ext uri="{BB962C8B-B14F-4D97-AF65-F5344CB8AC3E}">
-        <p14:creationId xmlns:p14="http://schemas.microsoft.com/office/powerpoint/2010/main" val="2904341373"/>
+        <p14:creationId xmlns:p14="http://schemas.microsoft.com/office/powerpoint/2010/main" val="1137425782"/>
       </p:ext>
     </p:extLst>
   </p:cSld>
@@ -968,7 +971,7 @@
           <p:cNvPr id="2" name="Titolo 1">
             <a:extLst>
               <a:ext uri="{FF2B5EF4-FFF2-40B4-BE49-F238E27FC236}">
-                <a16:creationId xmlns:a16="http://schemas.microsoft.com/office/drawing/2014/main" id="{F20B013D-0557-22D1-29BF-7AA2C02C5F0A}"/>
+                <a16:creationId xmlns:a16="http://schemas.microsoft.com/office/drawing/2014/main" id="{20C10E17-3109-4DD4-2AEC-AE25FEB147CC}"/>
               </a:ext>
             </a:extLst>
           </p:cNvPr>
@@ -997,7 +1000,6 @@
               <a:rPr lang="it-IT"/>
               <a:t>Fare clic per modificare lo stile del titolo dello schema</a:t>
             </a:r>
-            <a:endParaRPr lang="LID4096"/>
           </a:p>
         </p:txBody>
       </p:sp>
@@ -1006,7 +1008,7 @@
           <p:cNvPr id="3" name="Segnaposto testo 2">
             <a:extLst>
               <a:ext uri="{FF2B5EF4-FFF2-40B4-BE49-F238E27FC236}">
-                <a16:creationId xmlns:a16="http://schemas.microsoft.com/office/drawing/2014/main" id="{E8F76F0E-DE3C-7F94-D4F3-EFAE6B8CD55E}"/>
+                <a16:creationId xmlns:a16="http://schemas.microsoft.com/office/drawing/2014/main" id="{938541C3-B258-9F37-96DE-52D7AFAEBB08}"/>
               </a:ext>
             </a:extLst>
           </p:cNvPr>
@@ -1131,7 +1133,7 @@
           <p:cNvPr id="4" name="Segnaposto data 3">
             <a:extLst>
               <a:ext uri="{FF2B5EF4-FFF2-40B4-BE49-F238E27FC236}">
-                <a16:creationId xmlns:a16="http://schemas.microsoft.com/office/drawing/2014/main" id="{662AECC0-C662-2078-930C-93FBE1C7B9BB}"/>
+                <a16:creationId xmlns:a16="http://schemas.microsoft.com/office/drawing/2014/main" id="{F8392849-1763-5CA7-0FD3-DF11D27A7461}"/>
               </a:ext>
             </a:extLst>
           </p:cNvPr>
@@ -1149,7 +1151,7 @@
           <a:p>
             <a:fld id="{84A671E0-5ED3-4EC8-917B-08DC168EAD8E}" type="datetimeFigureOut">
               <a:rPr lang="LID4096" smtClean="0"/>
-              <a:t>04/18/2023</a:t>
+              <a:t>05/14/2023</a:t>
             </a:fld>
             <a:endParaRPr lang="LID4096"/>
           </a:p>
@@ -1160,7 +1162,7 @@
           <p:cNvPr id="5" name="Segnaposto piè di pagina 4">
             <a:extLst>
               <a:ext uri="{FF2B5EF4-FFF2-40B4-BE49-F238E27FC236}">
-                <a16:creationId xmlns:a16="http://schemas.microsoft.com/office/drawing/2014/main" id="{52F5C15D-4118-830E-8CEE-308B41E69C25}"/>
+                <a16:creationId xmlns:a16="http://schemas.microsoft.com/office/drawing/2014/main" id="{95D7CE0E-1255-730A-0DD9-A6B0CB0D2E55}"/>
               </a:ext>
             </a:extLst>
           </p:cNvPr>
@@ -1185,7 +1187,7 @@
           <p:cNvPr id="6" name="Segnaposto numero diapositiva 5">
             <a:extLst>
               <a:ext uri="{FF2B5EF4-FFF2-40B4-BE49-F238E27FC236}">
-                <a16:creationId xmlns:a16="http://schemas.microsoft.com/office/drawing/2014/main" id="{EC536D6F-6894-45BD-0DA2-94A77D8A5550}"/>
+                <a16:creationId xmlns:a16="http://schemas.microsoft.com/office/drawing/2014/main" id="{BB166910-36D8-0206-30D9-8400A606D187}"/>
               </a:ext>
             </a:extLst>
           </p:cNvPr>
@@ -1212,7 +1214,7 @@
     </p:spTree>
     <p:extLst>
       <p:ext uri="{BB962C8B-B14F-4D97-AF65-F5344CB8AC3E}">
-        <p14:creationId xmlns:p14="http://schemas.microsoft.com/office/powerpoint/2010/main" val="2922867502"/>
+        <p14:creationId xmlns:p14="http://schemas.microsoft.com/office/powerpoint/2010/main" val="292179004"/>
       </p:ext>
     </p:extLst>
   </p:cSld>
@@ -1244,7 +1246,7 @@
           <p:cNvPr id="2" name="Titolo 1">
             <a:extLst>
               <a:ext uri="{FF2B5EF4-FFF2-40B4-BE49-F238E27FC236}">
-                <a16:creationId xmlns:a16="http://schemas.microsoft.com/office/drawing/2014/main" id="{0F93A9C8-46D3-6226-2B6F-0AA1DBBFB384}"/>
+                <a16:creationId xmlns:a16="http://schemas.microsoft.com/office/drawing/2014/main" id="{5CF609C8-A6E1-A9CB-9002-88F34F59704C}"/>
               </a:ext>
             </a:extLst>
           </p:cNvPr>
@@ -1264,7 +1266,6 @@
               <a:rPr lang="it-IT"/>
               <a:t>Fare clic per modificare lo stile del titolo dello schema</a:t>
             </a:r>
-            <a:endParaRPr lang="LID4096"/>
           </a:p>
         </p:txBody>
       </p:sp>
@@ -1273,7 +1274,7 @@
           <p:cNvPr id="3" name="Segnaposto contenuto 2">
             <a:extLst>
               <a:ext uri="{FF2B5EF4-FFF2-40B4-BE49-F238E27FC236}">
-                <a16:creationId xmlns:a16="http://schemas.microsoft.com/office/drawing/2014/main" id="{DC9FCE11-037B-A921-CD3A-396BC5863C62}"/>
+                <a16:creationId xmlns:a16="http://schemas.microsoft.com/office/drawing/2014/main" id="{C3613D88-7B69-0793-C460-0CCC2D18FFE1}"/>
               </a:ext>
             </a:extLst>
           </p:cNvPr>
@@ -1327,7 +1328,6 @@
               <a:rPr lang="it-IT"/>
               <a:t>Quinto livello</a:t>
             </a:r>
-            <a:endParaRPr lang="LID4096"/>
           </a:p>
         </p:txBody>
       </p:sp>
@@ -1336,7 +1336,7 @@
           <p:cNvPr id="4" name="Segnaposto contenuto 3">
             <a:extLst>
               <a:ext uri="{FF2B5EF4-FFF2-40B4-BE49-F238E27FC236}">
-                <a16:creationId xmlns:a16="http://schemas.microsoft.com/office/drawing/2014/main" id="{582AE527-3F34-711E-8D2F-3C6FCBC12CC2}"/>
+                <a16:creationId xmlns:a16="http://schemas.microsoft.com/office/drawing/2014/main" id="{2D2C9D8A-510E-B907-86F3-B42B769AF56F}"/>
               </a:ext>
             </a:extLst>
           </p:cNvPr>
@@ -1390,7 +1390,6 @@
               <a:rPr lang="it-IT"/>
               <a:t>Quinto livello</a:t>
             </a:r>
-            <a:endParaRPr lang="LID4096"/>
           </a:p>
         </p:txBody>
       </p:sp>
@@ -1399,7 +1398,7 @@
           <p:cNvPr id="5" name="Segnaposto data 4">
             <a:extLst>
               <a:ext uri="{FF2B5EF4-FFF2-40B4-BE49-F238E27FC236}">
-                <a16:creationId xmlns:a16="http://schemas.microsoft.com/office/drawing/2014/main" id="{3086E5C0-2F73-C48F-FDAA-D2B71C963610}"/>
+                <a16:creationId xmlns:a16="http://schemas.microsoft.com/office/drawing/2014/main" id="{E4AC3B64-84D7-3835-BF5E-B59E1F159059}"/>
               </a:ext>
             </a:extLst>
           </p:cNvPr>
@@ -1417,7 +1416,7 @@
           <a:p>
             <a:fld id="{84A671E0-5ED3-4EC8-917B-08DC168EAD8E}" type="datetimeFigureOut">
               <a:rPr lang="LID4096" smtClean="0"/>
-              <a:t>04/18/2023</a:t>
+              <a:t>05/14/2023</a:t>
             </a:fld>
             <a:endParaRPr lang="LID4096"/>
           </a:p>
@@ -1428,7 +1427,7 @@
           <p:cNvPr id="6" name="Segnaposto piè di pagina 5">
             <a:extLst>
               <a:ext uri="{FF2B5EF4-FFF2-40B4-BE49-F238E27FC236}">
-                <a16:creationId xmlns:a16="http://schemas.microsoft.com/office/drawing/2014/main" id="{C82D6620-17DF-55C9-8E44-36ACAA427EDA}"/>
+                <a16:creationId xmlns:a16="http://schemas.microsoft.com/office/drawing/2014/main" id="{899B8A9E-CA7D-FB74-E995-DB1852F3D4E1}"/>
               </a:ext>
             </a:extLst>
           </p:cNvPr>
@@ -1453,7 +1452,7 @@
           <p:cNvPr id="7" name="Segnaposto numero diapositiva 6">
             <a:extLst>
               <a:ext uri="{FF2B5EF4-FFF2-40B4-BE49-F238E27FC236}">
-                <a16:creationId xmlns:a16="http://schemas.microsoft.com/office/drawing/2014/main" id="{1C7A81EE-25D7-D7AA-1684-4B4A05D92F1A}"/>
+                <a16:creationId xmlns:a16="http://schemas.microsoft.com/office/drawing/2014/main" id="{8C1A5754-312C-B53D-A4FF-2C19F9129CAB}"/>
               </a:ext>
             </a:extLst>
           </p:cNvPr>
@@ -1480,7 +1479,7 @@
     </p:spTree>
     <p:extLst>
       <p:ext uri="{BB962C8B-B14F-4D97-AF65-F5344CB8AC3E}">
-        <p14:creationId xmlns:p14="http://schemas.microsoft.com/office/powerpoint/2010/main" val="4218971099"/>
+        <p14:creationId xmlns:p14="http://schemas.microsoft.com/office/powerpoint/2010/main" val="3949010321"/>
       </p:ext>
     </p:extLst>
   </p:cSld>
@@ -1512,7 +1511,7 @@
           <p:cNvPr id="2" name="Titolo 1">
             <a:extLst>
               <a:ext uri="{FF2B5EF4-FFF2-40B4-BE49-F238E27FC236}">
-                <a16:creationId xmlns:a16="http://schemas.microsoft.com/office/drawing/2014/main" id="{2112A8B0-E528-2CEE-8914-0CA3AE523E1E}"/>
+                <a16:creationId xmlns:a16="http://schemas.microsoft.com/office/drawing/2014/main" id="{DF65165F-7723-C763-0323-6680E12EFF5C}"/>
               </a:ext>
             </a:extLst>
           </p:cNvPr>
@@ -1537,7 +1536,6 @@
               <a:rPr lang="it-IT"/>
               <a:t>Fare clic per modificare lo stile del titolo dello schema</a:t>
             </a:r>
-            <a:endParaRPr lang="LID4096"/>
           </a:p>
         </p:txBody>
       </p:sp>
@@ -1546,7 +1544,7 @@
           <p:cNvPr id="3" name="Segnaposto testo 2">
             <a:extLst>
               <a:ext uri="{FF2B5EF4-FFF2-40B4-BE49-F238E27FC236}">
-                <a16:creationId xmlns:a16="http://schemas.microsoft.com/office/drawing/2014/main" id="{8F3F343A-81D7-F05D-A5DE-B38A8C82E829}"/>
+                <a16:creationId xmlns:a16="http://schemas.microsoft.com/office/drawing/2014/main" id="{359FFFBE-CE9E-7E59-797D-9EC35EC41EB7}"/>
               </a:ext>
             </a:extLst>
           </p:cNvPr>
@@ -1617,7 +1615,7 @@
           <p:cNvPr id="4" name="Segnaposto contenuto 3">
             <a:extLst>
               <a:ext uri="{FF2B5EF4-FFF2-40B4-BE49-F238E27FC236}">
-                <a16:creationId xmlns:a16="http://schemas.microsoft.com/office/drawing/2014/main" id="{E756C2A7-3426-5738-621A-2DE4E4A36964}"/>
+                <a16:creationId xmlns:a16="http://schemas.microsoft.com/office/drawing/2014/main" id="{60D49CB5-22C9-5761-8364-B4DFB5F3245A}"/>
               </a:ext>
             </a:extLst>
           </p:cNvPr>
@@ -1671,7 +1669,6 @@
               <a:rPr lang="it-IT"/>
               <a:t>Quinto livello</a:t>
             </a:r>
-            <a:endParaRPr lang="LID4096"/>
           </a:p>
         </p:txBody>
       </p:sp>
@@ -1680,7 +1677,7 @@
           <p:cNvPr id="5" name="Segnaposto testo 4">
             <a:extLst>
               <a:ext uri="{FF2B5EF4-FFF2-40B4-BE49-F238E27FC236}">
-                <a16:creationId xmlns:a16="http://schemas.microsoft.com/office/drawing/2014/main" id="{8FD3C31C-FD08-0FB7-BB62-E90DDAEE4B8B}"/>
+                <a16:creationId xmlns:a16="http://schemas.microsoft.com/office/drawing/2014/main" id="{A558F46F-066C-4617-0AD7-2D25988E2836}"/>
               </a:ext>
             </a:extLst>
           </p:cNvPr>
@@ -1751,7 +1748,7 @@
           <p:cNvPr id="6" name="Segnaposto contenuto 5">
             <a:extLst>
               <a:ext uri="{FF2B5EF4-FFF2-40B4-BE49-F238E27FC236}">
-                <a16:creationId xmlns:a16="http://schemas.microsoft.com/office/drawing/2014/main" id="{48A13BD5-6BB7-8C5C-E8C3-C4E1FBD39B54}"/>
+                <a16:creationId xmlns:a16="http://schemas.microsoft.com/office/drawing/2014/main" id="{C0E16920-D9DA-DF56-D050-EA9965884A14}"/>
               </a:ext>
             </a:extLst>
           </p:cNvPr>
@@ -1805,7 +1802,6 @@
               <a:rPr lang="it-IT"/>
               <a:t>Quinto livello</a:t>
             </a:r>
-            <a:endParaRPr lang="LID4096"/>
           </a:p>
         </p:txBody>
       </p:sp>
@@ -1814,7 +1810,7 @@
           <p:cNvPr id="7" name="Segnaposto data 6">
             <a:extLst>
               <a:ext uri="{FF2B5EF4-FFF2-40B4-BE49-F238E27FC236}">
-                <a16:creationId xmlns:a16="http://schemas.microsoft.com/office/drawing/2014/main" id="{DCE1C6C3-B0F9-4833-C775-6978FFD8F0AA}"/>
+                <a16:creationId xmlns:a16="http://schemas.microsoft.com/office/drawing/2014/main" id="{FA440851-E015-F6AA-F085-56A620DAF16A}"/>
               </a:ext>
             </a:extLst>
           </p:cNvPr>
@@ -1832,7 +1828,7 @@
           <a:p>
             <a:fld id="{84A671E0-5ED3-4EC8-917B-08DC168EAD8E}" type="datetimeFigureOut">
               <a:rPr lang="LID4096" smtClean="0"/>
-              <a:t>04/18/2023</a:t>
+              <a:t>05/14/2023</a:t>
             </a:fld>
             <a:endParaRPr lang="LID4096"/>
           </a:p>
@@ -1843,7 +1839,7 @@
           <p:cNvPr id="8" name="Segnaposto piè di pagina 7">
             <a:extLst>
               <a:ext uri="{FF2B5EF4-FFF2-40B4-BE49-F238E27FC236}">
-                <a16:creationId xmlns:a16="http://schemas.microsoft.com/office/drawing/2014/main" id="{D871C82F-9163-F717-8A87-21813D0C4E56}"/>
+                <a16:creationId xmlns:a16="http://schemas.microsoft.com/office/drawing/2014/main" id="{3C1E7BF5-29D7-8402-18AF-731E18CC5650}"/>
               </a:ext>
             </a:extLst>
           </p:cNvPr>
@@ -1868,7 +1864,7 @@
           <p:cNvPr id="9" name="Segnaposto numero diapositiva 8">
             <a:extLst>
               <a:ext uri="{FF2B5EF4-FFF2-40B4-BE49-F238E27FC236}">
-                <a16:creationId xmlns:a16="http://schemas.microsoft.com/office/drawing/2014/main" id="{8330BBBA-3BF0-B4B8-A71D-F03F456A2841}"/>
+                <a16:creationId xmlns:a16="http://schemas.microsoft.com/office/drawing/2014/main" id="{2BACB50C-F352-6F02-3ACD-ACD3D48D1D15}"/>
               </a:ext>
             </a:extLst>
           </p:cNvPr>
@@ -1895,7 +1891,7 @@
     </p:spTree>
     <p:extLst>
       <p:ext uri="{BB962C8B-B14F-4D97-AF65-F5344CB8AC3E}">
-        <p14:creationId xmlns:p14="http://schemas.microsoft.com/office/powerpoint/2010/main" val="3644836744"/>
+        <p14:creationId xmlns:p14="http://schemas.microsoft.com/office/powerpoint/2010/main" val="3760391800"/>
       </p:ext>
     </p:extLst>
   </p:cSld>
@@ -1927,7 +1923,7 @@
           <p:cNvPr id="2" name="Titolo 1">
             <a:extLst>
               <a:ext uri="{FF2B5EF4-FFF2-40B4-BE49-F238E27FC236}">
-                <a16:creationId xmlns:a16="http://schemas.microsoft.com/office/drawing/2014/main" id="{7B16ED03-F69D-3E8A-1F41-F890FEA13860}"/>
+                <a16:creationId xmlns:a16="http://schemas.microsoft.com/office/drawing/2014/main" id="{2F4C0740-5927-3EAD-5C15-7B0A71B6D6BA}"/>
               </a:ext>
             </a:extLst>
           </p:cNvPr>
@@ -1947,7 +1943,6 @@
               <a:rPr lang="it-IT"/>
               <a:t>Fare clic per modificare lo stile del titolo dello schema</a:t>
             </a:r>
-            <a:endParaRPr lang="LID4096"/>
           </a:p>
         </p:txBody>
       </p:sp>
@@ -1956,7 +1951,7 @@
           <p:cNvPr id="3" name="Segnaposto data 2">
             <a:extLst>
               <a:ext uri="{FF2B5EF4-FFF2-40B4-BE49-F238E27FC236}">
-                <a16:creationId xmlns:a16="http://schemas.microsoft.com/office/drawing/2014/main" id="{8EF4252F-A22A-070C-8816-E0249A9E9112}"/>
+                <a16:creationId xmlns:a16="http://schemas.microsoft.com/office/drawing/2014/main" id="{D979FCD7-E72E-B50C-8ADC-2ABF7ADD36EF}"/>
               </a:ext>
             </a:extLst>
           </p:cNvPr>
@@ -1974,7 +1969,7 @@
           <a:p>
             <a:fld id="{84A671E0-5ED3-4EC8-917B-08DC168EAD8E}" type="datetimeFigureOut">
               <a:rPr lang="LID4096" smtClean="0"/>
-              <a:t>04/18/2023</a:t>
+              <a:t>05/14/2023</a:t>
             </a:fld>
             <a:endParaRPr lang="LID4096"/>
           </a:p>
@@ -1985,7 +1980,7 @@
           <p:cNvPr id="4" name="Segnaposto piè di pagina 3">
             <a:extLst>
               <a:ext uri="{FF2B5EF4-FFF2-40B4-BE49-F238E27FC236}">
-                <a16:creationId xmlns:a16="http://schemas.microsoft.com/office/drawing/2014/main" id="{19CE6C20-760D-BBED-D774-DB9E1281D8DD}"/>
+                <a16:creationId xmlns:a16="http://schemas.microsoft.com/office/drawing/2014/main" id="{A88C5DDC-98A1-7961-8632-C6B105D13488}"/>
               </a:ext>
             </a:extLst>
           </p:cNvPr>
@@ -2010,7 +2005,7 @@
           <p:cNvPr id="5" name="Segnaposto numero diapositiva 4">
             <a:extLst>
               <a:ext uri="{FF2B5EF4-FFF2-40B4-BE49-F238E27FC236}">
-                <a16:creationId xmlns:a16="http://schemas.microsoft.com/office/drawing/2014/main" id="{F3E2975D-C66A-536D-F34D-8F525CB170CE}"/>
+                <a16:creationId xmlns:a16="http://schemas.microsoft.com/office/drawing/2014/main" id="{D149F7DB-BF9B-FF92-40A5-B1551F58CA9D}"/>
               </a:ext>
             </a:extLst>
           </p:cNvPr>
@@ -2037,7 +2032,7 @@
     </p:spTree>
     <p:extLst>
       <p:ext uri="{BB962C8B-B14F-4D97-AF65-F5344CB8AC3E}">
-        <p14:creationId xmlns:p14="http://schemas.microsoft.com/office/powerpoint/2010/main" val="4067553622"/>
+        <p14:creationId xmlns:p14="http://schemas.microsoft.com/office/powerpoint/2010/main" val="4013973507"/>
       </p:ext>
     </p:extLst>
   </p:cSld>
@@ -2069,7 +2064,7 @@
           <p:cNvPr id="2" name="Segnaposto data 1">
             <a:extLst>
               <a:ext uri="{FF2B5EF4-FFF2-40B4-BE49-F238E27FC236}">
-                <a16:creationId xmlns:a16="http://schemas.microsoft.com/office/drawing/2014/main" id="{8D78CAE9-279A-BC62-D363-BA069025AEF5}"/>
+                <a16:creationId xmlns:a16="http://schemas.microsoft.com/office/drawing/2014/main" id="{74983496-1AA8-F676-5F02-0D6C15BBE73C}"/>
               </a:ext>
             </a:extLst>
           </p:cNvPr>
@@ -2087,7 +2082,7 @@
           <a:p>
             <a:fld id="{84A671E0-5ED3-4EC8-917B-08DC168EAD8E}" type="datetimeFigureOut">
               <a:rPr lang="LID4096" smtClean="0"/>
-              <a:t>04/18/2023</a:t>
+              <a:t>05/14/2023</a:t>
             </a:fld>
             <a:endParaRPr lang="LID4096"/>
           </a:p>
@@ -2098,7 +2093,7 @@
           <p:cNvPr id="3" name="Segnaposto piè di pagina 2">
             <a:extLst>
               <a:ext uri="{FF2B5EF4-FFF2-40B4-BE49-F238E27FC236}">
-                <a16:creationId xmlns:a16="http://schemas.microsoft.com/office/drawing/2014/main" id="{BDCD170E-3805-998C-6E40-30FAA3A2A5F5}"/>
+                <a16:creationId xmlns:a16="http://schemas.microsoft.com/office/drawing/2014/main" id="{DBE87C5B-4E47-0AFF-CB4B-DE5A89E69694}"/>
               </a:ext>
             </a:extLst>
           </p:cNvPr>
@@ -2123,7 +2118,7 @@
           <p:cNvPr id="4" name="Segnaposto numero diapositiva 3">
             <a:extLst>
               <a:ext uri="{FF2B5EF4-FFF2-40B4-BE49-F238E27FC236}">
-                <a16:creationId xmlns:a16="http://schemas.microsoft.com/office/drawing/2014/main" id="{DF0D7317-70F2-6BFD-D52C-E1CA1D011677}"/>
+                <a16:creationId xmlns:a16="http://schemas.microsoft.com/office/drawing/2014/main" id="{5080784B-689A-7EF2-F18A-5862A5BFF0EB}"/>
               </a:ext>
             </a:extLst>
           </p:cNvPr>
@@ -2150,7 +2145,7 @@
     </p:spTree>
     <p:extLst>
       <p:ext uri="{BB962C8B-B14F-4D97-AF65-F5344CB8AC3E}">
-        <p14:creationId xmlns:p14="http://schemas.microsoft.com/office/powerpoint/2010/main" val="2169699676"/>
+        <p14:creationId xmlns:p14="http://schemas.microsoft.com/office/powerpoint/2010/main" val="1500051359"/>
       </p:ext>
     </p:extLst>
   </p:cSld>
@@ -2182,7 +2177,7 @@
           <p:cNvPr id="2" name="Titolo 1">
             <a:extLst>
               <a:ext uri="{FF2B5EF4-FFF2-40B4-BE49-F238E27FC236}">
-                <a16:creationId xmlns:a16="http://schemas.microsoft.com/office/drawing/2014/main" id="{10FB14DD-4837-2976-03A1-F7C444DD1534}"/>
+                <a16:creationId xmlns:a16="http://schemas.microsoft.com/office/drawing/2014/main" id="{E00EF4BB-BD55-FCF8-926C-3B745F42EB3F}"/>
               </a:ext>
             </a:extLst>
           </p:cNvPr>
@@ -2211,7 +2206,6 @@
               <a:rPr lang="it-IT"/>
               <a:t>Fare clic per modificare lo stile del titolo dello schema</a:t>
             </a:r>
-            <a:endParaRPr lang="LID4096"/>
           </a:p>
         </p:txBody>
       </p:sp>
@@ -2220,7 +2214,7 @@
           <p:cNvPr id="3" name="Segnaposto contenuto 2">
             <a:extLst>
               <a:ext uri="{FF2B5EF4-FFF2-40B4-BE49-F238E27FC236}">
-                <a16:creationId xmlns:a16="http://schemas.microsoft.com/office/drawing/2014/main" id="{CDBBA516-0FA7-4C3F-01CF-4C8920DB09C9}"/>
+                <a16:creationId xmlns:a16="http://schemas.microsoft.com/office/drawing/2014/main" id="{6D64E772-CD9D-BF52-F1D0-5256268599E9}"/>
               </a:ext>
             </a:extLst>
           </p:cNvPr>
@@ -2302,7 +2296,6 @@
               <a:rPr lang="it-IT"/>
               <a:t>Quinto livello</a:t>
             </a:r>
-            <a:endParaRPr lang="LID4096"/>
           </a:p>
         </p:txBody>
       </p:sp>
@@ -2311,7 +2304,7 @@
           <p:cNvPr id="4" name="Segnaposto testo 3">
             <a:extLst>
               <a:ext uri="{FF2B5EF4-FFF2-40B4-BE49-F238E27FC236}">
-                <a16:creationId xmlns:a16="http://schemas.microsoft.com/office/drawing/2014/main" id="{F94D91D6-10E5-D5A0-63B1-5250AD982A3B}"/>
+                <a16:creationId xmlns:a16="http://schemas.microsoft.com/office/drawing/2014/main" id="{72DA2E89-DC59-7251-A019-D16D41E2B5E5}"/>
               </a:ext>
             </a:extLst>
           </p:cNvPr>
@@ -2382,7 +2375,7 @@
           <p:cNvPr id="5" name="Segnaposto data 4">
             <a:extLst>
               <a:ext uri="{FF2B5EF4-FFF2-40B4-BE49-F238E27FC236}">
-                <a16:creationId xmlns:a16="http://schemas.microsoft.com/office/drawing/2014/main" id="{E28B6141-D077-F07E-1C16-A35520BA009F}"/>
+                <a16:creationId xmlns:a16="http://schemas.microsoft.com/office/drawing/2014/main" id="{94C816C0-F140-F231-437E-F1B4FEF47634}"/>
               </a:ext>
             </a:extLst>
           </p:cNvPr>
@@ -2400,7 +2393,7 @@
           <a:p>
             <a:fld id="{84A671E0-5ED3-4EC8-917B-08DC168EAD8E}" type="datetimeFigureOut">
               <a:rPr lang="LID4096" smtClean="0"/>
-              <a:t>04/18/2023</a:t>
+              <a:t>05/14/2023</a:t>
             </a:fld>
             <a:endParaRPr lang="LID4096"/>
           </a:p>
@@ -2411,7 +2404,7 @@
           <p:cNvPr id="6" name="Segnaposto piè di pagina 5">
             <a:extLst>
               <a:ext uri="{FF2B5EF4-FFF2-40B4-BE49-F238E27FC236}">
-                <a16:creationId xmlns:a16="http://schemas.microsoft.com/office/drawing/2014/main" id="{0B954BD1-C3A9-0B23-7C0B-35B84DE4C4A9}"/>
+                <a16:creationId xmlns:a16="http://schemas.microsoft.com/office/drawing/2014/main" id="{ED0F4422-9563-A2AC-FF7A-A257B2E3B5AC}"/>
               </a:ext>
             </a:extLst>
           </p:cNvPr>
@@ -2436,7 +2429,7 @@
           <p:cNvPr id="7" name="Segnaposto numero diapositiva 6">
             <a:extLst>
               <a:ext uri="{FF2B5EF4-FFF2-40B4-BE49-F238E27FC236}">
-                <a16:creationId xmlns:a16="http://schemas.microsoft.com/office/drawing/2014/main" id="{E15428F5-6329-8948-7023-E844AA2FB448}"/>
+                <a16:creationId xmlns:a16="http://schemas.microsoft.com/office/drawing/2014/main" id="{ED6DD3C1-47C9-B458-6127-60353330ADDB}"/>
               </a:ext>
             </a:extLst>
           </p:cNvPr>
@@ -2463,7 +2456,7 @@
     </p:spTree>
     <p:extLst>
       <p:ext uri="{BB962C8B-B14F-4D97-AF65-F5344CB8AC3E}">
-        <p14:creationId xmlns:p14="http://schemas.microsoft.com/office/powerpoint/2010/main" val="2282241109"/>
+        <p14:creationId xmlns:p14="http://schemas.microsoft.com/office/powerpoint/2010/main" val="317958457"/>
       </p:ext>
     </p:extLst>
   </p:cSld>
@@ -2495,7 +2488,7 @@
           <p:cNvPr id="2" name="Titolo 1">
             <a:extLst>
               <a:ext uri="{FF2B5EF4-FFF2-40B4-BE49-F238E27FC236}">
-                <a16:creationId xmlns:a16="http://schemas.microsoft.com/office/drawing/2014/main" id="{DF1E7F82-48F5-56FF-5EB9-1EB70F1809A8}"/>
+                <a16:creationId xmlns:a16="http://schemas.microsoft.com/office/drawing/2014/main" id="{35F1C4A0-8DF0-2EB2-F8B9-72B37FEC387A}"/>
               </a:ext>
             </a:extLst>
           </p:cNvPr>
@@ -2524,7 +2517,6 @@
               <a:rPr lang="it-IT"/>
               <a:t>Fare clic per modificare lo stile del titolo dello schema</a:t>
             </a:r>
-            <a:endParaRPr lang="LID4096"/>
           </a:p>
         </p:txBody>
       </p:sp>
@@ -2533,7 +2525,7 @@
           <p:cNvPr id="3" name="Segnaposto immagine 2">
             <a:extLst>
               <a:ext uri="{FF2B5EF4-FFF2-40B4-BE49-F238E27FC236}">
-                <a16:creationId xmlns:a16="http://schemas.microsoft.com/office/drawing/2014/main" id="{5142ECF3-3EF3-F5DF-D0A7-98CDB7334BA6}"/>
+                <a16:creationId xmlns:a16="http://schemas.microsoft.com/office/drawing/2014/main" id="{CA653FEB-6F94-7DBA-1EEB-86160229B976}"/>
               </a:ext>
             </a:extLst>
           </p:cNvPr>
@@ -2591,7 +2583,7 @@
             </a:lvl9pPr>
           </a:lstStyle>
           <a:p>
-            <a:endParaRPr lang="LID4096"/>
+            <a:endParaRPr lang="it-IT"/>
           </a:p>
         </p:txBody>
       </p:sp>
@@ -2600,7 +2592,7 @@
           <p:cNvPr id="4" name="Segnaposto testo 3">
             <a:extLst>
               <a:ext uri="{FF2B5EF4-FFF2-40B4-BE49-F238E27FC236}">
-                <a16:creationId xmlns:a16="http://schemas.microsoft.com/office/drawing/2014/main" id="{B317FEE4-2EA1-8CBA-9569-8FEDCC92FAF9}"/>
+                <a16:creationId xmlns:a16="http://schemas.microsoft.com/office/drawing/2014/main" id="{606DC89F-E68E-FE89-D32C-FA21FDBC9D62}"/>
               </a:ext>
             </a:extLst>
           </p:cNvPr>
@@ -2671,7 +2663,7 @@
           <p:cNvPr id="5" name="Segnaposto data 4">
             <a:extLst>
               <a:ext uri="{FF2B5EF4-FFF2-40B4-BE49-F238E27FC236}">
-                <a16:creationId xmlns:a16="http://schemas.microsoft.com/office/drawing/2014/main" id="{CB2C3D14-915D-6698-4DEE-D292D538D57B}"/>
+                <a16:creationId xmlns:a16="http://schemas.microsoft.com/office/drawing/2014/main" id="{3AAB8E30-DA32-FBA9-FDBB-3A288EE2FA66}"/>
               </a:ext>
             </a:extLst>
           </p:cNvPr>
@@ -2689,7 +2681,7 @@
           <a:p>
             <a:fld id="{84A671E0-5ED3-4EC8-917B-08DC168EAD8E}" type="datetimeFigureOut">
               <a:rPr lang="LID4096" smtClean="0"/>
-              <a:t>04/18/2023</a:t>
+              <a:t>05/14/2023</a:t>
             </a:fld>
             <a:endParaRPr lang="LID4096"/>
           </a:p>
@@ -2700,7 +2692,7 @@
           <p:cNvPr id="6" name="Segnaposto piè di pagina 5">
             <a:extLst>
               <a:ext uri="{FF2B5EF4-FFF2-40B4-BE49-F238E27FC236}">
-                <a16:creationId xmlns:a16="http://schemas.microsoft.com/office/drawing/2014/main" id="{FBF77725-7E91-05A8-053E-EE1150D1F3D0}"/>
+                <a16:creationId xmlns:a16="http://schemas.microsoft.com/office/drawing/2014/main" id="{C5C5510C-EA83-916F-7ED6-66C096FBCB08}"/>
               </a:ext>
             </a:extLst>
           </p:cNvPr>
@@ -2725,7 +2717,7 @@
           <p:cNvPr id="7" name="Segnaposto numero diapositiva 6">
             <a:extLst>
               <a:ext uri="{FF2B5EF4-FFF2-40B4-BE49-F238E27FC236}">
-                <a16:creationId xmlns:a16="http://schemas.microsoft.com/office/drawing/2014/main" id="{CDE1F5F6-C174-19BE-4850-02F55763079A}"/>
+                <a16:creationId xmlns:a16="http://schemas.microsoft.com/office/drawing/2014/main" id="{3C89E157-4EEF-5786-74CD-473C9253DE29}"/>
               </a:ext>
             </a:extLst>
           </p:cNvPr>
@@ -2752,7 +2744,7 @@
     </p:spTree>
     <p:extLst>
       <p:ext uri="{BB962C8B-B14F-4D97-AF65-F5344CB8AC3E}">
-        <p14:creationId xmlns:p14="http://schemas.microsoft.com/office/powerpoint/2010/main" val="1576932942"/>
+        <p14:creationId xmlns:p14="http://schemas.microsoft.com/office/powerpoint/2010/main" val="3593864243"/>
       </p:ext>
     </p:extLst>
   </p:cSld>
@@ -2789,7 +2781,7 @@
           <p:cNvPr id="2" name="Segnaposto titolo 1">
             <a:extLst>
               <a:ext uri="{FF2B5EF4-FFF2-40B4-BE49-F238E27FC236}">
-                <a16:creationId xmlns:a16="http://schemas.microsoft.com/office/drawing/2014/main" id="{7D4DF2B6-FCD5-F567-80B0-23325A947158}"/>
+                <a16:creationId xmlns:a16="http://schemas.microsoft.com/office/drawing/2014/main" id="{3CFD9039-7ABB-7C84-B5C6-9048198DEF91}"/>
               </a:ext>
             </a:extLst>
           </p:cNvPr>
@@ -2819,7 +2811,6 @@
               <a:rPr lang="it-IT"/>
               <a:t>Fare clic per modificare lo stile del titolo dello schema</a:t>
             </a:r>
-            <a:endParaRPr lang="LID4096"/>
           </a:p>
         </p:txBody>
       </p:sp>
@@ -2828,7 +2819,7 @@
           <p:cNvPr id="3" name="Segnaposto testo 2">
             <a:extLst>
               <a:ext uri="{FF2B5EF4-FFF2-40B4-BE49-F238E27FC236}">
-                <a16:creationId xmlns:a16="http://schemas.microsoft.com/office/drawing/2014/main" id="{DEDAF0A7-DB4B-0F28-7E35-E373E2375CF3}"/>
+                <a16:creationId xmlns:a16="http://schemas.microsoft.com/office/drawing/2014/main" id="{31E25D92-115D-1860-EF65-DEE0750F323B}"/>
               </a:ext>
             </a:extLst>
           </p:cNvPr>
@@ -2887,7 +2878,6 @@
               <a:rPr lang="it-IT"/>
               <a:t>Quinto livello</a:t>
             </a:r>
-            <a:endParaRPr lang="LID4096"/>
           </a:p>
         </p:txBody>
       </p:sp>
@@ -2896,7 +2886,7 @@
           <p:cNvPr id="4" name="Segnaposto data 3">
             <a:extLst>
               <a:ext uri="{FF2B5EF4-FFF2-40B4-BE49-F238E27FC236}">
-                <a16:creationId xmlns:a16="http://schemas.microsoft.com/office/drawing/2014/main" id="{5FA5A804-C3D3-B1DE-E267-3EA09A97B602}"/>
+                <a16:creationId xmlns:a16="http://schemas.microsoft.com/office/drawing/2014/main" id="{57FC409A-5C26-A167-6228-683DE243F512}"/>
               </a:ext>
             </a:extLst>
           </p:cNvPr>
@@ -2932,7 +2922,7 @@
           <a:p>
             <a:fld id="{84A671E0-5ED3-4EC8-917B-08DC168EAD8E}" type="datetimeFigureOut">
               <a:rPr lang="LID4096" smtClean="0"/>
-              <a:t>04/18/2023</a:t>
+              <a:t>05/14/2023</a:t>
             </a:fld>
             <a:endParaRPr lang="LID4096"/>
           </a:p>
@@ -2943,7 +2933,7 @@
           <p:cNvPr id="5" name="Segnaposto piè di pagina 4">
             <a:extLst>
               <a:ext uri="{FF2B5EF4-FFF2-40B4-BE49-F238E27FC236}">
-                <a16:creationId xmlns:a16="http://schemas.microsoft.com/office/drawing/2014/main" id="{21BF1CB2-D6C6-6F7E-4819-619808ED8936}"/>
+                <a16:creationId xmlns:a16="http://schemas.microsoft.com/office/drawing/2014/main" id="{2E2739D9-C954-2EC9-9B88-F4BD9B2135F9}"/>
               </a:ext>
             </a:extLst>
           </p:cNvPr>
@@ -2986,7 +2976,7 @@
           <p:cNvPr id="6" name="Segnaposto numero diapositiva 5">
             <a:extLst>
               <a:ext uri="{FF2B5EF4-FFF2-40B4-BE49-F238E27FC236}">
-                <a16:creationId xmlns:a16="http://schemas.microsoft.com/office/drawing/2014/main" id="{4CB1A30A-D01A-0327-A695-F7B740FE2ABA}"/>
+                <a16:creationId xmlns:a16="http://schemas.microsoft.com/office/drawing/2014/main" id="{0E5308C4-F100-29C8-D7D5-7C27B73DE7EE}"/>
               </a:ext>
             </a:extLst>
           </p:cNvPr>
@@ -3031,23 +3021,23 @@
     </p:spTree>
     <p:extLst>
       <p:ext uri="{BB962C8B-B14F-4D97-AF65-F5344CB8AC3E}">
-        <p14:creationId xmlns:p14="http://schemas.microsoft.com/office/powerpoint/2010/main" val="340045321"/>
+        <p14:creationId xmlns:p14="http://schemas.microsoft.com/office/powerpoint/2010/main" val="4254190762"/>
       </p:ext>
     </p:extLst>
   </p:cSld>
   <p:clrMap bg1="lt1" tx1="dk1" bg2="lt2" tx2="dk2" accent1="accent1" accent2="accent2" accent3="accent3" accent4="accent4" accent5="accent5" accent6="accent6" hlink="hlink" folHlink="folHlink"/>
   <p:sldLayoutIdLst>
-    <p:sldLayoutId id="2147483649" r:id="rId1"/>
-    <p:sldLayoutId id="2147483650" r:id="rId2"/>
-    <p:sldLayoutId id="2147483651" r:id="rId3"/>
-    <p:sldLayoutId id="2147483652" r:id="rId4"/>
-    <p:sldLayoutId id="2147483653" r:id="rId5"/>
-    <p:sldLayoutId id="2147483654" r:id="rId6"/>
-    <p:sldLayoutId id="2147483655" r:id="rId7"/>
-    <p:sldLayoutId id="2147483656" r:id="rId8"/>
-    <p:sldLayoutId id="2147483657" r:id="rId9"/>
-    <p:sldLayoutId id="2147483658" r:id="rId10"/>
-    <p:sldLayoutId id="2147483659" r:id="rId11"/>
+    <p:sldLayoutId id="2147483661" r:id="rId1"/>
+    <p:sldLayoutId id="2147483662" r:id="rId2"/>
+    <p:sldLayoutId id="2147483663" r:id="rId3"/>
+    <p:sldLayoutId id="2147483664" r:id="rId4"/>
+    <p:sldLayoutId id="2147483665" r:id="rId5"/>
+    <p:sldLayoutId id="2147483666" r:id="rId6"/>
+    <p:sldLayoutId id="2147483667" r:id="rId7"/>
+    <p:sldLayoutId id="2147483668" r:id="rId8"/>
+    <p:sldLayoutId id="2147483669" r:id="rId9"/>
+    <p:sldLayoutId id="2147483670" r:id="rId10"/>
+    <p:sldLayoutId id="2147483671" r:id="rId11"/>
   </p:sldLayoutIdLst>
   <p:txStyles>
     <p:titleStyle>
@@ -3235,7 +3225,7 @@
     </p:bodyStyle>
     <p:otherStyle>
       <a:defPPr>
-        <a:defRPr lang="LID4096"/>
+        <a:defRPr lang="it-IT"/>
       </a:defPPr>
       <a:lvl1pPr marL="0" algn="l" defTabSz="914400" rtl="0" eaLnBrk="1" latinLnBrk="0" hangingPunct="1">
         <a:defRPr sz="1800" kern="1200">
@@ -3417,7 +3407,7 @@
           <a:p>
             <a:r>
               <a:rPr lang="it-IT" dirty="0"/>
-              <a:t>Ai for Cybersecurity </a:t>
+              <a:t>AI for Cybersecurity </a:t>
             </a:r>
             <a:r>
               <a:rPr lang="it-IT" dirty="0" err="1"/>
@@ -3448,6 +3438,45 @@
           </a:p>
         </p:txBody>
       </p:sp>
+      <p:pic>
+        <p:nvPicPr>
+          <p:cNvPr id="10" name="Elemento grafico 9">
+            <a:extLst>
+              <a:ext uri="{FF2B5EF4-FFF2-40B4-BE49-F238E27FC236}">
+                <a16:creationId xmlns:a16="http://schemas.microsoft.com/office/drawing/2014/main" id="{E791E449-F705-1E59-523D-2091A281D080}"/>
+              </a:ext>
+            </a:extLst>
+          </p:cNvPr>
+          <p:cNvPicPr>
+            <a:picLocks noChangeAspect="1"/>
+          </p:cNvPicPr>
+          <p:nvPr/>
+        </p:nvPicPr>
+        <p:blipFill>
+          <a:blip r:embed="rId2">
+            <a:extLst>
+              <a:ext uri="{28A0092B-C50C-407E-A947-70E740481C1C}">
+                <a14:useLocalDpi xmlns:a14="http://schemas.microsoft.com/office/drawing/2010/main" val="0"/>
+              </a:ext>
+              <a:ext uri="{96DAC541-7B7A-43D3-8B79-37D633B846F1}">
+                <asvg:svgBlip xmlns:asvg="http://schemas.microsoft.com/office/drawing/2016/SVG/main" r:embed="rId3"/>
+              </a:ext>
+            </a:extLst>
+          </a:blip>
+          <a:stretch>
+            <a:fillRect/>
+          </a:stretch>
+        </p:blipFill>
+        <p:spPr>
+          <a:xfrm>
+            <a:off x="5134758" y="815009"/>
+            <a:ext cx="1922484" cy="1026008"/>
+          </a:xfrm>
+          <a:prstGeom prst="rect">
+            <a:avLst/>
+          </a:prstGeom>
+        </p:spPr>
+      </p:pic>
     </p:spTree>
     <p:extLst>
       <p:ext uri="{BB962C8B-B14F-4D97-AF65-F5344CB8AC3E}">
@@ -3461,7 +3490,7 @@
 </p:sld>
 </file>
 
-<file path=ppt/slides/slide2.xml><?xml version="1.0" encoding="utf-8"?>
+<file path=ppt/slides/slide10.xml><?xml version="1.0" encoding="utf-8"?>
 <p:sld xmlns:a="http://schemas.openxmlformats.org/drawingml/2006/main" xmlns:r="http://schemas.openxmlformats.org/officeDocument/2006/relationships" xmlns:p="http://schemas.openxmlformats.org/presentationml/2006/main">
   <p:cSld>
     <p:spTree>
@@ -3483,7 +3512,7 @@
           <p:cNvPr id="2" name="Titolo 1">
             <a:extLst>
               <a:ext uri="{FF2B5EF4-FFF2-40B4-BE49-F238E27FC236}">
-                <a16:creationId xmlns:a16="http://schemas.microsoft.com/office/drawing/2014/main" id="{A824677D-B283-E717-442F-D7AB009ABA90}"/>
+                <a16:creationId xmlns:a16="http://schemas.microsoft.com/office/drawing/2014/main" id="{AA65FE1E-A212-6BF2-4319-7747C88C5388}"/>
               </a:ext>
             </a:extLst>
           </p:cNvPr>
@@ -3501,7 +3530,11 @@
           <a:p>
             <a:r>
               <a:rPr lang="it-IT" dirty="0"/>
-              <a:t>Goal of the project</a:t>
+              <a:t>Cross-</a:t>
+            </a:r>
+            <a:r>
+              <a:rPr lang="it-IT" dirty="0" err="1"/>
+              <a:t>validation</a:t>
             </a:r>
             <a:endParaRPr lang="LID4096" dirty="0"/>
           </a:p>
@@ -3512,7 +3545,7 @@
           <p:cNvPr id="3" name="Segnaposto contenuto 2">
             <a:extLst>
               <a:ext uri="{FF2B5EF4-FFF2-40B4-BE49-F238E27FC236}">
-                <a16:creationId xmlns:a16="http://schemas.microsoft.com/office/drawing/2014/main" id="{5273045B-F664-766B-5457-A0C0ECDF53A6}"/>
+                <a16:creationId xmlns:a16="http://schemas.microsoft.com/office/drawing/2014/main" id="{1CAA9358-B211-C9C2-1344-BCA45F62A904}"/>
               </a:ext>
             </a:extLst>
           </p:cNvPr>
@@ -3523,33 +3556,1057 @@
             <p:ph idx="1"/>
           </p:nvPr>
         </p:nvSpPr>
-        <p:spPr/>
-        <p:txBody>
-          <a:bodyPr/>
+        <p:spPr>
+          <a:xfrm>
+            <a:off x="838199" y="1825625"/>
+            <a:ext cx="10515599" cy="2004080"/>
+          </a:xfrm>
+        </p:spPr>
+        <p:txBody>
+          <a:bodyPr>
+            <a:normAutofit fontScale="92500" lnSpcReduction="20000"/>
+          </a:bodyPr>
           <a:lstStyle/>
           <a:p>
             <a:r>
-              <a:rPr lang="it-IT" dirty="0"/>
-              <a:t>Dataset</a:t>
-            </a:r>
-          </a:p>
-          <a:p>
-            <a:r>
-              <a:rPr lang="it-IT" dirty="0" err="1"/>
-              <a:t>Rationale</a:t>
-            </a:r>
-            <a:r>
-              <a:rPr lang="it-IT" dirty="0"/>
-              <a:t> and goals</a:t>
-            </a:r>
-            <a:endParaRPr lang="LID4096" dirty="0"/>
-          </a:p>
-        </p:txBody>
-      </p:sp>
+              <a:rPr lang="en-US" dirty="0"/>
+              <a:t>Stratified 10-fold cross validation</a:t>
+            </a:r>
+          </a:p>
+          <a:p>
+            <a:r>
+              <a:rPr lang="en-US" dirty="0"/>
+              <a:t>Classifiers used: Decision tree, random forest, gaussian naïve Bayes, stochastic gradient descent, neural network (multilayer perceptron)</a:t>
+            </a:r>
+          </a:p>
+          <a:p>
+            <a:r>
+              <a:rPr lang="en-US" dirty="0"/>
+              <a:t>Metrics used: accuracy, precision, recall, f1-score</a:t>
+            </a:r>
+          </a:p>
+          <a:p>
+            <a:r>
+              <a:rPr lang="en-US" dirty="0"/>
+              <a:t>Confidence threshold for Wilcoxon test is 5%</a:t>
+            </a:r>
+          </a:p>
+          <a:p>
+            <a:endParaRPr lang="en-US" u="sng" dirty="0"/>
+          </a:p>
+        </p:txBody>
+      </p:sp>
+      <p:sp>
+        <p:nvSpPr>
+          <p:cNvPr id="12" name="Rettangolo 11">
+            <a:extLst>
+              <a:ext uri="{FF2B5EF4-FFF2-40B4-BE49-F238E27FC236}">
+                <a16:creationId xmlns:a16="http://schemas.microsoft.com/office/drawing/2014/main" id="{AC4C9E7B-5444-51D2-6B27-C4B4629BED93}"/>
+              </a:ext>
+            </a:extLst>
+          </p:cNvPr>
+          <p:cNvSpPr/>
+          <p:nvPr/>
+        </p:nvSpPr>
+        <p:spPr>
+          <a:xfrm>
+            <a:off x="7856122" y="5504073"/>
+            <a:ext cx="964529" cy="571500"/>
+          </a:xfrm>
+          <a:prstGeom prst="rect">
+            <a:avLst/>
+          </a:prstGeom>
+          <a:solidFill>
+            <a:schemeClr val="bg1"/>
+          </a:solidFill>
+          <a:ln>
+            <a:solidFill>
+              <a:schemeClr val="accent2"/>
+            </a:solidFill>
+          </a:ln>
+        </p:spPr>
+        <p:style>
+          <a:lnRef idx="2">
+            <a:schemeClr val="accent1">
+              <a:shade val="50000"/>
+            </a:schemeClr>
+          </a:lnRef>
+          <a:fillRef idx="1">
+            <a:schemeClr val="accent1"/>
+          </a:fillRef>
+          <a:effectRef idx="0">
+            <a:schemeClr val="accent1"/>
+          </a:effectRef>
+          <a:fontRef idx="minor">
+            <a:schemeClr val="lt1"/>
+          </a:fontRef>
+        </p:style>
+        <p:txBody>
+          <a:bodyPr rtlCol="0" anchor="ctr"/>
+          <a:lstStyle/>
+          <a:p>
+            <a:pPr algn="ctr"/>
+            <a:r>
+              <a:rPr lang="it-IT" sz="1100" dirty="0" err="1">
+                <a:solidFill>
+                  <a:schemeClr val="accent2"/>
+                </a:solidFill>
+                <a:latin typeface="Consolas" panose="020B0609020204030204" pitchFamily="49" charset="0"/>
+              </a:rPr>
+              <a:t>RBFSampler</a:t>
+            </a:r>
+            <a:endParaRPr lang="it-IT" sz="1100" dirty="0">
+              <a:solidFill>
+                <a:schemeClr val="accent2"/>
+              </a:solidFill>
+              <a:latin typeface="Consolas" panose="020B0609020204030204" pitchFamily="49" charset="0"/>
+            </a:endParaRPr>
+          </a:p>
+        </p:txBody>
+      </p:sp>
+      <p:sp>
+        <p:nvSpPr>
+          <p:cNvPr id="33" name="Rettangolo 32">
+            <a:extLst>
+              <a:ext uri="{FF2B5EF4-FFF2-40B4-BE49-F238E27FC236}">
+                <a16:creationId xmlns:a16="http://schemas.microsoft.com/office/drawing/2014/main" id="{8DB76FC5-570C-97CF-F724-77B655D1BD38}"/>
+              </a:ext>
+            </a:extLst>
+          </p:cNvPr>
+          <p:cNvSpPr/>
+          <p:nvPr/>
+        </p:nvSpPr>
+        <p:spPr>
+          <a:xfrm>
+            <a:off x="6526543" y="4446480"/>
+            <a:ext cx="1167744" cy="637617"/>
+          </a:xfrm>
+          <a:prstGeom prst="rect">
+            <a:avLst/>
+          </a:prstGeom>
+          <a:solidFill>
+            <a:srgbClr val="0FF1C6"/>
+          </a:solidFill>
+          <a:ln>
+            <a:solidFill>
+              <a:schemeClr val="tx1"/>
+            </a:solidFill>
+          </a:ln>
+        </p:spPr>
+        <p:style>
+          <a:lnRef idx="2">
+            <a:schemeClr val="accent1">
+              <a:shade val="50000"/>
+            </a:schemeClr>
+          </a:lnRef>
+          <a:fillRef idx="1">
+            <a:schemeClr val="accent1"/>
+          </a:fillRef>
+          <a:effectRef idx="0">
+            <a:schemeClr val="accent1"/>
+          </a:effectRef>
+          <a:fontRef idx="minor">
+            <a:schemeClr val="lt1"/>
+          </a:fontRef>
+        </p:style>
+        <p:txBody>
+          <a:bodyPr rtlCol="0" anchor="ctr"/>
+          <a:lstStyle/>
+          <a:p>
+            <a:pPr algn="ctr"/>
+            <a:r>
+              <a:rPr lang="it-IT" sz="1000" dirty="0" err="1">
+                <a:solidFill>
+                  <a:schemeClr val="tx1"/>
+                </a:solidFill>
+                <a:effectLst/>
+                <a:latin typeface="Consolas" panose="020B0609020204030204" pitchFamily="49" charset="0"/>
+              </a:rPr>
+              <a:t>MLPClassifier</a:t>
+            </a:r>
+            <a:endParaRPr lang="it-IT" sz="1000" dirty="0">
+              <a:solidFill>
+                <a:schemeClr val="tx1"/>
+              </a:solidFill>
+              <a:effectLst/>
+              <a:latin typeface="Consolas" panose="020B0609020204030204" pitchFamily="49" charset="0"/>
+            </a:endParaRPr>
+          </a:p>
+        </p:txBody>
+      </p:sp>
+      <p:sp>
+        <p:nvSpPr>
+          <p:cNvPr id="36" name="Rettangolo 35">
+            <a:extLst>
+              <a:ext uri="{FF2B5EF4-FFF2-40B4-BE49-F238E27FC236}">
+                <a16:creationId xmlns:a16="http://schemas.microsoft.com/office/drawing/2014/main" id="{7EA3FB0E-2625-40D9-7B75-E34DE0B4534B}"/>
+              </a:ext>
+            </a:extLst>
+          </p:cNvPr>
+          <p:cNvSpPr/>
+          <p:nvPr/>
+        </p:nvSpPr>
+        <p:spPr>
+          <a:xfrm>
+            <a:off x="5247776" y="5502947"/>
+            <a:ext cx="1116933" cy="571500"/>
+          </a:xfrm>
+          <a:prstGeom prst="rect">
+            <a:avLst/>
+          </a:prstGeom>
+          <a:solidFill>
+            <a:schemeClr val="bg1"/>
+          </a:solidFill>
+          <a:ln>
+            <a:solidFill>
+              <a:schemeClr val="accent2"/>
+            </a:solidFill>
+          </a:ln>
+        </p:spPr>
+        <p:style>
+          <a:lnRef idx="2">
+            <a:schemeClr val="accent1">
+              <a:shade val="50000"/>
+            </a:schemeClr>
+          </a:lnRef>
+          <a:fillRef idx="1">
+            <a:schemeClr val="accent1"/>
+          </a:fillRef>
+          <a:effectRef idx="0">
+            <a:schemeClr val="accent1"/>
+          </a:effectRef>
+          <a:fontRef idx="minor">
+            <a:schemeClr val="lt1"/>
+          </a:fontRef>
+        </p:style>
+        <p:txBody>
+          <a:bodyPr rtlCol="0" anchor="ctr"/>
+          <a:lstStyle/>
+          <a:p>
+            <a:pPr algn="ctr"/>
+            <a:r>
+              <a:rPr lang="it-IT" sz="900" dirty="0" err="1">
+                <a:solidFill>
+                  <a:schemeClr val="accent2"/>
+                </a:solidFill>
+                <a:latin typeface="Consolas" panose="020B0609020204030204" pitchFamily="49" charset="0"/>
+              </a:rPr>
+              <a:t>StandardScaler</a:t>
+            </a:r>
+            <a:endParaRPr lang="it-IT" sz="900" dirty="0">
+              <a:solidFill>
+                <a:schemeClr val="accent2"/>
+              </a:solidFill>
+              <a:latin typeface="Consolas" panose="020B0609020204030204" pitchFamily="49" charset="0"/>
+            </a:endParaRPr>
+          </a:p>
+        </p:txBody>
+      </p:sp>
+      <p:sp>
+        <p:nvSpPr>
+          <p:cNvPr id="37" name="Rettangolo 36">
+            <a:extLst>
+              <a:ext uri="{FF2B5EF4-FFF2-40B4-BE49-F238E27FC236}">
+                <a16:creationId xmlns:a16="http://schemas.microsoft.com/office/drawing/2014/main" id="{32C988DA-B271-83AC-15CD-3212FB8B7427}"/>
+              </a:ext>
+            </a:extLst>
+          </p:cNvPr>
+          <p:cNvSpPr/>
+          <p:nvPr/>
+        </p:nvSpPr>
+        <p:spPr>
+          <a:xfrm>
+            <a:off x="9154276" y="5502947"/>
+            <a:ext cx="1243756" cy="571500"/>
+          </a:xfrm>
+          <a:prstGeom prst="rect">
+            <a:avLst/>
+          </a:prstGeom>
+          <a:solidFill>
+            <a:srgbClr val="0FF1C6"/>
+          </a:solidFill>
+          <a:ln>
+            <a:solidFill>
+              <a:schemeClr val="tx1"/>
+            </a:solidFill>
+          </a:ln>
+        </p:spPr>
+        <p:style>
+          <a:lnRef idx="2">
+            <a:schemeClr val="accent1">
+              <a:shade val="50000"/>
+            </a:schemeClr>
+          </a:lnRef>
+          <a:fillRef idx="1">
+            <a:schemeClr val="accent1"/>
+          </a:fillRef>
+          <a:effectRef idx="0">
+            <a:schemeClr val="accent1"/>
+          </a:effectRef>
+          <a:fontRef idx="minor">
+            <a:schemeClr val="lt1"/>
+          </a:fontRef>
+        </p:style>
+        <p:txBody>
+          <a:bodyPr rtlCol="0" anchor="ctr"/>
+          <a:lstStyle/>
+          <a:p>
+            <a:pPr algn="ctr"/>
+            <a:r>
+              <a:rPr lang="it-IT" sz="1000" dirty="0" err="1">
+                <a:solidFill>
+                  <a:schemeClr val="tx1"/>
+                </a:solidFill>
+                <a:effectLst/>
+                <a:latin typeface="Consolas" panose="020B0609020204030204" pitchFamily="49" charset="0"/>
+              </a:rPr>
+              <a:t>SGDClassifier</a:t>
+            </a:r>
+            <a:endParaRPr lang="it-IT" sz="1000" dirty="0">
+              <a:solidFill>
+                <a:schemeClr val="tx1"/>
+              </a:solidFill>
+              <a:effectLst/>
+              <a:latin typeface="Consolas" panose="020B0609020204030204" pitchFamily="49" charset="0"/>
+            </a:endParaRPr>
+          </a:p>
+        </p:txBody>
+      </p:sp>
+      <p:sp>
+        <p:nvSpPr>
+          <p:cNvPr id="70" name="Rombo 69">
+            <a:extLst>
+              <a:ext uri="{FF2B5EF4-FFF2-40B4-BE49-F238E27FC236}">
+                <a16:creationId xmlns:a16="http://schemas.microsoft.com/office/drawing/2014/main" id="{C652A7A8-A93F-27BA-8058-178036279DBB}"/>
+              </a:ext>
+            </a:extLst>
+          </p:cNvPr>
+          <p:cNvSpPr/>
+          <p:nvPr/>
+        </p:nvSpPr>
+        <p:spPr>
+          <a:xfrm>
+            <a:off x="4089988" y="5504073"/>
+            <a:ext cx="824163" cy="571500"/>
+          </a:xfrm>
+          <a:prstGeom prst="diamond">
+            <a:avLst/>
+          </a:prstGeom>
+          <a:solidFill>
+            <a:schemeClr val="bg1"/>
+          </a:solidFill>
+          <a:ln>
+            <a:solidFill>
+              <a:schemeClr val="tx1"/>
+            </a:solidFill>
+          </a:ln>
+        </p:spPr>
+        <p:style>
+          <a:lnRef idx="2">
+            <a:schemeClr val="accent1">
+              <a:shade val="50000"/>
+            </a:schemeClr>
+          </a:lnRef>
+          <a:fillRef idx="1">
+            <a:schemeClr val="accent1"/>
+          </a:fillRef>
+          <a:effectRef idx="0">
+            <a:schemeClr val="accent1"/>
+          </a:effectRef>
+          <a:fontRef idx="minor">
+            <a:schemeClr val="lt1"/>
+          </a:fontRef>
+        </p:style>
+        <p:txBody>
+          <a:bodyPr rtlCol="0" anchor="ctr"/>
+          <a:lstStyle/>
+          <a:p>
+            <a:pPr algn="ctr"/>
+            <a:endParaRPr lang="it-IT"/>
+          </a:p>
+        </p:txBody>
+      </p:sp>
+      <p:sp>
+        <p:nvSpPr>
+          <p:cNvPr id="72" name="Rettangolo 71">
+            <a:extLst>
+              <a:ext uri="{FF2B5EF4-FFF2-40B4-BE49-F238E27FC236}">
+                <a16:creationId xmlns:a16="http://schemas.microsoft.com/office/drawing/2014/main" id="{A6C58B42-FC6E-C10D-657C-837C2056DCE0}"/>
+              </a:ext>
+            </a:extLst>
+          </p:cNvPr>
+          <p:cNvSpPr/>
+          <p:nvPr/>
+        </p:nvSpPr>
+        <p:spPr>
+          <a:xfrm>
+            <a:off x="3577726" y="4446480"/>
+            <a:ext cx="1848686" cy="637617"/>
+          </a:xfrm>
+          <a:prstGeom prst="rect">
+            <a:avLst/>
+          </a:prstGeom>
+          <a:solidFill>
+            <a:srgbClr val="0FF1C6"/>
+          </a:solidFill>
+          <a:ln>
+            <a:solidFill>
+              <a:schemeClr val="tx1"/>
+            </a:solidFill>
+          </a:ln>
+        </p:spPr>
+        <p:style>
+          <a:lnRef idx="2">
+            <a:schemeClr val="accent1">
+              <a:shade val="50000"/>
+            </a:schemeClr>
+          </a:lnRef>
+          <a:fillRef idx="1">
+            <a:schemeClr val="accent1"/>
+          </a:fillRef>
+          <a:effectRef idx="0">
+            <a:schemeClr val="accent1"/>
+          </a:effectRef>
+          <a:fontRef idx="minor">
+            <a:schemeClr val="lt1"/>
+          </a:fontRef>
+        </p:style>
+        <p:txBody>
+          <a:bodyPr rtlCol="0" anchor="ctr"/>
+          <a:lstStyle/>
+          <a:p>
+            <a:pPr algn="ctr"/>
+            <a:r>
+              <a:rPr lang="it-IT" sz="1000" dirty="0" err="1">
+                <a:solidFill>
+                  <a:schemeClr val="tx1"/>
+                </a:solidFill>
+                <a:effectLst/>
+                <a:latin typeface="Consolas" panose="020B0609020204030204" pitchFamily="49" charset="0"/>
+              </a:rPr>
+              <a:t>RandomForestClassifier</a:t>
+            </a:r>
+            <a:endParaRPr lang="it-IT" sz="1000" dirty="0">
+              <a:solidFill>
+                <a:schemeClr val="tx1"/>
+              </a:solidFill>
+              <a:effectLst/>
+              <a:latin typeface="Consolas" panose="020B0609020204030204" pitchFamily="49" charset="0"/>
+            </a:endParaRPr>
+          </a:p>
+          <a:p>
+            <a:pPr algn="ctr"/>
+            <a:r>
+              <a:rPr lang="it-IT" sz="1000" dirty="0" err="1">
+                <a:solidFill>
+                  <a:schemeClr val="tx1"/>
+                </a:solidFill>
+                <a:effectLst/>
+                <a:latin typeface="Consolas" panose="020B0609020204030204" pitchFamily="49" charset="0"/>
+              </a:rPr>
+              <a:t>DecisionTreeClassifier</a:t>
+            </a:r>
+            <a:endParaRPr lang="it-IT" sz="1000" dirty="0">
+              <a:solidFill>
+                <a:schemeClr val="tx1"/>
+              </a:solidFill>
+              <a:effectLst/>
+              <a:latin typeface="Consolas" panose="020B0609020204030204" pitchFamily="49" charset="0"/>
+            </a:endParaRPr>
+          </a:p>
+          <a:p>
+            <a:pPr algn="ctr"/>
+            <a:r>
+              <a:rPr lang="it-IT" sz="1000" dirty="0" err="1">
+                <a:solidFill>
+                  <a:schemeClr val="tx1"/>
+                </a:solidFill>
+                <a:effectLst/>
+                <a:latin typeface="Consolas" panose="020B0609020204030204" pitchFamily="49" charset="0"/>
+              </a:rPr>
+              <a:t>GaussianNB</a:t>
+            </a:r>
+            <a:endParaRPr lang="it-IT" sz="1000" dirty="0">
+              <a:solidFill>
+                <a:schemeClr val="tx1"/>
+              </a:solidFill>
+              <a:effectLst/>
+              <a:latin typeface="Consolas" panose="020B0609020204030204" pitchFamily="49" charset="0"/>
+            </a:endParaRPr>
+          </a:p>
+        </p:txBody>
+      </p:sp>
+      <p:sp>
+        <p:nvSpPr>
+          <p:cNvPr id="73" name="Rombo 72">
+            <a:extLst>
+              <a:ext uri="{FF2B5EF4-FFF2-40B4-BE49-F238E27FC236}">
+                <a16:creationId xmlns:a16="http://schemas.microsoft.com/office/drawing/2014/main" id="{C62000D0-1999-D684-19C2-6E053E85130C}"/>
+              </a:ext>
+            </a:extLst>
+          </p:cNvPr>
+          <p:cNvSpPr/>
+          <p:nvPr/>
+        </p:nvSpPr>
+        <p:spPr>
+          <a:xfrm>
+            <a:off x="6698334" y="5504407"/>
+            <a:ext cx="824163" cy="571500"/>
+          </a:xfrm>
+          <a:prstGeom prst="diamond">
+            <a:avLst/>
+          </a:prstGeom>
+          <a:solidFill>
+            <a:schemeClr val="bg1"/>
+          </a:solidFill>
+          <a:ln>
+            <a:solidFill>
+              <a:schemeClr val="tx1"/>
+            </a:solidFill>
+          </a:ln>
+        </p:spPr>
+        <p:style>
+          <a:lnRef idx="2">
+            <a:schemeClr val="accent1">
+              <a:shade val="50000"/>
+            </a:schemeClr>
+          </a:lnRef>
+          <a:fillRef idx="1">
+            <a:schemeClr val="accent1"/>
+          </a:fillRef>
+          <a:effectRef idx="0">
+            <a:schemeClr val="accent1"/>
+          </a:effectRef>
+          <a:fontRef idx="minor">
+            <a:schemeClr val="lt1"/>
+          </a:fontRef>
+        </p:style>
+        <p:txBody>
+          <a:bodyPr rtlCol="0" anchor="ctr"/>
+          <a:lstStyle/>
+          <a:p>
+            <a:pPr algn="ctr"/>
+            <a:endParaRPr lang="it-IT"/>
+          </a:p>
+        </p:txBody>
+      </p:sp>
+      <p:sp>
+        <p:nvSpPr>
+          <p:cNvPr id="90" name="Rettangolo 89">
+            <a:extLst>
+              <a:ext uri="{FF2B5EF4-FFF2-40B4-BE49-F238E27FC236}">
+                <a16:creationId xmlns:a16="http://schemas.microsoft.com/office/drawing/2014/main" id="{EFECC28E-149F-7E51-680E-DE76101DE809}"/>
+              </a:ext>
+            </a:extLst>
+          </p:cNvPr>
+          <p:cNvSpPr/>
+          <p:nvPr/>
+        </p:nvSpPr>
+        <p:spPr>
+          <a:xfrm>
+            <a:off x="825169" y="5502947"/>
+            <a:ext cx="1147011" cy="571500"/>
+          </a:xfrm>
+          <a:prstGeom prst="rect">
+            <a:avLst/>
+          </a:prstGeom>
+          <a:solidFill>
+            <a:schemeClr val="bg1"/>
+          </a:solidFill>
+          <a:ln>
+            <a:solidFill>
+              <a:schemeClr val="accent2"/>
+            </a:solidFill>
+          </a:ln>
+        </p:spPr>
+        <p:style>
+          <a:lnRef idx="2">
+            <a:schemeClr val="accent1">
+              <a:shade val="50000"/>
+            </a:schemeClr>
+          </a:lnRef>
+          <a:fillRef idx="1">
+            <a:schemeClr val="accent1"/>
+          </a:fillRef>
+          <a:effectRef idx="0">
+            <a:schemeClr val="accent1"/>
+          </a:effectRef>
+          <a:fontRef idx="minor">
+            <a:schemeClr val="lt1"/>
+          </a:fontRef>
+        </p:style>
+        <p:txBody>
+          <a:bodyPr rtlCol="0" anchor="ctr"/>
+          <a:lstStyle/>
+          <a:p>
+            <a:pPr algn="ctr"/>
+            <a:r>
+              <a:rPr lang="it-IT" sz="900" dirty="0" err="1">
+                <a:solidFill>
+                  <a:schemeClr val="accent2"/>
+                </a:solidFill>
+                <a:latin typeface="Consolas" panose="020B0609020204030204" pitchFamily="49" charset="0"/>
+              </a:rPr>
+              <a:t>StratifiedKFold</a:t>
+            </a:r>
+            <a:endParaRPr lang="it-IT" sz="900" dirty="0">
+              <a:solidFill>
+                <a:schemeClr val="accent2"/>
+              </a:solidFill>
+              <a:latin typeface="Consolas" panose="020B0609020204030204" pitchFamily="49" charset="0"/>
+            </a:endParaRPr>
+          </a:p>
+        </p:txBody>
+      </p:sp>
+      <p:sp>
+        <p:nvSpPr>
+          <p:cNvPr id="91" name="Rettangolo con angoli arrotondati 90">
+            <a:extLst>
+              <a:ext uri="{FF2B5EF4-FFF2-40B4-BE49-F238E27FC236}">
+                <a16:creationId xmlns:a16="http://schemas.microsoft.com/office/drawing/2014/main" id="{5FA34B14-04B7-54AE-14E4-4E995BE718D0}"/>
+              </a:ext>
+            </a:extLst>
+          </p:cNvPr>
+          <p:cNvSpPr/>
+          <p:nvPr/>
+        </p:nvSpPr>
+        <p:spPr>
+          <a:xfrm>
+            <a:off x="2305805" y="5503698"/>
+            <a:ext cx="1459643" cy="571500"/>
+          </a:xfrm>
+          <a:prstGeom prst="roundRect">
+            <a:avLst/>
+          </a:prstGeom>
+          <a:solidFill>
+            <a:schemeClr val="bg1"/>
+          </a:solidFill>
+          <a:ln>
+            <a:solidFill>
+              <a:srgbClr val="00B0F0"/>
+            </a:solidFill>
+          </a:ln>
+        </p:spPr>
+        <p:style>
+          <a:lnRef idx="2">
+            <a:schemeClr val="accent1">
+              <a:shade val="50000"/>
+            </a:schemeClr>
+          </a:lnRef>
+          <a:fillRef idx="1">
+            <a:schemeClr val="accent1"/>
+          </a:fillRef>
+          <a:effectRef idx="0">
+            <a:schemeClr val="accent1"/>
+          </a:effectRef>
+          <a:fontRef idx="minor">
+            <a:schemeClr val="lt1"/>
+          </a:fontRef>
+        </p:style>
+        <p:txBody>
+          <a:bodyPr rtlCol="0" anchor="ctr"/>
+          <a:lstStyle/>
+          <a:p>
+            <a:pPr algn="ctr"/>
+            <a:r>
+              <a:rPr lang="it-IT" sz="900" dirty="0">
+                <a:solidFill>
+                  <a:srgbClr val="00B0F0"/>
+                </a:solidFill>
+              </a:rPr>
+              <a:t>(optional)</a:t>
+            </a:r>
+          </a:p>
+          <a:p>
+            <a:pPr algn="ctr"/>
+            <a:r>
+              <a:rPr lang="it-IT" sz="900" dirty="0" err="1">
+                <a:solidFill>
+                  <a:srgbClr val="00B0F0"/>
+                </a:solidFill>
+                <a:latin typeface="Consolas" panose="020B0609020204030204" pitchFamily="49" charset="0"/>
+              </a:rPr>
+              <a:t>RandomUnderSampler</a:t>
+            </a:r>
+            <a:endParaRPr lang="it-IT" sz="900" dirty="0">
+              <a:solidFill>
+                <a:srgbClr val="00B0F0"/>
+              </a:solidFill>
+              <a:latin typeface="Consolas" panose="020B0609020204030204" pitchFamily="49" charset="0"/>
+            </a:endParaRPr>
+          </a:p>
+        </p:txBody>
+      </p:sp>
+      <p:cxnSp>
+        <p:nvCxnSpPr>
+          <p:cNvPr id="92" name="Connettore a gomito 91">
+            <a:extLst>
+              <a:ext uri="{FF2B5EF4-FFF2-40B4-BE49-F238E27FC236}">
+                <a16:creationId xmlns:a16="http://schemas.microsoft.com/office/drawing/2014/main" id="{AA708EF4-120C-DF29-703D-3E6EFDD20919}"/>
+              </a:ext>
+            </a:extLst>
+          </p:cNvPr>
+          <p:cNvCxnSpPr>
+            <a:cxnSpLocks/>
+            <a:stCxn id="90" idx="3"/>
+            <a:endCxn id="91" idx="1"/>
+          </p:cNvCxnSpPr>
+          <p:nvPr/>
+        </p:nvCxnSpPr>
+        <p:spPr>
+          <a:xfrm>
+            <a:off x="1972180" y="5788697"/>
+            <a:ext cx="333625" cy="751"/>
+          </a:xfrm>
+          <a:prstGeom prst="bentConnector3">
+            <a:avLst/>
+          </a:prstGeom>
+          <a:ln>
+            <a:solidFill>
+              <a:schemeClr val="tx1"/>
+            </a:solidFill>
+            <a:tailEnd type="triangle"/>
+          </a:ln>
+        </p:spPr>
+        <p:style>
+          <a:lnRef idx="1">
+            <a:schemeClr val="accent1"/>
+          </a:lnRef>
+          <a:fillRef idx="0">
+            <a:schemeClr val="accent1"/>
+          </a:fillRef>
+          <a:effectRef idx="0">
+            <a:schemeClr val="accent1"/>
+          </a:effectRef>
+          <a:fontRef idx="minor">
+            <a:schemeClr val="tx1"/>
+          </a:fontRef>
+        </p:style>
+      </p:cxnSp>
+      <p:cxnSp>
+        <p:nvCxnSpPr>
+          <p:cNvPr id="10" name="Connettore 2 9">
+            <a:extLst>
+              <a:ext uri="{FF2B5EF4-FFF2-40B4-BE49-F238E27FC236}">
+                <a16:creationId xmlns:a16="http://schemas.microsoft.com/office/drawing/2014/main" id="{BDDED74F-09CF-08C4-0AF2-02E76B516570}"/>
+              </a:ext>
+            </a:extLst>
+          </p:cNvPr>
+          <p:cNvCxnSpPr>
+            <a:cxnSpLocks/>
+            <a:stCxn id="70" idx="0"/>
+            <a:endCxn id="72" idx="2"/>
+          </p:cNvCxnSpPr>
+          <p:nvPr/>
+        </p:nvCxnSpPr>
+        <p:spPr>
+          <a:xfrm flipH="1" flipV="1">
+            <a:off x="4502069" y="5084097"/>
+            <a:ext cx="1" cy="419976"/>
+          </a:xfrm>
+          <a:prstGeom prst="straightConnector1">
+            <a:avLst/>
+          </a:prstGeom>
+          <a:ln>
+            <a:solidFill>
+              <a:schemeClr val="tx1"/>
+            </a:solidFill>
+            <a:tailEnd type="triangle"/>
+          </a:ln>
+        </p:spPr>
+        <p:style>
+          <a:lnRef idx="1">
+            <a:schemeClr val="accent1"/>
+          </a:lnRef>
+          <a:fillRef idx="0">
+            <a:schemeClr val="accent1"/>
+          </a:fillRef>
+          <a:effectRef idx="0">
+            <a:schemeClr val="accent1"/>
+          </a:effectRef>
+          <a:fontRef idx="minor">
+            <a:schemeClr val="tx1"/>
+          </a:fontRef>
+        </p:style>
+      </p:cxnSp>
+      <p:cxnSp>
+        <p:nvCxnSpPr>
+          <p:cNvPr id="13" name="Connettore a gomito 12">
+            <a:extLst>
+              <a:ext uri="{FF2B5EF4-FFF2-40B4-BE49-F238E27FC236}">
+                <a16:creationId xmlns:a16="http://schemas.microsoft.com/office/drawing/2014/main" id="{A02426D8-E232-52C9-974C-410D26D3B3B4}"/>
+              </a:ext>
+            </a:extLst>
+          </p:cNvPr>
+          <p:cNvCxnSpPr>
+            <a:cxnSpLocks/>
+            <a:stCxn id="91" idx="3"/>
+            <a:endCxn id="70" idx="1"/>
+          </p:cNvCxnSpPr>
+          <p:nvPr/>
+        </p:nvCxnSpPr>
+        <p:spPr>
+          <a:xfrm>
+            <a:off x="3765448" y="5789448"/>
+            <a:ext cx="324540" cy="375"/>
+          </a:xfrm>
+          <a:prstGeom prst="bentConnector3">
+            <a:avLst/>
+          </a:prstGeom>
+          <a:ln>
+            <a:solidFill>
+              <a:schemeClr val="tx1"/>
+            </a:solidFill>
+            <a:tailEnd type="triangle"/>
+          </a:ln>
+        </p:spPr>
+        <p:style>
+          <a:lnRef idx="1">
+            <a:schemeClr val="accent1"/>
+          </a:lnRef>
+          <a:fillRef idx="0">
+            <a:schemeClr val="accent1"/>
+          </a:fillRef>
+          <a:effectRef idx="0">
+            <a:schemeClr val="accent1"/>
+          </a:effectRef>
+          <a:fontRef idx="minor">
+            <a:schemeClr val="tx1"/>
+          </a:fontRef>
+        </p:style>
+      </p:cxnSp>
+      <p:cxnSp>
+        <p:nvCxnSpPr>
+          <p:cNvPr id="17" name="Connettore a gomito 16">
+            <a:extLst>
+              <a:ext uri="{FF2B5EF4-FFF2-40B4-BE49-F238E27FC236}">
+                <a16:creationId xmlns:a16="http://schemas.microsoft.com/office/drawing/2014/main" id="{811DF79B-3079-A126-D57E-9B4AEBD95382}"/>
+              </a:ext>
+            </a:extLst>
+          </p:cNvPr>
+          <p:cNvCxnSpPr>
+            <a:stCxn id="70" idx="3"/>
+            <a:endCxn id="36" idx="1"/>
+          </p:cNvCxnSpPr>
+          <p:nvPr/>
+        </p:nvCxnSpPr>
+        <p:spPr>
+          <a:xfrm flipV="1">
+            <a:off x="4914151" y="5788697"/>
+            <a:ext cx="333625" cy="1126"/>
+          </a:xfrm>
+          <a:prstGeom prst="bentConnector3">
+            <a:avLst/>
+          </a:prstGeom>
+          <a:ln>
+            <a:solidFill>
+              <a:schemeClr val="tx1"/>
+            </a:solidFill>
+            <a:tailEnd type="triangle"/>
+          </a:ln>
+        </p:spPr>
+        <p:style>
+          <a:lnRef idx="1">
+            <a:schemeClr val="accent1"/>
+          </a:lnRef>
+          <a:fillRef idx="0">
+            <a:schemeClr val="accent1"/>
+          </a:fillRef>
+          <a:effectRef idx="0">
+            <a:schemeClr val="accent1"/>
+          </a:effectRef>
+          <a:fontRef idx="minor">
+            <a:schemeClr val="tx1"/>
+          </a:fontRef>
+        </p:style>
+      </p:cxnSp>
+      <p:cxnSp>
+        <p:nvCxnSpPr>
+          <p:cNvPr id="19" name="Connettore a gomito 18">
+            <a:extLst>
+              <a:ext uri="{FF2B5EF4-FFF2-40B4-BE49-F238E27FC236}">
+                <a16:creationId xmlns:a16="http://schemas.microsoft.com/office/drawing/2014/main" id="{681CBD1C-2173-CE78-24AC-0A753155AE13}"/>
+              </a:ext>
+            </a:extLst>
+          </p:cNvPr>
+          <p:cNvCxnSpPr>
+            <a:stCxn id="36" idx="3"/>
+            <a:endCxn id="73" idx="1"/>
+          </p:cNvCxnSpPr>
+          <p:nvPr/>
+        </p:nvCxnSpPr>
+        <p:spPr>
+          <a:xfrm>
+            <a:off x="6364709" y="5788697"/>
+            <a:ext cx="333625" cy="1460"/>
+          </a:xfrm>
+          <a:prstGeom prst="bentConnector3">
+            <a:avLst>
+              <a:gd name="adj1" fmla="val 50000"/>
+            </a:avLst>
+          </a:prstGeom>
+          <a:ln>
+            <a:solidFill>
+              <a:schemeClr val="tx1"/>
+            </a:solidFill>
+            <a:tailEnd type="triangle"/>
+          </a:ln>
+        </p:spPr>
+        <p:style>
+          <a:lnRef idx="1">
+            <a:schemeClr val="accent1"/>
+          </a:lnRef>
+          <a:fillRef idx="0">
+            <a:schemeClr val="accent1"/>
+          </a:fillRef>
+          <a:effectRef idx="0">
+            <a:schemeClr val="accent1"/>
+          </a:effectRef>
+          <a:fontRef idx="minor">
+            <a:schemeClr val="tx1"/>
+          </a:fontRef>
+        </p:style>
+      </p:cxnSp>
+      <p:cxnSp>
+        <p:nvCxnSpPr>
+          <p:cNvPr id="21" name="Connettore a gomito 20">
+            <a:extLst>
+              <a:ext uri="{FF2B5EF4-FFF2-40B4-BE49-F238E27FC236}">
+                <a16:creationId xmlns:a16="http://schemas.microsoft.com/office/drawing/2014/main" id="{43ECFD0D-A7F7-ED10-4AB1-361162185F76}"/>
+              </a:ext>
+            </a:extLst>
+          </p:cNvPr>
+          <p:cNvCxnSpPr>
+            <a:stCxn id="73" idx="3"/>
+            <a:endCxn id="12" idx="1"/>
+          </p:cNvCxnSpPr>
+          <p:nvPr/>
+        </p:nvCxnSpPr>
+        <p:spPr>
+          <a:xfrm flipV="1">
+            <a:off x="7522497" y="5789823"/>
+            <a:ext cx="333625" cy="334"/>
+          </a:xfrm>
+          <a:prstGeom prst="bentConnector3">
+            <a:avLst/>
+          </a:prstGeom>
+          <a:ln>
+            <a:solidFill>
+              <a:schemeClr val="tx1"/>
+            </a:solidFill>
+            <a:tailEnd type="triangle"/>
+          </a:ln>
+        </p:spPr>
+        <p:style>
+          <a:lnRef idx="1">
+            <a:schemeClr val="accent1"/>
+          </a:lnRef>
+          <a:fillRef idx="0">
+            <a:schemeClr val="accent1"/>
+          </a:fillRef>
+          <a:effectRef idx="0">
+            <a:schemeClr val="accent1"/>
+          </a:effectRef>
+          <a:fontRef idx="minor">
+            <a:schemeClr val="tx1"/>
+          </a:fontRef>
+        </p:style>
+      </p:cxnSp>
+      <p:cxnSp>
+        <p:nvCxnSpPr>
+          <p:cNvPr id="23" name="Connettore a gomito 22">
+            <a:extLst>
+              <a:ext uri="{FF2B5EF4-FFF2-40B4-BE49-F238E27FC236}">
+                <a16:creationId xmlns:a16="http://schemas.microsoft.com/office/drawing/2014/main" id="{82773554-9A89-EA5D-AF82-33B784242292}"/>
+              </a:ext>
+            </a:extLst>
+          </p:cNvPr>
+          <p:cNvCxnSpPr>
+            <a:stCxn id="12" idx="3"/>
+            <a:endCxn id="37" idx="1"/>
+          </p:cNvCxnSpPr>
+          <p:nvPr/>
+        </p:nvCxnSpPr>
+        <p:spPr>
+          <a:xfrm flipV="1">
+            <a:off x="8820651" y="5788697"/>
+            <a:ext cx="333625" cy="1126"/>
+          </a:xfrm>
+          <a:prstGeom prst="bentConnector3">
+            <a:avLst/>
+          </a:prstGeom>
+          <a:ln>
+            <a:solidFill>
+              <a:schemeClr val="tx1"/>
+            </a:solidFill>
+            <a:tailEnd type="triangle"/>
+          </a:ln>
+        </p:spPr>
+        <p:style>
+          <a:lnRef idx="1">
+            <a:schemeClr val="accent1"/>
+          </a:lnRef>
+          <a:fillRef idx="0">
+            <a:schemeClr val="accent1"/>
+          </a:fillRef>
+          <a:effectRef idx="0">
+            <a:schemeClr val="accent1"/>
+          </a:effectRef>
+          <a:fontRef idx="minor">
+            <a:schemeClr val="tx1"/>
+          </a:fontRef>
+        </p:style>
+      </p:cxnSp>
+      <p:cxnSp>
+        <p:nvCxnSpPr>
+          <p:cNvPr id="45" name="Connettore a gomito 44">
+            <a:extLst>
+              <a:ext uri="{FF2B5EF4-FFF2-40B4-BE49-F238E27FC236}">
+                <a16:creationId xmlns:a16="http://schemas.microsoft.com/office/drawing/2014/main" id="{3C0D3FE8-53A2-CA09-47DF-605EDD12E014}"/>
+              </a:ext>
+            </a:extLst>
+          </p:cNvPr>
+          <p:cNvCxnSpPr>
+            <a:cxnSpLocks/>
+            <a:stCxn id="73" idx="0"/>
+            <a:endCxn id="33" idx="2"/>
+          </p:cNvCxnSpPr>
+          <p:nvPr/>
+        </p:nvCxnSpPr>
+        <p:spPr>
+          <a:xfrm rot="16200000" flipV="1">
+            <a:off x="6900261" y="5294251"/>
+            <a:ext cx="420310" cy="1"/>
+          </a:xfrm>
+          <a:prstGeom prst="bentConnector3">
+            <a:avLst/>
+          </a:prstGeom>
+          <a:ln>
+            <a:solidFill>
+              <a:schemeClr val="tx1"/>
+            </a:solidFill>
+            <a:tailEnd type="triangle"/>
+          </a:ln>
+        </p:spPr>
+        <p:style>
+          <a:lnRef idx="1">
+            <a:schemeClr val="accent1"/>
+          </a:lnRef>
+          <a:fillRef idx="0">
+            <a:schemeClr val="accent1"/>
+          </a:fillRef>
+          <a:effectRef idx="0">
+            <a:schemeClr val="accent1"/>
+          </a:effectRef>
+          <a:fontRef idx="minor">
+            <a:schemeClr val="tx1"/>
+          </a:fontRef>
+        </p:style>
+      </p:cxnSp>
     </p:spTree>
     <p:extLst>
       <p:ext uri="{BB962C8B-B14F-4D97-AF65-F5344CB8AC3E}">
-        <p14:creationId xmlns:p14="http://schemas.microsoft.com/office/powerpoint/2010/main" val="480519838"/>
+        <p14:creationId xmlns:p14="http://schemas.microsoft.com/office/powerpoint/2010/main" val="3067498416"/>
       </p:ext>
     </p:extLst>
   </p:cSld>
@@ -3559,7 +4616,2016 @@
 </p:sld>
 </file>
 
-<file path=ppt/slides/slide3.xml><?xml version="1.0" encoding="utf-8"?>
+<file path=ppt/slides/slide11.xml><?xml version="1.0" encoding="utf-8"?>
+<p:sld xmlns:a="http://schemas.openxmlformats.org/drawingml/2006/main" xmlns:r="http://schemas.openxmlformats.org/officeDocument/2006/relationships" xmlns:p="http://schemas.openxmlformats.org/presentationml/2006/main">
+  <p:cSld>
+    <p:bg>
+      <p:bgPr>
+        <a:solidFill>
+          <a:schemeClr val="bg1"/>
+        </a:solidFill>
+        <a:effectLst/>
+      </p:bgPr>
+    </p:bg>
+    <p:spTree>
+      <p:nvGrpSpPr>
+        <p:cNvPr id="1" name=""/>
+        <p:cNvGrpSpPr/>
+        <p:nvPr/>
+      </p:nvGrpSpPr>
+      <p:grpSpPr>
+        <a:xfrm>
+          <a:off x="0" y="0"/>
+          <a:ext cx="0" cy="0"/>
+          <a:chOff x="0" y="0"/>
+          <a:chExt cx="0" cy="0"/>
+        </a:xfrm>
+      </p:grpSpPr>
+      <p:sp useBgFill="1">
+        <p:nvSpPr>
+          <p:cNvPr id="10" name="Rectangle 9">
+            <a:extLst>
+              <a:ext uri="{FF2B5EF4-FFF2-40B4-BE49-F238E27FC236}">
+                <a16:creationId xmlns:a16="http://schemas.microsoft.com/office/drawing/2014/main" id="{2B97F24A-32CE-4C1C-A50D-3016B394DCFB}"/>
+              </a:ext>
+              <a:ext uri="{C183D7F6-B498-43B3-948B-1728B52AA6E4}">
+                <adec:decorative xmlns:adec="http://schemas.microsoft.com/office/drawing/2017/decorative" val="1"/>
+              </a:ext>
+            </a:extLst>
+          </p:cNvPr>
+          <p:cNvSpPr>
+            <a:spLocks noGrp="1" noRot="1" noChangeAspect="1" noMove="1" noResize="1" noEditPoints="1" noAdjustHandles="1" noChangeArrowheads="1" noChangeShapeType="1" noTextEdit="1"/>
+          </p:cNvSpPr>
+          <p:nvPr>
+            <p:extLst>
+              <p:ext uri="{386F3935-93C4-4BCD-93E2-E3B085C9AB24}">
+                <p16:designElem xmlns:p16="http://schemas.microsoft.com/office/powerpoint/2015/main" val="1"/>
+              </p:ext>
+            </p:extLst>
+          </p:nvPr>
+        </p:nvSpPr>
+        <p:spPr>
+          <a:xfrm>
+            <a:off x="0" y="0"/>
+            <a:ext cx="12192000" cy="6858000"/>
+          </a:xfrm>
+          <a:prstGeom prst="rect">
+            <a:avLst/>
+          </a:prstGeom>
+          <a:ln>
+            <a:noFill/>
+          </a:ln>
+        </p:spPr>
+        <p:style>
+          <a:lnRef idx="2">
+            <a:schemeClr val="accent1">
+              <a:shade val="50000"/>
+            </a:schemeClr>
+          </a:lnRef>
+          <a:fillRef idx="1">
+            <a:schemeClr val="accent1"/>
+          </a:fillRef>
+          <a:effectRef idx="0">
+            <a:schemeClr val="accent1"/>
+          </a:effectRef>
+          <a:fontRef idx="minor">
+            <a:schemeClr val="lt1"/>
+          </a:fontRef>
+        </p:style>
+        <p:txBody>
+          <a:bodyPr rtlCol="0" anchor="ctr"/>
+          <a:lstStyle/>
+          <a:p>
+            <a:pPr algn="ctr"/>
+            <a:endParaRPr lang="en-US"/>
+          </a:p>
+        </p:txBody>
+      </p:sp>
+      <p:sp>
+        <p:nvSpPr>
+          <p:cNvPr id="2" name="Titolo 1">
+            <a:extLst>
+              <a:ext uri="{FF2B5EF4-FFF2-40B4-BE49-F238E27FC236}">
+                <a16:creationId xmlns:a16="http://schemas.microsoft.com/office/drawing/2014/main" id="{F51A1787-30B7-FBCE-EA15-C7347B26F52B}"/>
+              </a:ext>
+            </a:extLst>
+          </p:cNvPr>
+          <p:cNvSpPr>
+            <a:spLocks noGrp="1"/>
+          </p:cNvSpPr>
+          <p:nvPr>
+            <p:ph type="title"/>
+          </p:nvPr>
+        </p:nvSpPr>
+        <p:spPr>
+          <a:xfrm>
+            <a:off x="630936" y="639520"/>
+            <a:ext cx="3429000" cy="1719072"/>
+          </a:xfrm>
+        </p:spPr>
+        <p:txBody>
+          <a:bodyPr anchor="b">
+            <a:normAutofit/>
+          </a:bodyPr>
+          <a:lstStyle/>
+          <a:p>
+            <a:r>
+              <a:rPr lang="it-IT" sz="3800"/>
+              <a:t>Cross-validation results: binary</a:t>
+            </a:r>
+          </a:p>
+        </p:txBody>
+      </p:sp>
+      <p:sp>
+        <p:nvSpPr>
+          <p:cNvPr id="12" name="sketch line">
+            <a:extLst>
+              <a:ext uri="{FF2B5EF4-FFF2-40B4-BE49-F238E27FC236}">
+                <a16:creationId xmlns:a16="http://schemas.microsoft.com/office/drawing/2014/main" id="{6357EC4F-235E-4222-A36F-C7878ACE37F2}"/>
+              </a:ext>
+              <a:ext uri="{C183D7F6-B498-43B3-948B-1728B52AA6E4}">
+                <adec:decorative xmlns:adec="http://schemas.microsoft.com/office/drawing/2017/decorative" val="1"/>
+              </a:ext>
+            </a:extLst>
+          </p:cNvPr>
+          <p:cNvSpPr>
+            <a:spLocks noGrp="1" noRot="1" noChangeAspect="1" noMove="1" noResize="1" noEditPoints="1" noAdjustHandles="1" noChangeArrowheads="1" noChangeShapeType="1" noTextEdit="1"/>
+          </p:cNvSpPr>
+          <p:nvPr>
+            <p:extLst>
+              <p:ext uri="{386F3935-93C4-4BCD-93E2-E3B085C9AB24}">
+                <p16:designElem xmlns:p16="http://schemas.microsoft.com/office/powerpoint/2015/main" val="1"/>
+              </p:ext>
+            </p:extLst>
+          </p:nvPr>
+        </p:nvSpPr>
+        <p:spPr>
+          <a:xfrm>
+            <a:off x="643278" y="2573756"/>
+            <a:ext cx="3255095" cy="18288"/>
+          </a:xfrm>
+          <a:custGeom>
+            <a:avLst/>
+            <a:gdLst>
+              <a:gd name="connsiteX0" fmla="*/ 0 w 3255095"/>
+              <a:gd name="connsiteY0" fmla="*/ 0 h 18288"/>
+              <a:gd name="connsiteX1" fmla="*/ 618468 w 3255095"/>
+              <a:gd name="connsiteY1" fmla="*/ 0 h 18288"/>
+              <a:gd name="connsiteX2" fmla="*/ 1269487 w 3255095"/>
+              <a:gd name="connsiteY2" fmla="*/ 0 h 18288"/>
+              <a:gd name="connsiteX3" fmla="*/ 1953057 w 3255095"/>
+              <a:gd name="connsiteY3" fmla="*/ 0 h 18288"/>
+              <a:gd name="connsiteX4" fmla="*/ 2636627 w 3255095"/>
+              <a:gd name="connsiteY4" fmla="*/ 0 h 18288"/>
+              <a:gd name="connsiteX5" fmla="*/ 3255095 w 3255095"/>
+              <a:gd name="connsiteY5" fmla="*/ 0 h 18288"/>
+              <a:gd name="connsiteX6" fmla="*/ 3255095 w 3255095"/>
+              <a:gd name="connsiteY6" fmla="*/ 18288 h 18288"/>
+              <a:gd name="connsiteX7" fmla="*/ 2538974 w 3255095"/>
+              <a:gd name="connsiteY7" fmla="*/ 18288 h 18288"/>
+              <a:gd name="connsiteX8" fmla="*/ 1822853 w 3255095"/>
+              <a:gd name="connsiteY8" fmla="*/ 18288 h 18288"/>
+              <a:gd name="connsiteX9" fmla="*/ 1171834 w 3255095"/>
+              <a:gd name="connsiteY9" fmla="*/ 18288 h 18288"/>
+              <a:gd name="connsiteX10" fmla="*/ 0 w 3255095"/>
+              <a:gd name="connsiteY10" fmla="*/ 18288 h 18288"/>
+              <a:gd name="connsiteX11" fmla="*/ 0 w 3255095"/>
+              <a:gd name="connsiteY11" fmla="*/ 0 h 18288"/>
+            </a:gdLst>
+            <a:ahLst/>
+            <a:cxnLst>
+              <a:cxn ang="0">
+                <a:pos x="connsiteX0" y="connsiteY0"/>
+              </a:cxn>
+              <a:cxn ang="0">
+                <a:pos x="connsiteX1" y="connsiteY1"/>
+              </a:cxn>
+              <a:cxn ang="0">
+                <a:pos x="connsiteX2" y="connsiteY2"/>
+              </a:cxn>
+              <a:cxn ang="0">
+                <a:pos x="connsiteX3" y="connsiteY3"/>
+              </a:cxn>
+              <a:cxn ang="0">
+                <a:pos x="connsiteX4" y="connsiteY4"/>
+              </a:cxn>
+              <a:cxn ang="0">
+                <a:pos x="connsiteX5" y="connsiteY5"/>
+              </a:cxn>
+              <a:cxn ang="0">
+                <a:pos x="connsiteX6" y="connsiteY6"/>
+              </a:cxn>
+              <a:cxn ang="0">
+                <a:pos x="connsiteX7" y="connsiteY7"/>
+              </a:cxn>
+              <a:cxn ang="0">
+                <a:pos x="connsiteX8" y="connsiteY8"/>
+              </a:cxn>
+              <a:cxn ang="0">
+                <a:pos x="connsiteX9" y="connsiteY9"/>
+              </a:cxn>
+              <a:cxn ang="0">
+                <a:pos x="connsiteX10" y="connsiteY10"/>
+              </a:cxn>
+              <a:cxn ang="0">
+                <a:pos x="connsiteX11" y="connsiteY11"/>
+              </a:cxn>
+            </a:cxnLst>
+            <a:rect l="l" t="t" r="r" b="b"/>
+            <a:pathLst>
+              <a:path w="3255095" h="18288" fill="none" extrusionOk="0">
+                <a:moveTo>
+                  <a:pt x="0" y="0"/>
+                </a:moveTo>
+                <a:cubicBezTo>
+                  <a:pt x="240201" y="-22123"/>
+                  <a:pt x="462021" y="-19623"/>
+                  <a:pt x="618468" y="0"/>
+                </a:cubicBezTo>
+                <a:cubicBezTo>
+                  <a:pt x="774915" y="19623"/>
+                  <a:pt x="974734" y="2035"/>
+                  <a:pt x="1269487" y="0"/>
+                </a:cubicBezTo>
+                <a:cubicBezTo>
+                  <a:pt x="1564240" y="-2035"/>
+                  <a:pt x="1733579" y="10639"/>
+                  <a:pt x="1953057" y="0"/>
+                </a:cubicBezTo>
+                <a:cubicBezTo>
+                  <a:pt x="2172535" y="-10639"/>
+                  <a:pt x="2453962" y="14018"/>
+                  <a:pt x="2636627" y="0"/>
+                </a:cubicBezTo>
+                <a:cubicBezTo>
+                  <a:pt x="2819292" y="-14018"/>
+                  <a:pt x="3121375" y="5399"/>
+                  <a:pt x="3255095" y="0"/>
+                </a:cubicBezTo>
+                <a:cubicBezTo>
+                  <a:pt x="3254386" y="8157"/>
+                  <a:pt x="3254682" y="12125"/>
+                  <a:pt x="3255095" y="18288"/>
+                </a:cubicBezTo>
+                <a:cubicBezTo>
+                  <a:pt x="3088545" y="23203"/>
+                  <a:pt x="2687475" y="7419"/>
+                  <a:pt x="2538974" y="18288"/>
+                </a:cubicBezTo>
+                <a:cubicBezTo>
+                  <a:pt x="2390473" y="29157"/>
+                  <a:pt x="2137381" y="-8959"/>
+                  <a:pt x="1822853" y="18288"/>
+                </a:cubicBezTo>
+                <a:cubicBezTo>
+                  <a:pt x="1508325" y="45535"/>
+                  <a:pt x="1466437" y="20385"/>
+                  <a:pt x="1171834" y="18288"/>
+                </a:cubicBezTo>
+                <a:cubicBezTo>
+                  <a:pt x="877231" y="16191"/>
+                  <a:pt x="561097" y="37643"/>
+                  <a:pt x="0" y="18288"/>
+                </a:cubicBezTo>
+                <a:cubicBezTo>
+                  <a:pt x="-46" y="12483"/>
+                  <a:pt x="-203" y="6491"/>
+                  <a:pt x="0" y="0"/>
+                </a:cubicBezTo>
+                <a:close/>
+              </a:path>
+              <a:path w="3255095" h="18288" stroke="0" extrusionOk="0">
+                <a:moveTo>
+                  <a:pt x="0" y="0"/>
+                </a:moveTo>
+                <a:cubicBezTo>
+                  <a:pt x="291965" y="19429"/>
+                  <a:pt x="363155" y="8568"/>
+                  <a:pt x="618468" y="0"/>
+                </a:cubicBezTo>
+                <a:cubicBezTo>
+                  <a:pt x="873781" y="-8568"/>
+                  <a:pt x="904459" y="-19505"/>
+                  <a:pt x="1171834" y="0"/>
+                </a:cubicBezTo>
+                <a:cubicBezTo>
+                  <a:pt x="1439209" y="19505"/>
+                  <a:pt x="1744369" y="9790"/>
+                  <a:pt x="1887955" y="0"/>
+                </a:cubicBezTo>
+                <a:cubicBezTo>
+                  <a:pt x="2031541" y="-9790"/>
+                  <a:pt x="2346378" y="21240"/>
+                  <a:pt x="2506423" y="0"/>
+                </a:cubicBezTo>
+                <a:cubicBezTo>
+                  <a:pt x="2666468" y="-21240"/>
+                  <a:pt x="2990257" y="30414"/>
+                  <a:pt x="3255095" y="0"/>
+                </a:cubicBezTo>
+                <a:cubicBezTo>
+                  <a:pt x="3254831" y="4493"/>
+                  <a:pt x="3255479" y="9472"/>
+                  <a:pt x="3255095" y="18288"/>
+                </a:cubicBezTo>
+                <a:cubicBezTo>
+                  <a:pt x="3120743" y="16690"/>
+                  <a:pt x="2759628" y="42462"/>
+                  <a:pt x="2604076" y="18288"/>
+                </a:cubicBezTo>
+                <a:cubicBezTo>
+                  <a:pt x="2448524" y="-5886"/>
+                  <a:pt x="2184336" y="19599"/>
+                  <a:pt x="1887955" y="18288"/>
+                </a:cubicBezTo>
+                <a:cubicBezTo>
+                  <a:pt x="1591574" y="16977"/>
+                  <a:pt x="1548845" y="6870"/>
+                  <a:pt x="1334589" y="18288"/>
+                </a:cubicBezTo>
+                <a:cubicBezTo>
+                  <a:pt x="1120333" y="29706"/>
+                  <a:pt x="996014" y="9662"/>
+                  <a:pt x="683570" y="18288"/>
+                </a:cubicBezTo>
+                <a:cubicBezTo>
+                  <a:pt x="371126" y="26914"/>
+                  <a:pt x="198687" y="16167"/>
+                  <a:pt x="0" y="18288"/>
+                </a:cubicBezTo>
+                <a:cubicBezTo>
+                  <a:pt x="843" y="9577"/>
+                  <a:pt x="371" y="6900"/>
+                  <a:pt x="0" y="0"/>
+                </a:cubicBezTo>
+                <a:close/>
+              </a:path>
+            </a:pathLst>
+          </a:custGeom>
+          <a:solidFill>
+            <a:schemeClr val="accent2"/>
+          </a:solidFill>
+          <a:ln w="38100" cap="rnd">
+            <a:solidFill>
+              <a:schemeClr val="accent2"/>
+            </a:solidFill>
+            <a:round/>
+            <a:extLst>
+              <a:ext uri="{C807C97D-BFC1-408E-A445-0C87EB9F89A2}">
+                <ask:lineSketchStyleProps xmlns:ask="http://schemas.microsoft.com/office/drawing/2018/sketchyshapes" sd="1219033472">
+                  <a:prstGeom prst="rect">
+                    <a:avLst/>
+                  </a:prstGeom>
+                  <ask:type>
+                    <ask:lineSketchFreehand/>
+                  </ask:type>
+                </ask:lineSketchStyleProps>
+              </a:ext>
+            </a:extLst>
+          </a:ln>
+        </p:spPr>
+        <p:style>
+          <a:lnRef idx="2">
+            <a:schemeClr val="accent1">
+              <a:shade val="50000"/>
+            </a:schemeClr>
+          </a:lnRef>
+          <a:fillRef idx="1">
+            <a:schemeClr val="accent1"/>
+          </a:fillRef>
+          <a:effectRef idx="0">
+            <a:schemeClr val="accent1"/>
+          </a:effectRef>
+          <a:fontRef idx="minor">
+            <a:schemeClr val="lt1"/>
+          </a:fontRef>
+        </p:style>
+        <p:txBody>
+          <a:bodyPr rtlCol="0" anchor="ctr"/>
+          <a:lstStyle/>
+          <a:p>
+            <a:pPr algn="ctr"/>
+            <a:endParaRPr lang="en-US"/>
+          </a:p>
+        </p:txBody>
+      </p:sp>
+      <p:sp>
+        <p:nvSpPr>
+          <p:cNvPr id="3" name="Segnaposto contenuto 2">
+            <a:extLst>
+              <a:ext uri="{FF2B5EF4-FFF2-40B4-BE49-F238E27FC236}">
+                <a16:creationId xmlns:a16="http://schemas.microsoft.com/office/drawing/2014/main" id="{012A9177-70D5-ACAC-C659-6699BC0545D7}"/>
+              </a:ext>
+            </a:extLst>
+          </p:cNvPr>
+          <p:cNvSpPr>
+            <a:spLocks noGrp="1"/>
+          </p:cNvSpPr>
+          <p:nvPr>
+            <p:ph idx="1"/>
+          </p:nvPr>
+        </p:nvSpPr>
+        <p:spPr>
+          <a:xfrm>
+            <a:off x="630936" y="2807208"/>
+            <a:ext cx="3429000" cy="3410712"/>
+          </a:xfrm>
+        </p:spPr>
+        <p:txBody>
+          <a:bodyPr anchor="t">
+            <a:normAutofit/>
+          </a:bodyPr>
+          <a:lstStyle/>
+          <a:p>
+            <a:r>
+              <a:rPr lang="it-IT" sz="2200"/>
+              <a:t>RF and MLP offer the best performance. Decision tree follows closely </a:t>
+            </a:r>
+          </a:p>
+          <a:p>
+            <a:r>
+              <a:rPr lang="it-IT" sz="2200"/>
+              <a:t>Random undersampling improves recall, but reduces precision, leading to an overall lower f1-score. Accuracy is also worse</a:t>
+            </a:r>
+          </a:p>
+        </p:txBody>
+      </p:sp>
+      <p:pic>
+        <p:nvPicPr>
+          <p:cNvPr id="5" name="Immagine 4" descr="Immagine che contiene calendario">
+            <a:extLst>
+              <a:ext uri="{FF2B5EF4-FFF2-40B4-BE49-F238E27FC236}">
+                <a16:creationId xmlns:a16="http://schemas.microsoft.com/office/drawing/2014/main" id="{4505CF5A-A526-865B-7A64-3601CF6107B9}"/>
+              </a:ext>
+            </a:extLst>
+          </p:cNvPr>
+          <p:cNvPicPr>
+            <a:picLocks noChangeAspect="1"/>
+          </p:cNvPicPr>
+          <p:nvPr/>
+        </p:nvPicPr>
+        <p:blipFill>
+          <a:blip r:embed="rId2">
+            <a:extLst>
+              <a:ext uri="{28A0092B-C50C-407E-A947-70E740481C1C}">
+                <a14:useLocalDpi xmlns:a14="http://schemas.microsoft.com/office/drawing/2010/main" val="0"/>
+              </a:ext>
+            </a:extLst>
+          </a:blip>
+          <a:stretch>
+            <a:fillRect/>
+          </a:stretch>
+        </p:blipFill>
+        <p:spPr>
+          <a:xfrm>
+            <a:off x="4059936" y="283570"/>
+            <a:ext cx="7863574" cy="6290859"/>
+          </a:xfrm>
+          <a:prstGeom prst="rect">
+            <a:avLst/>
+          </a:prstGeom>
+        </p:spPr>
+      </p:pic>
+    </p:spTree>
+    <p:extLst>
+      <p:ext uri="{BB962C8B-B14F-4D97-AF65-F5344CB8AC3E}">
+        <p14:creationId xmlns:p14="http://schemas.microsoft.com/office/powerpoint/2010/main" val="3843031308"/>
+      </p:ext>
+    </p:extLst>
+  </p:cSld>
+  <p:clrMapOvr>
+    <a:masterClrMapping/>
+  </p:clrMapOvr>
+</p:sld>
+</file>
+
+<file path=ppt/slides/slide12.xml><?xml version="1.0" encoding="utf-8"?>
+<p:sld xmlns:a="http://schemas.openxmlformats.org/drawingml/2006/main" xmlns:r="http://schemas.openxmlformats.org/officeDocument/2006/relationships" xmlns:p="http://schemas.openxmlformats.org/presentationml/2006/main">
+  <p:cSld>
+    <p:bg>
+      <p:bgPr>
+        <a:solidFill>
+          <a:schemeClr val="bg1"/>
+        </a:solidFill>
+        <a:effectLst/>
+      </p:bgPr>
+    </p:bg>
+    <p:spTree>
+      <p:nvGrpSpPr>
+        <p:cNvPr id="1" name=""/>
+        <p:cNvGrpSpPr/>
+        <p:nvPr/>
+      </p:nvGrpSpPr>
+      <p:grpSpPr>
+        <a:xfrm>
+          <a:off x="0" y="0"/>
+          <a:ext cx="0" cy="0"/>
+          <a:chOff x="0" y="0"/>
+          <a:chExt cx="0" cy="0"/>
+        </a:xfrm>
+      </p:grpSpPr>
+      <p:sp useBgFill="1">
+        <p:nvSpPr>
+          <p:cNvPr id="10" name="Rectangle 9">
+            <a:extLst>
+              <a:ext uri="{FF2B5EF4-FFF2-40B4-BE49-F238E27FC236}">
+                <a16:creationId xmlns:a16="http://schemas.microsoft.com/office/drawing/2014/main" id="{2B97F24A-32CE-4C1C-A50D-3016B394DCFB}"/>
+              </a:ext>
+              <a:ext uri="{C183D7F6-B498-43B3-948B-1728B52AA6E4}">
+                <adec:decorative xmlns:adec="http://schemas.microsoft.com/office/drawing/2017/decorative" val="1"/>
+              </a:ext>
+            </a:extLst>
+          </p:cNvPr>
+          <p:cNvSpPr>
+            <a:spLocks noGrp="1" noRot="1" noChangeAspect="1" noMove="1" noResize="1" noEditPoints="1" noAdjustHandles="1" noChangeArrowheads="1" noChangeShapeType="1" noTextEdit="1"/>
+          </p:cNvSpPr>
+          <p:nvPr>
+            <p:extLst>
+              <p:ext uri="{386F3935-93C4-4BCD-93E2-E3B085C9AB24}">
+                <p16:designElem xmlns:p16="http://schemas.microsoft.com/office/powerpoint/2015/main" val="1"/>
+              </p:ext>
+            </p:extLst>
+          </p:nvPr>
+        </p:nvSpPr>
+        <p:spPr>
+          <a:xfrm>
+            <a:off x="0" y="0"/>
+            <a:ext cx="12192000" cy="6858000"/>
+          </a:xfrm>
+          <a:prstGeom prst="rect">
+            <a:avLst/>
+          </a:prstGeom>
+          <a:ln>
+            <a:noFill/>
+          </a:ln>
+        </p:spPr>
+        <p:style>
+          <a:lnRef idx="2">
+            <a:schemeClr val="accent1">
+              <a:shade val="50000"/>
+            </a:schemeClr>
+          </a:lnRef>
+          <a:fillRef idx="1">
+            <a:schemeClr val="accent1"/>
+          </a:fillRef>
+          <a:effectRef idx="0">
+            <a:schemeClr val="accent1"/>
+          </a:effectRef>
+          <a:fontRef idx="minor">
+            <a:schemeClr val="lt1"/>
+          </a:fontRef>
+        </p:style>
+        <p:txBody>
+          <a:bodyPr rtlCol="0" anchor="ctr"/>
+          <a:lstStyle/>
+          <a:p>
+            <a:pPr marL="0" marR="0" lvl="0" indent="0" algn="ctr" defTabSz="914400" rtl="0" eaLnBrk="1" fontAlgn="auto" latinLnBrk="0" hangingPunct="1">
+              <a:lnSpc>
+                <a:spcPct val="100000"/>
+              </a:lnSpc>
+              <a:spcBef>
+                <a:spcPts val="0"/>
+              </a:spcBef>
+              <a:spcAft>
+                <a:spcPts val="0"/>
+              </a:spcAft>
+              <a:buClrTx/>
+              <a:buSzTx/>
+              <a:buFontTx/>
+              <a:buNone/>
+              <a:tabLst/>
+              <a:defRPr/>
+            </a:pPr>
+            <a:endParaRPr kumimoji="0" lang="en-US" sz="1800" b="0" i="0" u="none" strike="noStrike" kern="1200" cap="none" spc="0" normalizeH="0" baseline="0" noProof="0">
+              <a:ln>
+                <a:noFill/>
+              </a:ln>
+              <a:solidFill>
+                <a:prstClr val="white"/>
+              </a:solidFill>
+              <a:effectLst/>
+              <a:uLnTx/>
+              <a:uFillTx/>
+              <a:latin typeface="Calibri" panose="020F0502020204030204"/>
+              <a:ea typeface="+mn-ea"/>
+              <a:cs typeface="+mn-cs"/>
+            </a:endParaRPr>
+          </a:p>
+        </p:txBody>
+      </p:sp>
+      <p:sp>
+        <p:nvSpPr>
+          <p:cNvPr id="2" name="Titolo 1">
+            <a:extLst>
+              <a:ext uri="{FF2B5EF4-FFF2-40B4-BE49-F238E27FC236}">
+                <a16:creationId xmlns:a16="http://schemas.microsoft.com/office/drawing/2014/main" id="{6972C588-D82C-10A6-4084-8C028E42E2AF}"/>
+              </a:ext>
+            </a:extLst>
+          </p:cNvPr>
+          <p:cNvSpPr>
+            <a:spLocks noGrp="1"/>
+          </p:cNvSpPr>
+          <p:nvPr>
+            <p:ph type="title"/>
+          </p:nvPr>
+        </p:nvSpPr>
+        <p:spPr>
+          <a:xfrm>
+            <a:off x="630936" y="639520"/>
+            <a:ext cx="3822652" cy="1719072"/>
+          </a:xfrm>
+        </p:spPr>
+        <p:txBody>
+          <a:bodyPr anchor="b">
+            <a:normAutofit/>
+          </a:bodyPr>
+          <a:lstStyle/>
+          <a:p>
+            <a:r>
+              <a:rPr lang="it-IT" sz="3800" dirty="0"/>
+              <a:t>Cross-</a:t>
+            </a:r>
+            <a:r>
+              <a:rPr lang="it-IT" sz="3800" dirty="0" err="1"/>
+              <a:t>validation</a:t>
+            </a:r>
+            <a:r>
+              <a:rPr lang="it-IT" sz="3800" dirty="0"/>
+              <a:t> </a:t>
+            </a:r>
+            <a:r>
+              <a:rPr lang="it-IT" sz="3800" dirty="0" err="1"/>
+              <a:t>results</a:t>
+            </a:r>
+            <a:r>
+              <a:rPr lang="it-IT" sz="3800" dirty="0"/>
+              <a:t>: multi-label</a:t>
+            </a:r>
+          </a:p>
+        </p:txBody>
+      </p:sp>
+      <p:sp>
+        <p:nvSpPr>
+          <p:cNvPr id="12" name="sketch line">
+            <a:extLst>
+              <a:ext uri="{FF2B5EF4-FFF2-40B4-BE49-F238E27FC236}">
+                <a16:creationId xmlns:a16="http://schemas.microsoft.com/office/drawing/2014/main" id="{6357EC4F-235E-4222-A36F-C7878ACE37F2}"/>
+              </a:ext>
+              <a:ext uri="{C183D7F6-B498-43B3-948B-1728B52AA6E4}">
+                <adec:decorative xmlns:adec="http://schemas.microsoft.com/office/drawing/2017/decorative" val="1"/>
+              </a:ext>
+            </a:extLst>
+          </p:cNvPr>
+          <p:cNvSpPr>
+            <a:spLocks noGrp="1" noRot="1" noChangeAspect="1" noMove="1" noResize="1" noEditPoints="1" noAdjustHandles="1" noChangeArrowheads="1" noChangeShapeType="1" noTextEdit="1"/>
+          </p:cNvSpPr>
+          <p:nvPr>
+            <p:extLst>
+              <p:ext uri="{386F3935-93C4-4BCD-93E2-E3B085C9AB24}">
+                <p16:designElem xmlns:p16="http://schemas.microsoft.com/office/powerpoint/2015/main" val="1"/>
+              </p:ext>
+            </p:extLst>
+          </p:nvPr>
+        </p:nvSpPr>
+        <p:spPr>
+          <a:xfrm>
+            <a:off x="643278" y="2573756"/>
+            <a:ext cx="3255095" cy="18288"/>
+          </a:xfrm>
+          <a:custGeom>
+            <a:avLst/>
+            <a:gdLst>
+              <a:gd name="connsiteX0" fmla="*/ 0 w 3255095"/>
+              <a:gd name="connsiteY0" fmla="*/ 0 h 18288"/>
+              <a:gd name="connsiteX1" fmla="*/ 618468 w 3255095"/>
+              <a:gd name="connsiteY1" fmla="*/ 0 h 18288"/>
+              <a:gd name="connsiteX2" fmla="*/ 1269487 w 3255095"/>
+              <a:gd name="connsiteY2" fmla="*/ 0 h 18288"/>
+              <a:gd name="connsiteX3" fmla="*/ 1953057 w 3255095"/>
+              <a:gd name="connsiteY3" fmla="*/ 0 h 18288"/>
+              <a:gd name="connsiteX4" fmla="*/ 2636627 w 3255095"/>
+              <a:gd name="connsiteY4" fmla="*/ 0 h 18288"/>
+              <a:gd name="connsiteX5" fmla="*/ 3255095 w 3255095"/>
+              <a:gd name="connsiteY5" fmla="*/ 0 h 18288"/>
+              <a:gd name="connsiteX6" fmla="*/ 3255095 w 3255095"/>
+              <a:gd name="connsiteY6" fmla="*/ 18288 h 18288"/>
+              <a:gd name="connsiteX7" fmla="*/ 2538974 w 3255095"/>
+              <a:gd name="connsiteY7" fmla="*/ 18288 h 18288"/>
+              <a:gd name="connsiteX8" fmla="*/ 1822853 w 3255095"/>
+              <a:gd name="connsiteY8" fmla="*/ 18288 h 18288"/>
+              <a:gd name="connsiteX9" fmla="*/ 1171834 w 3255095"/>
+              <a:gd name="connsiteY9" fmla="*/ 18288 h 18288"/>
+              <a:gd name="connsiteX10" fmla="*/ 0 w 3255095"/>
+              <a:gd name="connsiteY10" fmla="*/ 18288 h 18288"/>
+              <a:gd name="connsiteX11" fmla="*/ 0 w 3255095"/>
+              <a:gd name="connsiteY11" fmla="*/ 0 h 18288"/>
+            </a:gdLst>
+            <a:ahLst/>
+            <a:cxnLst>
+              <a:cxn ang="0">
+                <a:pos x="connsiteX0" y="connsiteY0"/>
+              </a:cxn>
+              <a:cxn ang="0">
+                <a:pos x="connsiteX1" y="connsiteY1"/>
+              </a:cxn>
+              <a:cxn ang="0">
+                <a:pos x="connsiteX2" y="connsiteY2"/>
+              </a:cxn>
+              <a:cxn ang="0">
+                <a:pos x="connsiteX3" y="connsiteY3"/>
+              </a:cxn>
+              <a:cxn ang="0">
+                <a:pos x="connsiteX4" y="connsiteY4"/>
+              </a:cxn>
+              <a:cxn ang="0">
+                <a:pos x="connsiteX5" y="connsiteY5"/>
+              </a:cxn>
+              <a:cxn ang="0">
+                <a:pos x="connsiteX6" y="connsiteY6"/>
+              </a:cxn>
+              <a:cxn ang="0">
+                <a:pos x="connsiteX7" y="connsiteY7"/>
+              </a:cxn>
+              <a:cxn ang="0">
+                <a:pos x="connsiteX8" y="connsiteY8"/>
+              </a:cxn>
+              <a:cxn ang="0">
+                <a:pos x="connsiteX9" y="connsiteY9"/>
+              </a:cxn>
+              <a:cxn ang="0">
+                <a:pos x="connsiteX10" y="connsiteY10"/>
+              </a:cxn>
+              <a:cxn ang="0">
+                <a:pos x="connsiteX11" y="connsiteY11"/>
+              </a:cxn>
+            </a:cxnLst>
+            <a:rect l="l" t="t" r="r" b="b"/>
+            <a:pathLst>
+              <a:path w="3255095" h="18288" fill="none" extrusionOk="0">
+                <a:moveTo>
+                  <a:pt x="0" y="0"/>
+                </a:moveTo>
+                <a:cubicBezTo>
+                  <a:pt x="240201" y="-22123"/>
+                  <a:pt x="462021" y="-19623"/>
+                  <a:pt x="618468" y="0"/>
+                </a:cubicBezTo>
+                <a:cubicBezTo>
+                  <a:pt x="774915" y="19623"/>
+                  <a:pt x="974734" y="2035"/>
+                  <a:pt x="1269487" y="0"/>
+                </a:cubicBezTo>
+                <a:cubicBezTo>
+                  <a:pt x="1564240" y="-2035"/>
+                  <a:pt x="1733579" y="10639"/>
+                  <a:pt x="1953057" y="0"/>
+                </a:cubicBezTo>
+                <a:cubicBezTo>
+                  <a:pt x="2172535" y="-10639"/>
+                  <a:pt x="2453962" y="14018"/>
+                  <a:pt x="2636627" y="0"/>
+                </a:cubicBezTo>
+                <a:cubicBezTo>
+                  <a:pt x="2819292" y="-14018"/>
+                  <a:pt x="3121375" y="5399"/>
+                  <a:pt x="3255095" y="0"/>
+                </a:cubicBezTo>
+                <a:cubicBezTo>
+                  <a:pt x="3254386" y="8157"/>
+                  <a:pt x="3254682" y="12125"/>
+                  <a:pt x="3255095" y="18288"/>
+                </a:cubicBezTo>
+                <a:cubicBezTo>
+                  <a:pt x="3088545" y="23203"/>
+                  <a:pt x="2687475" y="7419"/>
+                  <a:pt x="2538974" y="18288"/>
+                </a:cubicBezTo>
+                <a:cubicBezTo>
+                  <a:pt x="2390473" y="29157"/>
+                  <a:pt x="2137381" y="-8959"/>
+                  <a:pt x="1822853" y="18288"/>
+                </a:cubicBezTo>
+                <a:cubicBezTo>
+                  <a:pt x="1508325" y="45535"/>
+                  <a:pt x="1466437" y="20385"/>
+                  <a:pt x="1171834" y="18288"/>
+                </a:cubicBezTo>
+                <a:cubicBezTo>
+                  <a:pt x="877231" y="16191"/>
+                  <a:pt x="561097" y="37643"/>
+                  <a:pt x="0" y="18288"/>
+                </a:cubicBezTo>
+                <a:cubicBezTo>
+                  <a:pt x="-46" y="12483"/>
+                  <a:pt x="-203" y="6491"/>
+                  <a:pt x="0" y="0"/>
+                </a:cubicBezTo>
+                <a:close/>
+              </a:path>
+              <a:path w="3255095" h="18288" stroke="0" extrusionOk="0">
+                <a:moveTo>
+                  <a:pt x="0" y="0"/>
+                </a:moveTo>
+                <a:cubicBezTo>
+                  <a:pt x="291965" y="19429"/>
+                  <a:pt x="363155" y="8568"/>
+                  <a:pt x="618468" y="0"/>
+                </a:cubicBezTo>
+                <a:cubicBezTo>
+                  <a:pt x="873781" y="-8568"/>
+                  <a:pt x="904459" y="-19505"/>
+                  <a:pt x="1171834" y="0"/>
+                </a:cubicBezTo>
+                <a:cubicBezTo>
+                  <a:pt x="1439209" y="19505"/>
+                  <a:pt x="1744369" y="9790"/>
+                  <a:pt x="1887955" y="0"/>
+                </a:cubicBezTo>
+                <a:cubicBezTo>
+                  <a:pt x="2031541" y="-9790"/>
+                  <a:pt x="2346378" y="21240"/>
+                  <a:pt x="2506423" y="0"/>
+                </a:cubicBezTo>
+                <a:cubicBezTo>
+                  <a:pt x="2666468" y="-21240"/>
+                  <a:pt x="2990257" y="30414"/>
+                  <a:pt x="3255095" y="0"/>
+                </a:cubicBezTo>
+                <a:cubicBezTo>
+                  <a:pt x="3254831" y="4493"/>
+                  <a:pt x="3255479" y="9472"/>
+                  <a:pt x="3255095" y="18288"/>
+                </a:cubicBezTo>
+                <a:cubicBezTo>
+                  <a:pt x="3120743" y="16690"/>
+                  <a:pt x="2759628" y="42462"/>
+                  <a:pt x="2604076" y="18288"/>
+                </a:cubicBezTo>
+                <a:cubicBezTo>
+                  <a:pt x="2448524" y="-5886"/>
+                  <a:pt x="2184336" y="19599"/>
+                  <a:pt x="1887955" y="18288"/>
+                </a:cubicBezTo>
+                <a:cubicBezTo>
+                  <a:pt x="1591574" y="16977"/>
+                  <a:pt x="1548845" y="6870"/>
+                  <a:pt x="1334589" y="18288"/>
+                </a:cubicBezTo>
+                <a:cubicBezTo>
+                  <a:pt x="1120333" y="29706"/>
+                  <a:pt x="996014" y="9662"/>
+                  <a:pt x="683570" y="18288"/>
+                </a:cubicBezTo>
+                <a:cubicBezTo>
+                  <a:pt x="371126" y="26914"/>
+                  <a:pt x="198687" y="16167"/>
+                  <a:pt x="0" y="18288"/>
+                </a:cubicBezTo>
+                <a:cubicBezTo>
+                  <a:pt x="843" y="9577"/>
+                  <a:pt x="371" y="6900"/>
+                  <a:pt x="0" y="0"/>
+                </a:cubicBezTo>
+                <a:close/>
+              </a:path>
+            </a:pathLst>
+          </a:custGeom>
+          <a:solidFill>
+            <a:schemeClr val="accent2"/>
+          </a:solidFill>
+          <a:ln w="38100" cap="rnd">
+            <a:solidFill>
+              <a:schemeClr val="accent2"/>
+            </a:solidFill>
+            <a:round/>
+            <a:extLst>
+              <a:ext uri="{C807C97D-BFC1-408E-A445-0C87EB9F89A2}">
+                <ask:lineSketchStyleProps xmlns:ask="http://schemas.microsoft.com/office/drawing/2018/sketchyshapes" sd="1219033472">
+                  <a:prstGeom prst="rect">
+                    <a:avLst/>
+                  </a:prstGeom>
+                  <ask:type>
+                    <ask:lineSketchFreehand/>
+                  </ask:type>
+                </ask:lineSketchStyleProps>
+              </a:ext>
+            </a:extLst>
+          </a:ln>
+        </p:spPr>
+        <p:style>
+          <a:lnRef idx="2">
+            <a:schemeClr val="accent1">
+              <a:shade val="50000"/>
+            </a:schemeClr>
+          </a:lnRef>
+          <a:fillRef idx="1">
+            <a:schemeClr val="accent1"/>
+          </a:fillRef>
+          <a:effectRef idx="0">
+            <a:schemeClr val="accent1"/>
+          </a:effectRef>
+          <a:fontRef idx="minor">
+            <a:schemeClr val="lt1"/>
+          </a:fontRef>
+        </p:style>
+        <p:txBody>
+          <a:bodyPr rtlCol="0" anchor="ctr"/>
+          <a:lstStyle/>
+          <a:p>
+            <a:pPr marL="0" marR="0" lvl="0" indent="0" algn="ctr" defTabSz="914400" rtl="0" eaLnBrk="1" fontAlgn="auto" latinLnBrk="0" hangingPunct="1">
+              <a:lnSpc>
+                <a:spcPct val="100000"/>
+              </a:lnSpc>
+              <a:spcBef>
+                <a:spcPts val="0"/>
+              </a:spcBef>
+              <a:spcAft>
+                <a:spcPts val="0"/>
+              </a:spcAft>
+              <a:buClrTx/>
+              <a:buSzTx/>
+              <a:buFontTx/>
+              <a:buNone/>
+              <a:tabLst/>
+              <a:defRPr/>
+            </a:pPr>
+            <a:endParaRPr kumimoji="0" lang="en-US" sz="1800" b="0" i="0" u="none" strike="noStrike" kern="1200" cap="none" spc="0" normalizeH="0" baseline="0" noProof="0">
+              <a:ln>
+                <a:noFill/>
+              </a:ln>
+              <a:solidFill>
+                <a:prstClr val="white"/>
+              </a:solidFill>
+              <a:effectLst/>
+              <a:uLnTx/>
+              <a:uFillTx/>
+              <a:latin typeface="Calibri" panose="020F0502020204030204"/>
+              <a:ea typeface="+mn-ea"/>
+              <a:cs typeface="+mn-cs"/>
+            </a:endParaRPr>
+          </a:p>
+        </p:txBody>
+      </p:sp>
+      <p:sp>
+        <p:nvSpPr>
+          <p:cNvPr id="3" name="Segnaposto contenuto 2">
+            <a:extLst>
+              <a:ext uri="{FF2B5EF4-FFF2-40B4-BE49-F238E27FC236}">
+                <a16:creationId xmlns:a16="http://schemas.microsoft.com/office/drawing/2014/main" id="{65C3E436-7301-B3FB-2B6F-BA4BCF9F7CFA}"/>
+              </a:ext>
+            </a:extLst>
+          </p:cNvPr>
+          <p:cNvSpPr>
+            <a:spLocks noGrp="1"/>
+          </p:cNvSpPr>
+          <p:nvPr>
+            <p:ph idx="1"/>
+          </p:nvPr>
+        </p:nvSpPr>
+        <p:spPr>
+          <a:xfrm>
+            <a:off x="630936" y="2807208"/>
+            <a:ext cx="3429000" cy="3410712"/>
+          </a:xfrm>
+        </p:spPr>
+        <p:txBody>
+          <a:bodyPr anchor="t">
+            <a:normAutofit fontScale="92500" lnSpcReduction="10000"/>
+          </a:bodyPr>
+          <a:lstStyle/>
+          <a:p>
+            <a:r>
+              <a:rPr lang="it-IT" sz="2200" dirty="0"/>
+              <a:t>RF and MLP </a:t>
+            </a:r>
+            <a:r>
+              <a:rPr lang="it-IT" sz="2200" dirty="0" err="1"/>
+              <a:t>have</a:t>
+            </a:r>
+            <a:r>
+              <a:rPr lang="it-IT" sz="2200" dirty="0"/>
+              <a:t> the </a:t>
+            </a:r>
+            <a:r>
+              <a:rPr lang="it-IT" sz="2200" dirty="0" err="1"/>
+              <a:t>highest</a:t>
+            </a:r>
+            <a:r>
+              <a:rPr lang="it-IT" sz="2200" dirty="0"/>
+              <a:t> f1-scores and </a:t>
+            </a:r>
+            <a:r>
+              <a:rPr lang="it-IT" sz="2200" dirty="0" err="1"/>
+              <a:t>accuracy</a:t>
+            </a:r>
+            <a:endParaRPr lang="it-IT" sz="2200" dirty="0"/>
+          </a:p>
+          <a:p>
+            <a:r>
+              <a:rPr lang="it-IT" sz="2200" dirty="0"/>
+              <a:t>Phishing </a:t>
+            </a:r>
+            <a:r>
+              <a:rPr lang="it-IT" sz="2200" dirty="0" err="1"/>
+              <a:t>URLs</a:t>
+            </a:r>
+            <a:r>
+              <a:rPr lang="it-IT" sz="2200" dirty="0"/>
+              <a:t> </a:t>
+            </a:r>
+            <a:r>
+              <a:rPr lang="it-IT" sz="2200" dirty="0" err="1"/>
+              <a:t>have</a:t>
+            </a:r>
+            <a:r>
+              <a:rPr lang="it-IT" sz="2200" dirty="0"/>
+              <a:t> </a:t>
+            </a:r>
+            <a:r>
+              <a:rPr lang="it-IT" sz="2200" dirty="0" err="1"/>
+              <a:t>significantly</a:t>
+            </a:r>
+            <a:r>
+              <a:rPr lang="it-IT" sz="2200" dirty="0"/>
+              <a:t> </a:t>
+            </a:r>
+            <a:r>
+              <a:rPr lang="it-IT" sz="2200" dirty="0" err="1"/>
+              <a:t>lower</a:t>
+            </a:r>
+            <a:r>
+              <a:rPr lang="it-IT" sz="2200" dirty="0"/>
+              <a:t> scores </a:t>
+            </a:r>
+            <a:r>
+              <a:rPr lang="it-IT" sz="2200" dirty="0" err="1"/>
+              <a:t>compared</a:t>
+            </a:r>
+            <a:r>
+              <a:rPr lang="it-IT" sz="2200" dirty="0"/>
+              <a:t> to </a:t>
+            </a:r>
+            <a:r>
+              <a:rPr lang="it-IT" sz="2200" dirty="0" err="1"/>
+              <a:t>other</a:t>
+            </a:r>
+            <a:r>
+              <a:rPr lang="it-IT" sz="2200" dirty="0"/>
+              <a:t> </a:t>
+            </a:r>
+            <a:r>
+              <a:rPr lang="it-IT" sz="2200" dirty="0" err="1"/>
+              <a:t>categories</a:t>
+            </a:r>
+            <a:endParaRPr lang="it-IT" sz="2200" dirty="0"/>
+          </a:p>
+          <a:p>
+            <a:r>
+              <a:rPr lang="it-IT" sz="2200" dirty="0" err="1"/>
+              <a:t>Defacement</a:t>
+            </a:r>
+            <a:r>
+              <a:rPr lang="it-IT" sz="2200" dirty="0"/>
+              <a:t> </a:t>
+            </a:r>
+            <a:r>
+              <a:rPr lang="it-IT" sz="2200" dirty="0" err="1"/>
+              <a:t>metrics</a:t>
+            </a:r>
+            <a:r>
+              <a:rPr lang="it-IT" sz="2200" dirty="0"/>
+              <a:t> are </a:t>
+            </a:r>
+            <a:r>
+              <a:rPr lang="it-IT" sz="2200" dirty="0" err="1"/>
+              <a:t>higher</a:t>
+            </a:r>
+            <a:r>
+              <a:rPr lang="it-IT" sz="2200" dirty="0"/>
+              <a:t> </a:t>
+            </a:r>
+            <a:r>
+              <a:rPr lang="it-IT" sz="2200" dirty="0" err="1"/>
+              <a:t>than</a:t>
+            </a:r>
+            <a:r>
+              <a:rPr lang="it-IT" sz="2200" dirty="0"/>
+              <a:t> malware</a:t>
+            </a:r>
+          </a:p>
+          <a:p>
+            <a:r>
+              <a:rPr lang="it-IT" sz="2200" dirty="0" err="1"/>
+              <a:t>Undersampling</a:t>
+            </a:r>
+            <a:r>
+              <a:rPr lang="it-IT" sz="2200" dirty="0"/>
+              <a:t> </a:t>
+            </a:r>
+            <a:r>
+              <a:rPr lang="it-IT" sz="2200" dirty="0" err="1"/>
+              <a:t>has</a:t>
+            </a:r>
+            <a:r>
+              <a:rPr lang="it-IT" sz="2200" dirty="0"/>
+              <a:t> no </a:t>
+            </a:r>
+            <a:r>
+              <a:rPr lang="it-IT" sz="2200" dirty="0" err="1"/>
+              <a:t>significant</a:t>
+            </a:r>
+            <a:r>
+              <a:rPr lang="it-IT" sz="2200" dirty="0"/>
+              <a:t> </a:t>
+            </a:r>
+            <a:r>
+              <a:rPr lang="it-IT" sz="2200" dirty="0" err="1"/>
+              <a:t>effect</a:t>
+            </a:r>
+            <a:r>
+              <a:rPr lang="it-IT" sz="2200" dirty="0"/>
+              <a:t>, </a:t>
+            </a:r>
+            <a:r>
+              <a:rPr lang="it-IT" sz="2200" dirty="0" err="1"/>
+              <a:t>we</a:t>
+            </a:r>
+            <a:r>
+              <a:rPr lang="it-IT" sz="2200" dirty="0"/>
+              <a:t> </a:t>
+            </a:r>
+            <a:r>
+              <a:rPr lang="it-IT" sz="2200" dirty="0" err="1"/>
+              <a:t>cannot</a:t>
+            </a:r>
+            <a:r>
+              <a:rPr lang="it-IT" sz="2200" dirty="0"/>
+              <a:t> </a:t>
+            </a:r>
+            <a:r>
+              <a:rPr lang="it-IT" sz="2200" dirty="0" err="1"/>
+              <a:t>reject</a:t>
+            </a:r>
+            <a:r>
+              <a:rPr lang="it-IT" sz="2200" dirty="0"/>
+              <a:t> the </a:t>
+            </a:r>
+            <a:r>
+              <a:rPr lang="it-IT" sz="2200" dirty="0" err="1"/>
+              <a:t>null</a:t>
+            </a:r>
+            <a:r>
+              <a:rPr lang="it-IT" sz="2200" dirty="0"/>
+              <a:t> </a:t>
+            </a:r>
+            <a:r>
+              <a:rPr lang="it-IT" sz="2200" dirty="0" err="1"/>
+              <a:t>hypothesis</a:t>
+            </a:r>
+            <a:endParaRPr lang="it-IT" sz="2200" dirty="0"/>
+          </a:p>
+        </p:txBody>
+      </p:sp>
+      <p:pic>
+        <p:nvPicPr>
+          <p:cNvPr id="5" name="Immagine 4" descr="Immagine che contiene calendario&#10;&#10;Descrizione generata automaticamente">
+            <a:extLst>
+              <a:ext uri="{FF2B5EF4-FFF2-40B4-BE49-F238E27FC236}">
+                <a16:creationId xmlns:a16="http://schemas.microsoft.com/office/drawing/2014/main" id="{E1773FFA-09F2-E5E7-B938-6243FE2AE8F0}"/>
+              </a:ext>
+            </a:extLst>
+          </p:cNvPr>
+          <p:cNvPicPr>
+            <a:picLocks noChangeAspect="1"/>
+          </p:cNvPicPr>
+          <p:nvPr/>
+        </p:nvPicPr>
+        <p:blipFill rotWithShape="1">
+          <a:blip r:embed="rId2">
+            <a:extLst>
+              <a:ext uri="{28A0092B-C50C-407E-A947-70E740481C1C}">
+                <a14:useLocalDpi xmlns:a14="http://schemas.microsoft.com/office/drawing/2010/main" val="0"/>
+              </a:ext>
+            </a:extLst>
+          </a:blip>
+          <a:srcRect l="1" t="1" r="-21" b="91915"/>
+          <a:stretch/>
+        </p:blipFill>
+        <p:spPr>
+          <a:xfrm>
+            <a:off x="4827011" y="85446"/>
+            <a:ext cx="6595651" cy="1393628"/>
+          </a:xfrm>
+          <a:prstGeom prst="rect">
+            <a:avLst/>
+          </a:prstGeom>
+        </p:spPr>
+      </p:pic>
+      <p:pic>
+        <p:nvPicPr>
+          <p:cNvPr id="6" name="Immagine 5" descr="Immagine che contiene calendario&#10;&#10;Descrizione generata automaticamente">
+            <a:extLst>
+              <a:ext uri="{FF2B5EF4-FFF2-40B4-BE49-F238E27FC236}">
+                <a16:creationId xmlns:a16="http://schemas.microsoft.com/office/drawing/2014/main" id="{3E734164-B4CD-80BD-F067-E564ADDF0AB7}"/>
+              </a:ext>
+            </a:extLst>
+          </p:cNvPr>
+          <p:cNvPicPr>
+            <a:picLocks noChangeAspect="1"/>
+          </p:cNvPicPr>
+          <p:nvPr/>
+        </p:nvPicPr>
+        <p:blipFill rotWithShape="1">
+          <a:blip r:embed="rId3">
+            <a:extLst>
+              <a:ext uri="{28A0092B-C50C-407E-A947-70E740481C1C}">
+                <a14:useLocalDpi xmlns:a14="http://schemas.microsoft.com/office/drawing/2010/main" val="0"/>
+              </a:ext>
+            </a:extLst>
+          </a:blip>
+          <a:srcRect t="23449" b="68825"/>
+          <a:stretch/>
+        </p:blipFill>
+        <p:spPr>
+          <a:xfrm>
+            <a:off x="4827012" y="1479074"/>
+            <a:ext cx="6597913" cy="1333463"/>
+          </a:xfrm>
+          <a:prstGeom prst="rect">
+            <a:avLst/>
+          </a:prstGeom>
+        </p:spPr>
+      </p:pic>
+      <p:pic>
+        <p:nvPicPr>
+          <p:cNvPr id="11" name="Immagine 10" descr="Immagine che contiene calendario&#10;&#10;Descrizione generata automaticamente">
+            <a:extLst>
+              <a:ext uri="{FF2B5EF4-FFF2-40B4-BE49-F238E27FC236}">
+                <a16:creationId xmlns:a16="http://schemas.microsoft.com/office/drawing/2014/main" id="{A52A571B-EC74-41B6-44A4-6821315832B5}"/>
+              </a:ext>
+            </a:extLst>
+          </p:cNvPr>
+          <p:cNvPicPr>
+            <a:picLocks noChangeAspect="1"/>
+          </p:cNvPicPr>
+          <p:nvPr/>
+        </p:nvPicPr>
+        <p:blipFill rotWithShape="1">
+          <a:blip r:embed="rId3">
+            <a:extLst>
+              <a:ext uri="{28A0092B-C50C-407E-A947-70E740481C1C}">
+                <a14:useLocalDpi xmlns:a14="http://schemas.microsoft.com/office/drawing/2010/main" val="0"/>
+              </a:ext>
+            </a:extLst>
+          </a:blip>
+          <a:srcRect t="46427" b="45803"/>
+          <a:stretch/>
+        </p:blipFill>
+        <p:spPr>
+          <a:xfrm>
+            <a:off x="4827012" y="2778412"/>
+            <a:ext cx="6595651" cy="1340619"/>
+          </a:xfrm>
+          <a:prstGeom prst="rect">
+            <a:avLst/>
+          </a:prstGeom>
+        </p:spPr>
+      </p:pic>
+      <p:pic>
+        <p:nvPicPr>
+          <p:cNvPr id="14" name="Immagine 13" descr="Immagine che contiene calendario&#10;&#10;Descrizione generata automaticamente">
+            <a:extLst>
+              <a:ext uri="{FF2B5EF4-FFF2-40B4-BE49-F238E27FC236}">
+                <a16:creationId xmlns:a16="http://schemas.microsoft.com/office/drawing/2014/main" id="{8D4A20DD-1804-D87C-6FF8-9D86C7A33CF3}"/>
+              </a:ext>
+            </a:extLst>
+          </p:cNvPr>
+          <p:cNvPicPr>
+            <a:picLocks noChangeAspect="1"/>
+          </p:cNvPicPr>
+          <p:nvPr/>
+        </p:nvPicPr>
+        <p:blipFill rotWithShape="1">
+          <a:blip r:embed="rId3">
+            <a:extLst>
+              <a:ext uri="{28A0092B-C50C-407E-A947-70E740481C1C}">
+                <a14:useLocalDpi xmlns:a14="http://schemas.microsoft.com/office/drawing/2010/main" val="0"/>
+              </a:ext>
+            </a:extLst>
+          </a:blip>
+          <a:srcRect t="92469"/>
+          <a:stretch/>
+        </p:blipFill>
+        <p:spPr>
+          <a:xfrm>
+            <a:off x="4827011" y="4116825"/>
+            <a:ext cx="6595651" cy="1299338"/>
+          </a:xfrm>
+          <a:prstGeom prst="rect">
+            <a:avLst/>
+          </a:prstGeom>
+        </p:spPr>
+      </p:pic>
+      <p:pic>
+        <p:nvPicPr>
+          <p:cNvPr id="16" name="Immagine 15" descr="Immagine che contiene calendario&#10;&#10;Descrizione generata automaticamente">
+            <a:extLst>
+              <a:ext uri="{FF2B5EF4-FFF2-40B4-BE49-F238E27FC236}">
+                <a16:creationId xmlns:a16="http://schemas.microsoft.com/office/drawing/2014/main" id="{4E23A2CA-461E-9F06-DD00-A71A656A653A}"/>
+              </a:ext>
+            </a:extLst>
+          </p:cNvPr>
+          <p:cNvPicPr>
+            <a:picLocks noChangeAspect="1"/>
+          </p:cNvPicPr>
+          <p:nvPr/>
+        </p:nvPicPr>
+        <p:blipFill rotWithShape="1">
+          <a:blip r:embed="rId3">
+            <a:extLst>
+              <a:ext uri="{28A0092B-C50C-407E-A947-70E740481C1C}">
+                <a14:useLocalDpi xmlns:a14="http://schemas.microsoft.com/office/drawing/2010/main" val="0"/>
+              </a:ext>
+            </a:extLst>
+          </a:blip>
+          <a:srcRect t="69352" b="22974"/>
+          <a:stretch/>
+        </p:blipFill>
+        <p:spPr>
+          <a:xfrm>
+            <a:off x="4827011" y="5416163"/>
+            <a:ext cx="6595651" cy="1324067"/>
+          </a:xfrm>
+          <a:prstGeom prst="rect">
+            <a:avLst/>
+          </a:prstGeom>
+        </p:spPr>
+      </p:pic>
+    </p:spTree>
+    <p:extLst>
+      <p:ext uri="{BB962C8B-B14F-4D97-AF65-F5344CB8AC3E}">
+        <p14:creationId xmlns:p14="http://schemas.microsoft.com/office/powerpoint/2010/main" val="1936504766"/>
+      </p:ext>
+    </p:extLst>
+  </p:cSld>
+  <p:clrMapOvr>
+    <a:masterClrMapping/>
+  </p:clrMapOvr>
+</p:sld>
+</file>
+
+<file path=ppt/slides/slide13.xml><?xml version="1.0" encoding="utf-8"?>
+<p:sld xmlns:a="http://schemas.openxmlformats.org/drawingml/2006/main" xmlns:r="http://schemas.openxmlformats.org/officeDocument/2006/relationships" xmlns:p="http://schemas.openxmlformats.org/presentationml/2006/main">
+  <p:cSld>
+    <p:bg>
+      <p:bgPr>
+        <a:solidFill>
+          <a:schemeClr val="bg1"/>
+        </a:solidFill>
+        <a:effectLst/>
+      </p:bgPr>
+    </p:bg>
+    <p:spTree>
+      <p:nvGrpSpPr>
+        <p:cNvPr id="1" name=""/>
+        <p:cNvGrpSpPr/>
+        <p:nvPr/>
+      </p:nvGrpSpPr>
+      <p:grpSpPr>
+        <a:xfrm>
+          <a:off x="0" y="0"/>
+          <a:ext cx="0" cy="0"/>
+          <a:chOff x="0" y="0"/>
+          <a:chExt cx="0" cy="0"/>
+        </a:xfrm>
+      </p:grpSpPr>
+      <p:sp useBgFill="1">
+        <p:nvSpPr>
+          <p:cNvPr id="22" name="Rectangle 9">
+            <a:extLst>
+              <a:ext uri="{FF2B5EF4-FFF2-40B4-BE49-F238E27FC236}">
+                <a16:creationId xmlns:a16="http://schemas.microsoft.com/office/drawing/2014/main" id="{2B97F24A-32CE-4C1C-A50D-3016B394DCFB}"/>
+              </a:ext>
+              <a:ext uri="{C183D7F6-B498-43B3-948B-1728B52AA6E4}">
+                <adec:decorative xmlns:adec="http://schemas.microsoft.com/office/drawing/2017/decorative" val="1"/>
+              </a:ext>
+            </a:extLst>
+          </p:cNvPr>
+          <p:cNvSpPr>
+            <a:spLocks noGrp="1" noRot="1" noChangeAspect="1" noMove="1" noResize="1" noEditPoints="1" noAdjustHandles="1" noChangeArrowheads="1" noChangeShapeType="1" noTextEdit="1"/>
+          </p:cNvSpPr>
+          <p:nvPr>
+            <p:extLst>
+              <p:ext uri="{386F3935-93C4-4BCD-93E2-E3B085C9AB24}">
+                <p16:designElem xmlns:p16="http://schemas.microsoft.com/office/powerpoint/2015/main" val="1"/>
+              </p:ext>
+            </p:extLst>
+          </p:nvPr>
+        </p:nvSpPr>
+        <p:spPr>
+          <a:xfrm>
+            <a:off x="0" y="0"/>
+            <a:ext cx="12192000" cy="6858000"/>
+          </a:xfrm>
+          <a:prstGeom prst="rect">
+            <a:avLst/>
+          </a:prstGeom>
+          <a:ln>
+            <a:noFill/>
+          </a:ln>
+        </p:spPr>
+        <p:style>
+          <a:lnRef idx="2">
+            <a:schemeClr val="accent1">
+              <a:shade val="50000"/>
+            </a:schemeClr>
+          </a:lnRef>
+          <a:fillRef idx="1">
+            <a:schemeClr val="accent1"/>
+          </a:fillRef>
+          <a:effectRef idx="0">
+            <a:schemeClr val="accent1"/>
+          </a:effectRef>
+          <a:fontRef idx="minor">
+            <a:schemeClr val="lt1"/>
+          </a:fontRef>
+        </p:style>
+        <p:txBody>
+          <a:bodyPr rtlCol="0" anchor="ctr"/>
+          <a:lstStyle/>
+          <a:p>
+            <a:pPr algn="ctr"/>
+            <a:endParaRPr lang="en-US"/>
+          </a:p>
+        </p:txBody>
+      </p:sp>
+      <p:sp>
+        <p:nvSpPr>
+          <p:cNvPr id="2" name="Titolo 1">
+            <a:extLst>
+              <a:ext uri="{FF2B5EF4-FFF2-40B4-BE49-F238E27FC236}">
+                <a16:creationId xmlns:a16="http://schemas.microsoft.com/office/drawing/2014/main" id="{0F68F93C-39F4-B713-D914-71A55942EE9E}"/>
+              </a:ext>
+            </a:extLst>
+          </p:cNvPr>
+          <p:cNvSpPr>
+            <a:spLocks noGrp="1"/>
+          </p:cNvSpPr>
+          <p:nvPr>
+            <p:ph type="title"/>
+          </p:nvPr>
+        </p:nvSpPr>
+        <p:spPr>
+          <a:xfrm>
+            <a:off x="630936" y="639520"/>
+            <a:ext cx="3429000" cy="1719072"/>
+          </a:xfrm>
+        </p:spPr>
+        <p:txBody>
+          <a:bodyPr anchor="b">
+            <a:normAutofit/>
+          </a:bodyPr>
+          <a:lstStyle/>
+          <a:p>
+            <a:r>
+              <a:rPr lang="it-IT" sz="5400"/>
+              <a:t>Results</a:t>
+            </a:r>
+          </a:p>
+        </p:txBody>
+      </p:sp>
+      <p:sp>
+        <p:nvSpPr>
+          <p:cNvPr id="23" name="sketch line">
+            <a:extLst>
+              <a:ext uri="{FF2B5EF4-FFF2-40B4-BE49-F238E27FC236}">
+                <a16:creationId xmlns:a16="http://schemas.microsoft.com/office/drawing/2014/main" id="{6357EC4F-235E-4222-A36F-C7878ACE37F2}"/>
+              </a:ext>
+              <a:ext uri="{C183D7F6-B498-43B3-948B-1728B52AA6E4}">
+                <adec:decorative xmlns:adec="http://schemas.microsoft.com/office/drawing/2017/decorative" val="1"/>
+              </a:ext>
+            </a:extLst>
+          </p:cNvPr>
+          <p:cNvSpPr>
+            <a:spLocks noGrp="1" noRot="1" noChangeAspect="1" noMove="1" noResize="1" noEditPoints="1" noAdjustHandles="1" noChangeArrowheads="1" noChangeShapeType="1" noTextEdit="1"/>
+          </p:cNvSpPr>
+          <p:nvPr>
+            <p:extLst>
+              <p:ext uri="{386F3935-93C4-4BCD-93E2-E3B085C9AB24}">
+                <p16:designElem xmlns:p16="http://schemas.microsoft.com/office/powerpoint/2015/main" val="1"/>
+              </p:ext>
+            </p:extLst>
+          </p:nvPr>
+        </p:nvSpPr>
+        <p:spPr>
+          <a:xfrm>
+            <a:off x="643278" y="2573756"/>
+            <a:ext cx="3255095" cy="18288"/>
+          </a:xfrm>
+          <a:custGeom>
+            <a:avLst/>
+            <a:gdLst>
+              <a:gd name="connsiteX0" fmla="*/ 0 w 3255095"/>
+              <a:gd name="connsiteY0" fmla="*/ 0 h 18288"/>
+              <a:gd name="connsiteX1" fmla="*/ 618468 w 3255095"/>
+              <a:gd name="connsiteY1" fmla="*/ 0 h 18288"/>
+              <a:gd name="connsiteX2" fmla="*/ 1269487 w 3255095"/>
+              <a:gd name="connsiteY2" fmla="*/ 0 h 18288"/>
+              <a:gd name="connsiteX3" fmla="*/ 1953057 w 3255095"/>
+              <a:gd name="connsiteY3" fmla="*/ 0 h 18288"/>
+              <a:gd name="connsiteX4" fmla="*/ 2636627 w 3255095"/>
+              <a:gd name="connsiteY4" fmla="*/ 0 h 18288"/>
+              <a:gd name="connsiteX5" fmla="*/ 3255095 w 3255095"/>
+              <a:gd name="connsiteY5" fmla="*/ 0 h 18288"/>
+              <a:gd name="connsiteX6" fmla="*/ 3255095 w 3255095"/>
+              <a:gd name="connsiteY6" fmla="*/ 18288 h 18288"/>
+              <a:gd name="connsiteX7" fmla="*/ 2538974 w 3255095"/>
+              <a:gd name="connsiteY7" fmla="*/ 18288 h 18288"/>
+              <a:gd name="connsiteX8" fmla="*/ 1822853 w 3255095"/>
+              <a:gd name="connsiteY8" fmla="*/ 18288 h 18288"/>
+              <a:gd name="connsiteX9" fmla="*/ 1171834 w 3255095"/>
+              <a:gd name="connsiteY9" fmla="*/ 18288 h 18288"/>
+              <a:gd name="connsiteX10" fmla="*/ 0 w 3255095"/>
+              <a:gd name="connsiteY10" fmla="*/ 18288 h 18288"/>
+              <a:gd name="connsiteX11" fmla="*/ 0 w 3255095"/>
+              <a:gd name="connsiteY11" fmla="*/ 0 h 18288"/>
+            </a:gdLst>
+            <a:ahLst/>
+            <a:cxnLst>
+              <a:cxn ang="0">
+                <a:pos x="connsiteX0" y="connsiteY0"/>
+              </a:cxn>
+              <a:cxn ang="0">
+                <a:pos x="connsiteX1" y="connsiteY1"/>
+              </a:cxn>
+              <a:cxn ang="0">
+                <a:pos x="connsiteX2" y="connsiteY2"/>
+              </a:cxn>
+              <a:cxn ang="0">
+                <a:pos x="connsiteX3" y="connsiteY3"/>
+              </a:cxn>
+              <a:cxn ang="0">
+                <a:pos x="connsiteX4" y="connsiteY4"/>
+              </a:cxn>
+              <a:cxn ang="0">
+                <a:pos x="connsiteX5" y="connsiteY5"/>
+              </a:cxn>
+              <a:cxn ang="0">
+                <a:pos x="connsiteX6" y="connsiteY6"/>
+              </a:cxn>
+              <a:cxn ang="0">
+                <a:pos x="connsiteX7" y="connsiteY7"/>
+              </a:cxn>
+              <a:cxn ang="0">
+                <a:pos x="connsiteX8" y="connsiteY8"/>
+              </a:cxn>
+              <a:cxn ang="0">
+                <a:pos x="connsiteX9" y="connsiteY9"/>
+              </a:cxn>
+              <a:cxn ang="0">
+                <a:pos x="connsiteX10" y="connsiteY10"/>
+              </a:cxn>
+              <a:cxn ang="0">
+                <a:pos x="connsiteX11" y="connsiteY11"/>
+              </a:cxn>
+            </a:cxnLst>
+            <a:rect l="l" t="t" r="r" b="b"/>
+            <a:pathLst>
+              <a:path w="3255095" h="18288" fill="none" extrusionOk="0">
+                <a:moveTo>
+                  <a:pt x="0" y="0"/>
+                </a:moveTo>
+                <a:cubicBezTo>
+                  <a:pt x="240201" y="-22123"/>
+                  <a:pt x="462021" y="-19623"/>
+                  <a:pt x="618468" y="0"/>
+                </a:cubicBezTo>
+                <a:cubicBezTo>
+                  <a:pt x="774915" y="19623"/>
+                  <a:pt x="974734" y="2035"/>
+                  <a:pt x="1269487" y="0"/>
+                </a:cubicBezTo>
+                <a:cubicBezTo>
+                  <a:pt x="1564240" y="-2035"/>
+                  <a:pt x="1733579" y="10639"/>
+                  <a:pt x="1953057" y="0"/>
+                </a:cubicBezTo>
+                <a:cubicBezTo>
+                  <a:pt x="2172535" y="-10639"/>
+                  <a:pt x="2453962" y="14018"/>
+                  <a:pt x="2636627" y="0"/>
+                </a:cubicBezTo>
+                <a:cubicBezTo>
+                  <a:pt x="2819292" y="-14018"/>
+                  <a:pt x="3121375" y="5399"/>
+                  <a:pt x="3255095" y="0"/>
+                </a:cubicBezTo>
+                <a:cubicBezTo>
+                  <a:pt x="3254386" y="8157"/>
+                  <a:pt x="3254682" y="12125"/>
+                  <a:pt x="3255095" y="18288"/>
+                </a:cubicBezTo>
+                <a:cubicBezTo>
+                  <a:pt x="3088545" y="23203"/>
+                  <a:pt x="2687475" y="7419"/>
+                  <a:pt x="2538974" y="18288"/>
+                </a:cubicBezTo>
+                <a:cubicBezTo>
+                  <a:pt x="2390473" y="29157"/>
+                  <a:pt x="2137381" y="-8959"/>
+                  <a:pt x="1822853" y="18288"/>
+                </a:cubicBezTo>
+                <a:cubicBezTo>
+                  <a:pt x="1508325" y="45535"/>
+                  <a:pt x="1466437" y="20385"/>
+                  <a:pt x="1171834" y="18288"/>
+                </a:cubicBezTo>
+                <a:cubicBezTo>
+                  <a:pt x="877231" y="16191"/>
+                  <a:pt x="561097" y="37643"/>
+                  <a:pt x="0" y="18288"/>
+                </a:cubicBezTo>
+                <a:cubicBezTo>
+                  <a:pt x="-46" y="12483"/>
+                  <a:pt x="-203" y="6491"/>
+                  <a:pt x="0" y="0"/>
+                </a:cubicBezTo>
+                <a:close/>
+              </a:path>
+              <a:path w="3255095" h="18288" stroke="0" extrusionOk="0">
+                <a:moveTo>
+                  <a:pt x="0" y="0"/>
+                </a:moveTo>
+                <a:cubicBezTo>
+                  <a:pt x="291965" y="19429"/>
+                  <a:pt x="363155" y="8568"/>
+                  <a:pt x="618468" y="0"/>
+                </a:cubicBezTo>
+                <a:cubicBezTo>
+                  <a:pt x="873781" y="-8568"/>
+                  <a:pt x="904459" y="-19505"/>
+                  <a:pt x="1171834" y="0"/>
+                </a:cubicBezTo>
+                <a:cubicBezTo>
+                  <a:pt x="1439209" y="19505"/>
+                  <a:pt x="1744369" y="9790"/>
+                  <a:pt x="1887955" y="0"/>
+                </a:cubicBezTo>
+                <a:cubicBezTo>
+                  <a:pt x="2031541" y="-9790"/>
+                  <a:pt x="2346378" y="21240"/>
+                  <a:pt x="2506423" y="0"/>
+                </a:cubicBezTo>
+                <a:cubicBezTo>
+                  <a:pt x="2666468" y="-21240"/>
+                  <a:pt x="2990257" y="30414"/>
+                  <a:pt x="3255095" y="0"/>
+                </a:cubicBezTo>
+                <a:cubicBezTo>
+                  <a:pt x="3254831" y="4493"/>
+                  <a:pt x="3255479" y="9472"/>
+                  <a:pt x="3255095" y="18288"/>
+                </a:cubicBezTo>
+                <a:cubicBezTo>
+                  <a:pt x="3120743" y="16690"/>
+                  <a:pt x="2759628" y="42462"/>
+                  <a:pt x="2604076" y="18288"/>
+                </a:cubicBezTo>
+                <a:cubicBezTo>
+                  <a:pt x="2448524" y="-5886"/>
+                  <a:pt x="2184336" y="19599"/>
+                  <a:pt x="1887955" y="18288"/>
+                </a:cubicBezTo>
+                <a:cubicBezTo>
+                  <a:pt x="1591574" y="16977"/>
+                  <a:pt x="1548845" y="6870"/>
+                  <a:pt x="1334589" y="18288"/>
+                </a:cubicBezTo>
+                <a:cubicBezTo>
+                  <a:pt x="1120333" y="29706"/>
+                  <a:pt x="996014" y="9662"/>
+                  <a:pt x="683570" y="18288"/>
+                </a:cubicBezTo>
+                <a:cubicBezTo>
+                  <a:pt x="371126" y="26914"/>
+                  <a:pt x="198687" y="16167"/>
+                  <a:pt x="0" y="18288"/>
+                </a:cubicBezTo>
+                <a:cubicBezTo>
+                  <a:pt x="843" y="9577"/>
+                  <a:pt x="371" y="6900"/>
+                  <a:pt x="0" y="0"/>
+                </a:cubicBezTo>
+                <a:close/>
+              </a:path>
+            </a:pathLst>
+          </a:custGeom>
+          <a:solidFill>
+            <a:schemeClr val="accent2"/>
+          </a:solidFill>
+          <a:ln w="38100" cap="rnd">
+            <a:solidFill>
+              <a:schemeClr val="accent2"/>
+            </a:solidFill>
+            <a:round/>
+            <a:extLst>
+              <a:ext uri="{C807C97D-BFC1-408E-A445-0C87EB9F89A2}">
+                <ask:lineSketchStyleProps xmlns:ask="http://schemas.microsoft.com/office/drawing/2018/sketchyshapes" sd="1219033472">
+                  <a:prstGeom prst="rect">
+                    <a:avLst/>
+                  </a:prstGeom>
+                  <ask:type>
+                    <ask:lineSketchFreehand/>
+                  </ask:type>
+                </ask:lineSketchStyleProps>
+              </a:ext>
+            </a:extLst>
+          </a:ln>
+        </p:spPr>
+        <p:style>
+          <a:lnRef idx="2">
+            <a:schemeClr val="accent1">
+              <a:shade val="50000"/>
+            </a:schemeClr>
+          </a:lnRef>
+          <a:fillRef idx="1">
+            <a:schemeClr val="accent1"/>
+          </a:fillRef>
+          <a:effectRef idx="0">
+            <a:schemeClr val="accent1"/>
+          </a:effectRef>
+          <a:fontRef idx="minor">
+            <a:schemeClr val="lt1"/>
+          </a:fontRef>
+        </p:style>
+        <p:txBody>
+          <a:bodyPr rtlCol="0" anchor="ctr"/>
+          <a:lstStyle/>
+          <a:p>
+            <a:pPr algn="ctr"/>
+            <a:endParaRPr lang="en-US"/>
+          </a:p>
+        </p:txBody>
+      </p:sp>
+      <p:sp>
+        <p:nvSpPr>
+          <p:cNvPr id="3" name="Segnaposto contenuto 2">
+            <a:extLst>
+              <a:ext uri="{FF2B5EF4-FFF2-40B4-BE49-F238E27FC236}">
+                <a16:creationId xmlns:a16="http://schemas.microsoft.com/office/drawing/2014/main" id="{69C6DE9C-4E5D-B696-EF16-B0B30405DBE4}"/>
+              </a:ext>
+            </a:extLst>
+          </p:cNvPr>
+          <p:cNvSpPr>
+            <a:spLocks noGrp="1"/>
+          </p:cNvSpPr>
+          <p:nvPr>
+            <p:ph idx="1"/>
+          </p:nvPr>
+        </p:nvSpPr>
+        <p:spPr>
+          <a:xfrm>
+            <a:off x="630936" y="2807208"/>
+            <a:ext cx="3429000" cy="3410712"/>
+          </a:xfrm>
+        </p:spPr>
+        <p:txBody>
+          <a:bodyPr anchor="t">
+            <a:normAutofit fontScale="92500" lnSpcReduction="20000"/>
+          </a:bodyPr>
+          <a:lstStyle/>
+          <a:p>
+            <a:r>
+              <a:rPr lang="it-IT" sz="2200" dirty="0"/>
+              <a:t>The best </a:t>
+            </a:r>
+            <a:r>
+              <a:rPr lang="it-IT" sz="2200" dirty="0" err="1"/>
+              <a:t>classifiers</a:t>
+            </a:r>
+            <a:r>
+              <a:rPr lang="it-IT" sz="2200" dirty="0"/>
+              <a:t> are random </a:t>
+            </a:r>
+            <a:r>
+              <a:rPr lang="it-IT" sz="2200" dirty="0" err="1"/>
+              <a:t>forest</a:t>
+            </a:r>
+            <a:r>
+              <a:rPr lang="it-IT" sz="2200" dirty="0"/>
+              <a:t> and </a:t>
+            </a:r>
+            <a:r>
+              <a:rPr lang="it-IT" sz="2200" dirty="0" err="1"/>
+              <a:t>multilayer</a:t>
+            </a:r>
+            <a:r>
+              <a:rPr lang="it-IT" sz="2200" dirty="0"/>
+              <a:t> </a:t>
+            </a:r>
+            <a:r>
+              <a:rPr lang="it-IT" sz="2200" dirty="0" err="1"/>
+              <a:t>perceptron</a:t>
+            </a:r>
+            <a:endParaRPr lang="it-IT" sz="2200" dirty="0"/>
+          </a:p>
+          <a:p>
+            <a:r>
+              <a:rPr lang="it-IT" sz="2200" dirty="0"/>
+              <a:t>Under-sampling </a:t>
+            </a:r>
+            <a:r>
+              <a:rPr lang="it-IT" sz="2200" dirty="0" err="1"/>
+              <a:t>does</a:t>
+            </a:r>
+            <a:r>
+              <a:rPr lang="it-IT" sz="2200" dirty="0"/>
+              <a:t> </a:t>
+            </a:r>
+            <a:r>
+              <a:rPr lang="it-IT" sz="2200" dirty="0" err="1"/>
+              <a:t>not</a:t>
+            </a:r>
+            <a:r>
+              <a:rPr lang="it-IT" sz="2200" dirty="0"/>
+              <a:t> </a:t>
+            </a:r>
+            <a:r>
+              <a:rPr lang="it-IT" sz="2200" dirty="0" err="1"/>
+              <a:t>improve</a:t>
+            </a:r>
+            <a:r>
+              <a:rPr lang="it-IT" sz="2200" dirty="0"/>
+              <a:t> overall performance, in </a:t>
+            </a:r>
+            <a:r>
+              <a:rPr lang="it-IT" sz="2200" dirty="0" err="1"/>
+              <a:t>fact</a:t>
+            </a:r>
+            <a:r>
+              <a:rPr lang="it-IT" sz="2200" dirty="0"/>
+              <a:t> </a:t>
+            </a:r>
+            <a:r>
+              <a:rPr lang="it-IT" sz="2200" dirty="0" err="1"/>
+              <a:t>it</a:t>
+            </a:r>
+            <a:r>
+              <a:rPr lang="it-IT" sz="2200" dirty="0"/>
+              <a:t> makes </a:t>
+            </a:r>
+            <a:r>
+              <a:rPr lang="it-IT" sz="2200" dirty="0" err="1"/>
+              <a:t>it</a:t>
+            </a:r>
+            <a:r>
+              <a:rPr lang="it-IT" sz="2200" dirty="0"/>
+              <a:t> </a:t>
+            </a:r>
+            <a:r>
+              <a:rPr lang="it-IT" sz="2200" dirty="0" err="1"/>
+              <a:t>worse</a:t>
+            </a:r>
+            <a:r>
+              <a:rPr lang="it-IT" sz="2200" dirty="0"/>
+              <a:t> in the </a:t>
+            </a:r>
+            <a:r>
+              <a:rPr lang="it-IT" sz="2200" dirty="0" err="1"/>
+              <a:t>binary</a:t>
+            </a:r>
+            <a:r>
+              <a:rPr lang="it-IT" sz="2200" dirty="0"/>
+              <a:t> </a:t>
+            </a:r>
+            <a:r>
+              <a:rPr lang="it-IT" sz="2200" dirty="0" err="1"/>
+              <a:t>classification</a:t>
+            </a:r>
+            <a:r>
+              <a:rPr lang="it-IT" sz="2200" dirty="0"/>
+              <a:t> case</a:t>
+            </a:r>
+          </a:p>
+          <a:p>
+            <a:r>
+              <a:rPr lang="it-IT" sz="2200" dirty="0"/>
+              <a:t>For the </a:t>
+            </a:r>
+            <a:r>
+              <a:rPr lang="it-IT" sz="2200" dirty="0" err="1"/>
+              <a:t>sake</a:t>
+            </a:r>
+            <a:r>
+              <a:rPr lang="it-IT" sz="2200" dirty="0"/>
+              <a:t> of </a:t>
+            </a:r>
+            <a:r>
+              <a:rPr lang="it-IT" sz="2200" dirty="0" err="1"/>
+              <a:t>malicious</a:t>
+            </a:r>
+            <a:r>
+              <a:rPr lang="it-IT" sz="2200" dirty="0"/>
+              <a:t> URL </a:t>
+            </a:r>
+            <a:r>
+              <a:rPr lang="it-IT" sz="2200" dirty="0" err="1"/>
+              <a:t>detection</a:t>
+            </a:r>
+            <a:r>
+              <a:rPr lang="it-IT" sz="2200" dirty="0"/>
+              <a:t>, </a:t>
+            </a:r>
+            <a:r>
+              <a:rPr lang="it-IT" sz="2200" dirty="0" err="1"/>
+              <a:t>binary</a:t>
+            </a:r>
+            <a:r>
+              <a:rPr lang="it-IT" sz="2200" dirty="0"/>
+              <a:t> </a:t>
+            </a:r>
+            <a:r>
+              <a:rPr lang="it-IT" sz="2200" dirty="0" err="1"/>
+              <a:t>classification</a:t>
+            </a:r>
+            <a:r>
+              <a:rPr lang="it-IT" sz="2200" dirty="0"/>
+              <a:t> </a:t>
+            </a:r>
+            <a:r>
+              <a:rPr lang="it-IT" sz="2200" dirty="0" err="1"/>
+              <a:t>is</a:t>
+            </a:r>
+            <a:r>
+              <a:rPr lang="it-IT" sz="2200" dirty="0"/>
+              <a:t> more accurate </a:t>
+            </a:r>
+            <a:r>
+              <a:rPr lang="it-IT" sz="2200" dirty="0" err="1"/>
+              <a:t>than</a:t>
+            </a:r>
+            <a:r>
+              <a:rPr lang="it-IT" sz="2200" dirty="0"/>
+              <a:t> the multi-label </a:t>
+            </a:r>
+            <a:r>
+              <a:rPr lang="it-IT" sz="2200" dirty="0" err="1"/>
+              <a:t>approach</a:t>
+            </a:r>
+            <a:endParaRPr lang="it-IT" sz="2200" dirty="0"/>
+          </a:p>
+        </p:txBody>
+      </p:sp>
+      <p:pic>
+        <p:nvPicPr>
+          <p:cNvPr id="5" name="Immagine 4" descr="Immagine che contiene calendario&#10;&#10;Descrizione generata automaticamente">
+            <a:extLst>
+              <a:ext uri="{FF2B5EF4-FFF2-40B4-BE49-F238E27FC236}">
+                <a16:creationId xmlns:a16="http://schemas.microsoft.com/office/drawing/2014/main" id="{A6B298F8-6601-9C81-5729-F789414A185C}"/>
+              </a:ext>
+            </a:extLst>
+          </p:cNvPr>
+          <p:cNvPicPr>
+            <a:picLocks noChangeAspect="1"/>
+          </p:cNvPicPr>
+          <p:nvPr/>
+        </p:nvPicPr>
+        <p:blipFill>
+          <a:blip r:embed="rId2">
+            <a:extLst>
+              <a:ext uri="{28A0092B-C50C-407E-A947-70E740481C1C}">
+                <a14:useLocalDpi xmlns:a14="http://schemas.microsoft.com/office/drawing/2010/main" val="0"/>
+              </a:ext>
+            </a:extLst>
+          </a:blip>
+          <a:stretch>
+            <a:fillRect/>
+          </a:stretch>
+        </p:blipFill>
+        <p:spPr>
+          <a:xfrm>
+            <a:off x="4229922" y="376489"/>
+            <a:ext cx="7631276" cy="6105021"/>
+          </a:xfrm>
+          <a:prstGeom prst="rect">
+            <a:avLst/>
+          </a:prstGeom>
+        </p:spPr>
+      </p:pic>
+    </p:spTree>
+    <p:extLst>
+      <p:ext uri="{BB962C8B-B14F-4D97-AF65-F5344CB8AC3E}">
+        <p14:creationId xmlns:p14="http://schemas.microsoft.com/office/powerpoint/2010/main" val="1865219337"/>
+      </p:ext>
+    </p:extLst>
+  </p:cSld>
+  <p:clrMapOvr>
+    <a:masterClrMapping/>
+  </p:clrMapOvr>
+</p:sld>
+</file>
+
+<file path=ppt/slides/slide14.xml><?xml version="1.0" encoding="utf-8"?>
 <p:sld xmlns:a="http://schemas.openxmlformats.org/drawingml/2006/main" xmlns:r="http://schemas.openxmlformats.org/officeDocument/2006/relationships" xmlns:p="http://schemas.openxmlformats.org/presentationml/2006/main">
   <p:cSld>
     <p:spTree>
@@ -3581,7 +6647,7 @@
           <p:cNvPr id="2" name="Titolo 1">
             <a:extLst>
               <a:ext uri="{FF2B5EF4-FFF2-40B4-BE49-F238E27FC236}">
-                <a16:creationId xmlns:a16="http://schemas.microsoft.com/office/drawing/2014/main" id="{AB95E177-8626-77B5-D9B8-E708F3F24C71}"/>
+                <a16:creationId xmlns:a16="http://schemas.microsoft.com/office/drawing/2014/main" id="{6406502A-14B1-6F32-DF15-AD669EC9DB2A}"/>
               </a:ext>
             </a:extLst>
           </p:cNvPr>
@@ -3598,14 +6664,18 @@
           <a:lstStyle/>
           <a:p>
             <a:r>
+              <a:rPr lang="it-IT" dirty="0" err="1"/>
+              <a:t>Possible</a:t>
+            </a:r>
+            <a:r>
               <a:rPr lang="it-IT" dirty="0"/>
-              <a:t>Data </a:t>
+              <a:t> </a:t>
             </a:r>
             <a:r>
               <a:rPr lang="it-IT" dirty="0" err="1"/>
-              <a:t>exploration</a:t>
-            </a:r>
-            <a:endParaRPr lang="LID4096" dirty="0"/>
+              <a:t>improvements</a:t>
+            </a:r>
+            <a:endParaRPr lang="it-IT" dirty="0"/>
           </a:p>
         </p:txBody>
       </p:sp>
@@ -3614,7 +6684,7 @@
           <p:cNvPr id="3" name="Segnaposto contenuto 2">
             <a:extLst>
               <a:ext uri="{FF2B5EF4-FFF2-40B4-BE49-F238E27FC236}">
-                <a16:creationId xmlns:a16="http://schemas.microsoft.com/office/drawing/2014/main" id="{95125626-3BA9-7F24-E980-9601BE5883B7}"/>
+                <a16:creationId xmlns:a16="http://schemas.microsoft.com/office/drawing/2014/main" id="{815B76DA-1C9C-BBA6-0B48-31481B2042F3}"/>
               </a:ext>
             </a:extLst>
           </p:cNvPr>
@@ -3627,18 +6697,832 @@
         </p:nvSpPr>
         <p:spPr/>
         <p:txBody>
-          <a:bodyPr/>
+          <a:bodyPr>
+            <a:normAutofit fontScale="70000" lnSpcReduction="20000"/>
+          </a:bodyPr>
           <a:lstStyle/>
           <a:p>
             <a:r>
+              <a:rPr lang="en-US" dirty="0"/>
+              <a:t>Extract more features that could be correlated with malicious URLs, such as</a:t>
+            </a:r>
+          </a:p>
+          <a:p>
+            <a:pPr lvl="1"/>
+            <a:r>
+              <a:rPr lang="en-US" dirty="0"/>
+              <a:t>Presence of base64, hexadecimal or other kinds of text encoding</a:t>
+            </a:r>
+          </a:p>
+          <a:p>
+            <a:pPr lvl="1"/>
+            <a:r>
+              <a:rPr lang="en-US" dirty="0"/>
+              <a:t>Homograph characters that could be used to deceive the user</a:t>
+            </a:r>
+          </a:p>
+          <a:p>
+            <a:pPr lvl="1"/>
+            <a:r>
+              <a:rPr lang="en-US" dirty="0"/>
+              <a:t>Presence of "spoofed" hostnames in other parts of the URL</a:t>
+            </a:r>
+          </a:p>
+          <a:p>
+            <a:pPr lvl="1"/>
+            <a:r>
+              <a:rPr lang="en-US" dirty="0"/>
+              <a:t>Specific words such as "admin", "user", "password", etc.</a:t>
+            </a:r>
+          </a:p>
+          <a:p>
+            <a:r>
+              <a:rPr lang="en-US" dirty="0"/>
+              <a:t>Do not limit feature extraction to just URL strings, and try to retrieve information from websites</a:t>
+            </a:r>
+          </a:p>
+          <a:p>
+            <a:pPr lvl="1"/>
+            <a:r>
+              <a:rPr lang="en-US" dirty="0"/>
+              <a:t>WHOIS query to infer domain owner</a:t>
+            </a:r>
+          </a:p>
+          <a:p>
+            <a:pPr lvl="1"/>
+            <a:r>
+              <a:rPr lang="en-US" dirty="0"/>
+              <a:t>HTML/</a:t>
+            </a:r>
+            <a:r>
+              <a:rPr lang="en-US" dirty="0" err="1"/>
+              <a:t>javascript</a:t>
+            </a:r>
+            <a:r>
+              <a:rPr lang="en-US" dirty="0"/>
+              <a:t> parsing to detect malicious code</a:t>
+            </a:r>
+          </a:p>
+          <a:p>
+            <a:r>
+              <a:rPr lang="en-US" dirty="0"/>
+              <a:t>Attempt to use oversampling, or a combination of under and oversampling to improve classifier performance</a:t>
+            </a:r>
+          </a:p>
+          <a:p>
+            <a:pPr lvl="1"/>
+            <a:r>
+              <a:rPr lang="en-US" dirty="0"/>
+              <a:t>For example, SMOTE-NC from the </a:t>
+            </a:r>
+            <a:r>
+              <a:rPr lang="en-US" sz="2200" dirty="0" err="1">
+                <a:solidFill>
+                  <a:schemeClr val="accent2"/>
+                </a:solidFill>
+                <a:latin typeface="Consolas" panose="020B0609020204030204" pitchFamily="49" charset="0"/>
+              </a:rPr>
+              <a:t>imblearn</a:t>
+            </a:r>
+            <a:r>
+              <a:rPr lang="en-US" dirty="0"/>
+              <a:t> package can work with categorical features as well as numerical ones</a:t>
+            </a:r>
+          </a:p>
+          <a:p>
+            <a:r>
+              <a:rPr lang="en-US" dirty="0"/>
+              <a:t>Use models that support categorical features, or use alternative ways of encoding them instead of one-hot encoding</a:t>
+            </a:r>
+            <a:endParaRPr lang="it-IT" dirty="0"/>
+          </a:p>
+          <a:p>
+            <a:r>
+              <a:rPr lang="it-IT" dirty="0" err="1"/>
+              <a:t>Optimize</a:t>
+            </a:r>
+            <a:r>
               <a:rPr lang="it-IT" dirty="0"/>
-              <a:t>Dataset </a:t>
+              <a:t> </a:t>
             </a:r>
             <a:r>
               <a:rPr lang="it-IT" dirty="0" err="1"/>
-              <a:t>description</a:t>
-            </a:r>
-            <a:endParaRPr lang="LID4096" dirty="0"/>
+              <a:t>classifier</a:t>
+            </a:r>
+            <a:r>
+              <a:rPr lang="it-IT" dirty="0"/>
+              <a:t> </a:t>
+            </a:r>
+            <a:r>
+              <a:rPr lang="it-IT" dirty="0" err="1"/>
+              <a:t>hyper-parameters</a:t>
+            </a:r>
+            <a:endParaRPr lang="en-US" dirty="0"/>
+          </a:p>
+        </p:txBody>
+      </p:sp>
+    </p:spTree>
+    <p:extLst>
+      <p:ext uri="{BB962C8B-B14F-4D97-AF65-F5344CB8AC3E}">
+        <p14:creationId xmlns:p14="http://schemas.microsoft.com/office/powerpoint/2010/main" val="2734127298"/>
+      </p:ext>
+    </p:extLst>
+  </p:cSld>
+  <p:clrMapOvr>
+    <a:masterClrMapping/>
+  </p:clrMapOvr>
+</p:sld>
+</file>
+
+<file path=ppt/slides/slide2.xml><?xml version="1.0" encoding="utf-8"?>
+<p:sld xmlns:a="http://schemas.openxmlformats.org/drawingml/2006/main" xmlns:r="http://schemas.openxmlformats.org/officeDocument/2006/relationships" xmlns:p="http://schemas.openxmlformats.org/presentationml/2006/main">
+  <p:cSld>
+    <p:bg>
+      <p:bgPr>
+        <a:solidFill>
+          <a:schemeClr val="bg1"/>
+        </a:solidFill>
+        <a:effectLst/>
+      </p:bgPr>
+    </p:bg>
+    <p:spTree>
+      <p:nvGrpSpPr>
+        <p:cNvPr id="1" name=""/>
+        <p:cNvGrpSpPr/>
+        <p:nvPr/>
+      </p:nvGrpSpPr>
+      <p:grpSpPr>
+        <a:xfrm>
+          <a:off x="0" y="0"/>
+          <a:ext cx="0" cy="0"/>
+          <a:chOff x="0" y="0"/>
+          <a:chExt cx="0" cy="0"/>
+        </a:xfrm>
+      </p:grpSpPr>
+      <p:sp useBgFill="1">
+        <p:nvSpPr>
+          <p:cNvPr id="10" name="Rectangle 9">
+            <a:extLst>
+              <a:ext uri="{FF2B5EF4-FFF2-40B4-BE49-F238E27FC236}">
+                <a16:creationId xmlns:a16="http://schemas.microsoft.com/office/drawing/2014/main" id="{743AA782-23D1-4521-8CAD-47662984AA08}"/>
+              </a:ext>
+              <a:ext uri="{C183D7F6-B498-43B3-948B-1728B52AA6E4}">
+                <adec:decorative xmlns:adec="http://schemas.microsoft.com/office/drawing/2017/decorative" val="1"/>
+              </a:ext>
+            </a:extLst>
+          </p:cNvPr>
+          <p:cNvSpPr>
+            <a:spLocks noGrp="1" noRot="1" noChangeAspect="1" noMove="1" noResize="1" noEditPoints="1" noAdjustHandles="1" noChangeArrowheads="1" noChangeShapeType="1" noTextEdit="1"/>
+          </p:cNvSpPr>
+          <p:nvPr>
+            <p:extLst>
+              <p:ext uri="{386F3935-93C4-4BCD-93E2-E3B085C9AB24}">
+                <p16:designElem xmlns:p16="http://schemas.microsoft.com/office/powerpoint/2015/main" val="1"/>
+              </p:ext>
+            </p:extLst>
+          </p:nvPr>
+        </p:nvSpPr>
+        <p:spPr>
+          <a:xfrm>
+            <a:off x="0" y="0"/>
+            <a:ext cx="12192000" cy="6858000"/>
+          </a:xfrm>
+          <a:prstGeom prst="rect">
+            <a:avLst/>
+          </a:prstGeom>
+          <a:ln>
+            <a:noFill/>
+          </a:ln>
+        </p:spPr>
+        <p:style>
+          <a:lnRef idx="2">
+            <a:schemeClr val="accent1">
+              <a:shade val="50000"/>
+            </a:schemeClr>
+          </a:lnRef>
+          <a:fillRef idx="1">
+            <a:schemeClr val="accent1"/>
+          </a:fillRef>
+          <a:effectRef idx="0">
+            <a:schemeClr val="accent1"/>
+          </a:effectRef>
+          <a:fontRef idx="minor">
+            <a:schemeClr val="lt1"/>
+          </a:fontRef>
+        </p:style>
+        <p:txBody>
+          <a:bodyPr rtlCol="0" anchor="ctr"/>
+          <a:lstStyle/>
+          <a:p>
+            <a:pPr algn="ctr"/>
+            <a:endParaRPr lang="en-US"/>
+          </a:p>
+        </p:txBody>
+      </p:sp>
+      <p:sp>
+        <p:nvSpPr>
+          <p:cNvPr id="2" name="Titolo 1">
+            <a:extLst>
+              <a:ext uri="{FF2B5EF4-FFF2-40B4-BE49-F238E27FC236}">
+                <a16:creationId xmlns:a16="http://schemas.microsoft.com/office/drawing/2014/main" id="{A824677D-B283-E717-442F-D7AB009ABA90}"/>
+              </a:ext>
+            </a:extLst>
+          </p:cNvPr>
+          <p:cNvSpPr>
+            <a:spLocks noGrp="1"/>
+          </p:cNvSpPr>
+          <p:nvPr>
+            <p:ph type="title"/>
+          </p:nvPr>
+        </p:nvSpPr>
+        <p:spPr>
+          <a:xfrm>
+            <a:off x="630936" y="640080"/>
+            <a:ext cx="5166890" cy="1481328"/>
+          </a:xfrm>
+        </p:spPr>
+        <p:txBody>
+          <a:bodyPr anchor="b">
+            <a:normAutofit/>
+          </a:bodyPr>
+          <a:lstStyle/>
+          <a:p>
+            <a:r>
+              <a:rPr lang="it-IT" sz="5000" dirty="0"/>
+              <a:t>Goal of the project</a:t>
+            </a:r>
+            <a:endParaRPr lang="LID4096" sz="5000" dirty="0"/>
+          </a:p>
+        </p:txBody>
+      </p:sp>
+      <p:sp>
+        <p:nvSpPr>
+          <p:cNvPr id="12" name="sketch line">
+            <a:extLst>
+              <a:ext uri="{FF2B5EF4-FFF2-40B4-BE49-F238E27FC236}">
+                <a16:creationId xmlns:a16="http://schemas.microsoft.com/office/drawing/2014/main" id="{650D18FE-0824-4A46-B22C-A86B52E5780A}"/>
+              </a:ext>
+              <a:ext uri="{C183D7F6-B498-43B3-948B-1728B52AA6E4}">
+                <adec:decorative xmlns:adec="http://schemas.microsoft.com/office/drawing/2017/decorative" val="1"/>
+              </a:ext>
+            </a:extLst>
+          </p:cNvPr>
+          <p:cNvSpPr>
+            <a:spLocks noGrp="1" noRot="1" noChangeAspect="1" noMove="1" noResize="1" noEditPoints="1" noAdjustHandles="1" noChangeArrowheads="1" noChangeShapeType="1" noTextEdit="1"/>
+          </p:cNvSpPr>
+          <p:nvPr>
+            <p:extLst>
+              <p:ext uri="{386F3935-93C4-4BCD-93E2-E3B085C9AB24}">
+                <p16:designElem xmlns:p16="http://schemas.microsoft.com/office/powerpoint/2015/main" val="1"/>
+              </p:ext>
+            </p:extLst>
+          </p:nvPr>
+        </p:nvSpPr>
+        <p:spPr>
+          <a:xfrm>
+            <a:off x="643278" y="2372868"/>
+            <a:ext cx="3255095" cy="18288"/>
+          </a:xfrm>
+          <a:custGeom>
+            <a:avLst/>
+            <a:gdLst>
+              <a:gd name="connsiteX0" fmla="*/ 0 w 3255095"/>
+              <a:gd name="connsiteY0" fmla="*/ 0 h 18288"/>
+              <a:gd name="connsiteX1" fmla="*/ 618468 w 3255095"/>
+              <a:gd name="connsiteY1" fmla="*/ 0 h 18288"/>
+              <a:gd name="connsiteX2" fmla="*/ 1269487 w 3255095"/>
+              <a:gd name="connsiteY2" fmla="*/ 0 h 18288"/>
+              <a:gd name="connsiteX3" fmla="*/ 1953057 w 3255095"/>
+              <a:gd name="connsiteY3" fmla="*/ 0 h 18288"/>
+              <a:gd name="connsiteX4" fmla="*/ 2636627 w 3255095"/>
+              <a:gd name="connsiteY4" fmla="*/ 0 h 18288"/>
+              <a:gd name="connsiteX5" fmla="*/ 3255095 w 3255095"/>
+              <a:gd name="connsiteY5" fmla="*/ 0 h 18288"/>
+              <a:gd name="connsiteX6" fmla="*/ 3255095 w 3255095"/>
+              <a:gd name="connsiteY6" fmla="*/ 18288 h 18288"/>
+              <a:gd name="connsiteX7" fmla="*/ 2538974 w 3255095"/>
+              <a:gd name="connsiteY7" fmla="*/ 18288 h 18288"/>
+              <a:gd name="connsiteX8" fmla="*/ 1822853 w 3255095"/>
+              <a:gd name="connsiteY8" fmla="*/ 18288 h 18288"/>
+              <a:gd name="connsiteX9" fmla="*/ 1171834 w 3255095"/>
+              <a:gd name="connsiteY9" fmla="*/ 18288 h 18288"/>
+              <a:gd name="connsiteX10" fmla="*/ 0 w 3255095"/>
+              <a:gd name="connsiteY10" fmla="*/ 18288 h 18288"/>
+              <a:gd name="connsiteX11" fmla="*/ 0 w 3255095"/>
+              <a:gd name="connsiteY11" fmla="*/ 0 h 18288"/>
+            </a:gdLst>
+            <a:ahLst/>
+            <a:cxnLst>
+              <a:cxn ang="0">
+                <a:pos x="connsiteX0" y="connsiteY0"/>
+              </a:cxn>
+              <a:cxn ang="0">
+                <a:pos x="connsiteX1" y="connsiteY1"/>
+              </a:cxn>
+              <a:cxn ang="0">
+                <a:pos x="connsiteX2" y="connsiteY2"/>
+              </a:cxn>
+              <a:cxn ang="0">
+                <a:pos x="connsiteX3" y="connsiteY3"/>
+              </a:cxn>
+              <a:cxn ang="0">
+                <a:pos x="connsiteX4" y="connsiteY4"/>
+              </a:cxn>
+              <a:cxn ang="0">
+                <a:pos x="connsiteX5" y="connsiteY5"/>
+              </a:cxn>
+              <a:cxn ang="0">
+                <a:pos x="connsiteX6" y="connsiteY6"/>
+              </a:cxn>
+              <a:cxn ang="0">
+                <a:pos x="connsiteX7" y="connsiteY7"/>
+              </a:cxn>
+              <a:cxn ang="0">
+                <a:pos x="connsiteX8" y="connsiteY8"/>
+              </a:cxn>
+              <a:cxn ang="0">
+                <a:pos x="connsiteX9" y="connsiteY9"/>
+              </a:cxn>
+              <a:cxn ang="0">
+                <a:pos x="connsiteX10" y="connsiteY10"/>
+              </a:cxn>
+              <a:cxn ang="0">
+                <a:pos x="connsiteX11" y="connsiteY11"/>
+              </a:cxn>
+            </a:cxnLst>
+            <a:rect l="l" t="t" r="r" b="b"/>
+            <a:pathLst>
+              <a:path w="3255095" h="18288" fill="none" extrusionOk="0">
+                <a:moveTo>
+                  <a:pt x="0" y="0"/>
+                </a:moveTo>
+                <a:cubicBezTo>
+                  <a:pt x="240201" y="-22123"/>
+                  <a:pt x="462021" y="-19623"/>
+                  <a:pt x="618468" y="0"/>
+                </a:cubicBezTo>
+                <a:cubicBezTo>
+                  <a:pt x="774915" y="19623"/>
+                  <a:pt x="974734" y="2035"/>
+                  <a:pt x="1269487" y="0"/>
+                </a:cubicBezTo>
+                <a:cubicBezTo>
+                  <a:pt x="1564240" y="-2035"/>
+                  <a:pt x="1733579" y="10639"/>
+                  <a:pt x="1953057" y="0"/>
+                </a:cubicBezTo>
+                <a:cubicBezTo>
+                  <a:pt x="2172535" y="-10639"/>
+                  <a:pt x="2453962" y="14018"/>
+                  <a:pt x="2636627" y="0"/>
+                </a:cubicBezTo>
+                <a:cubicBezTo>
+                  <a:pt x="2819292" y="-14018"/>
+                  <a:pt x="3121375" y="5399"/>
+                  <a:pt x="3255095" y="0"/>
+                </a:cubicBezTo>
+                <a:cubicBezTo>
+                  <a:pt x="3254386" y="8157"/>
+                  <a:pt x="3254682" y="12125"/>
+                  <a:pt x="3255095" y="18288"/>
+                </a:cubicBezTo>
+                <a:cubicBezTo>
+                  <a:pt x="3088545" y="23203"/>
+                  <a:pt x="2687475" y="7419"/>
+                  <a:pt x="2538974" y="18288"/>
+                </a:cubicBezTo>
+                <a:cubicBezTo>
+                  <a:pt x="2390473" y="29157"/>
+                  <a:pt x="2137381" y="-8959"/>
+                  <a:pt x="1822853" y="18288"/>
+                </a:cubicBezTo>
+                <a:cubicBezTo>
+                  <a:pt x="1508325" y="45535"/>
+                  <a:pt x="1466437" y="20385"/>
+                  <a:pt x="1171834" y="18288"/>
+                </a:cubicBezTo>
+                <a:cubicBezTo>
+                  <a:pt x="877231" y="16191"/>
+                  <a:pt x="561097" y="37643"/>
+                  <a:pt x="0" y="18288"/>
+                </a:cubicBezTo>
+                <a:cubicBezTo>
+                  <a:pt x="-46" y="12483"/>
+                  <a:pt x="-203" y="6491"/>
+                  <a:pt x="0" y="0"/>
+                </a:cubicBezTo>
+                <a:close/>
+              </a:path>
+              <a:path w="3255095" h="18288" stroke="0" extrusionOk="0">
+                <a:moveTo>
+                  <a:pt x="0" y="0"/>
+                </a:moveTo>
+                <a:cubicBezTo>
+                  <a:pt x="291965" y="19429"/>
+                  <a:pt x="363155" y="8568"/>
+                  <a:pt x="618468" y="0"/>
+                </a:cubicBezTo>
+                <a:cubicBezTo>
+                  <a:pt x="873781" y="-8568"/>
+                  <a:pt x="904459" y="-19505"/>
+                  <a:pt x="1171834" y="0"/>
+                </a:cubicBezTo>
+                <a:cubicBezTo>
+                  <a:pt x="1439209" y="19505"/>
+                  <a:pt x="1744369" y="9790"/>
+                  <a:pt x="1887955" y="0"/>
+                </a:cubicBezTo>
+                <a:cubicBezTo>
+                  <a:pt x="2031541" y="-9790"/>
+                  <a:pt x="2346378" y="21240"/>
+                  <a:pt x="2506423" y="0"/>
+                </a:cubicBezTo>
+                <a:cubicBezTo>
+                  <a:pt x="2666468" y="-21240"/>
+                  <a:pt x="2990257" y="30414"/>
+                  <a:pt x="3255095" y="0"/>
+                </a:cubicBezTo>
+                <a:cubicBezTo>
+                  <a:pt x="3254831" y="4493"/>
+                  <a:pt x="3255479" y="9472"/>
+                  <a:pt x="3255095" y="18288"/>
+                </a:cubicBezTo>
+                <a:cubicBezTo>
+                  <a:pt x="3120743" y="16690"/>
+                  <a:pt x="2759628" y="42462"/>
+                  <a:pt x="2604076" y="18288"/>
+                </a:cubicBezTo>
+                <a:cubicBezTo>
+                  <a:pt x="2448524" y="-5886"/>
+                  <a:pt x="2184336" y="19599"/>
+                  <a:pt x="1887955" y="18288"/>
+                </a:cubicBezTo>
+                <a:cubicBezTo>
+                  <a:pt x="1591574" y="16977"/>
+                  <a:pt x="1548845" y="6870"/>
+                  <a:pt x="1334589" y="18288"/>
+                </a:cubicBezTo>
+                <a:cubicBezTo>
+                  <a:pt x="1120333" y="29706"/>
+                  <a:pt x="996014" y="9662"/>
+                  <a:pt x="683570" y="18288"/>
+                </a:cubicBezTo>
+                <a:cubicBezTo>
+                  <a:pt x="371126" y="26914"/>
+                  <a:pt x="198687" y="16167"/>
+                  <a:pt x="0" y="18288"/>
+                </a:cubicBezTo>
+                <a:cubicBezTo>
+                  <a:pt x="843" y="9577"/>
+                  <a:pt x="371" y="6900"/>
+                  <a:pt x="0" y="0"/>
+                </a:cubicBezTo>
+                <a:close/>
+              </a:path>
+            </a:pathLst>
+          </a:custGeom>
+          <a:solidFill>
+            <a:schemeClr val="accent2"/>
+          </a:solidFill>
+          <a:ln w="38100" cap="rnd">
+            <a:solidFill>
+              <a:schemeClr val="accent2"/>
+            </a:solidFill>
+            <a:round/>
+            <a:extLst>
+              <a:ext uri="{C807C97D-BFC1-408E-A445-0C87EB9F89A2}">
+                <ask:lineSketchStyleProps xmlns:ask="http://schemas.microsoft.com/office/drawing/2018/sketchyshapes" sd="1219033472">
+                  <a:prstGeom prst="rect">
+                    <a:avLst/>
+                  </a:prstGeom>
+                  <ask:type>
+                    <ask:lineSketchFreehand/>
+                  </ask:type>
+                </ask:lineSketchStyleProps>
+              </a:ext>
+            </a:extLst>
+          </a:ln>
+        </p:spPr>
+        <p:style>
+          <a:lnRef idx="2">
+            <a:schemeClr val="accent1">
+              <a:shade val="50000"/>
+            </a:schemeClr>
+          </a:lnRef>
+          <a:fillRef idx="1">
+            <a:schemeClr val="accent1"/>
+          </a:fillRef>
+          <a:effectRef idx="0">
+            <a:schemeClr val="accent1"/>
+          </a:effectRef>
+          <a:fontRef idx="minor">
+            <a:schemeClr val="lt1"/>
+          </a:fontRef>
+        </p:style>
+        <p:txBody>
+          <a:bodyPr rtlCol="0" anchor="ctr"/>
+          <a:lstStyle/>
+          <a:p>
+            <a:pPr algn="ctr"/>
+            <a:endParaRPr lang="en-US"/>
+          </a:p>
+        </p:txBody>
+      </p:sp>
+      <p:sp>
+        <p:nvSpPr>
+          <p:cNvPr id="3" name="Segnaposto contenuto 2">
+            <a:extLst>
+              <a:ext uri="{FF2B5EF4-FFF2-40B4-BE49-F238E27FC236}">
+                <a16:creationId xmlns:a16="http://schemas.microsoft.com/office/drawing/2014/main" id="{5273045B-F664-766B-5457-A0C0ECDF53A6}"/>
+              </a:ext>
+            </a:extLst>
+          </p:cNvPr>
+          <p:cNvSpPr>
+            <a:spLocks noGrp="1"/>
+          </p:cNvSpPr>
+          <p:nvPr>
+            <p:ph idx="1"/>
+          </p:nvPr>
+        </p:nvSpPr>
+        <p:spPr>
+          <a:xfrm>
+            <a:off x="630936" y="2660904"/>
+            <a:ext cx="5458968" cy="3547872"/>
+          </a:xfrm>
+        </p:spPr>
+        <p:txBody>
+          <a:bodyPr anchor="t">
+            <a:normAutofit/>
+          </a:bodyPr>
+          <a:lstStyle/>
+          <a:p>
+            <a:r>
+              <a:rPr lang="en-US" sz="1800" dirty="0"/>
+              <a:t>Malicious URLs are a common cybersecurity threat, and are often involved in phishing attacks or spreading malware; users usually rely on experience to avoid them</a:t>
+            </a:r>
+          </a:p>
+          <a:p>
+            <a:r>
+              <a:rPr lang="en-US" sz="1800" dirty="0"/>
+              <a:t>A possible countermeasure is to detect URLs that have a high probability of being malicious and warn the user about them</a:t>
+            </a:r>
+          </a:p>
+          <a:p>
+            <a:r>
+              <a:rPr lang="en-US" sz="1800" dirty="0"/>
+              <a:t> Discovering common patterns in malicious URLs that differentiate them from legitimate ones could be useful to detect them </a:t>
+            </a:r>
+          </a:p>
+          <a:p>
+            <a:r>
+              <a:rPr lang="en-US" sz="1800" dirty="0"/>
+              <a:t>Train a classifier using a set of pre-labeled benign and malicious URLs</a:t>
+            </a:r>
+            <a:endParaRPr lang="LID4096" sz="1800" dirty="0"/>
+          </a:p>
+        </p:txBody>
+      </p:sp>
+      <p:pic>
+        <p:nvPicPr>
+          <p:cNvPr id="5" name="Immagine 4" descr="Immagine che contiene testo, schermata, Carattere, design&#10;&#10;Descrizione generata automaticamente">
+            <a:extLst>
+              <a:ext uri="{FF2B5EF4-FFF2-40B4-BE49-F238E27FC236}">
+                <a16:creationId xmlns:a16="http://schemas.microsoft.com/office/drawing/2014/main" id="{282B4309-1D0D-6EAE-AB6E-AA876700291F}"/>
+              </a:ext>
+            </a:extLst>
+          </p:cNvPr>
+          <p:cNvPicPr>
+            <a:picLocks noChangeAspect="1"/>
+          </p:cNvPicPr>
+          <p:nvPr/>
+        </p:nvPicPr>
+        <p:blipFill rotWithShape="1">
+          <a:blip r:embed="rId2">
+            <a:extLst>
+              <a:ext uri="{28A0092B-C50C-407E-A947-70E740481C1C}">
+                <a14:useLocalDpi xmlns:a14="http://schemas.microsoft.com/office/drawing/2010/main" val="0"/>
+              </a:ext>
+            </a:extLst>
+          </a:blip>
+          <a:srcRect l="4171" t="17874" r="4403" b="7826"/>
+          <a:stretch/>
+        </p:blipFill>
+        <p:spPr>
+          <a:xfrm>
+            <a:off x="6344215" y="2868205"/>
+            <a:ext cx="5458968" cy="3133269"/>
+          </a:xfrm>
+          <a:prstGeom prst="rect">
+            <a:avLst/>
+          </a:prstGeom>
+        </p:spPr>
+      </p:pic>
+    </p:spTree>
+    <p:extLst>
+      <p:ext uri="{BB962C8B-B14F-4D97-AF65-F5344CB8AC3E}">
+        <p14:creationId xmlns:p14="http://schemas.microsoft.com/office/powerpoint/2010/main" val="480519838"/>
+      </p:ext>
+    </p:extLst>
+  </p:cSld>
+  <p:clrMapOvr>
+    <a:masterClrMapping/>
+  </p:clrMapOvr>
+</p:sld>
+</file>
+
+<file path=ppt/slides/slide3.xml><?xml version="1.0" encoding="utf-8"?>
+<p:sld xmlns:a="http://schemas.openxmlformats.org/drawingml/2006/main" xmlns:r="http://schemas.openxmlformats.org/officeDocument/2006/relationships" xmlns:p="http://schemas.openxmlformats.org/presentationml/2006/main">
+  <p:cSld>
+    <p:bg>
+      <p:bgPr>
+        <a:solidFill>
+          <a:schemeClr val="bg1"/>
+        </a:solidFill>
+        <a:effectLst/>
+      </p:bgPr>
+    </p:bg>
+    <p:spTree>
+      <p:nvGrpSpPr>
+        <p:cNvPr id="1" name=""/>
+        <p:cNvGrpSpPr/>
+        <p:nvPr/>
+      </p:nvGrpSpPr>
+      <p:grpSpPr>
+        <a:xfrm>
+          <a:off x="0" y="0"/>
+          <a:ext cx="0" cy="0"/>
+          <a:chOff x="0" y="0"/>
+          <a:chExt cx="0" cy="0"/>
+        </a:xfrm>
+      </p:grpSpPr>
+      <p:sp>
+        <p:nvSpPr>
+          <p:cNvPr id="2" name="Titolo 1">
+            <a:extLst>
+              <a:ext uri="{FF2B5EF4-FFF2-40B4-BE49-F238E27FC236}">
+                <a16:creationId xmlns:a16="http://schemas.microsoft.com/office/drawing/2014/main" id="{AB95E177-8626-77B5-D9B8-E708F3F24C71}"/>
+              </a:ext>
+            </a:extLst>
+          </p:cNvPr>
+          <p:cNvSpPr>
+            <a:spLocks noGrp="1"/>
+          </p:cNvSpPr>
+          <p:nvPr>
+            <p:ph type="title"/>
+          </p:nvPr>
+        </p:nvSpPr>
+        <p:spPr>
+          <a:xfrm>
+            <a:off x="630936" y="640080"/>
+            <a:ext cx="4818888" cy="872956"/>
+          </a:xfrm>
+        </p:spPr>
+        <p:txBody>
+          <a:bodyPr anchor="b">
+            <a:normAutofit/>
+          </a:bodyPr>
+          <a:lstStyle/>
+          <a:p>
+            <a:r>
+              <a:rPr lang="it-IT" sz="5400" dirty="0"/>
+              <a:t>Data </a:t>
+            </a:r>
+            <a:r>
+              <a:rPr lang="it-IT" sz="5400" dirty="0" err="1"/>
+              <a:t>exploration</a:t>
+            </a:r>
+            <a:endParaRPr lang="LID4096" sz="5400" dirty="0"/>
+          </a:p>
+        </p:txBody>
+      </p:sp>
+      <p:sp>
+        <p:nvSpPr>
+          <p:cNvPr id="3" name="Segnaposto contenuto 2">
+            <a:extLst>
+              <a:ext uri="{FF2B5EF4-FFF2-40B4-BE49-F238E27FC236}">
+                <a16:creationId xmlns:a16="http://schemas.microsoft.com/office/drawing/2014/main" id="{95125626-3BA9-7F24-E980-9601BE5883B7}"/>
+              </a:ext>
+            </a:extLst>
+          </p:cNvPr>
+          <p:cNvSpPr>
+            <a:spLocks noGrp="1"/>
+          </p:cNvSpPr>
+          <p:nvPr>
+            <p:ph idx="1"/>
+          </p:nvPr>
+        </p:nvSpPr>
+        <p:spPr>
+          <a:xfrm>
+            <a:off x="630936" y="1845181"/>
+            <a:ext cx="4818888" cy="3547872"/>
+          </a:xfrm>
+        </p:spPr>
+        <p:txBody>
+          <a:bodyPr anchor="t">
+            <a:normAutofit/>
+          </a:bodyPr>
+          <a:lstStyle/>
+          <a:p>
+            <a:r>
+              <a:rPr lang="en-US" sz="2200" dirty="0"/>
+              <a:t>The dataset contains about 650k records and is imbalanced towards benign URLs</a:t>
+            </a:r>
+          </a:p>
+          <a:p>
+            <a:r>
+              <a:rPr lang="en-US" sz="2200" dirty="0"/>
+              <a:t>It was built by combining different URL datasets and removing extra features, keeping only URLs and labels</a:t>
+            </a:r>
+          </a:p>
+          <a:p>
+            <a:r>
+              <a:rPr lang="en-US" sz="2200" dirty="0"/>
+              <a:t>No features are specified except the URL itself and its class</a:t>
+            </a:r>
+          </a:p>
+          <a:p>
+            <a:r>
+              <a:rPr lang="en-US" sz="2200" dirty="0"/>
+              <a:t>Has only 72 duplicates</a:t>
+            </a:r>
+          </a:p>
+        </p:txBody>
+      </p:sp>
+      <p:pic>
+        <p:nvPicPr>
+          <p:cNvPr id="5" name="Immagine 4" descr="Immagine che contiene grafico&#10;&#10;Descrizione generata automaticamente">
+            <a:extLst>
+              <a:ext uri="{FF2B5EF4-FFF2-40B4-BE49-F238E27FC236}">
+                <a16:creationId xmlns:a16="http://schemas.microsoft.com/office/drawing/2014/main" id="{AFED2C5C-B6CD-BC09-A5A7-A674ABE02E3C}"/>
+              </a:ext>
+            </a:extLst>
+          </p:cNvPr>
+          <p:cNvPicPr>
+            <a:picLocks noChangeAspect="1"/>
+          </p:cNvPicPr>
+          <p:nvPr/>
+        </p:nvPicPr>
+        <p:blipFill>
+          <a:blip r:embed="rId2">
+            <a:extLst>
+              <a:ext uri="{28A0092B-C50C-407E-A947-70E740481C1C}">
+                <a14:useLocalDpi xmlns:a14="http://schemas.microsoft.com/office/drawing/2010/main" val="0"/>
+              </a:ext>
+            </a:extLst>
+          </a:blip>
+          <a:stretch>
+            <a:fillRect/>
+          </a:stretch>
+        </p:blipFill>
+        <p:spPr>
+          <a:xfrm>
+            <a:off x="6096000" y="1513036"/>
+            <a:ext cx="5458968" cy="3944104"/>
+          </a:xfrm>
+          <a:prstGeom prst="rect">
+            <a:avLst/>
+          </a:prstGeom>
+        </p:spPr>
+      </p:pic>
+      <p:sp>
+        <p:nvSpPr>
+          <p:cNvPr id="7" name="CasellaDiTesto 6">
+            <a:extLst>
+              <a:ext uri="{FF2B5EF4-FFF2-40B4-BE49-F238E27FC236}">
+                <a16:creationId xmlns:a16="http://schemas.microsoft.com/office/drawing/2014/main" id="{135D609C-1863-BA80-5A79-17887EACF4FC}"/>
+              </a:ext>
+            </a:extLst>
+          </p:cNvPr>
+          <p:cNvSpPr txBox="1"/>
+          <p:nvPr/>
+        </p:nvSpPr>
+        <p:spPr>
+          <a:xfrm>
+            <a:off x="632460" y="6217920"/>
+            <a:ext cx="10927080" cy="369332"/>
+          </a:xfrm>
+          <a:prstGeom prst="rect">
+            <a:avLst/>
+          </a:prstGeom>
+          <a:noFill/>
+        </p:spPr>
+        <p:txBody>
+          <a:bodyPr wrap="square">
+            <a:spAutoFit/>
+          </a:bodyPr>
+          <a:lstStyle/>
+          <a:p>
+            <a:r>
+              <a:rPr lang="it-IT" sz="1800" u="sng" dirty="0">
+                <a:effectLst/>
+                <a:latin typeface="Calibri" panose="020F0502020204030204" pitchFamily="34" charset="0"/>
+                <a:ea typeface="Yu Gothic" panose="020B0400000000000000" pitchFamily="34" charset="-128"/>
+                <a:cs typeface="Times New Roman" panose="02020603050405020304" pitchFamily="18" charset="0"/>
+                <a:hlinkClick r:id="rId3"/>
+              </a:rPr>
+              <a:t>https://www.kaggle.com/datasets/sid321axn/malicious-urls-dataset</a:t>
+            </a:r>
+            <a:endParaRPr lang="LID4096" sz="1800" dirty="0"/>
           </a:p>
         </p:txBody>
       </p:sp>
@@ -3656,6 +7540,2809 @@
 </file>
 
 <file path=ppt/slides/slide4.xml><?xml version="1.0" encoding="utf-8"?>
+<p:sld xmlns:a="http://schemas.openxmlformats.org/drawingml/2006/main" xmlns:r="http://schemas.openxmlformats.org/officeDocument/2006/relationships" xmlns:p="http://schemas.openxmlformats.org/presentationml/2006/main">
+  <p:cSld>
+    <p:bg>
+      <p:bgPr>
+        <a:solidFill>
+          <a:schemeClr val="bg1"/>
+        </a:solidFill>
+        <a:effectLst/>
+      </p:bgPr>
+    </p:bg>
+    <p:spTree>
+      <p:nvGrpSpPr>
+        <p:cNvPr id="1" name=""/>
+        <p:cNvGrpSpPr/>
+        <p:nvPr/>
+      </p:nvGrpSpPr>
+      <p:grpSpPr>
+        <a:xfrm>
+          <a:off x="0" y="0"/>
+          <a:ext cx="0" cy="0"/>
+          <a:chOff x="0" y="0"/>
+          <a:chExt cx="0" cy="0"/>
+        </a:xfrm>
+      </p:grpSpPr>
+      <p:sp>
+        <p:nvSpPr>
+          <p:cNvPr id="2" name="Titolo 1">
+            <a:extLst>
+              <a:ext uri="{FF2B5EF4-FFF2-40B4-BE49-F238E27FC236}">
+                <a16:creationId xmlns:a16="http://schemas.microsoft.com/office/drawing/2014/main" id="{A5A00A07-3454-CD55-CBE6-DD5454B98A00}"/>
+              </a:ext>
+            </a:extLst>
+          </p:cNvPr>
+          <p:cNvSpPr>
+            <a:spLocks noGrp="1"/>
+          </p:cNvSpPr>
+          <p:nvPr>
+            <p:ph type="title"/>
+          </p:nvPr>
+        </p:nvSpPr>
+        <p:spPr>
+          <a:xfrm>
+            <a:off x="630936" y="640080"/>
+            <a:ext cx="4818888" cy="1481328"/>
+          </a:xfrm>
+        </p:spPr>
+        <p:txBody>
+          <a:bodyPr anchor="b">
+            <a:normAutofit/>
+          </a:bodyPr>
+          <a:lstStyle/>
+          <a:p>
+            <a:r>
+              <a:rPr lang="it-IT" sz="5400"/>
+              <a:t>Data cleaning</a:t>
+            </a:r>
+            <a:endParaRPr lang="LID4096" sz="5400"/>
+          </a:p>
+        </p:txBody>
+      </p:sp>
+      <p:sp>
+        <p:nvSpPr>
+          <p:cNvPr id="3" name="Segnaposto contenuto 2">
+            <a:extLst>
+              <a:ext uri="{FF2B5EF4-FFF2-40B4-BE49-F238E27FC236}">
+                <a16:creationId xmlns:a16="http://schemas.microsoft.com/office/drawing/2014/main" id="{EAC85DE0-6216-0E93-D515-0A44FF6495AD}"/>
+              </a:ext>
+            </a:extLst>
+          </p:cNvPr>
+          <p:cNvSpPr>
+            <a:spLocks noGrp="1"/>
+          </p:cNvSpPr>
+          <p:nvPr>
+            <p:ph idx="1"/>
+          </p:nvPr>
+        </p:nvSpPr>
+        <p:spPr>
+          <a:xfrm>
+            <a:off x="630936" y="2660904"/>
+            <a:ext cx="4818888" cy="3547872"/>
+          </a:xfrm>
+        </p:spPr>
+        <p:txBody>
+          <a:bodyPr anchor="t">
+            <a:normAutofit lnSpcReduction="10000"/>
+          </a:bodyPr>
+          <a:lstStyle/>
+          <a:p>
+            <a:r>
+              <a:rPr lang="en-US" sz="2200" dirty="0"/>
+              <a:t>Duplicates are removed keeping the last entry</a:t>
+            </a:r>
+          </a:p>
+          <a:p>
+            <a:r>
+              <a:rPr lang="en-US" sz="2200" dirty="0"/>
+              <a:t>Checking character encoding can reveal malformed or corrupted URL strings and can also be used as a feature for classification</a:t>
+            </a:r>
+          </a:p>
+          <a:p>
+            <a:r>
+              <a:rPr lang="it-IT" sz="2200" dirty="0" err="1"/>
+              <a:t>Encodings</a:t>
+            </a:r>
+            <a:r>
+              <a:rPr lang="it-IT" sz="2200" dirty="0"/>
+              <a:t> </a:t>
+            </a:r>
+            <a:r>
+              <a:rPr lang="it-IT" sz="2200" dirty="0" err="1"/>
+              <a:t>determined</a:t>
+            </a:r>
+            <a:r>
+              <a:rPr lang="it-IT" sz="2200" dirty="0"/>
+              <a:t> </a:t>
+            </a:r>
+            <a:r>
+              <a:rPr lang="it-IT" sz="2200" dirty="0" err="1"/>
+              <a:t>using</a:t>
+            </a:r>
+            <a:r>
+              <a:rPr lang="it-IT" sz="2200" dirty="0"/>
+              <a:t> the </a:t>
+            </a:r>
+            <a:r>
+              <a:rPr lang="it-IT" sz="2000" dirty="0" err="1">
+                <a:solidFill>
+                  <a:schemeClr val="accent2"/>
+                </a:solidFill>
+                <a:latin typeface="Consolas" panose="020B0609020204030204" pitchFamily="49" charset="0"/>
+              </a:rPr>
+              <a:t>chardet</a:t>
+            </a:r>
+            <a:r>
+              <a:rPr lang="it-IT" sz="2200" dirty="0"/>
+              <a:t> library</a:t>
+            </a:r>
+          </a:p>
+          <a:p>
+            <a:r>
+              <a:rPr lang="it-IT" sz="2200" dirty="0" err="1"/>
+              <a:t>Each</a:t>
+            </a:r>
+            <a:r>
+              <a:rPr lang="it-IT" sz="2200" dirty="0"/>
+              <a:t> </a:t>
+            </a:r>
+            <a:r>
+              <a:rPr lang="it-IT" sz="2200" dirty="0" err="1"/>
+              <a:t>encoding</a:t>
+            </a:r>
+            <a:r>
+              <a:rPr lang="it-IT" sz="2200" dirty="0"/>
+              <a:t> </a:t>
+            </a:r>
+            <a:r>
+              <a:rPr lang="it-IT" sz="2200" dirty="0" err="1"/>
+              <a:t>is</a:t>
+            </a:r>
+            <a:r>
+              <a:rPr lang="it-IT" sz="2200" dirty="0"/>
+              <a:t> </a:t>
+            </a:r>
+            <a:r>
+              <a:rPr lang="it-IT" sz="2200" dirty="0" err="1"/>
+              <a:t>associated</a:t>
+            </a:r>
+            <a:r>
+              <a:rPr lang="it-IT" sz="2200" dirty="0"/>
+              <a:t> with a confidence </a:t>
+            </a:r>
+            <a:r>
+              <a:rPr lang="it-IT" sz="2200" dirty="0" err="1"/>
+              <a:t>metric</a:t>
+            </a:r>
+            <a:r>
+              <a:rPr lang="it-IT" sz="2200" dirty="0"/>
+              <a:t>, </a:t>
+            </a:r>
+            <a:r>
+              <a:rPr lang="it-IT" sz="2200" dirty="0" err="1"/>
+              <a:t>which</a:t>
+            </a:r>
+            <a:r>
+              <a:rPr lang="it-IT" sz="2200" dirty="0"/>
+              <a:t> can be </a:t>
+            </a:r>
+            <a:r>
+              <a:rPr lang="it-IT" sz="2200" dirty="0" err="1"/>
+              <a:t>used</a:t>
+            </a:r>
+            <a:r>
+              <a:rPr lang="it-IT" sz="2200" dirty="0"/>
+              <a:t> to spot </a:t>
+            </a:r>
+            <a:r>
+              <a:rPr lang="it-IT" sz="2200" dirty="0" err="1"/>
+              <a:t>corrupted</a:t>
+            </a:r>
+            <a:r>
+              <a:rPr lang="it-IT" sz="2200" dirty="0"/>
+              <a:t> </a:t>
+            </a:r>
+            <a:r>
+              <a:rPr lang="it-IT" sz="2200" dirty="0" err="1"/>
+              <a:t>strings</a:t>
+            </a:r>
+            <a:endParaRPr lang="it-IT" sz="2200" dirty="0"/>
+          </a:p>
+        </p:txBody>
+      </p:sp>
+      <p:pic>
+        <p:nvPicPr>
+          <p:cNvPr id="6" name="Immagine 5" descr="Immagine che contiene grafico&#10;&#10;Descrizione generata automaticamente">
+            <a:extLst>
+              <a:ext uri="{FF2B5EF4-FFF2-40B4-BE49-F238E27FC236}">
+                <a16:creationId xmlns:a16="http://schemas.microsoft.com/office/drawing/2014/main" id="{59850C98-25DA-C724-EEF9-C0CEE45176C5}"/>
+              </a:ext>
+            </a:extLst>
+          </p:cNvPr>
+          <p:cNvPicPr>
+            <a:picLocks noChangeAspect="1"/>
+          </p:cNvPicPr>
+          <p:nvPr/>
+        </p:nvPicPr>
+        <p:blipFill>
+          <a:blip r:embed="rId2">
+            <a:extLst>
+              <a:ext uri="{28A0092B-C50C-407E-A947-70E740481C1C}">
+                <a14:useLocalDpi xmlns:a14="http://schemas.microsoft.com/office/drawing/2010/main" val="0"/>
+              </a:ext>
+            </a:extLst>
+          </a:blip>
+          <a:stretch>
+            <a:fillRect/>
+          </a:stretch>
+        </p:blipFill>
+        <p:spPr>
+          <a:xfrm>
+            <a:off x="5449824" y="2176264"/>
+            <a:ext cx="6071628" cy="4041656"/>
+          </a:xfrm>
+          <a:prstGeom prst="rect">
+            <a:avLst/>
+          </a:prstGeom>
+        </p:spPr>
+      </p:pic>
+    </p:spTree>
+    <p:extLst>
+      <p:ext uri="{BB962C8B-B14F-4D97-AF65-F5344CB8AC3E}">
+        <p14:creationId xmlns:p14="http://schemas.microsoft.com/office/powerpoint/2010/main" val="1533303846"/>
+      </p:ext>
+    </p:extLst>
+  </p:cSld>
+  <p:clrMapOvr>
+    <a:masterClrMapping/>
+  </p:clrMapOvr>
+</p:sld>
+</file>
+
+<file path=ppt/slides/slide5.xml><?xml version="1.0" encoding="utf-8"?>
+<p:sld xmlns:a="http://schemas.openxmlformats.org/drawingml/2006/main" xmlns:r="http://schemas.openxmlformats.org/officeDocument/2006/relationships" xmlns:p="http://schemas.openxmlformats.org/presentationml/2006/main">
+  <p:cSld>
+    <p:bg>
+      <p:bgPr>
+        <a:solidFill>
+          <a:schemeClr val="bg1"/>
+        </a:solidFill>
+        <a:effectLst/>
+      </p:bgPr>
+    </p:bg>
+    <p:spTree>
+      <p:nvGrpSpPr>
+        <p:cNvPr id="1" name=""/>
+        <p:cNvGrpSpPr/>
+        <p:nvPr/>
+      </p:nvGrpSpPr>
+      <p:grpSpPr>
+        <a:xfrm>
+          <a:off x="0" y="0"/>
+          <a:ext cx="0" cy="0"/>
+          <a:chOff x="0" y="0"/>
+          <a:chExt cx="0" cy="0"/>
+        </a:xfrm>
+      </p:grpSpPr>
+      <p:sp>
+        <p:nvSpPr>
+          <p:cNvPr id="2" name="Titolo 1">
+            <a:extLst>
+              <a:ext uri="{FF2B5EF4-FFF2-40B4-BE49-F238E27FC236}">
+                <a16:creationId xmlns:a16="http://schemas.microsoft.com/office/drawing/2014/main" id="{ED7792A2-618E-FFD1-4041-9E19D30A4CCE}"/>
+              </a:ext>
+            </a:extLst>
+          </p:cNvPr>
+          <p:cNvSpPr>
+            <a:spLocks noGrp="1"/>
+          </p:cNvSpPr>
+          <p:nvPr>
+            <p:ph type="title"/>
+          </p:nvPr>
+        </p:nvSpPr>
+        <p:spPr>
+          <a:xfrm>
+            <a:off x="612648" y="365125"/>
+            <a:ext cx="6986015" cy="1776484"/>
+          </a:xfrm>
+        </p:spPr>
+        <p:txBody>
+          <a:bodyPr anchor="b">
+            <a:normAutofit/>
+          </a:bodyPr>
+          <a:lstStyle/>
+          <a:p>
+            <a:r>
+              <a:rPr lang="it-IT" sz="5400" dirty="0"/>
+              <a:t>Data </a:t>
+            </a:r>
+            <a:r>
+              <a:rPr lang="it-IT" sz="5400" dirty="0" err="1"/>
+              <a:t>cleaning</a:t>
+            </a:r>
+            <a:endParaRPr lang="it-IT" sz="5400" dirty="0"/>
+          </a:p>
+        </p:txBody>
+      </p:sp>
+      <p:sp>
+        <p:nvSpPr>
+          <p:cNvPr id="3" name="Segnaposto contenuto 2">
+            <a:extLst>
+              <a:ext uri="{FF2B5EF4-FFF2-40B4-BE49-F238E27FC236}">
+                <a16:creationId xmlns:a16="http://schemas.microsoft.com/office/drawing/2014/main" id="{0D4744C9-7D7A-3B61-5941-C192C67487B1}"/>
+              </a:ext>
+            </a:extLst>
+          </p:cNvPr>
+          <p:cNvSpPr>
+            <a:spLocks noGrp="1"/>
+          </p:cNvSpPr>
+          <p:nvPr>
+            <p:ph idx="1"/>
+          </p:nvPr>
+        </p:nvSpPr>
+        <p:spPr>
+          <a:xfrm>
+            <a:off x="612649" y="2504819"/>
+            <a:ext cx="5743701" cy="3672144"/>
+          </a:xfrm>
+        </p:spPr>
+        <p:txBody>
+          <a:bodyPr>
+            <a:normAutofit/>
+          </a:bodyPr>
+          <a:lstStyle/>
+          <a:p>
+            <a:r>
+              <a:rPr lang="en-US" sz="2400" dirty="0"/>
+              <a:t>By trying some queries, we observe that there are some URL strings with broken encoding (1)</a:t>
+            </a:r>
+          </a:p>
+          <a:p>
+            <a:r>
+              <a:rPr lang="it-IT" sz="2400" dirty="0"/>
+              <a:t>Some </a:t>
+            </a:r>
+            <a:r>
+              <a:rPr lang="it-IT" sz="2400" dirty="0" err="1"/>
+              <a:t>URLs</a:t>
+            </a:r>
+            <a:r>
+              <a:rPr lang="it-IT" sz="2400" dirty="0"/>
+              <a:t> can be </a:t>
+            </a:r>
+            <a:r>
+              <a:rPr lang="it-IT" sz="2400" dirty="0" err="1"/>
+              <a:t>fixed</a:t>
+            </a:r>
+            <a:r>
+              <a:rPr lang="it-IT" sz="2400" dirty="0"/>
+              <a:t> </a:t>
+            </a:r>
+            <a:r>
+              <a:rPr lang="it-IT" sz="2400" dirty="0" err="1"/>
+              <a:t>using</a:t>
+            </a:r>
+            <a:r>
+              <a:rPr lang="it-IT" sz="2400" dirty="0"/>
+              <a:t> the </a:t>
+            </a:r>
+            <a:r>
+              <a:rPr lang="it-IT" sz="2200" dirty="0" err="1">
+                <a:solidFill>
+                  <a:schemeClr val="accent2"/>
+                </a:solidFill>
+                <a:latin typeface="Consolas" panose="020B0609020204030204" pitchFamily="49" charset="0"/>
+              </a:rPr>
+              <a:t>ftfy</a:t>
+            </a:r>
+            <a:r>
+              <a:rPr lang="it-IT" sz="2400" dirty="0"/>
+              <a:t> library (2) </a:t>
+            </a:r>
+            <a:r>
+              <a:rPr lang="it-IT" sz="2400" dirty="0" err="1"/>
+              <a:t>which</a:t>
+            </a:r>
+            <a:r>
+              <a:rPr lang="it-IT" sz="2400" dirty="0"/>
+              <a:t> </a:t>
+            </a:r>
+            <a:r>
+              <a:rPr lang="it-IT" sz="2400" dirty="0" err="1"/>
+              <a:t>attempts</a:t>
+            </a:r>
+            <a:r>
+              <a:rPr lang="it-IT" sz="2400" dirty="0"/>
+              <a:t> to fix common </a:t>
+            </a:r>
+            <a:r>
+              <a:rPr lang="it-IT" sz="2400" dirty="0" err="1"/>
+              <a:t>encoding</a:t>
+            </a:r>
+            <a:r>
+              <a:rPr lang="it-IT" sz="2400" dirty="0"/>
+              <a:t> </a:t>
+            </a:r>
+            <a:r>
+              <a:rPr lang="it-IT" sz="2400" dirty="0" err="1"/>
+              <a:t>errors</a:t>
+            </a:r>
+            <a:endParaRPr lang="it-IT" sz="2400" dirty="0"/>
+          </a:p>
+          <a:p>
+            <a:r>
+              <a:rPr lang="it-IT" sz="2400" dirty="0"/>
+              <a:t>Low-confidence and </a:t>
+            </a:r>
+            <a:r>
+              <a:rPr lang="it-IT" sz="2400" dirty="0" err="1"/>
+              <a:t>unidentified</a:t>
+            </a:r>
+            <a:r>
+              <a:rPr lang="it-IT" sz="2400" dirty="0"/>
+              <a:t> </a:t>
+            </a:r>
+            <a:r>
+              <a:rPr lang="it-IT" sz="2400" dirty="0" err="1"/>
+              <a:t>encodings</a:t>
+            </a:r>
+            <a:r>
+              <a:rPr lang="it-IT" sz="2400" dirty="0"/>
+              <a:t> are </a:t>
+            </a:r>
+            <a:r>
+              <a:rPr lang="it-IT" sz="2400" dirty="0" err="1"/>
+              <a:t>removed</a:t>
+            </a:r>
+            <a:r>
+              <a:rPr lang="it-IT" sz="2400" dirty="0"/>
+              <a:t>. From </a:t>
+            </a:r>
+            <a:r>
+              <a:rPr lang="it-IT" sz="2400" dirty="0" err="1"/>
+              <a:t>manual</a:t>
+            </a:r>
+            <a:r>
+              <a:rPr lang="it-IT" sz="2400" dirty="0"/>
+              <a:t> </a:t>
+            </a:r>
+            <a:r>
+              <a:rPr lang="it-IT" sz="2400" dirty="0" err="1"/>
+              <a:t>inspection</a:t>
+            </a:r>
+            <a:r>
+              <a:rPr lang="it-IT" sz="2400" dirty="0"/>
+              <a:t>, </a:t>
+            </a:r>
+            <a:r>
+              <a:rPr lang="it-IT" sz="2400" dirty="0" err="1"/>
+              <a:t>we</a:t>
+            </a:r>
+            <a:r>
+              <a:rPr lang="it-IT" sz="2400" dirty="0"/>
+              <a:t> </a:t>
+            </a:r>
+            <a:r>
+              <a:rPr lang="it-IT" sz="2400" dirty="0" err="1"/>
+              <a:t>see</a:t>
+            </a:r>
+            <a:r>
+              <a:rPr lang="it-IT" sz="2400" dirty="0"/>
+              <a:t> </a:t>
+            </a:r>
+            <a:r>
+              <a:rPr lang="it-IT" sz="2400" dirty="0" err="1"/>
+              <a:t>they</a:t>
+            </a:r>
+            <a:r>
+              <a:rPr lang="it-IT" sz="2400" dirty="0"/>
+              <a:t> are </a:t>
+            </a:r>
+            <a:r>
+              <a:rPr lang="it-IT" sz="2400" dirty="0" err="1"/>
+              <a:t>contiguous</a:t>
+            </a:r>
+            <a:r>
+              <a:rPr lang="it-IT" sz="2400" dirty="0"/>
+              <a:t> and can be </a:t>
+            </a:r>
+            <a:r>
+              <a:rPr lang="it-IT" sz="2400" dirty="0" err="1"/>
+              <a:t>deleted</a:t>
+            </a:r>
+            <a:r>
+              <a:rPr lang="it-IT" sz="2400" dirty="0"/>
+              <a:t> (3)</a:t>
+            </a:r>
+          </a:p>
+        </p:txBody>
+      </p:sp>
+      <p:pic>
+        <p:nvPicPr>
+          <p:cNvPr id="7" name="Immagine 6" descr="Immagine che contiene testo&#10;&#10;Descrizione generata automaticamente">
+            <a:extLst>
+              <a:ext uri="{FF2B5EF4-FFF2-40B4-BE49-F238E27FC236}">
+                <a16:creationId xmlns:a16="http://schemas.microsoft.com/office/drawing/2014/main" id="{C8CB0E94-5508-7B2B-A365-DE99C9AFB1EC}"/>
+              </a:ext>
+            </a:extLst>
+          </p:cNvPr>
+          <p:cNvPicPr>
+            <a:picLocks noChangeAspect="1"/>
+          </p:cNvPicPr>
+          <p:nvPr/>
+        </p:nvPicPr>
+        <p:blipFill>
+          <a:blip r:embed="rId2">
+            <a:extLst>
+              <a:ext uri="{28A0092B-C50C-407E-A947-70E740481C1C}">
+                <a14:useLocalDpi xmlns:a14="http://schemas.microsoft.com/office/drawing/2010/main" val="0"/>
+              </a:ext>
+            </a:extLst>
+          </a:blip>
+          <a:stretch>
+            <a:fillRect/>
+          </a:stretch>
+        </p:blipFill>
+        <p:spPr>
+          <a:xfrm>
+            <a:off x="7560364" y="2796919"/>
+            <a:ext cx="4156573" cy="914445"/>
+          </a:xfrm>
+          <a:prstGeom prst="rect">
+            <a:avLst/>
+          </a:prstGeom>
+        </p:spPr>
+      </p:pic>
+      <p:pic>
+        <p:nvPicPr>
+          <p:cNvPr id="9" name="Immagine 8" descr="Immagine che contiene testo, schermata, schermo/paravento&#10;&#10;Descrizione generata automaticamente">
+            <a:extLst>
+              <a:ext uri="{FF2B5EF4-FFF2-40B4-BE49-F238E27FC236}">
+                <a16:creationId xmlns:a16="http://schemas.microsoft.com/office/drawing/2014/main" id="{FA4DA7BB-E3A9-B999-E1CF-373A879CA5FF}"/>
+              </a:ext>
+            </a:extLst>
+          </p:cNvPr>
+          <p:cNvPicPr>
+            <a:picLocks noChangeAspect="1"/>
+          </p:cNvPicPr>
+          <p:nvPr/>
+        </p:nvPicPr>
+        <p:blipFill>
+          <a:blip r:embed="rId3">
+            <a:extLst>
+              <a:ext uri="{28A0092B-C50C-407E-A947-70E740481C1C}">
+                <a14:useLocalDpi xmlns:a14="http://schemas.microsoft.com/office/drawing/2010/main" val="0"/>
+              </a:ext>
+            </a:extLst>
+          </a:blip>
+          <a:stretch>
+            <a:fillRect/>
+          </a:stretch>
+        </p:blipFill>
+        <p:spPr>
+          <a:xfrm>
+            <a:off x="7560364" y="4161026"/>
+            <a:ext cx="4156574" cy="2015937"/>
+          </a:xfrm>
+          <a:prstGeom prst="rect">
+            <a:avLst/>
+          </a:prstGeom>
+        </p:spPr>
+      </p:pic>
+      <p:pic>
+        <p:nvPicPr>
+          <p:cNvPr id="5" name="Immagine 4" descr="Immagine che contiene testo, schermata, schermo/paravento&#10;&#10;Descrizione generata automaticamente">
+            <a:extLst>
+              <a:ext uri="{FF2B5EF4-FFF2-40B4-BE49-F238E27FC236}">
+                <a16:creationId xmlns:a16="http://schemas.microsoft.com/office/drawing/2014/main" id="{28B2D17E-87A4-8491-0817-7D04F8071559}"/>
+              </a:ext>
+            </a:extLst>
+          </p:cNvPr>
+          <p:cNvPicPr>
+            <a:picLocks noChangeAspect="1"/>
+          </p:cNvPicPr>
+          <p:nvPr/>
+        </p:nvPicPr>
+        <p:blipFill>
+          <a:blip r:embed="rId4">
+            <a:extLst>
+              <a:ext uri="{28A0092B-C50C-407E-A947-70E740481C1C}">
+                <a14:useLocalDpi xmlns:a14="http://schemas.microsoft.com/office/drawing/2010/main" val="0"/>
+              </a:ext>
+            </a:extLst>
+          </a:blip>
+          <a:stretch>
+            <a:fillRect/>
+          </a:stretch>
+        </p:blipFill>
+        <p:spPr>
+          <a:xfrm>
+            <a:off x="7560364" y="365124"/>
+            <a:ext cx="4156573" cy="1984763"/>
+          </a:xfrm>
+          <a:prstGeom prst="rect">
+            <a:avLst/>
+          </a:prstGeom>
+        </p:spPr>
+      </p:pic>
+      <p:sp>
+        <p:nvSpPr>
+          <p:cNvPr id="10" name="CasellaDiTesto 9">
+            <a:extLst>
+              <a:ext uri="{FF2B5EF4-FFF2-40B4-BE49-F238E27FC236}">
+                <a16:creationId xmlns:a16="http://schemas.microsoft.com/office/drawing/2014/main" id="{6C13238C-D4D5-2CDE-EF0A-345C9E83EEA7}"/>
+              </a:ext>
+            </a:extLst>
+          </p:cNvPr>
+          <p:cNvSpPr txBox="1"/>
+          <p:nvPr/>
+        </p:nvSpPr>
+        <p:spPr>
+          <a:xfrm>
+            <a:off x="7117614" y="311705"/>
+            <a:ext cx="442750" cy="369332"/>
+          </a:xfrm>
+          <a:prstGeom prst="rect">
+            <a:avLst/>
+          </a:prstGeom>
+          <a:noFill/>
+        </p:spPr>
+        <p:txBody>
+          <a:bodyPr wrap="none" rtlCol="0">
+            <a:spAutoFit/>
+          </a:bodyPr>
+          <a:lstStyle/>
+          <a:p>
+            <a:r>
+              <a:rPr lang="it-IT" dirty="0"/>
+              <a:t>(1)</a:t>
+            </a:r>
+          </a:p>
+        </p:txBody>
+      </p:sp>
+      <p:sp>
+        <p:nvSpPr>
+          <p:cNvPr id="11" name="CasellaDiTesto 10">
+            <a:extLst>
+              <a:ext uri="{FF2B5EF4-FFF2-40B4-BE49-F238E27FC236}">
+                <a16:creationId xmlns:a16="http://schemas.microsoft.com/office/drawing/2014/main" id="{76735E8E-E323-92B2-8BDA-F166AB67BAFA}"/>
+              </a:ext>
+            </a:extLst>
+          </p:cNvPr>
+          <p:cNvSpPr txBox="1"/>
+          <p:nvPr/>
+        </p:nvSpPr>
+        <p:spPr>
+          <a:xfrm>
+            <a:off x="7117614" y="2787222"/>
+            <a:ext cx="442750" cy="369332"/>
+          </a:xfrm>
+          <a:prstGeom prst="rect">
+            <a:avLst/>
+          </a:prstGeom>
+          <a:noFill/>
+        </p:spPr>
+        <p:txBody>
+          <a:bodyPr wrap="none" rtlCol="0">
+            <a:spAutoFit/>
+          </a:bodyPr>
+          <a:lstStyle/>
+          <a:p>
+            <a:r>
+              <a:rPr lang="it-IT" dirty="0"/>
+              <a:t>(2)</a:t>
+            </a:r>
+          </a:p>
+        </p:txBody>
+      </p:sp>
+      <p:sp>
+        <p:nvSpPr>
+          <p:cNvPr id="12" name="CasellaDiTesto 11">
+            <a:extLst>
+              <a:ext uri="{FF2B5EF4-FFF2-40B4-BE49-F238E27FC236}">
+                <a16:creationId xmlns:a16="http://schemas.microsoft.com/office/drawing/2014/main" id="{187E31B2-1269-8058-FF1D-F743BE60E7C8}"/>
+              </a:ext>
+            </a:extLst>
+          </p:cNvPr>
+          <p:cNvSpPr txBox="1"/>
+          <p:nvPr/>
+        </p:nvSpPr>
+        <p:spPr>
+          <a:xfrm>
+            <a:off x="7117614" y="4186973"/>
+            <a:ext cx="442750" cy="369332"/>
+          </a:xfrm>
+          <a:prstGeom prst="rect">
+            <a:avLst/>
+          </a:prstGeom>
+          <a:noFill/>
+        </p:spPr>
+        <p:txBody>
+          <a:bodyPr wrap="none" rtlCol="0">
+            <a:spAutoFit/>
+          </a:bodyPr>
+          <a:lstStyle/>
+          <a:p>
+            <a:r>
+              <a:rPr lang="it-IT" dirty="0"/>
+              <a:t>(3)</a:t>
+            </a:r>
+          </a:p>
+        </p:txBody>
+      </p:sp>
+    </p:spTree>
+    <p:extLst>
+      <p:ext uri="{BB962C8B-B14F-4D97-AF65-F5344CB8AC3E}">
+        <p14:creationId xmlns:p14="http://schemas.microsoft.com/office/powerpoint/2010/main" val="3942352101"/>
+      </p:ext>
+    </p:extLst>
+  </p:cSld>
+  <p:clrMapOvr>
+    <a:masterClrMapping/>
+  </p:clrMapOvr>
+</p:sld>
+</file>
+
+<file path=ppt/slides/slide6.xml><?xml version="1.0" encoding="utf-8"?>
+<p:sld xmlns:a="http://schemas.openxmlformats.org/drawingml/2006/main" xmlns:r="http://schemas.openxmlformats.org/officeDocument/2006/relationships" xmlns:p="http://schemas.openxmlformats.org/presentationml/2006/main">
+  <p:cSld>
+    <p:bg>
+      <p:bgPr>
+        <a:solidFill>
+          <a:schemeClr val="bg1"/>
+        </a:solidFill>
+        <a:effectLst/>
+      </p:bgPr>
+    </p:bg>
+    <p:spTree>
+      <p:nvGrpSpPr>
+        <p:cNvPr id="1" name=""/>
+        <p:cNvGrpSpPr/>
+        <p:nvPr/>
+      </p:nvGrpSpPr>
+      <p:grpSpPr>
+        <a:xfrm>
+          <a:off x="0" y="0"/>
+          <a:ext cx="0" cy="0"/>
+          <a:chOff x="0" y="0"/>
+          <a:chExt cx="0" cy="0"/>
+        </a:xfrm>
+      </p:grpSpPr>
+      <p:sp useBgFill="1">
+        <p:nvSpPr>
+          <p:cNvPr id="66" name="Rectangle 65">
+            <a:extLst>
+              <a:ext uri="{FF2B5EF4-FFF2-40B4-BE49-F238E27FC236}">
+                <a16:creationId xmlns:a16="http://schemas.microsoft.com/office/drawing/2014/main" id="{2550BE34-C2B8-49B8-8519-67A8CAD51AE9}"/>
+              </a:ext>
+              <a:ext uri="{C183D7F6-B498-43B3-948B-1728B52AA6E4}">
+                <adec:decorative xmlns:adec="http://schemas.microsoft.com/office/drawing/2017/decorative" val="1"/>
+              </a:ext>
+            </a:extLst>
+          </p:cNvPr>
+          <p:cNvSpPr>
+            <a:spLocks noGrp="1" noRot="1" noChangeAspect="1" noMove="1" noResize="1" noEditPoints="1" noAdjustHandles="1" noChangeArrowheads="1" noChangeShapeType="1" noTextEdit="1"/>
+          </p:cNvSpPr>
+          <p:nvPr>
+            <p:extLst>
+              <p:ext uri="{386F3935-93C4-4BCD-93E2-E3B085C9AB24}">
+                <p16:designElem xmlns:p16="http://schemas.microsoft.com/office/powerpoint/2015/main" val="1"/>
+              </p:ext>
+            </p:extLst>
+          </p:nvPr>
+        </p:nvSpPr>
+        <p:spPr>
+          <a:xfrm>
+            <a:off x="0" y="0"/>
+            <a:ext cx="12192000" cy="6858000"/>
+          </a:xfrm>
+          <a:prstGeom prst="rect">
+            <a:avLst/>
+          </a:prstGeom>
+          <a:ln>
+            <a:noFill/>
+          </a:ln>
+        </p:spPr>
+        <p:style>
+          <a:lnRef idx="2">
+            <a:schemeClr val="accent1">
+              <a:shade val="50000"/>
+            </a:schemeClr>
+          </a:lnRef>
+          <a:fillRef idx="1">
+            <a:schemeClr val="accent1"/>
+          </a:fillRef>
+          <a:effectRef idx="0">
+            <a:schemeClr val="accent1"/>
+          </a:effectRef>
+          <a:fontRef idx="minor">
+            <a:schemeClr val="lt1"/>
+          </a:fontRef>
+        </p:style>
+        <p:txBody>
+          <a:bodyPr rtlCol="0" anchor="ctr"/>
+          <a:lstStyle/>
+          <a:p>
+            <a:pPr algn="ctr"/>
+            <a:endParaRPr lang="en-US"/>
+          </a:p>
+        </p:txBody>
+      </p:sp>
+      <p:sp useBgFill="1">
+        <p:nvSpPr>
+          <p:cNvPr id="68" name="Rectangle 67">
+            <a:extLst>
+              <a:ext uri="{FF2B5EF4-FFF2-40B4-BE49-F238E27FC236}">
+                <a16:creationId xmlns:a16="http://schemas.microsoft.com/office/drawing/2014/main" id="{A7457DD9-5A45-400A-AB4B-4B4EDECA25F1}"/>
+              </a:ext>
+              <a:ext uri="{C183D7F6-B498-43B3-948B-1728B52AA6E4}">
+                <adec:decorative xmlns:adec="http://schemas.microsoft.com/office/drawing/2017/decorative" val="1"/>
+              </a:ext>
+            </a:extLst>
+          </p:cNvPr>
+          <p:cNvSpPr>
+            <a:spLocks noGrp="1" noRot="1" noChangeAspect="1" noMove="1" noResize="1" noEditPoints="1" noAdjustHandles="1" noChangeArrowheads="1" noChangeShapeType="1" noTextEdit="1"/>
+          </p:cNvSpPr>
+          <p:nvPr>
+            <p:extLst>
+              <p:ext uri="{386F3935-93C4-4BCD-93E2-E3B085C9AB24}">
+                <p16:designElem xmlns:p16="http://schemas.microsoft.com/office/powerpoint/2015/main" val="1"/>
+              </p:ext>
+            </p:extLst>
+          </p:nvPr>
+        </p:nvSpPr>
+        <p:spPr>
+          <a:xfrm>
+            <a:off x="554416" y="365125"/>
+            <a:ext cx="11167447" cy="2089317"/>
+          </a:xfrm>
+          <a:prstGeom prst="rect">
+            <a:avLst/>
+          </a:prstGeom>
+          <a:ln w="12700">
+            <a:solidFill>
+              <a:srgbClr val="DEDEDE"/>
+            </a:solidFill>
+          </a:ln>
+          <a:effectLst>
+            <a:outerShdw blurRad="50800" dist="38100" dir="2700000" algn="tl" rotWithShape="0">
+              <a:schemeClr val="bg2">
+                <a:lumMod val="85000"/>
+                <a:alpha val="50000"/>
+              </a:schemeClr>
+            </a:outerShdw>
+          </a:effectLst>
+        </p:spPr>
+        <p:style>
+          <a:lnRef idx="2">
+            <a:schemeClr val="accent1">
+              <a:shade val="50000"/>
+            </a:schemeClr>
+          </a:lnRef>
+          <a:fillRef idx="1">
+            <a:schemeClr val="accent1"/>
+          </a:fillRef>
+          <a:effectRef idx="0">
+            <a:schemeClr val="accent1"/>
+          </a:effectRef>
+          <a:fontRef idx="minor">
+            <a:schemeClr val="lt1"/>
+          </a:fontRef>
+        </p:style>
+        <p:txBody>
+          <a:bodyPr rtlCol="0" anchor="ctr"/>
+          <a:lstStyle/>
+          <a:p>
+            <a:pPr marL="0" marR="0" lvl="0" indent="0" algn="ctr" defTabSz="914400" rtl="0" eaLnBrk="1" fontAlgn="auto" latinLnBrk="0" hangingPunct="1">
+              <a:lnSpc>
+                <a:spcPct val="100000"/>
+              </a:lnSpc>
+              <a:spcBef>
+                <a:spcPts val="0"/>
+              </a:spcBef>
+              <a:spcAft>
+                <a:spcPts val="0"/>
+              </a:spcAft>
+              <a:buClrTx/>
+              <a:buSzTx/>
+              <a:buFontTx/>
+              <a:buNone/>
+              <a:tabLst/>
+              <a:defRPr/>
+            </a:pPr>
+            <a:endParaRPr kumimoji="0" lang="en-US" sz="1800" b="0" i="0" u="none" strike="noStrike" kern="1200" cap="none" spc="0" normalizeH="0" baseline="0" noProof="0">
+              <a:ln>
+                <a:noFill/>
+              </a:ln>
+              <a:solidFill>
+                <a:prstClr val="white"/>
+              </a:solidFill>
+              <a:effectLst/>
+              <a:uLnTx/>
+              <a:uFillTx/>
+              <a:latin typeface="Calibri" panose="020F0502020204030204"/>
+              <a:ea typeface="+mn-ea"/>
+              <a:cs typeface="+mn-cs"/>
+            </a:endParaRPr>
+          </a:p>
+        </p:txBody>
+      </p:sp>
+      <p:sp>
+        <p:nvSpPr>
+          <p:cNvPr id="2" name="Titolo 1">
+            <a:extLst>
+              <a:ext uri="{FF2B5EF4-FFF2-40B4-BE49-F238E27FC236}">
+                <a16:creationId xmlns:a16="http://schemas.microsoft.com/office/drawing/2014/main" id="{C49C62A8-FF05-7548-73EC-FB3217D344A4}"/>
+              </a:ext>
+            </a:extLst>
+          </p:cNvPr>
+          <p:cNvSpPr>
+            <a:spLocks noGrp="1"/>
+          </p:cNvSpPr>
+          <p:nvPr>
+            <p:ph type="title"/>
+          </p:nvPr>
+        </p:nvSpPr>
+        <p:spPr>
+          <a:xfrm>
+            <a:off x="1046746" y="586822"/>
+            <a:ext cx="3560252" cy="1645920"/>
+          </a:xfrm>
+        </p:spPr>
+        <p:txBody>
+          <a:bodyPr>
+            <a:normAutofit/>
+          </a:bodyPr>
+          <a:lstStyle/>
+          <a:p>
+            <a:r>
+              <a:rPr lang="it-IT" sz="3200"/>
+              <a:t>Feature extraction</a:t>
+            </a:r>
+            <a:endParaRPr lang="LID4096" sz="3200"/>
+          </a:p>
+        </p:txBody>
+      </p:sp>
+      <p:sp>
+        <p:nvSpPr>
+          <p:cNvPr id="70" name="Rectangle 69">
+            <a:extLst>
+              <a:ext uri="{FF2B5EF4-FFF2-40B4-BE49-F238E27FC236}">
+                <a16:creationId xmlns:a16="http://schemas.microsoft.com/office/drawing/2014/main" id="{441CF7D6-A660-431A-B0BB-140A0D5556B6}"/>
+              </a:ext>
+              <a:ext uri="{C183D7F6-B498-43B3-948B-1728B52AA6E4}">
+                <adec:decorative xmlns:adec="http://schemas.microsoft.com/office/drawing/2017/decorative" val="1"/>
+              </a:ext>
+            </a:extLst>
+          </p:cNvPr>
+          <p:cNvSpPr>
+            <a:spLocks noGrp="1" noRot="1" noChangeAspect="1" noMove="1" noResize="1" noEditPoints="1" noAdjustHandles="1" noChangeArrowheads="1" noChangeShapeType="1" noTextEdit="1"/>
+          </p:cNvSpPr>
+          <p:nvPr>
+            <p:extLst>
+              <p:ext uri="{386F3935-93C4-4BCD-93E2-E3B085C9AB24}">
+                <p16:designElem xmlns:p16="http://schemas.microsoft.com/office/powerpoint/2015/main" val="1"/>
+              </p:ext>
+            </p:extLst>
+          </p:nvPr>
+        </p:nvSpPr>
+        <p:spPr>
+          <a:xfrm>
+            <a:off x="490408" y="1057739"/>
+            <a:ext cx="128016" cy="704088"/>
+          </a:xfrm>
+          <a:prstGeom prst="rect">
+            <a:avLst/>
+          </a:prstGeom>
+          <a:solidFill>
+            <a:schemeClr val="accent2"/>
+          </a:solidFill>
+          <a:ln>
+            <a:noFill/>
+          </a:ln>
+        </p:spPr>
+        <p:style>
+          <a:lnRef idx="2">
+            <a:schemeClr val="accent1">
+              <a:shade val="50000"/>
+            </a:schemeClr>
+          </a:lnRef>
+          <a:fillRef idx="1">
+            <a:schemeClr val="accent1"/>
+          </a:fillRef>
+          <a:effectRef idx="0">
+            <a:schemeClr val="accent1"/>
+          </a:effectRef>
+          <a:fontRef idx="minor">
+            <a:schemeClr val="lt1"/>
+          </a:fontRef>
+        </p:style>
+        <p:txBody>
+          <a:bodyPr rtlCol="0" anchor="ctr"/>
+          <a:lstStyle/>
+          <a:p>
+            <a:pPr algn="ctr"/>
+            <a:endParaRPr lang="en-US" dirty="0">
+              <a:solidFill>
+                <a:prstClr val="white"/>
+              </a:solidFill>
+              <a:latin typeface="Calibri" panose="020F0502020204030204"/>
+            </a:endParaRPr>
+          </a:p>
+        </p:txBody>
+      </p:sp>
+      <p:sp>
+        <p:nvSpPr>
+          <p:cNvPr id="72" name="Rectangle 71">
+            <a:extLst>
+              <a:ext uri="{FF2B5EF4-FFF2-40B4-BE49-F238E27FC236}">
+                <a16:creationId xmlns:a16="http://schemas.microsoft.com/office/drawing/2014/main" id="{0570A85B-3810-4F95-97B0-CBF4CCDB381C}"/>
+              </a:ext>
+              <a:ext uri="{C183D7F6-B498-43B3-948B-1728B52AA6E4}">
+                <adec:decorative xmlns:adec="http://schemas.microsoft.com/office/drawing/2017/decorative" val="1"/>
+              </a:ext>
+            </a:extLst>
+          </p:cNvPr>
+          <p:cNvSpPr>
+            <a:spLocks noGrp="1" noRot="1" noChangeAspect="1" noMove="1" noResize="1" noEditPoints="1" noAdjustHandles="1" noChangeArrowheads="1" noChangeShapeType="1" noTextEdit="1"/>
+          </p:cNvSpPr>
+          <p:nvPr>
+            <p:extLst>
+              <p:ext uri="{386F3935-93C4-4BCD-93E2-E3B085C9AB24}">
+                <p16:designElem xmlns:p16="http://schemas.microsoft.com/office/powerpoint/2015/main" val="1"/>
+              </p:ext>
+            </p:extLst>
+          </p:nvPr>
+        </p:nvSpPr>
+        <p:spPr>
+          <a:xfrm rot="5400000">
+            <a:off x="4243541" y="1400638"/>
+            <a:ext cx="1463040" cy="18288"/>
+          </a:xfrm>
+          <a:prstGeom prst="rect">
+            <a:avLst/>
+          </a:prstGeom>
+          <a:solidFill>
+            <a:srgbClr val="D5D5D5"/>
+          </a:solidFill>
+          <a:ln w="3175">
+            <a:noFill/>
+          </a:ln>
+          <a:effectLst/>
+        </p:spPr>
+        <p:style>
+          <a:lnRef idx="2">
+            <a:schemeClr val="accent1">
+              <a:shade val="50000"/>
+            </a:schemeClr>
+          </a:lnRef>
+          <a:fillRef idx="1">
+            <a:schemeClr val="accent1"/>
+          </a:fillRef>
+          <a:effectRef idx="0">
+            <a:schemeClr val="accent1"/>
+          </a:effectRef>
+          <a:fontRef idx="minor">
+            <a:schemeClr val="lt1"/>
+          </a:fontRef>
+        </p:style>
+        <p:txBody>
+          <a:bodyPr rtlCol="0" anchor="ctr"/>
+          <a:lstStyle/>
+          <a:p>
+            <a:pPr algn="ctr"/>
+            <a:endParaRPr lang="en-US">
+              <a:solidFill>
+                <a:prstClr val="white"/>
+              </a:solidFill>
+              <a:latin typeface="Calibri" panose="020F0502020204030204"/>
+            </a:endParaRPr>
+          </a:p>
+        </p:txBody>
+      </p:sp>
+      <p:sp>
+        <p:nvSpPr>
+          <p:cNvPr id="3" name="Segnaposto contenuto 2">
+            <a:extLst>
+              <a:ext uri="{FF2B5EF4-FFF2-40B4-BE49-F238E27FC236}">
+                <a16:creationId xmlns:a16="http://schemas.microsoft.com/office/drawing/2014/main" id="{35E5BDCC-5250-B16A-92C5-2BA522A4368A}"/>
+              </a:ext>
+            </a:extLst>
+          </p:cNvPr>
+          <p:cNvSpPr>
+            <a:spLocks noGrp="1"/>
+          </p:cNvSpPr>
+          <p:nvPr>
+            <p:ph idx="1"/>
+          </p:nvPr>
+        </p:nvSpPr>
+        <p:spPr>
+          <a:xfrm>
+            <a:off x="5351164" y="586822"/>
+            <a:ext cx="6002636" cy="1645920"/>
+          </a:xfrm>
+        </p:spPr>
+        <p:txBody>
+          <a:bodyPr anchor="ctr">
+            <a:normAutofit lnSpcReduction="10000"/>
+          </a:bodyPr>
+          <a:lstStyle/>
+          <a:p>
+            <a:r>
+              <a:rPr lang="en-US" sz="1500" dirty="0"/>
+              <a:t>Malicious URLs want to deceive the user by appearing legitimate</a:t>
+            </a:r>
+          </a:p>
+          <a:p>
+            <a:r>
+              <a:rPr lang="en-US" sz="1500" dirty="0"/>
+              <a:t>We perform feature extraction by considering both generic string features and others specific to the structure of an URL</a:t>
+            </a:r>
+          </a:p>
+          <a:p>
+            <a:r>
+              <a:rPr lang="en-US" sz="1500" dirty="0"/>
+              <a:t>Other text processing such as stemming was not done because URLs are very different in structure compared to natural language</a:t>
+            </a:r>
+          </a:p>
+          <a:p>
+            <a:r>
+              <a:rPr lang="en-US" sz="1500" dirty="0"/>
+              <a:t>No information was retrieved from the pages they may link to</a:t>
+            </a:r>
+          </a:p>
+        </p:txBody>
+      </p:sp>
+      <p:pic>
+        <p:nvPicPr>
+          <p:cNvPr id="41" name="Immagine 40" descr="Immagine che contiene testo&#10;&#10;Descrizione generata automaticamente">
+            <a:extLst>
+              <a:ext uri="{FF2B5EF4-FFF2-40B4-BE49-F238E27FC236}">
+                <a16:creationId xmlns:a16="http://schemas.microsoft.com/office/drawing/2014/main" id="{C104B22E-E7FC-4824-ED86-39869D2B810E}"/>
+              </a:ext>
+            </a:extLst>
+          </p:cNvPr>
+          <p:cNvPicPr>
+            <a:picLocks noChangeAspect="1"/>
+          </p:cNvPicPr>
+          <p:nvPr/>
+        </p:nvPicPr>
+        <p:blipFill>
+          <a:blip r:embed="rId2">
+            <a:extLst>
+              <a:ext uri="{28A0092B-C50C-407E-A947-70E740481C1C}">
+                <a14:useLocalDpi xmlns:a14="http://schemas.microsoft.com/office/drawing/2010/main" val="0"/>
+              </a:ext>
+            </a:extLst>
+          </a:blip>
+          <a:stretch>
+            <a:fillRect/>
+          </a:stretch>
+        </p:blipFill>
+        <p:spPr>
+          <a:xfrm>
+            <a:off x="554416" y="2925356"/>
+            <a:ext cx="11164824" cy="1925932"/>
+          </a:xfrm>
+          <a:prstGeom prst="rect">
+            <a:avLst/>
+          </a:prstGeom>
+        </p:spPr>
+      </p:pic>
+      <p:sp>
+        <p:nvSpPr>
+          <p:cNvPr id="4" name="CasellaDiTesto 3">
+            <a:extLst>
+              <a:ext uri="{FF2B5EF4-FFF2-40B4-BE49-F238E27FC236}">
+                <a16:creationId xmlns:a16="http://schemas.microsoft.com/office/drawing/2014/main" id="{54543B56-4537-C95C-EED6-3F286E9632C3}"/>
+              </a:ext>
+            </a:extLst>
+          </p:cNvPr>
+          <p:cNvSpPr txBox="1"/>
+          <p:nvPr/>
+        </p:nvSpPr>
+        <p:spPr>
+          <a:xfrm>
+            <a:off x="554416" y="5322202"/>
+            <a:ext cx="8332409" cy="1200329"/>
+          </a:xfrm>
+          <a:prstGeom prst="rect">
+            <a:avLst/>
+          </a:prstGeom>
+          <a:noFill/>
+        </p:spPr>
+        <p:txBody>
+          <a:bodyPr wrap="none" rtlCol="0">
+            <a:spAutoFit/>
+          </a:bodyPr>
+          <a:lstStyle/>
+          <a:p>
+            <a:pPr marL="285750" indent="-285750">
+              <a:buFont typeface="Arial" panose="020B0604020202020204" pitchFamily="34" charset="0"/>
+              <a:buChar char="•"/>
+            </a:pPr>
+            <a:r>
+              <a:rPr lang="it-IT" sz="1800" dirty="0" err="1"/>
+              <a:t>Strings</a:t>
+            </a:r>
+            <a:r>
+              <a:rPr lang="it-IT" sz="1800" dirty="0"/>
+              <a:t> are </a:t>
+            </a:r>
+            <a:r>
+              <a:rPr lang="it-IT" sz="1800" dirty="0" err="1"/>
+              <a:t>prepared</a:t>
+            </a:r>
+            <a:r>
+              <a:rPr lang="it-IT" sz="1800" dirty="0"/>
+              <a:t> for </a:t>
+            </a:r>
+            <a:r>
+              <a:rPr lang="it-IT" sz="1800" dirty="0" err="1"/>
+              <a:t>parsing</a:t>
+            </a:r>
+            <a:r>
+              <a:rPr lang="it-IT" sz="1800" dirty="0"/>
+              <a:t> by </a:t>
+            </a:r>
+            <a:r>
+              <a:rPr lang="it-IT" sz="1800" dirty="0" err="1"/>
+              <a:t>prepending</a:t>
+            </a:r>
+            <a:r>
+              <a:rPr lang="it-IT" sz="1800" dirty="0"/>
+              <a:t> // to </a:t>
+            </a:r>
+            <a:r>
+              <a:rPr lang="it-IT" sz="1800" dirty="0" err="1"/>
+              <a:t>allow</a:t>
+            </a:r>
+            <a:r>
+              <a:rPr lang="it-IT" dirty="0"/>
+              <a:t> </a:t>
+            </a:r>
+            <a:r>
+              <a:rPr lang="it-IT" dirty="0" err="1"/>
+              <a:t>parsing</a:t>
+            </a:r>
+            <a:r>
+              <a:rPr lang="it-IT" dirty="0"/>
+              <a:t> of </a:t>
+            </a:r>
+            <a:r>
+              <a:rPr lang="it-IT" dirty="0" err="1"/>
+              <a:t>abnormal</a:t>
+            </a:r>
+            <a:r>
+              <a:rPr lang="it-IT" dirty="0"/>
+              <a:t> </a:t>
+            </a:r>
+            <a:r>
+              <a:rPr lang="it-IT" dirty="0" err="1"/>
+              <a:t>URLs</a:t>
+            </a:r>
+            <a:endParaRPr lang="it-IT" sz="1800" dirty="0"/>
+          </a:p>
+          <a:p>
+            <a:pPr marL="285750" indent="-285750">
+              <a:buFont typeface="Arial" panose="020B0604020202020204" pitchFamily="34" charset="0"/>
+              <a:buChar char="•"/>
+            </a:pPr>
+            <a:r>
+              <a:rPr lang="it-IT" sz="1800" dirty="0" err="1"/>
+              <a:t>URLs</a:t>
+            </a:r>
+            <a:r>
+              <a:rPr lang="it-IT" sz="1800" dirty="0"/>
+              <a:t> are </a:t>
+            </a:r>
+            <a:r>
+              <a:rPr lang="it-IT" sz="1800" dirty="0" err="1"/>
+              <a:t>parsed</a:t>
+            </a:r>
+            <a:r>
+              <a:rPr lang="it-IT" sz="1800" dirty="0"/>
+              <a:t> with </a:t>
+            </a:r>
+            <a:r>
+              <a:rPr lang="it-IT" sz="1600" dirty="0" err="1">
+                <a:solidFill>
+                  <a:schemeClr val="accent2"/>
+                </a:solidFill>
+                <a:latin typeface="Consolas" panose="020B0609020204030204" pitchFamily="49" charset="0"/>
+              </a:rPr>
+              <a:t>urllib.parse</a:t>
+            </a:r>
+            <a:r>
+              <a:rPr lang="it-IT" sz="1600" dirty="0">
+                <a:solidFill>
+                  <a:schemeClr val="accent2"/>
+                </a:solidFill>
+              </a:rPr>
+              <a:t> </a:t>
+            </a:r>
+            <a:r>
+              <a:rPr lang="it-IT" sz="1800" dirty="0"/>
+              <a:t>and split </a:t>
+            </a:r>
+            <a:r>
+              <a:rPr lang="it-IT" sz="1800" dirty="0" err="1"/>
+              <a:t>into</a:t>
+            </a:r>
+            <a:r>
+              <a:rPr lang="it-IT" sz="1800" dirty="0"/>
+              <a:t> </a:t>
+            </a:r>
+            <a:r>
+              <a:rPr lang="it-IT" sz="1800" dirty="0" err="1"/>
+              <a:t>components</a:t>
+            </a:r>
+            <a:endParaRPr lang="it-IT" sz="1800" dirty="0"/>
+          </a:p>
+          <a:p>
+            <a:pPr marL="285750" indent="-285750">
+              <a:buFont typeface="Arial" panose="020B0604020202020204" pitchFamily="34" charset="0"/>
+              <a:buChar char="•"/>
+            </a:pPr>
+            <a:r>
+              <a:rPr lang="it-IT" sz="1800" dirty="0" err="1"/>
+              <a:t>String</a:t>
+            </a:r>
+            <a:r>
+              <a:rPr lang="it-IT" sz="1800" dirty="0"/>
+              <a:t> </a:t>
+            </a:r>
+            <a:r>
+              <a:rPr lang="it-IT" sz="1800" dirty="0" err="1"/>
+              <a:t>length</a:t>
+            </a:r>
+            <a:r>
+              <a:rPr lang="it-IT" sz="1800" dirty="0"/>
+              <a:t> and Shannon </a:t>
+            </a:r>
+            <a:r>
+              <a:rPr lang="it-IT" sz="1800" dirty="0" err="1"/>
+              <a:t>entropy</a:t>
+            </a:r>
+            <a:r>
+              <a:rPr lang="it-IT" sz="1800" dirty="0"/>
+              <a:t> are </a:t>
+            </a:r>
+            <a:r>
+              <a:rPr lang="it-IT" sz="1800" dirty="0" err="1"/>
+              <a:t>extracted</a:t>
+            </a:r>
+            <a:r>
+              <a:rPr lang="it-IT" sz="1800" dirty="0"/>
+              <a:t> </a:t>
+            </a:r>
+            <a:r>
+              <a:rPr lang="it-IT" sz="1800" dirty="0" err="1"/>
+              <a:t>as</a:t>
+            </a:r>
+            <a:r>
+              <a:rPr lang="it-IT" sz="1800" dirty="0"/>
+              <a:t> </a:t>
+            </a:r>
+            <a:r>
+              <a:rPr lang="it-IT" sz="1800" dirty="0" err="1"/>
+              <a:t>generic</a:t>
+            </a:r>
+            <a:r>
+              <a:rPr lang="it-IT" sz="1800" dirty="0"/>
+              <a:t> </a:t>
+            </a:r>
+            <a:r>
+              <a:rPr lang="it-IT" sz="1800" dirty="0" err="1"/>
+              <a:t>string</a:t>
+            </a:r>
+            <a:r>
+              <a:rPr lang="it-IT" sz="1800" dirty="0"/>
+              <a:t> features</a:t>
+            </a:r>
+            <a:endParaRPr lang="it-IT" sz="1800" dirty="0">
+              <a:latin typeface="Consolas" panose="020B0609020204030204" pitchFamily="49" charset="0"/>
+            </a:endParaRPr>
+          </a:p>
+          <a:p>
+            <a:endParaRPr lang="it-IT" dirty="0"/>
+          </a:p>
+        </p:txBody>
+      </p:sp>
+    </p:spTree>
+    <p:extLst>
+      <p:ext uri="{BB962C8B-B14F-4D97-AF65-F5344CB8AC3E}">
+        <p14:creationId xmlns:p14="http://schemas.microsoft.com/office/powerpoint/2010/main" val="4225415376"/>
+      </p:ext>
+    </p:extLst>
+  </p:cSld>
+  <p:clrMapOvr>
+    <a:masterClrMapping/>
+  </p:clrMapOvr>
+</p:sld>
+</file>
+
+<file path=ppt/slides/slide7.xml><?xml version="1.0" encoding="utf-8"?>
+<p:sld xmlns:a="http://schemas.openxmlformats.org/drawingml/2006/main" xmlns:r="http://schemas.openxmlformats.org/officeDocument/2006/relationships" xmlns:p="http://schemas.openxmlformats.org/presentationml/2006/main">
+  <p:cSld>
+    <p:bg>
+      <p:bgPr>
+        <a:solidFill>
+          <a:schemeClr val="bg1"/>
+        </a:solidFill>
+        <a:effectLst/>
+      </p:bgPr>
+    </p:bg>
+    <p:spTree>
+      <p:nvGrpSpPr>
+        <p:cNvPr id="1" name=""/>
+        <p:cNvGrpSpPr/>
+        <p:nvPr/>
+      </p:nvGrpSpPr>
+      <p:grpSpPr>
+        <a:xfrm>
+          <a:off x="0" y="0"/>
+          <a:ext cx="0" cy="0"/>
+          <a:chOff x="0" y="0"/>
+          <a:chExt cx="0" cy="0"/>
+        </a:xfrm>
+      </p:grpSpPr>
+      <p:sp useBgFill="1">
+        <p:nvSpPr>
+          <p:cNvPr id="77" name="Rectangle 76">
+            <a:extLst>
+              <a:ext uri="{FF2B5EF4-FFF2-40B4-BE49-F238E27FC236}">
+                <a16:creationId xmlns:a16="http://schemas.microsoft.com/office/drawing/2014/main" id="{21516CB1-E8C8-4751-B6A6-46B2D1E72A61}"/>
+              </a:ext>
+              <a:ext uri="{C183D7F6-B498-43B3-948B-1728B52AA6E4}">
+                <adec:decorative xmlns:adec="http://schemas.microsoft.com/office/drawing/2017/decorative" val="1"/>
+              </a:ext>
+            </a:extLst>
+          </p:cNvPr>
+          <p:cNvSpPr>
+            <a:spLocks noGrp="1" noRot="1" noChangeAspect="1" noMove="1" noResize="1" noEditPoints="1" noAdjustHandles="1" noChangeArrowheads="1" noChangeShapeType="1" noTextEdit="1"/>
+          </p:cNvSpPr>
+          <p:nvPr>
+            <p:extLst>
+              <p:ext uri="{386F3935-93C4-4BCD-93E2-E3B085C9AB24}">
+                <p16:designElem xmlns:p16="http://schemas.microsoft.com/office/powerpoint/2015/main" val="1"/>
+              </p:ext>
+            </p:extLst>
+          </p:nvPr>
+        </p:nvSpPr>
+        <p:spPr>
+          <a:xfrm>
+            <a:off x="0" y="0"/>
+            <a:ext cx="12192000" cy="6858000"/>
+          </a:xfrm>
+          <a:prstGeom prst="rect">
+            <a:avLst/>
+          </a:prstGeom>
+          <a:ln>
+            <a:noFill/>
+          </a:ln>
+        </p:spPr>
+        <p:style>
+          <a:lnRef idx="2">
+            <a:schemeClr val="accent1">
+              <a:shade val="50000"/>
+            </a:schemeClr>
+          </a:lnRef>
+          <a:fillRef idx="1">
+            <a:schemeClr val="accent1"/>
+          </a:fillRef>
+          <a:effectRef idx="0">
+            <a:schemeClr val="accent1"/>
+          </a:effectRef>
+          <a:fontRef idx="minor">
+            <a:schemeClr val="lt1"/>
+          </a:fontRef>
+        </p:style>
+        <p:txBody>
+          <a:bodyPr rtlCol="0" anchor="ctr"/>
+          <a:lstStyle/>
+          <a:p>
+            <a:pPr algn="ctr"/>
+            <a:endParaRPr lang="en-US"/>
+          </a:p>
+        </p:txBody>
+      </p:sp>
+      <p:sp>
+        <p:nvSpPr>
+          <p:cNvPr id="2" name="Titolo 1">
+            <a:extLst>
+              <a:ext uri="{FF2B5EF4-FFF2-40B4-BE49-F238E27FC236}">
+                <a16:creationId xmlns:a16="http://schemas.microsoft.com/office/drawing/2014/main" id="{33B08FB1-E028-E587-F3E3-5EACEFA15CA4}"/>
+              </a:ext>
+            </a:extLst>
+          </p:cNvPr>
+          <p:cNvSpPr>
+            <a:spLocks noGrp="1"/>
+          </p:cNvSpPr>
+          <p:nvPr>
+            <p:ph type="title"/>
+          </p:nvPr>
+        </p:nvSpPr>
+        <p:spPr>
+          <a:xfrm>
+            <a:off x="429768" y="411480"/>
+            <a:ext cx="11131298" cy="1106424"/>
+          </a:xfrm>
+        </p:spPr>
+        <p:txBody>
+          <a:bodyPr>
+            <a:normAutofit/>
+          </a:bodyPr>
+          <a:lstStyle/>
+          <a:p>
+            <a:r>
+              <a:rPr lang="it-IT" sz="3600" dirty="0"/>
+              <a:t>Feature </a:t>
+            </a:r>
+            <a:r>
+              <a:rPr lang="it-IT" sz="3600" dirty="0" err="1"/>
+              <a:t>extraction</a:t>
+            </a:r>
+            <a:endParaRPr lang="LID4096" sz="3600" dirty="0"/>
+          </a:p>
+        </p:txBody>
+      </p:sp>
+      <p:sp>
+        <p:nvSpPr>
+          <p:cNvPr id="79" name="Rectangle 78">
+            <a:extLst>
+              <a:ext uri="{FF2B5EF4-FFF2-40B4-BE49-F238E27FC236}">
+                <a16:creationId xmlns:a16="http://schemas.microsoft.com/office/drawing/2014/main" id="{90C0C0D1-E79A-41FF-8322-256F6DD1499B}"/>
+              </a:ext>
+              <a:ext uri="{C183D7F6-B498-43B3-948B-1728B52AA6E4}">
+                <adec:decorative xmlns:adec="http://schemas.microsoft.com/office/drawing/2017/decorative" val="1"/>
+              </a:ext>
+            </a:extLst>
+          </p:cNvPr>
+          <p:cNvSpPr>
+            <a:spLocks noGrp="1" noRot="1" noChangeAspect="1" noMove="1" noResize="1" noEditPoints="1" noAdjustHandles="1" noChangeArrowheads="1" noChangeShapeType="1" noTextEdit="1"/>
+          </p:cNvSpPr>
+          <p:nvPr>
+            <p:extLst>
+              <p:ext uri="{386F3935-93C4-4BCD-93E2-E3B085C9AB24}">
+                <p16:designElem xmlns:p16="http://schemas.microsoft.com/office/powerpoint/2015/main" val="1"/>
+              </p:ext>
+            </p:extLst>
+          </p:nvPr>
+        </p:nvSpPr>
+        <p:spPr>
+          <a:xfrm>
+            <a:off x="0" y="585216"/>
+            <a:ext cx="128016" cy="704088"/>
+          </a:xfrm>
+          <a:prstGeom prst="rect">
+            <a:avLst/>
+          </a:prstGeom>
+          <a:solidFill>
+            <a:schemeClr val="accent2"/>
+          </a:solidFill>
+          <a:ln>
+            <a:noFill/>
+          </a:ln>
+        </p:spPr>
+        <p:style>
+          <a:lnRef idx="2">
+            <a:schemeClr val="accent1">
+              <a:shade val="50000"/>
+            </a:schemeClr>
+          </a:lnRef>
+          <a:fillRef idx="1">
+            <a:schemeClr val="accent1"/>
+          </a:fillRef>
+          <a:effectRef idx="0">
+            <a:schemeClr val="accent1"/>
+          </a:effectRef>
+          <a:fontRef idx="minor">
+            <a:schemeClr val="lt1"/>
+          </a:fontRef>
+        </p:style>
+        <p:txBody>
+          <a:bodyPr rtlCol="0" anchor="ctr"/>
+          <a:lstStyle/>
+          <a:p>
+            <a:pPr marL="0" marR="0" lvl="0" indent="0" algn="ctr" defTabSz="914400" rtl="0" eaLnBrk="1" fontAlgn="auto" latinLnBrk="0" hangingPunct="1">
+              <a:lnSpc>
+                <a:spcPct val="100000"/>
+              </a:lnSpc>
+              <a:spcBef>
+                <a:spcPts val="0"/>
+              </a:spcBef>
+              <a:spcAft>
+                <a:spcPts val="0"/>
+              </a:spcAft>
+              <a:buClrTx/>
+              <a:buSzTx/>
+              <a:buFontTx/>
+              <a:buNone/>
+              <a:tabLst/>
+              <a:defRPr/>
+            </a:pPr>
+            <a:endParaRPr kumimoji="0" lang="en-US" sz="1800" b="0" i="0" u="none" strike="noStrike" kern="1200" cap="none" spc="0" normalizeH="0" baseline="0" noProof="0">
+              <a:ln>
+                <a:noFill/>
+              </a:ln>
+              <a:solidFill>
+                <a:prstClr val="white"/>
+              </a:solidFill>
+              <a:effectLst/>
+              <a:uLnTx/>
+              <a:uFillTx/>
+              <a:latin typeface="Calibri" panose="020F0502020204030204"/>
+              <a:ea typeface="+mn-ea"/>
+              <a:cs typeface="+mn-cs"/>
+            </a:endParaRPr>
+          </a:p>
+        </p:txBody>
+      </p:sp>
+      <p:pic>
+        <p:nvPicPr>
+          <p:cNvPr id="10" name="Immagine 9" descr="Immagine che contiene diagramma&#10;&#10;Descrizione generata automaticamente">
+            <a:extLst>
+              <a:ext uri="{FF2B5EF4-FFF2-40B4-BE49-F238E27FC236}">
+                <a16:creationId xmlns:a16="http://schemas.microsoft.com/office/drawing/2014/main" id="{31A371EF-1853-12E8-1302-785925B24D4E}"/>
+              </a:ext>
+            </a:extLst>
+          </p:cNvPr>
+          <p:cNvPicPr>
+            <a:picLocks noChangeAspect="1"/>
+          </p:cNvPicPr>
+          <p:nvPr/>
+        </p:nvPicPr>
+        <p:blipFill rotWithShape="1">
+          <a:blip r:embed="rId2">
+            <a:extLst>
+              <a:ext uri="{28A0092B-C50C-407E-A947-70E740481C1C}">
+                <a14:useLocalDpi xmlns:a14="http://schemas.microsoft.com/office/drawing/2010/main" val="0"/>
+              </a:ext>
+            </a:extLst>
+          </a:blip>
+          <a:srcRect r="455" b="-4"/>
+          <a:stretch/>
+        </p:blipFill>
+        <p:spPr>
+          <a:xfrm>
+            <a:off x="429767" y="1721922"/>
+            <a:ext cx="3419856" cy="4520560"/>
+          </a:xfrm>
+          <a:prstGeom prst="rect">
+            <a:avLst/>
+          </a:prstGeom>
+        </p:spPr>
+      </p:pic>
+      <p:pic>
+        <p:nvPicPr>
+          <p:cNvPr id="8" name="Immagine 7" descr="Immagine che contiene grafico&#10;&#10;Descrizione generata automaticamente">
+            <a:extLst>
+              <a:ext uri="{FF2B5EF4-FFF2-40B4-BE49-F238E27FC236}">
+                <a16:creationId xmlns:a16="http://schemas.microsoft.com/office/drawing/2014/main" id="{062C5778-C635-5F9F-701A-5B081CC4D0A6}"/>
+              </a:ext>
+            </a:extLst>
+          </p:cNvPr>
+          <p:cNvPicPr>
+            <a:picLocks noChangeAspect="1"/>
+          </p:cNvPicPr>
+          <p:nvPr/>
+        </p:nvPicPr>
+        <p:blipFill rotWithShape="1">
+          <a:blip r:embed="rId3">
+            <a:extLst>
+              <a:ext uri="{28A0092B-C50C-407E-A947-70E740481C1C}">
+                <a14:useLocalDpi xmlns:a14="http://schemas.microsoft.com/office/drawing/2010/main" val="0"/>
+              </a:ext>
+            </a:extLst>
+          </a:blip>
+          <a:srcRect t="-190" b="5"/>
+          <a:stretch/>
+        </p:blipFill>
+        <p:spPr>
+          <a:xfrm>
+            <a:off x="4279390" y="1585397"/>
+            <a:ext cx="3040085" cy="4993019"/>
+          </a:xfrm>
+          <a:prstGeom prst="rect">
+            <a:avLst/>
+          </a:prstGeom>
+        </p:spPr>
+      </p:pic>
+      <p:sp useBgFill="1">
+        <p:nvSpPr>
+          <p:cNvPr id="81" name="Rectangle 80">
+            <a:extLst>
+              <a:ext uri="{FF2B5EF4-FFF2-40B4-BE49-F238E27FC236}">
+                <a16:creationId xmlns:a16="http://schemas.microsoft.com/office/drawing/2014/main" id="{395FA420-5595-49D1-9D5F-79EC43B55574}"/>
+              </a:ext>
+              <a:ext uri="{C183D7F6-B498-43B3-948B-1728B52AA6E4}">
+                <adec:decorative xmlns:adec="http://schemas.microsoft.com/office/drawing/2017/decorative" val="1"/>
+              </a:ext>
+            </a:extLst>
+          </p:cNvPr>
+          <p:cNvSpPr>
+            <a:spLocks noGrp="1" noRot="1" noChangeAspect="1" noMove="1" noResize="1" noEditPoints="1" noAdjustHandles="1" noChangeArrowheads="1" noChangeShapeType="1" noTextEdit="1"/>
+          </p:cNvSpPr>
+          <p:nvPr>
+            <p:extLst>
+              <p:ext uri="{386F3935-93C4-4BCD-93E2-E3B085C9AB24}">
+                <p16:designElem xmlns:p16="http://schemas.microsoft.com/office/powerpoint/2015/main" val="1"/>
+              </p:ext>
+            </p:extLst>
+          </p:nvPr>
+        </p:nvSpPr>
+        <p:spPr>
+          <a:xfrm>
+            <a:off x="8024648" y="1721922"/>
+            <a:ext cx="3609143" cy="4520560"/>
+          </a:xfrm>
+          <a:prstGeom prst="rect">
+            <a:avLst/>
+          </a:prstGeom>
+          <a:ln w="9525">
+            <a:solidFill>
+              <a:srgbClr val="E1E1E1"/>
+            </a:solidFill>
+          </a:ln>
+          <a:effectLst>
+            <a:outerShdw blurRad="50800" dist="38100" dir="2700000" algn="tl" rotWithShape="0">
+              <a:schemeClr val="bg1">
+                <a:lumMod val="85000"/>
+                <a:alpha val="50000"/>
+              </a:schemeClr>
+            </a:outerShdw>
+          </a:effectLst>
+        </p:spPr>
+        <p:style>
+          <a:lnRef idx="2">
+            <a:schemeClr val="accent1">
+              <a:shade val="50000"/>
+            </a:schemeClr>
+          </a:lnRef>
+          <a:fillRef idx="1">
+            <a:schemeClr val="accent1"/>
+          </a:fillRef>
+          <a:effectRef idx="0">
+            <a:schemeClr val="accent1"/>
+          </a:effectRef>
+          <a:fontRef idx="minor">
+            <a:schemeClr val="lt1"/>
+          </a:fontRef>
+        </p:style>
+        <p:txBody>
+          <a:bodyPr rtlCol="0" anchor="ctr"/>
+          <a:lstStyle/>
+          <a:p>
+            <a:pPr marL="0" marR="0" lvl="0" indent="0" algn="ctr" defTabSz="914400" rtl="0" eaLnBrk="1" fontAlgn="auto" latinLnBrk="0" hangingPunct="1">
+              <a:lnSpc>
+                <a:spcPct val="100000"/>
+              </a:lnSpc>
+              <a:spcBef>
+                <a:spcPts val="0"/>
+              </a:spcBef>
+              <a:spcAft>
+                <a:spcPts val="0"/>
+              </a:spcAft>
+              <a:buClrTx/>
+              <a:buSzTx/>
+              <a:buFontTx/>
+              <a:buNone/>
+              <a:tabLst/>
+              <a:defRPr/>
+            </a:pPr>
+            <a:endParaRPr kumimoji="0" lang="en-US" sz="1800" b="0" i="0" u="none" strike="noStrike" kern="1200" cap="none" spc="0" normalizeH="0" baseline="0" noProof="0">
+              <a:ln>
+                <a:noFill/>
+              </a:ln>
+              <a:solidFill>
+                <a:prstClr val="white"/>
+              </a:solidFill>
+              <a:effectLst/>
+              <a:uLnTx/>
+              <a:uFillTx/>
+              <a:latin typeface="Calibri" panose="020F0502020204030204"/>
+              <a:ea typeface="+mn-ea"/>
+              <a:cs typeface="+mn-cs"/>
+            </a:endParaRPr>
+          </a:p>
+        </p:txBody>
+      </p:sp>
+      <p:sp>
+        <p:nvSpPr>
+          <p:cNvPr id="3" name="Segnaposto contenuto 2">
+            <a:extLst>
+              <a:ext uri="{FF2B5EF4-FFF2-40B4-BE49-F238E27FC236}">
+                <a16:creationId xmlns:a16="http://schemas.microsoft.com/office/drawing/2014/main" id="{6086A9F0-8D22-48FF-58BA-14416DBD477B}"/>
+              </a:ext>
+            </a:extLst>
+          </p:cNvPr>
+          <p:cNvSpPr>
+            <a:spLocks noGrp="1"/>
+          </p:cNvSpPr>
+          <p:nvPr>
+            <p:ph idx="1"/>
+          </p:nvPr>
+        </p:nvSpPr>
+        <p:spPr>
+          <a:xfrm>
+            <a:off x="8309348" y="2020824"/>
+            <a:ext cx="2956060" cy="3959352"/>
+          </a:xfrm>
+        </p:spPr>
+        <p:txBody>
+          <a:bodyPr anchor="ctr">
+            <a:normAutofit fontScale="92500" lnSpcReduction="10000"/>
+          </a:bodyPr>
+          <a:lstStyle/>
+          <a:p>
+            <a:r>
+              <a:rPr lang="it-IT" sz="1800" dirty="0"/>
+              <a:t>Explicit port </a:t>
+            </a:r>
+            <a:r>
+              <a:rPr lang="it-IT" sz="1800" dirty="0" err="1"/>
+              <a:t>numbers</a:t>
+            </a:r>
+            <a:r>
+              <a:rPr lang="it-IT" sz="1800" dirty="0"/>
+              <a:t> </a:t>
+            </a:r>
+            <a:r>
+              <a:rPr lang="it-IT" sz="1800" dirty="0" err="1"/>
+              <a:t>may</a:t>
+            </a:r>
+            <a:r>
+              <a:rPr lang="it-IT" sz="1800" dirty="0"/>
+              <a:t> correlate with </a:t>
+            </a:r>
+            <a:r>
+              <a:rPr lang="it-IT" sz="1800" dirty="0" err="1"/>
+              <a:t>malicious</a:t>
+            </a:r>
+            <a:r>
+              <a:rPr lang="it-IT" sz="1800" dirty="0"/>
+              <a:t> </a:t>
+            </a:r>
+            <a:r>
+              <a:rPr lang="it-IT" sz="1800" dirty="0" err="1"/>
+              <a:t>URLs</a:t>
+            </a:r>
+            <a:r>
+              <a:rPr lang="it-IT" sz="1800" dirty="0"/>
+              <a:t>, </a:t>
+            </a:r>
+            <a:r>
+              <a:rPr lang="it-IT" sz="1800" dirty="0" err="1"/>
+              <a:t>since</a:t>
+            </a:r>
+            <a:r>
+              <a:rPr lang="it-IT" sz="1800" dirty="0"/>
+              <a:t> </a:t>
+            </a:r>
+            <a:r>
+              <a:rPr lang="it-IT" sz="1800" dirty="0" err="1"/>
+              <a:t>legitimate</a:t>
+            </a:r>
+            <a:r>
+              <a:rPr lang="it-IT" sz="1800" dirty="0"/>
+              <a:t> </a:t>
+            </a:r>
+            <a:r>
+              <a:rPr lang="it-IT" sz="1800" dirty="0" err="1"/>
+              <a:t>ones</a:t>
+            </a:r>
+            <a:r>
+              <a:rPr lang="it-IT" sz="1800" dirty="0"/>
+              <a:t> </a:t>
+            </a:r>
+            <a:r>
+              <a:rPr lang="it-IT" sz="1800" dirty="0" err="1"/>
+              <a:t>rarely</a:t>
+            </a:r>
+            <a:r>
+              <a:rPr lang="it-IT" sz="1800" dirty="0"/>
+              <a:t> use </a:t>
+            </a:r>
+            <a:r>
+              <a:rPr lang="it-IT" sz="1800" dirty="0" err="1"/>
+              <a:t>them</a:t>
+            </a:r>
+            <a:r>
+              <a:rPr lang="it-IT" sz="1800" dirty="0"/>
+              <a:t>; </a:t>
+            </a:r>
+            <a:r>
+              <a:rPr lang="it-IT" sz="1800" dirty="0" err="1"/>
+              <a:t>same</a:t>
+            </a:r>
+            <a:r>
+              <a:rPr lang="it-IT" sz="1800" dirty="0"/>
+              <a:t> for IP </a:t>
+            </a:r>
+            <a:r>
+              <a:rPr lang="it-IT" sz="1800" dirty="0" err="1"/>
+              <a:t>addresses</a:t>
+            </a:r>
+            <a:endParaRPr lang="it-IT" sz="1800" dirty="0"/>
+          </a:p>
+          <a:p>
+            <a:r>
+              <a:rPr lang="it-IT" sz="1800" dirty="0" err="1"/>
+              <a:t>Longer</a:t>
+            </a:r>
+            <a:r>
+              <a:rPr lang="it-IT" sz="1800" dirty="0"/>
+              <a:t> </a:t>
+            </a:r>
+            <a:r>
+              <a:rPr lang="it-IT" sz="1800" dirty="0" err="1"/>
+              <a:t>hostnames</a:t>
+            </a:r>
+            <a:r>
+              <a:rPr lang="it-IT" sz="1800" dirty="0"/>
+              <a:t> or with </a:t>
+            </a:r>
+            <a:r>
+              <a:rPr lang="it-IT" sz="1800" dirty="0" err="1"/>
+              <a:t>many</a:t>
+            </a:r>
+            <a:r>
+              <a:rPr lang="it-IT" sz="1800" dirty="0"/>
+              <a:t> </a:t>
+            </a:r>
+            <a:r>
+              <a:rPr lang="it-IT" sz="1800" dirty="0" err="1"/>
+              <a:t>subdomains</a:t>
+            </a:r>
+            <a:r>
+              <a:rPr lang="it-IT" sz="1800" dirty="0"/>
+              <a:t> </a:t>
+            </a:r>
+            <a:r>
+              <a:rPr lang="it-IT" sz="1800" dirty="0" err="1"/>
+              <a:t>may</a:t>
+            </a:r>
+            <a:r>
+              <a:rPr lang="it-IT" sz="1800" dirty="0"/>
+              <a:t> be an </a:t>
+            </a:r>
+            <a:r>
+              <a:rPr lang="it-IT" sz="1800" dirty="0" err="1"/>
+              <a:t>attempt</a:t>
+            </a:r>
+            <a:r>
+              <a:rPr lang="it-IT" sz="1800" dirty="0"/>
+              <a:t> to </a:t>
+            </a:r>
+            <a:r>
+              <a:rPr lang="it-IT" sz="1800" dirty="0" err="1"/>
+              <a:t>deceive</a:t>
+            </a:r>
+            <a:r>
+              <a:rPr lang="it-IT" sz="1800" dirty="0"/>
+              <a:t> the user </a:t>
+            </a:r>
+            <a:r>
+              <a:rPr lang="it-IT" sz="1800" dirty="0" err="1"/>
+              <a:t>into</a:t>
+            </a:r>
+            <a:r>
+              <a:rPr lang="it-IT" sz="1800" dirty="0"/>
+              <a:t> thinking </a:t>
+            </a:r>
+            <a:r>
+              <a:rPr lang="it-IT" sz="1800" dirty="0" err="1"/>
+              <a:t>it</a:t>
+            </a:r>
+            <a:r>
+              <a:rPr lang="it-IT" sz="1800" dirty="0"/>
+              <a:t> </a:t>
+            </a:r>
+            <a:r>
+              <a:rPr lang="it-IT" sz="1800" dirty="0" err="1"/>
+              <a:t>is</a:t>
+            </a:r>
+            <a:r>
+              <a:rPr lang="it-IT" sz="1800" dirty="0"/>
+              <a:t> a </a:t>
+            </a:r>
+            <a:r>
+              <a:rPr lang="it-IT" sz="1800" dirty="0" err="1"/>
+              <a:t>trusted</a:t>
+            </a:r>
+            <a:r>
+              <a:rPr lang="it-IT" sz="1800" dirty="0"/>
+              <a:t> website</a:t>
+            </a:r>
+          </a:p>
+          <a:p>
+            <a:r>
+              <a:rPr lang="it-IT" sz="1800" dirty="0" err="1"/>
+              <a:t>Length</a:t>
+            </a:r>
+            <a:r>
+              <a:rPr lang="it-IT" sz="1800" dirty="0"/>
+              <a:t> and </a:t>
+            </a:r>
+            <a:r>
+              <a:rPr lang="it-IT" sz="1800" dirty="0" err="1"/>
+              <a:t>number</a:t>
+            </a:r>
+            <a:r>
+              <a:rPr lang="it-IT" sz="1800" dirty="0"/>
+              <a:t> of query </a:t>
+            </a:r>
+            <a:r>
+              <a:rPr lang="it-IT" sz="1800" dirty="0" err="1"/>
+              <a:t>parameters</a:t>
+            </a:r>
+            <a:r>
+              <a:rPr lang="it-IT" sz="1800" dirty="0"/>
+              <a:t> </a:t>
+            </a:r>
+            <a:r>
+              <a:rPr lang="it-IT" sz="1800" dirty="0" err="1"/>
+              <a:t>may</a:t>
+            </a:r>
+            <a:r>
+              <a:rPr lang="it-IT" sz="1800" dirty="0"/>
+              <a:t> indicate </a:t>
+            </a:r>
+            <a:r>
+              <a:rPr lang="it-IT" sz="1800" dirty="0" err="1"/>
+              <a:t>presence</a:t>
+            </a:r>
+            <a:r>
+              <a:rPr lang="it-IT" sz="1800" dirty="0"/>
+              <a:t> of payloads</a:t>
+            </a:r>
+          </a:p>
+          <a:p>
+            <a:r>
+              <a:rPr lang="it-IT" sz="1800" dirty="0" err="1"/>
+              <a:t>Path</a:t>
+            </a:r>
+            <a:r>
+              <a:rPr lang="it-IT" sz="1800" dirty="0"/>
+              <a:t> </a:t>
+            </a:r>
+            <a:r>
+              <a:rPr lang="it-IT" sz="1800" dirty="0" err="1"/>
+              <a:t>length</a:t>
+            </a:r>
+            <a:r>
+              <a:rPr lang="it-IT" sz="1800" dirty="0"/>
+              <a:t> and </a:t>
+            </a:r>
+            <a:r>
+              <a:rPr lang="it-IT" sz="1800" dirty="0" err="1"/>
+              <a:t>depth</a:t>
+            </a:r>
+            <a:r>
+              <a:rPr lang="it-IT" sz="1800" dirty="0"/>
+              <a:t>, </a:t>
+            </a:r>
+            <a:r>
+              <a:rPr lang="it-IT" sz="1800" dirty="0" err="1"/>
+              <a:t>presence</a:t>
+            </a:r>
+            <a:r>
+              <a:rPr lang="it-IT" sz="1800" dirty="0"/>
+              <a:t> of </a:t>
+            </a:r>
+            <a:r>
+              <a:rPr lang="it-IT" sz="1800" dirty="0" err="1"/>
+              <a:t>fragments</a:t>
+            </a:r>
+            <a:r>
+              <a:rPr lang="it-IT" sz="1800" dirty="0"/>
+              <a:t> </a:t>
+            </a:r>
+            <a:r>
+              <a:rPr lang="it-IT" sz="1800" dirty="0" err="1"/>
+              <a:t>were</a:t>
+            </a:r>
+            <a:r>
+              <a:rPr lang="it-IT" sz="1800" dirty="0"/>
+              <a:t> </a:t>
+            </a:r>
+            <a:r>
+              <a:rPr lang="it-IT" sz="1800" dirty="0" err="1"/>
+              <a:t>also</a:t>
+            </a:r>
+            <a:r>
+              <a:rPr lang="it-IT" sz="1800" dirty="0"/>
+              <a:t> </a:t>
+            </a:r>
+            <a:r>
+              <a:rPr lang="it-IT" sz="1800" dirty="0" err="1"/>
+              <a:t>extracted</a:t>
+            </a:r>
+            <a:endParaRPr lang="it-IT" sz="1800" dirty="0"/>
+          </a:p>
+        </p:txBody>
+      </p:sp>
+    </p:spTree>
+    <p:extLst>
+      <p:ext uri="{BB962C8B-B14F-4D97-AF65-F5344CB8AC3E}">
+        <p14:creationId xmlns:p14="http://schemas.microsoft.com/office/powerpoint/2010/main" val="2511830583"/>
+      </p:ext>
+    </p:extLst>
+  </p:cSld>
+  <p:clrMapOvr>
+    <a:masterClrMapping/>
+  </p:clrMapOvr>
+</p:sld>
+</file>
+
+<file path=ppt/slides/slide8.xml><?xml version="1.0" encoding="utf-8"?>
+<p:sld xmlns:a="http://schemas.openxmlformats.org/drawingml/2006/main" xmlns:r="http://schemas.openxmlformats.org/officeDocument/2006/relationships" xmlns:p="http://schemas.openxmlformats.org/presentationml/2006/main">
+  <p:cSld>
+    <p:bg>
+      <p:bgPr>
+        <a:solidFill>
+          <a:schemeClr val="bg1"/>
+        </a:solidFill>
+        <a:effectLst/>
+      </p:bgPr>
+    </p:bg>
+    <p:spTree>
+      <p:nvGrpSpPr>
+        <p:cNvPr id="1" name=""/>
+        <p:cNvGrpSpPr/>
+        <p:nvPr/>
+      </p:nvGrpSpPr>
+      <p:grpSpPr>
+        <a:xfrm>
+          <a:off x="0" y="0"/>
+          <a:ext cx="0" cy="0"/>
+          <a:chOff x="0" y="0"/>
+          <a:chExt cx="0" cy="0"/>
+        </a:xfrm>
+      </p:grpSpPr>
+      <p:sp useBgFill="1">
+        <p:nvSpPr>
+          <p:cNvPr id="21" name="Rectangle 16">
+            <a:extLst>
+              <a:ext uri="{FF2B5EF4-FFF2-40B4-BE49-F238E27FC236}">
+                <a16:creationId xmlns:a16="http://schemas.microsoft.com/office/drawing/2014/main" id="{743AA782-23D1-4521-8CAD-47662984AA08}"/>
+              </a:ext>
+              <a:ext uri="{C183D7F6-B498-43B3-948B-1728B52AA6E4}">
+                <adec:decorative xmlns:adec="http://schemas.microsoft.com/office/drawing/2017/decorative" val="1"/>
+              </a:ext>
+            </a:extLst>
+          </p:cNvPr>
+          <p:cNvSpPr>
+            <a:spLocks noGrp="1" noRot="1" noChangeAspect="1" noMove="1" noResize="1" noEditPoints="1" noAdjustHandles="1" noChangeArrowheads="1" noChangeShapeType="1" noTextEdit="1"/>
+          </p:cNvSpPr>
+          <p:nvPr>
+            <p:extLst>
+              <p:ext uri="{386F3935-93C4-4BCD-93E2-E3B085C9AB24}">
+                <p16:designElem xmlns:p16="http://schemas.microsoft.com/office/powerpoint/2015/main" val="1"/>
+              </p:ext>
+            </p:extLst>
+          </p:nvPr>
+        </p:nvSpPr>
+        <p:spPr>
+          <a:xfrm>
+            <a:off x="0" y="0"/>
+            <a:ext cx="12192000" cy="6858000"/>
+          </a:xfrm>
+          <a:prstGeom prst="rect">
+            <a:avLst/>
+          </a:prstGeom>
+          <a:ln>
+            <a:noFill/>
+          </a:ln>
+        </p:spPr>
+        <p:style>
+          <a:lnRef idx="2">
+            <a:schemeClr val="accent1">
+              <a:shade val="50000"/>
+            </a:schemeClr>
+          </a:lnRef>
+          <a:fillRef idx="1">
+            <a:schemeClr val="accent1"/>
+          </a:fillRef>
+          <a:effectRef idx="0">
+            <a:schemeClr val="accent1"/>
+          </a:effectRef>
+          <a:fontRef idx="minor">
+            <a:schemeClr val="lt1"/>
+          </a:fontRef>
+        </p:style>
+        <p:txBody>
+          <a:bodyPr rtlCol="0" anchor="ctr"/>
+          <a:lstStyle/>
+          <a:p>
+            <a:pPr algn="ctr"/>
+            <a:endParaRPr lang="en-US"/>
+          </a:p>
+        </p:txBody>
+      </p:sp>
+      <p:sp>
+        <p:nvSpPr>
+          <p:cNvPr id="2" name="Titolo 1">
+            <a:extLst>
+              <a:ext uri="{FF2B5EF4-FFF2-40B4-BE49-F238E27FC236}">
+                <a16:creationId xmlns:a16="http://schemas.microsoft.com/office/drawing/2014/main" id="{BC3FB79D-6A00-2473-AAFF-43FF16879EDA}"/>
+              </a:ext>
+            </a:extLst>
+          </p:cNvPr>
+          <p:cNvSpPr>
+            <a:spLocks noGrp="1"/>
+          </p:cNvSpPr>
+          <p:nvPr>
+            <p:ph type="title"/>
+          </p:nvPr>
+        </p:nvSpPr>
+        <p:spPr>
+          <a:xfrm>
+            <a:off x="630936" y="640080"/>
+            <a:ext cx="4818888" cy="1481328"/>
+          </a:xfrm>
+        </p:spPr>
+        <p:txBody>
+          <a:bodyPr anchor="b">
+            <a:normAutofit/>
+          </a:bodyPr>
+          <a:lstStyle/>
+          <a:p>
+            <a:r>
+              <a:rPr lang="it-IT" sz="5000"/>
+              <a:t>Feature extraction</a:t>
+            </a:r>
+            <a:endParaRPr lang="LID4096" sz="5000"/>
+          </a:p>
+        </p:txBody>
+      </p:sp>
+      <p:sp>
+        <p:nvSpPr>
+          <p:cNvPr id="22" name="sketch line">
+            <a:extLst>
+              <a:ext uri="{FF2B5EF4-FFF2-40B4-BE49-F238E27FC236}">
+                <a16:creationId xmlns:a16="http://schemas.microsoft.com/office/drawing/2014/main" id="{71877DBC-BB60-40F0-AC93-2ACDBAAE60CE}"/>
+              </a:ext>
+              <a:ext uri="{C183D7F6-B498-43B3-948B-1728B52AA6E4}">
+                <adec:decorative xmlns:adec="http://schemas.microsoft.com/office/drawing/2017/decorative" val="1"/>
+              </a:ext>
+            </a:extLst>
+          </p:cNvPr>
+          <p:cNvSpPr>
+            <a:spLocks noGrp="1" noRot="1" noChangeAspect="1" noMove="1" noResize="1" noEditPoints="1" noAdjustHandles="1" noChangeArrowheads="1" noChangeShapeType="1" noTextEdit="1"/>
+          </p:cNvSpPr>
+          <p:nvPr>
+            <p:extLst>
+              <p:ext uri="{386F3935-93C4-4BCD-93E2-E3B085C9AB24}">
+                <p16:designElem xmlns:p16="http://schemas.microsoft.com/office/powerpoint/2015/main" val="1"/>
+              </p:ext>
+            </p:extLst>
+          </p:nvPr>
+        </p:nvSpPr>
+        <p:spPr>
+          <a:xfrm>
+            <a:off x="643278" y="2372868"/>
+            <a:ext cx="3255095" cy="18288"/>
+          </a:xfrm>
+          <a:custGeom>
+            <a:avLst/>
+            <a:gdLst>
+              <a:gd name="connsiteX0" fmla="*/ 0 w 3255095"/>
+              <a:gd name="connsiteY0" fmla="*/ 0 h 18288"/>
+              <a:gd name="connsiteX1" fmla="*/ 618468 w 3255095"/>
+              <a:gd name="connsiteY1" fmla="*/ 0 h 18288"/>
+              <a:gd name="connsiteX2" fmla="*/ 1269487 w 3255095"/>
+              <a:gd name="connsiteY2" fmla="*/ 0 h 18288"/>
+              <a:gd name="connsiteX3" fmla="*/ 1953057 w 3255095"/>
+              <a:gd name="connsiteY3" fmla="*/ 0 h 18288"/>
+              <a:gd name="connsiteX4" fmla="*/ 2636627 w 3255095"/>
+              <a:gd name="connsiteY4" fmla="*/ 0 h 18288"/>
+              <a:gd name="connsiteX5" fmla="*/ 3255095 w 3255095"/>
+              <a:gd name="connsiteY5" fmla="*/ 0 h 18288"/>
+              <a:gd name="connsiteX6" fmla="*/ 3255095 w 3255095"/>
+              <a:gd name="connsiteY6" fmla="*/ 18288 h 18288"/>
+              <a:gd name="connsiteX7" fmla="*/ 2538974 w 3255095"/>
+              <a:gd name="connsiteY7" fmla="*/ 18288 h 18288"/>
+              <a:gd name="connsiteX8" fmla="*/ 1822853 w 3255095"/>
+              <a:gd name="connsiteY8" fmla="*/ 18288 h 18288"/>
+              <a:gd name="connsiteX9" fmla="*/ 1171834 w 3255095"/>
+              <a:gd name="connsiteY9" fmla="*/ 18288 h 18288"/>
+              <a:gd name="connsiteX10" fmla="*/ 0 w 3255095"/>
+              <a:gd name="connsiteY10" fmla="*/ 18288 h 18288"/>
+              <a:gd name="connsiteX11" fmla="*/ 0 w 3255095"/>
+              <a:gd name="connsiteY11" fmla="*/ 0 h 18288"/>
+            </a:gdLst>
+            <a:ahLst/>
+            <a:cxnLst>
+              <a:cxn ang="0">
+                <a:pos x="connsiteX0" y="connsiteY0"/>
+              </a:cxn>
+              <a:cxn ang="0">
+                <a:pos x="connsiteX1" y="connsiteY1"/>
+              </a:cxn>
+              <a:cxn ang="0">
+                <a:pos x="connsiteX2" y="connsiteY2"/>
+              </a:cxn>
+              <a:cxn ang="0">
+                <a:pos x="connsiteX3" y="connsiteY3"/>
+              </a:cxn>
+              <a:cxn ang="0">
+                <a:pos x="connsiteX4" y="connsiteY4"/>
+              </a:cxn>
+              <a:cxn ang="0">
+                <a:pos x="connsiteX5" y="connsiteY5"/>
+              </a:cxn>
+              <a:cxn ang="0">
+                <a:pos x="connsiteX6" y="connsiteY6"/>
+              </a:cxn>
+              <a:cxn ang="0">
+                <a:pos x="connsiteX7" y="connsiteY7"/>
+              </a:cxn>
+              <a:cxn ang="0">
+                <a:pos x="connsiteX8" y="connsiteY8"/>
+              </a:cxn>
+              <a:cxn ang="0">
+                <a:pos x="connsiteX9" y="connsiteY9"/>
+              </a:cxn>
+              <a:cxn ang="0">
+                <a:pos x="connsiteX10" y="connsiteY10"/>
+              </a:cxn>
+              <a:cxn ang="0">
+                <a:pos x="connsiteX11" y="connsiteY11"/>
+              </a:cxn>
+            </a:cxnLst>
+            <a:rect l="l" t="t" r="r" b="b"/>
+            <a:pathLst>
+              <a:path w="3255095" h="18288" fill="none" extrusionOk="0">
+                <a:moveTo>
+                  <a:pt x="0" y="0"/>
+                </a:moveTo>
+                <a:cubicBezTo>
+                  <a:pt x="240201" y="-22123"/>
+                  <a:pt x="462021" y="-19623"/>
+                  <a:pt x="618468" y="0"/>
+                </a:cubicBezTo>
+                <a:cubicBezTo>
+                  <a:pt x="774915" y="19623"/>
+                  <a:pt x="974734" y="2035"/>
+                  <a:pt x="1269487" y="0"/>
+                </a:cubicBezTo>
+                <a:cubicBezTo>
+                  <a:pt x="1564240" y="-2035"/>
+                  <a:pt x="1733579" y="10639"/>
+                  <a:pt x="1953057" y="0"/>
+                </a:cubicBezTo>
+                <a:cubicBezTo>
+                  <a:pt x="2172535" y="-10639"/>
+                  <a:pt x="2453962" y="14018"/>
+                  <a:pt x="2636627" y="0"/>
+                </a:cubicBezTo>
+                <a:cubicBezTo>
+                  <a:pt x="2819292" y="-14018"/>
+                  <a:pt x="3121375" y="5399"/>
+                  <a:pt x="3255095" y="0"/>
+                </a:cubicBezTo>
+                <a:cubicBezTo>
+                  <a:pt x="3254386" y="8157"/>
+                  <a:pt x="3254682" y="12125"/>
+                  <a:pt x="3255095" y="18288"/>
+                </a:cubicBezTo>
+                <a:cubicBezTo>
+                  <a:pt x="3088545" y="23203"/>
+                  <a:pt x="2687475" y="7419"/>
+                  <a:pt x="2538974" y="18288"/>
+                </a:cubicBezTo>
+                <a:cubicBezTo>
+                  <a:pt x="2390473" y="29157"/>
+                  <a:pt x="2137381" y="-8959"/>
+                  <a:pt x="1822853" y="18288"/>
+                </a:cubicBezTo>
+                <a:cubicBezTo>
+                  <a:pt x="1508325" y="45535"/>
+                  <a:pt x="1466437" y="20385"/>
+                  <a:pt x="1171834" y="18288"/>
+                </a:cubicBezTo>
+                <a:cubicBezTo>
+                  <a:pt x="877231" y="16191"/>
+                  <a:pt x="561097" y="37643"/>
+                  <a:pt x="0" y="18288"/>
+                </a:cubicBezTo>
+                <a:cubicBezTo>
+                  <a:pt x="-46" y="12483"/>
+                  <a:pt x="-203" y="6491"/>
+                  <a:pt x="0" y="0"/>
+                </a:cubicBezTo>
+                <a:close/>
+              </a:path>
+              <a:path w="3255095" h="18288" stroke="0" extrusionOk="0">
+                <a:moveTo>
+                  <a:pt x="0" y="0"/>
+                </a:moveTo>
+                <a:cubicBezTo>
+                  <a:pt x="291965" y="19429"/>
+                  <a:pt x="363155" y="8568"/>
+                  <a:pt x="618468" y="0"/>
+                </a:cubicBezTo>
+                <a:cubicBezTo>
+                  <a:pt x="873781" y="-8568"/>
+                  <a:pt x="904459" y="-19505"/>
+                  <a:pt x="1171834" y="0"/>
+                </a:cubicBezTo>
+                <a:cubicBezTo>
+                  <a:pt x="1439209" y="19505"/>
+                  <a:pt x="1744369" y="9790"/>
+                  <a:pt x="1887955" y="0"/>
+                </a:cubicBezTo>
+                <a:cubicBezTo>
+                  <a:pt x="2031541" y="-9790"/>
+                  <a:pt x="2346378" y="21240"/>
+                  <a:pt x="2506423" y="0"/>
+                </a:cubicBezTo>
+                <a:cubicBezTo>
+                  <a:pt x="2666468" y="-21240"/>
+                  <a:pt x="2990257" y="30414"/>
+                  <a:pt x="3255095" y="0"/>
+                </a:cubicBezTo>
+                <a:cubicBezTo>
+                  <a:pt x="3254831" y="4493"/>
+                  <a:pt x="3255479" y="9472"/>
+                  <a:pt x="3255095" y="18288"/>
+                </a:cubicBezTo>
+                <a:cubicBezTo>
+                  <a:pt x="3120743" y="16690"/>
+                  <a:pt x="2759628" y="42462"/>
+                  <a:pt x="2604076" y="18288"/>
+                </a:cubicBezTo>
+                <a:cubicBezTo>
+                  <a:pt x="2448524" y="-5886"/>
+                  <a:pt x="2184336" y="19599"/>
+                  <a:pt x="1887955" y="18288"/>
+                </a:cubicBezTo>
+                <a:cubicBezTo>
+                  <a:pt x="1591574" y="16977"/>
+                  <a:pt x="1548845" y="6870"/>
+                  <a:pt x="1334589" y="18288"/>
+                </a:cubicBezTo>
+                <a:cubicBezTo>
+                  <a:pt x="1120333" y="29706"/>
+                  <a:pt x="996014" y="9662"/>
+                  <a:pt x="683570" y="18288"/>
+                </a:cubicBezTo>
+                <a:cubicBezTo>
+                  <a:pt x="371126" y="26914"/>
+                  <a:pt x="198687" y="16167"/>
+                  <a:pt x="0" y="18288"/>
+                </a:cubicBezTo>
+                <a:cubicBezTo>
+                  <a:pt x="843" y="9577"/>
+                  <a:pt x="371" y="6900"/>
+                  <a:pt x="0" y="0"/>
+                </a:cubicBezTo>
+                <a:close/>
+              </a:path>
+            </a:pathLst>
+          </a:custGeom>
+          <a:solidFill>
+            <a:schemeClr val="accent2"/>
+          </a:solidFill>
+          <a:ln w="38100" cap="rnd">
+            <a:solidFill>
+              <a:schemeClr val="accent2"/>
+            </a:solidFill>
+            <a:round/>
+            <a:extLst>
+              <a:ext uri="{C807C97D-BFC1-408E-A445-0C87EB9F89A2}">
+                <ask:lineSketchStyleProps xmlns:ask="http://schemas.microsoft.com/office/drawing/2018/sketchyshapes" sd="1219033472">
+                  <a:prstGeom prst="rect">
+                    <a:avLst/>
+                  </a:prstGeom>
+                  <ask:type>
+                    <ask:lineSketchFreehand/>
+                  </ask:type>
+                </ask:lineSketchStyleProps>
+              </a:ext>
+            </a:extLst>
+          </a:ln>
+        </p:spPr>
+        <p:style>
+          <a:lnRef idx="2">
+            <a:schemeClr val="accent1">
+              <a:shade val="50000"/>
+            </a:schemeClr>
+          </a:lnRef>
+          <a:fillRef idx="1">
+            <a:schemeClr val="accent1"/>
+          </a:fillRef>
+          <a:effectRef idx="0">
+            <a:schemeClr val="accent1"/>
+          </a:effectRef>
+          <a:fontRef idx="minor">
+            <a:schemeClr val="lt1"/>
+          </a:fontRef>
+        </p:style>
+        <p:txBody>
+          <a:bodyPr rtlCol="0" anchor="ctr"/>
+          <a:lstStyle/>
+          <a:p>
+            <a:pPr algn="ctr"/>
+            <a:endParaRPr lang="en-US"/>
+          </a:p>
+        </p:txBody>
+      </p:sp>
+      <p:sp>
+        <p:nvSpPr>
+          <p:cNvPr id="3" name="Segnaposto contenuto 2">
+            <a:extLst>
+              <a:ext uri="{FF2B5EF4-FFF2-40B4-BE49-F238E27FC236}">
+                <a16:creationId xmlns:a16="http://schemas.microsoft.com/office/drawing/2014/main" id="{B89F1544-A694-2420-74C1-4E0D4DA21357}"/>
+              </a:ext>
+            </a:extLst>
+          </p:cNvPr>
+          <p:cNvSpPr>
+            <a:spLocks noGrp="1"/>
+          </p:cNvSpPr>
+          <p:nvPr>
+            <p:ph idx="1"/>
+          </p:nvPr>
+        </p:nvSpPr>
+        <p:spPr>
+          <a:xfrm>
+            <a:off x="630936" y="2660904"/>
+            <a:ext cx="4818888" cy="3547872"/>
+          </a:xfrm>
+        </p:spPr>
+        <p:txBody>
+          <a:bodyPr anchor="t">
+            <a:normAutofit/>
+          </a:bodyPr>
+          <a:lstStyle/>
+          <a:p>
+            <a:r>
+              <a:rPr lang="it-IT" sz="2200" dirty="0"/>
+              <a:t>Use of URL </a:t>
+            </a:r>
+            <a:r>
+              <a:rPr lang="it-IT" sz="2200" dirty="0" err="1"/>
+              <a:t>shorteners</a:t>
+            </a:r>
+            <a:r>
+              <a:rPr lang="it-IT" sz="2200" dirty="0"/>
+              <a:t> </a:t>
+            </a:r>
+            <a:r>
+              <a:rPr lang="it-IT" sz="2200" dirty="0" err="1"/>
+              <a:t>could</a:t>
+            </a:r>
+            <a:r>
+              <a:rPr lang="it-IT" sz="2200" dirty="0"/>
+              <a:t> </a:t>
+            </a:r>
+            <a:r>
+              <a:rPr lang="it-IT" sz="2200" dirty="0" err="1"/>
+              <a:t>attempt</a:t>
+            </a:r>
+            <a:r>
+              <a:rPr lang="it-IT" sz="2200" dirty="0"/>
+              <a:t> to </a:t>
+            </a:r>
+            <a:r>
+              <a:rPr lang="it-IT" sz="2200" dirty="0" err="1"/>
+              <a:t>hide</a:t>
+            </a:r>
+            <a:r>
+              <a:rPr lang="it-IT" sz="2200" dirty="0"/>
+              <a:t> </a:t>
+            </a:r>
+            <a:r>
+              <a:rPr lang="it-IT" sz="2200" dirty="0" err="1"/>
+              <a:t>unfamiliar</a:t>
+            </a:r>
+            <a:r>
+              <a:rPr lang="it-IT" sz="2200" dirty="0"/>
+              <a:t> domains</a:t>
+            </a:r>
+          </a:p>
+          <a:p>
+            <a:r>
+              <a:rPr lang="it-IT" sz="2200" dirty="0"/>
+              <a:t>URL-</a:t>
+            </a:r>
+            <a:r>
+              <a:rPr lang="it-IT" sz="2200" dirty="0" err="1"/>
+              <a:t>encoded</a:t>
+            </a:r>
+            <a:r>
+              <a:rPr lang="it-IT" sz="2200" dirty="0"/>
+              <a:t> </a:t>
+            </a:r>
+            <a:r>
+              <a:rPr lang="it-IT" sz="2200" dirty="0" err="1"/>
+              <a:t>characters</a:t>
+            </a:r>
+            <a:r>
+              <a:rPr lang="it-IT" sz="2200" dirty="0"/>
+              <a:t> </a:t>
+            </a:r>
+            <a:r>
+              <a:rPr lang="it-IT" sz="2200" dirty="0" err="1"/>
+              <a:t>may</a:t>
+            </a:r>
+            <a:r>
+              <a:rPr lang="it-IT" sz="2200" dirty="0"/>
+              <a:t> </a:t>
+            </a:r>
+            <a:r>
+              <a:rPr lang="it-IT" sz="2200" dirty="0" err="1"/>
+              <a:t>hint</a:t>
+            </a:r>
+            <a:r>
+              <a:rPr lang="it-IT" sz="2200" dirty="0"/>
+              <a:t> </a:t>
+            </a:r>
+            <a:r>
+              <a:rPr lang="it-IT" sz="2200" dirty="0" err="1"/>
+              <a:t>at</a:t>
+            </a:r>
+            <a:r>
+              <a:rPr lang="it-IT" sz="2200" dirty="0"/>
+              <a:t> the </a:t>
+            </a:r>
+            <a:r>
+              <a:rPr lang="it-IT" sz="2200" dirty="0" err="1"/>
+              <a:t>presence</a:t>
+            </a:r>
+            <a:r>
+              <a:rPr lang="it-IT" sz="2200" dirty="0"/>
+              <a:t> of a payload</a:t>
+            </a:r>
+          </a:p>
+          <a:p>
+            <a:r>
+              <a:rPr lang="it-IT" sz="2200" dirty="0" err="1"/>
+              <a:t>Abnormal</a:t>
+            </a:r>
+            <a:r>
+              <a:rPr lang="it-IT" sz="2200" dirty="0"/>
+              <a:t> </a:t>
+            </a:r>
+            <a:r>
+              <a:rPr lang="it-IT" sz="2200" dirty="0" err="1"/>
+              <a:t>urls</a:t>
+            </a:r>
+            <a:r>
+              <a:rPr lang="it-IT" sz="2200" dirty="0"/>
+              <a:t> (</a:t>
+            </a:r>
+            <a:r>
+              <a:rPr lang="it-IT" sz="2200" dirty="0" err="1"/>
+              <a:t>lacking</a:t>
+            </a:r>
+            <a:r>
+              <a:rPr lang="it-IT" sz="2200" dirty="0"/>
+              <a:t> the </a:t>
+            </a:r>
+            <a:r>
+              <a:rPr lang="it-IT" sz="2200" dirty="0" err="1"/>
+              <a:t>protocol</a:t>
+            </a:r>
+            <a:r>
+              <a:rPr lang="it-IT" sz="2200" dirty="0"/>
+              <a:t> name) are more </a:t>
+            </a:r>
+            <a:r>
+              <a:rPr lang="it-IT" sz="2200" dirty="0" err="1"/>
+              <a:t>commonly</a:t>
+            </a:r>
+            <a:r>
+              <a:rPr lang="it-IT" sz="2200" dirty="0"/>
+              <a:t> </a:t>
+            </a:r>
+            <a:r>
+              <a:rPr lang="it-IT" sz="2200" dirty="0" err="1"/>
+              <a:t>used</a:t>
+            </a:r>
+            <a:endParaRPr lang="it-IT" sz="2200" dirty="0"/>
+          </a:p>
+          <a:p>
+            <a:r>
+              <a:rPr lang="it-IT" sz="2200" dirty="0"/>
+              <a:t>A </a:t>
+            </a:r>
+            <a:r>
+              <a:rPr lang="it-IT" sz="2200" dirty="0" err="1"/>
+              <a:t>fragment</a:t>
+            </a:r>
+            <a:r>
+              <a:rPr lang="it-IT" sz="2200" dirty="0"/>
+              <a:t> </a:t>
+            </a:r>
+            <a:r>
+              <a:rPr lang="it-IT" sz="2200" dirty="0" err="1"/>
+              <a:t>could</a:t>
+            </a:r>
+            <a:r>
+              <a:rPr lang="it-IT" sz="2200" dirty="0"/>
+              <a:t> be </a:t>
+            </a:r>
+            <a:r>
+              <a:rPr lang="it-IT" sz="2200" dirty="0" err="1"/>
+              <a:t>used</a:t>
+            </a:r>
+            <a:r>
+              <a:rPr lang="it-IT" sz="2200" dirty="0"/>
+              <a:t> to lead the </a:t>
+            </a:r>
+            <a:r>
+              <a:rPr lang="it-IT" sz="2200" dirty="0" err="1"/>
+              <a:t>victim</a:t>
+            </a:r>
+            <a:r>
+              <a:rPr lang="it-IT" sz="2200" dirty="0"/>
+              <a:t> to the </a:t>
+            </a:r>
+            <a:r>
+              <a:rPr lang="it-IT" sz="2200" dirty="0" err="1"/>
+              <a:t>malicious</a:t>
+            </a:r>
+            <a:r>
+              <a:rPr lang="it-IT" sz="2200" dirty="0"/>
+              <a:t> part of the page</a:t>
+            </a:r>
+          </a:p>
+        </p:txBody>
+      </p:sp>
+      <p:pic>
+        <p:nvPicPr>
+          <p:cNvPr id="6" name="Immagine 5" descr="Immagine che contiene grafico&#10;&#10;Descrizione generata automaticamente">
+            <a:extLst>
+              <a:ext uri="{FF2B5EF4-FFF2-40B4-BE49-F238E27FC236}">
+                <a16:creationId xmlns:a16="http://schemas.microsoft.com/office/drawing/2014/main" id="{2A87E1D2-8091-FA19-5A60-EF1CD00C7EC4}"/>
+              </a:ext>
+            </a:extLst>
+          </p:cNvPr>
+          <p:cNvPicPr>
+            <a:picLocks noChangeAspect="1"/>
+          </p:cNvPicPr>
+          <p:nvPr/>
+        </p:nvPicPr>
+        <p:blipFill>
+          <a:blip r:embed="rId2">
+            <a:extLst>
+              <a:ext uri="{28A0092B-C50C-407E-A947-70E740481C1C}">
+                <a14:useLocalDpi xmlns:a14="http://schemas.microsoft.com/office/drawing/2010/main" val="0"/>
+              </a:ext>
+            </a:extLst>
+          </a:blip>
+          <a:stretch>
+            <a:fillRect/>
+          </a:stretch>
+        </p:blipFill>
+        <p:spPr>
+          <a:xfrm>
+            <a:off x="6099048" y="699516"/>
+            <a:ext cx="5458968" cy="5458968"/>
+          </a:xfrm>
+          <a:prstGeom prst="rect">
+            <a:avLst/>
+          </a:prstGeom>
+        </p:spPr>
+      </p:pic>
+    </p:spTree>
+    <p:extLst>
+      <p:ext uri="{BB962C8B-B14F-4D97-AF65-F5344CB8AC3E}">
+        <p14:creationId xmlns:p14="http://schemas.microsoft.com/office/powerpoint/2010/main" val="509448576"/>
+      </p:ext>
+    </p:extLst>
+  </p:cSld>
+  <p:clrMapOvr>
+    <a:masterClrMapping/>
+  </p:clrMapOvr>
+</p:sld>
+</file>
+
+<file path=ppt/slides/slide9.xml><?xml version="1.0" encoding="utf-8"?>
 <p:sld xmlns:a="http://schemas.openxmlformats.org/drawingml/2006/main" xmlns:r="http://schemas.openxmlformats.org/officeDocument/2006/relationships" xmlns:p="http://schemas.openxmlformats.org/presentationml/2006/main">
   <p:cSld>
     <p:spTree>
@@ -3677,7 +10364,7 @@
           <p:cNvPr id="2" name="Titolo 1">
             <a:extLst>
               <a:ext uri="{FF2B5EF4-FFF2-40B4-BE49-F238E27FC236}">
-                <a16:creationId xmlns:a16="http://schemas.microsoft.com/office/drawing/2014/main" id="{A5A00A07-3454-CD55-CBE6-DD5454B98A00}"/>
+                <a16:creationId xmlns:a16="http://schemas.microsoft.com/office/drawing/2014/main" id="{A51F4EFA-E1BF-7672-9131-5759AD2EFFDF}"/>
               </a:ext>
             </a:extLst>
           </p:cNvPr>
@@ -3695,13 +10382,8 @@
           <a:p>
             <a:r>
               <a:rPr lang="it-IT" dirty="0"/>
-              <a:t>Data </a:t>
-            </a:r>
-            <a:r>
-              <a:rPr lang="it-IT" dirty="0" err="1"/>
-              <a:t>cleaning</a:t>
-            </a:r>
-            <a:endParaRPr lang="LID4096" dirty="0"/>
+              <a:t>Training set</a:t>
+            </a:r>
           </a:p>
         </p:txBody>
       </p:sp>
@@ -3710,7 +10392,7 @@
           <p:cNvPr id="3" name="Segnaposto contenuto 2">
             <a:extLst>
               <a:ext uri="{FF2B5EF4-FFF2-40B4-BE49-F238E27FC236}">
-                <a16:creationId xmlns:a16="http://schemas.microsoft.com/office/drawing/2014/main" id="{EAC85DE0-6216-0E93-D515-0A44FF6495AD}"/>
+                <a16:creationId xmlns:a16="http://schemas.microsoft.com/office/drawing/2014/main" id="{544AC861-AD81-EFC4-61A3-F44D83493D8F}"/>
               </a:ext>
             </a:extLst>
           </p:cNvPr>
@@ -3723,8 +10405,117 @@
         </p:nvSpPr>
         <p:spPr/>
         <p:txBody>
-          <a:bodyPr/>
+          <a:bodyPr>
+            <a:normAutofit fontScale="85000" lnSpcReduction="20000"/>
+          </a:bodyPr>
           <a:lstStyle/>
+          <a:p>
+            <a:r>
+              <a:rPr lang="it-IT" dirty="0" err="1"/>
+              <a:t>Categorical</a:t>
+            </a:r>
+            <a:r>
+              <a:rPr lang="it-IT" dirty="0"/>
+              <a:t> features</a:t>
+            </a:r>
+          </a:p>
+          <a:p>
+            <a:pPr lvl="1"/>
+            <a:r>
+              <a:rPr lang="en-US" dirty="0"/>
+              <a:t>We drop the original URL string and its components</a:t>
+            </a:r>
+          </a:p>
+          <a:p>
+            <a:pPr lvl="1"/>
+            <a:r>
+              <a:rPr lang="en-US" dirty="0"/>
+              <a:t>One-hot encoding is used for the character encoding and protocol features</a:t>
+            </a:r>
+          </a:p>
+          <a:p>
+            <a:pPr lvl="1"/>
+            <a:r>
+              <a:rPr lang="it-IT" dirty="0" err="1"/>
+              <a:t>TLDs</a:t>
+            </a:r>
+            <a:r>
+              <a:rPr lang="it-IT" dirty="0"/>
+              <a:t> are </a:t>
+            </a:r>
+            <a:r>
+              <a:rPr lang="it-IT" dirty="0" err="1"/>
+              <a:t>dropped</a:t>
+            </a:r>
+            <a:r>
+              <a:rPr lang="it-IT" dirty="0"/>
+              <a:t>, </a:t>
+            </a:r>
+            <a:r>
+              <a:rPr lang="it-IT" dirty="0" err="1"/>
+              <a:t>because</a:t>
+            </a:r>
+            <a:r>
+              <a:rPr lang="it-IT" dirty="0"/>
+              <a:t> </a:t>
+            </a:r>
+            <a:r>
+              <a:rPr lang="it-IT" dirty="0" err="1"/>
+              <a:t>they</a:t>
+            </a:r>
+            <a:r>
+              <a:rPr lang="it-IT" dirty="0"/>
+              <a:t> </a:t>
+            </a:r>
+            <a:r>
+              <a:rPr lang="it-IT" dirty="0" err="1"/>
+              <a:t>would</a:t>
+            </a:r>
+            <a:r>
+              <a:rPr lang="it-IT" dirty="0"/>
+              <a:t> </a:t>
+            </a:r>
+            <a:r>
+              <a:rPr lang="it-IT" dirty="0" err="1"/>
+              <a:t>increase</a:t>
+            </a:r>
+            <a:r>
+              <a:rPr lang="it-IT" dirty="0"/>
+              <a:t> </a:t>
+            </a:r>
+            <a:r>
+              <a:rPr lang="it-IT" dirty="0" err="1"/>
+              <a:t>dimensionality</a:t>
+            </a:r>
+            <a:r>
+              <a:rPr lang="it-IT" dirty="0"/>
+              <a:t> </a:t>
+            </a:r>
+            <a:r>
+              <a:rPr lang="it-IT" dirty="0" err="1"/>
+              <a:t>significantly</a:t>
+            </a:r>
+            <a:r>
+              <a:rPr lang="it-IT" dirty="0"/>
+              <a:t> with one-hot </a:t>
+            </a:r>
+            <a:r>
+              <a:rPr lang="it-IT" dirty="0" err="1"/>
+              <a:t>encoding</a:t>
+            </a:r>
+            <a:r>
+              <a:rPr lang="it-IT" dirty="0"/>
+              <a:t> (</a:t>
+            </a:r>
+            <a:r>
+              <a:rPr lang="it-IT" dirty="0" err="1"/>
+              <a:t>about</a:t>
+            </a:r>
+            <a:r>
+              <a:rPr lang="it-IT" dirty="0"/>
+              <a:t> 900 features vs 23)</a:t>
+            </a:r>
+          </a:p>
           <a:p>
             <a:r>
               <a:rPr lang="it-IT" dirty="0" err="1"/>
@@ -3738,20 +10529,37 @@
               <a:rPr lang="it-IT" dirty="0" err="1"/>
               <a:t>treating</a:t>
             </a:r>
+            <a:endParaRPr lang="it-IT" dirty="0"/>
+          </a:p>
+          <a:p>
+            <a:pPr lvl="1"/>
+            <a:r>
+              <a:rPr lang="it-IT" dirty="0" err="1"/>
+              <a:t>Considering</a:t>
+            </a:r>
+            <a:r>
+              <a:rPr lang="it-IT" dirty="0"/>
+              <a:t> the </a:t>
+            </a:r>
+            <a:r>
+              <a:rPr lang="it-IT" dirty="0" err="1"/>
+              <a:t>binary</a:t>
+            </a:r>
             <a:r>
               <a:rPr lang="it-IT" dirty="0"/>
               <a:t> </a:t>
             </a:r>
             <a:r>
               <a:rPr lang="it-IT" dirty="0" err="1"/>
-              <a:t>decision</a:t>
-            </a:r>
-            <a:endParaRPr lang="it-IT" dirty="0"/>
-          </a:p>
-          <a:p>
+              <a:t>classification</a:t>
+            </a:r>
+            <a:r>
+              <a:rPr lang="it-IT" dirty="0"/>
+              <a:t> case (</a:t>
+            </a:r>
             <a:r>
               <a:rPr lang="it-IT" dirty="0" err="1"/>
-              <a:t>Character</a:t>
+              <a:t>which</a:t>
             </a:r>
             <a:r>
               <a:rPr lang="it-IT" dirty="0"/>
@@ -3759,14 +10567,7 @@
             </a:r>
             <a:r>
               <a:rPr lang="it-IT" dirty="0" err="1"/>
-              <a:t>encoding</a:t>
-            </a:r>
-            <a:endParaRPr lang="it-IT" dirty="0"/>
-          </a:p>
-          <a:p>
-            <a:r>
-              <a:rPr lang="it-IT" dirty="0" err="1"/>
-              <a:t>Removing</a:t>
+              <a:t>is</a:t>
             </a:r>
             <a:r>
               <a:rPr lang="it-IT" dirty="0"/>
@@ -3774,17 +10575,46 @@
             </a:r>
             <a:r>
               <a:rPr lang="it-IT" dirty="0" err="1"/>
-              <a:t>garbage</a:t>
+              <a:t>enough</a:t>
             </a:r>
             <a:r>
               <a:rPr lang="it-IT" dirty="0"/>
-              <a:t> data</a:t>
-            </a:r>
-          </a:p>
-          <a:p>
+              <a:t> for </a:t>
+            </a:r>
             <a:r>
               <a:rPr lang="it-IT" dirty="0" err="1"/>
-              <a:t>Parsing</a:t>
+              <a:t>our</a:t>
+            </a:r>
+            <a:r>
+              <a:rPr lang="it-IT" dirty="0"/>
+              <a:t> goal) yields a more </a:t>
+            </a:r>
+            <a:r>
+              <a:rPr lang="it-IT" dirty="0" err="1"/>
+              <a:t>balanced</a:t>
+            </a:r>
+            <a:r>
+              <a:rPr lang="it-IT" dirty="0"/>
+              <a:t> dataset (</a:t>
+            </a:r>
+            <a:r>
+              <a:rPr lang="it-IT" dirty="0" err="1"/>
+              <a:t>about</a:t>
+            </a:r>
+            <a:r>
+              <a:rPr lang="it-IT" dirty="0"/>
+              <a:t> 1:2 ratio)</a:t>
+            </a:r>
+          </a:p>
+          <a:p>
+            <a:pPr lvl="1"/>
+            <a:r>
+              <a:rPr lang="it-IT" dirty="0"/>
+              <a:t>2 </a:t>
+            </a:r>
+            <a:r>
+              <a:rPr lang="it-IT" dirty="0" err="1"/>
+              <a:t>different</a:t>
             </a:r>
             <a:r>
               <a:rPr lang="it-IT" dirty="0"/>
@@ -3792,510 +10622,313 @@
             </a:r>
             <a:r>
               <a:rPr lang="it-IT" dirty="0" err="1"/>
-              <a:t>urls</a:t>
-            </a:r>
-            <a:endParaRPr lang="LID4096" dirty="0"/>
+              <a:t>problems</a:t>
+            </a:r>
+            <a:r>
+              <a:rPr lang="it-IT" dirty="0"/>
+              <a:t>: </a:t>
+            </a:r>
+            <a:r>
+              <a:rPr lang="it-IT" dirty="0" err="1"/>
+              <a:t>binary</a:t>
+            </a:r>
+            <a:r>
+              <a:rPr lang="it-IT" dirty="0"/>
+              <a:t> and multi-label </a:t>
+            </a:r>
+            <a:r>
+              <a:rPr lang="it-IT" dirty="0" err="1"/>
+              <a:t>classification</a:t>
+            </a:r>
+            <a:r>
+              <a:rPr lang="it-IT" dirty="0"/>
+              <a:t> </a:t>
+            </a:r>
+          </a:p>
+          <a:p>
+            <a:pPr lvl="1"/>
+            <a:r>
+              <a:rPr lang="it-IT" dirty="0" err="1"/>
+              <a:t>Initial</a:t>
+            </a:r>
+            <a:r>
+              <a:rPr lang="it-IT" dirty="0"/>
+              <a:t> idea: </a:t>
+            </a:r>
+            <a:r>
+              <a:rPr lang="it-IT" dirty="0" err="1"/>
+              <a:t>oversampling</a:t>
+            </a:r>
+            <a:r>
+              <a:rPr lang="it-IT" dirty="0"/>
+              <a:t>, </a:t>
+            </a:r>
+            <a:r>
+              <a:rPr lang="it-IT" dirty="0" err="1"/>
+              <a:t>but</a:t>
+            </a:r>
+            <a:r>
+              <a:rPr lang="it-IT" dirty="0"/>
+              <a:t> SMOTE </a:t>
+            </a:r>
+            <a:r>
+              <a:rPr lang="it-IT" dirty="0" err="1"/>
+              <a:t>cannot</a:t>
+            </a:r>
+            <a:r>
+              <a:rPr lang="it-IT" dirty="0"/>
+              <a:t> deal with </a:t>
+            </a:r>
+            <a:r>
+              <a:rPr lang="it-IT" dirty="0" err="1"/>
+              <a:t>categorical</a:t>
+            </a:r>
+            <a:r>
+              <a:rPr lang="it-IT" dirty="0"/>
+              <a:t> </a:t>
+            </a:r>
+            <a:r>
+              <a:rPr lang="it-IT" dirty="0" err="1"/>
+              <a:t>variables</a:t>
+            </a:r>
+            <a:endParaRPr lang="it-IT" dirty="0"/>
+          </a:p>
+          <a:p>
+            <a:pPr lvl="1"/>
+            <a:r>
+              <a:rPr lang="it-IT" dirty="0">
+                <a:sym typeface="Wingdings" panose="05000000000000000000" pitchFamily="2" charset="2"/>
+              </a:rPr>
+              <a:t>Dataset </a:t>
+            </a:r>
+            <a:r>
+              <a:rPr lang="it-IT" dirty="0" err="1">
+                <a:sym typeface="Wingdings" panose="05000000000000000000" pitchFamily="2" charset="2"/>
+              </a:rPr>
+              <a:t>numerosity</a:t>
+            </a:r>
+            <a:r>
+              <a:rPr lang="it-IT" dirty="0">
+                <a:sym typeface="Wingdings" panose="05000000000000000000" pitchFamily="2" charset="2"/>
+              </a:rPr>
+              <a:t> </a:t>
+            </a:r>
+            <a:r>
+              <a:rPr lang="it-IT" dirty="0" err="1">
+                <a:sym typeface="Wingdings" panose="05000000000000000000" pitchFamily="2" charset="2"/>
+              </a:rPr>
+              <a:t>is</a:t>
+            </a:r>
+            <a:r>
+              <a:rPr lang="it-IT" dirty="0">
+                <a:sym typeface="Wingdings" panose="05000000000000000000" pitchFamily="2" charset="2"/>
+              </a:rPr>
+              <a:t> high (</a:t>
+            </a:r>
+            <a:r>
+              <a:rPr lang="it-IT" dirty="0" err="1">
+                <a:sym typeface="Wingdings" panose="05000000000000000000" pitchFamily="2" charset="2"/>
+              </a:rPr>
+              <a:t>smallest</a:t>
+            </a:r>
+            <a:r>
+              <a:rPr lang="it-IT" dirty="0">
+                <a:sym typeface="Wingdings" panose="05000000000000000000" pitchFamily="2" charset="2"/>
+              </a:rPr>
+              <a:t> class </a:t>
+            </a:r>
+            <a:r>
+              <a:rPr lang="it-IT" dirty="0" err="1">
+                <a:sym typeface="Wingdings" panose="05000000000000000000" pitchFamily="2" charset="2"/>
+              </a:rPr>
+              <a:t>has</a:t>
+            </a:r>
+            <a:r>
+              <a:rPr lang="it-IT" dirty="0">
+                <a:sym typeface="Wingdings" panose="05000000000000000000" pitchFamily="2" charset="2"/>
+              </a:rPr>
+              <a:t> 32k samples  Use random </a:t>
+            </a:r>
+            <a:r>
+              <a:rPr lang="it-IT" dirty="0" err="1">
+                <a:sym typeface="Wingdings" panose="05000000000000000000" pitchFamily="2" charset="2"/>
+              </a:rPr>
+              <a:t>undersampling</a:t>
+            </a:r>
+            <a:r>
+              <a:rPr lang="it-IT" dirty="0">
+                <a:sym typeface="Wingdings" panose="05000000000000000000" pitchFamily="2" charset="2"/>
+              </a:rPr>
+              <a:t> </a:t>
+            </a:r>
+            <a:r>
+              <a:rPr lang="it-IT" dirty="0" err="1">
+                <a:sym typeface="Wingdings" panose="05000000000000000000" pitchFamily="2" charset="2"/>
+              </a:rPr>
+              <a:t>without</a:t>
+            </a:r>
+            <a:r>
+              <a:rPr lang="it-IT" dirty="0">
+                <a:sym typeface="Wingdings" panose="05000000000000000000" pitchFamily="2" charset="2"/>
+              </a:rPr>
+              <a:t> </a:t>
+            </a:r>
+            <a:r>
+              <a:rPr lang="it-IT" dirty="0" err="1">
+                <a:sym typeface="Wingdings" panose="05000000000000000000" pitchFamily="2" charset="2"/>
+              </a:rPr>
+              <a:t>replacement</a:t>
+            </a:r>
+            <a:endParaRPr lang="it-IT" dirty="0"/>
+          </a:p>
+          <a:p>
+            <a:r>
+              <a:rPr lang="it-IT"/>
+              <a:t>Feature scaling</a:t>
+            </a:r>
+            <a:endParaRPr lang="it-IT" dirty="0"/>
+          </a:p>
+          <a:p>
+            <a:pPr lvl="1"/>
+            <a:r>
+              <a:rPr lang="it-IT" dirty="0"/>
+              <a:t>By </a:t>
+            </a:r>
+            <a:r>
+              <a:rPr lang="it-IT" dirty="0" err="1"/>
+              <a:t>taking</a:t>
+            </a:r>
+            <a:r>
+              <a:rPr lang="it-IT" dirty="0"/>
+              <a:t> </a:t>
+            </a:r>
+            <a:r>
+              <a:rPr lang="it-IT" dirty="0" err="1"/>
+              <a:t>advantage</a:t>
+            </a:r>
+            <a:r>
+              <a:rPr lang="it-IT" dirty="0"/>
+              <a:t> of pipelines, </a:t>
+            </a:r>
+            <a:r>
+              <a:rPr lang="it-IT" dirty="0" err="1"/>
+              <a:t>normalization</a:t>
+            </a:r>
+            <a:r>
+              <a:rPr lang="it-IT" dirty="0"/>
+              <a:t> </a:t>
+            </a:r>
+            <a:r>
+              <a:rPr lang="it-IT" dirty="0" err="1"/>
+              <a:t>is</a:t>
+            </a:r>
+            <a:r>
+              <a:rPr lang="it-IT" dirty="0"/>
+              <a:t> </a:t>
+            </a:r>
+            <a:r>
+              <a:rPr lang="it-IT" dirty="0" err="1"/>
+              <a:t>done</a:t>
+            </a:r>
+            <a:r>
+              <a:rPr lang="it-IT" dirty="0"/>
+              <a:t> </a:t>
+            </a:r>
+            <a:r>
+              <a:rPr lang="it-IT" dirty="0" err="1"/>
+              <a:t>only</a:t>
+            </a:r>
+            <a:r>
+              <a:rPr lang="it-IT" dirty="0"/>
+              <a:t> for </a:t>
+            </a:r>
+            <a:r>
+              <a:rPr lang="it-IT" dirty="0" err="1"/>
+              <a:t>those</a:t>
+            </a:r>
+            <a:r>
+              <a:rPr lang="it-IT" dirty="0"/>
+              <a:t> </a:t>
+            </a:r>
+            <a:r>
+              <a:rPr lang="it-IT" dirty="0" err="1"/>
+              <a:t>classifiers</a:t>
+            </a:r>
+            <a:r>
+              <a:rPr lang="it-IT" dirty="0"/>
+              <a:t> </a:t>
+            </a:r>
+            <a:r>
+              <a:rPr lang="it-IT" dirty="0" err="1"/>
+              <a:t>that</a:t>
+            </a:r>
+            <a:r>
+              <a:rPr lang="it-IT" dirty="0"/>
+              <a:t> </a:t>
+            </a:r>
+            <a:r>
+              <a:rPr lang="it-IT" dirty="0" err="1"/>
+              <a:t>need</a:t>
+            </a:r>
+            <a:r>
+              <a:rPr lang="it-IT" dirty="0"/>
+              <a:t> </a:t>
+            </a:r>
+            <a:r>
+              <a:rPr lang="it-IT" dirty="0" err="1"/>
+              <a:t>it</a:t>
+            </a:r>
+            <a:endParaRPr lang="it-IT" dirty="0"/>
+          </a:p>
+          <a:p>
+            <a:pPr lvl="1"/>
+            <a:r>
+              <a:rPr lang="it-IT" dirty="0" err="1"/>
+              <a:t>Uses</a:t>
+            </a:r>
+            <a:r>
+              <a:rPr lang="it-IT" dirty="0"/>
+              <a:t> </a:t>
+            </a:r>
+            <a:r>
+              <a:rPr lang="it-IT" dirty="0" err="1"/>
+              <a:t>StandardScaler</a:t>
+            </a:r>
+            <a:r>
+              <a:rPr lang="it-IT" dirty="0"/>
+              <a:t> to </a:t>
+            </a:r>
+            <a:r>
+              <a:rPr lang="it-IT" dirty="0" err="1"/>
+              <a:t>achieve</a:t>
+            </a:r>
+            <a:r>
+              <a:rPr lang="it-IT" dirty="0"/>
+              <a:t> </a:t>
+            </a:r>
+            <a:r>
+              <a:rPr lang="it-IT" dirty="0" err="1"/>
+              <a:t>mean</a:t>
+            </a:r>
+            <a:r>
+              <a:rPr lang="it-IT" dirty="0"/>
+              <a:t> = 0 and </a:t>
+            </a:r>
+            <a:r>
+              <a:rPr lang="it-IT" dirty="0" err="1"/>
+              <a:t>std</a:t>
+            </a:r>
+            <a:r>
+              <a:rPr lang="it-IT" dirty="0"/>
+              <a:t> = 1</a:t>
+            </a:r>
           </a:p>
         </p:txBody>
       </p:sp>
     </p:spTree>
     <p:extLst>
       <p:ext uri="{BB962C8B-B14F-4D97-AF65-F5344CB8AC3E}">
-        <p14:creationId xmlns:p14="http://schemas.microsoft.com/office/powerpoint/2010/main" val="1533303846"/>
-      </p:ext>
-    </p:extLst>
-  </p:cSld>
-  <p:clrMapOvr>
-    <a:masterClrMapping/>
-  </p:clrMapOvr>
-</p:sld>
-</file>
-
-<file path=ppt/slides/slide5.xml><?xml version="1.0" encoding="utf-8"?>
-<p:sld xmlns:a="http://schemas.openxmlformats.org/drawingml/2006/main" xmlns:r="http://schemas.openxmlformats.org/officeDocument/2006/relationships" xmlns:p="http://schemas.openxmlformats.org/presentationml/2006/main">
-  <p:cSld>
-    <p:spTree>
-      <p:nvGrpSpPr>
-        <p:cNvPr id="1" name=""/>
-        <p:cNvGrpSpPr/>
-        <p:nvPr/>
-      </p:nvGrpSpPr>
-      <p:grpSpPr>
-        <a:xfrm>
-          <a:off x="0" y="0"/>
-          <a:ext cx="0" cy="0"/>
-          <a:chOff x="0" y="0"/>
-          <a:chExt cx="0" cy="0"/>
-        </a:xfrm>
-      </p:grpSpPr>
-      <p:sp>
-        <p:nvSpPr>
-          <p:cNvPr id="2" name="Titolo 1">
-            <a:extLst>
-              <a:ext uri="{FF2B5EF4-FFF2-40B4-BE49-F238E27FC236}">
-                <a16:creationId xmlns:a16="http://schemas.microsoft.com/office/drawing/2014/main" id="{C49C62A8-FF05-7548-73EC-FB3217D344A4}"/>
-              </a:ext>
-            </a:extLst>
-          </p:cNvPr>
-          <p:cNvSpPr>
-            <a:spLocks noGrp="1"/>
-          </p:cNvSpPr>
-          <p:nvPr>
-            <p:ph type="title"/>
-          </p:nvPr>
-        </p:nvSpPr>
-        <p:spPr/>
-        <p:txBody>
-          <a:bodyPr/>
-          <a:lstStyle/>
-          <a:p>
-            <a:r>
-              <a:rPr lang="it-IT" dirty="0"/>
-              <a:t>Feature </a:t>
-            </a:r>
-            <a:r>
-              <a:rPr lang="it-IT" dirty="0" err="1"/>
-              <a:t>extraction</a:t>
-            </a:r>
-            <a:endParaRPr lang="LID4096" dirty="0"/>
-          </a:p>
-        </p:txBody>
-      </p:sp>
-      <p:sp>
-        <p:nvSpPr>
-          <p:cNvPr id="3" name="Segnaposto contenuto 2">
-            <a:extLst>
-              <a:ext uri="{FF2B5EF4-FFF2-40B4-BE49-F238E27FC236}">
-                <a16:creationId xmlns:a16="http://schemas.microsoft.com/office/drawing/2014/main" id="{35E5BDCC-5250-B16A-92C5-2BA522A4368A}"/>
-              </a:ext>
-            </a:extLst>
-          </p:cNvPr>
-          <p:cNvSpPr>
-            <a:spLocks noGrp="1"/>
-          </p:cNvSpPr>
-          <p:nvPr>
-            <p:ph idx="1"/>
-          </p:nvPr>
-        </p:nvSpPr>
-        <p:spPr/>
-        <p:txBody>
-          <a:bodyPr/>
-          <a:lstStyle/>
-          <a:p>
-            <a:r>
-              <a:rPr lang="it-IT" dirty="0"/>
-              <a:t>URL </a:t>
-            </a:r>
-            <a:r>
-              <a:rPr lang="it-IT" dirty="0" err="1"/>
-              <a:t>string</a:t>
-            </a:r>
-            <a:r>
-              <a:rPr lang="it-IT" dirty="0"/>
-              <a:t> features</a:t>
-            </a:r>
-          </a:p>
-          <a:p>
-            <a:r>
-              <a:rPr lang="it-IT" dirty="0" err="1"/>
-              <a:t>What</a:t>
-            </a:r>
-            <a:r>
-              <a:rPr lang="it-IT" dirty="0"/>
-              <a:t> domain knowledge can </a:t>
-            </a:r>
-            <a:r>
-              <a:rPr lang="it-IT" dirty="0" err="1"/>
-              <a:t>we</a:t>
-            </a:r>
-            <a:r>
-              <a:rPr lang="it-IT" dirty="0"/>
-              <a:t> </a:t>
-            </a:r>
-            <a:r>
-              <a:rPr lang="it-IT" dirty="0" err="1"/>
-              <a:t>apply</a:t>
-            </a:r>
-            <a:r>
-              <a:rPr lang="it-IT" dirty="0"/>
-              <a:t>?</a:t>
-            </a:r>
-          </a:p>
-        </p:txBody>
-      </p:sp>
-    </p:spTree>
-    <p:extLst>
-      <p:ext uri="{BB962C8B-B14F-4D97-AF65-F5344CB8AC3E}">
-        <p14:creationId xmlns:p14="http://schemas.microsoft.com/office/powerpoint/2010/main" val="4225415376"/>
-      </p:ext>
-    </p:extLst>
-  </p:cSld>
-  <p:clrMapOvr>
-    <a:masterClrMapping/>
-  </p:clrMapOvr>
-</p:sld>
-</file>
-
-<file path=ppt/slides/slide6.xml><?xml version="1.0" encoding="utf-8"?>
-<p:sld xmlns:a="http://schemas.openxmlformats.org/drawingml/2006/main" xmlns:r="http://schemas.openxmlformats.org/officeDocument/2006/relationships" xmlns:p="http://schemas.openxmlformats.org/presentationml/2006/main">
-  <p:cSld>
-    <p:spTree>
-      <p:nvGrpSpPr>
-        <p:cNvPr id="1" name=""/>
-        <p:cNvGrpSpPr/>
-        <p:nvPr/>
-      </p:nvGrpSpPr>
-      <p:grpSpPr>
-        <a:xfrm>
-          <a:off x="0" y="0"/>
-          <a:ext cx="0" cy="0"/>
-          <a:chOff x="0" y="0"/>
-          <a:chExt cx="0" cy="0"/>
-        </a:xfrm>
-      </p:grpSpPr>
-      <p:sp>
-        <p:nvSpPr>
-          <p:cNvPr id="2" name="Titolo 1">
-            <a:extLst>
-              <a:ext uri="{FF2B5EF4-FFF2-40B4-BE49-F238E27FC236}">
-                <a16:creationId xmlns:a16="http://schemas.microsoft.com/office/drawing/2014/main" id="{33B08FB1-E028-E587-F3E3-5EACEFA15CA4}"/>
-              </a:ext>
-            </a:extLst>
-          </p:cNvPr>
-          <p:cNvSpPr>
-            <a:spLocks noGrp="1"/>
-          </p:cNvSpPr>
-          <p:nvPr>
-            <p:ph type="title"/>
-          </p:nvPr>
-        </p:nvSpPr>
-        <p:spPr/>
-        <p:txBody>
-          <a:bodyPr/>
-          <a:lstStyle/>
-          <a:p>
-            <a:r>
-              <a:rPr lang="it-IT" dirty="0"/>
-              <a:t>Feature </a:t>
-            </a:r>
-            <a:r>
-              <a:rPr lang="it-IT" dirty="0" err="1"/>
-              <a:t>extraction</a:t>
-            </a:r>
-            <a:endParaRPr lang="LID4096" dirty="0"/>
-          </a:p>
-        </p:txBody>
-      </p:sp>
-      <p:sp>
-        <p:nvSpPr>
-          <p:cNvPr id="3" name="Segnaposto contenuto 2">
-            <a:extLst>
-              <a:ext uri="{FF2B5EF4-FFF2-40B4-BE49-F238E27FC236}">
-                <a16:creationId xmlns:a16="http://schemas.microsoft.com/office/drawing/2014/main" id="{6086A9F0-8D22-48FF-58BA-14416DBD477B}"/>
-              </a:ext>
-            </a:extLst>
-          </p:cNvPr>
-          <p:cNvSpPr>
-            <a:spLocks noGrp="1"/>
-          </p:cNvSpPr>
-          <p:nvPr>
-            <p:ph idx="1"/>
-          </p:nvPr>
-        </p:nvSpPr>
-        <p:spPr/>
-        <p:txBody>
-          <a:bodyPr/>
-          <a:lstStyle/>
-          <a:p>
-            <a:r>
-              <a:rPr lang="it-IT" dirty="0"/>
-              <a:t>Port, </a:t>
-            </a:r>
-            <a:r>
-              <a:rPr lang="it-IT" dirty="0" err="1"/>
-              <a:t>ip</a:t>
-            </a:r>
-            <a:r>
-              <a:rPr lang="it-IT" dirty="0"/>
-              <a:t>, domain</a:t>
-            </a:r>
-          </a:p>
-          <a:p>
-            <a:r>
-              <a:rPr lang="it-IT" dirty="0" err="1"/>
-              <a:t>TLDs</a:t>
-            </a:r>
-            <a:r>
-              <a:rPr lang="it-IT" dirty="0"/>
-              <a:t> and </a:t>
-            </a:r>
-            <a:r>
-              <a:rPr lang="it-IT" dirty="0" err="1"/>
-              <a:t>choices</a:t>
-            </a:r>
-            <a:r>
-              <a:rPr lang="it-IT" dirty="0"/>
-              <a:t> made</a:t>
-            </a:r>
-          </a:p>
-          <a:p>
-            <a:r>
-              <a:rPr lang="it-IT" dirty="0"/>
-              <a:t>Query </a:t>
-            </a:r>
-            <a:r>
-              <a:rPr lang="it-IT" dirty="0" err="1"/>
-              <a:t>parameters</a:t>
-            </a:r>
-            <a:endParaRPr lang="it-IT" dirty="0"/>
-          </a:p>
-          <a:p>
-            <a:r>
-              <a:rPr lang="it-IT" dirty="0" err="1"/>
-              <a:t>Path</a:t>
-            </a:r>
-            <a:r>
-              <a:rPr lang="it-IT" dirty="0"/>
-              <a:t> and </a:t>
-            </a:r>
-            <a:r>
-              <a:rPr lang="it-IT" dirty="0" err="1"/>
-              <a:t>fragments</a:t>
-            </a:r>
-            <a:endParaRPr lang="it-IT" dirty="0"/>
-          </a:p>
-          <a:p>
-            <a:r>
-              <a:rPr lang="it-IT" dirty="0"/>
-              <a:t>URL </a:t>
-            </a:r>
-            <a:r>
-              <a:rPr lang="it-IT" dirty="0" err="1"/>
-              <a:t>shorteners</a:t>
-            </a:r>
-            <a:endParaRPr lang="it-IT" dirty="0"/>
-          </a:p>
-          <a:p>
-            <a:endParaRPr lang="LID4096" dirty="0"/>
-          </a:p>
-        </p:txBody>
-      </p:sp>
-    </p:spTree>
-    <p:extLst>
-      <p:ext uri="{BB962C8B-B14F-4D97-AF65-F5344CB8AC3E}">
-        <p14:creationId xmlns:p14="http://schemas.microsoft.com/office/powerpoint/2010/main" val="2511830583"/>
-      </p:ext>
-    </p:extLst>
-  </p:cSld>
-  <p:clrMapOvr>
-    <a:masterClrMapping/>
-  </p:clrMapOvr>
-</p:sld>
-</file>
-
-<file path=ppt/slides/slide7.xml><?xml version="1.0" encoding="utf-8"?>
-<p:sld xmlns:a="http://schemas.openxmlformats.org/drawingml/2006/main" xmlns:r="http://schemas.openxmlformats.org/officeDocument/2006/relationships" xmlns:p="http://schemas.openxmlformats.org/presentationml/2006/main">
-  <p:cSld>
-    <p:spTree>
-      <p:nvGrpSpPr>
-        <p:cNvPr id="1" name=""/>
-        <p:cNvGrpSpPr/>
-        <p:nvPr/>
-      </p:nvGrpSpPr>
-      <p:grpSpPr>
-        <a:xfrm>
-          <a:off x="0" y="0"/>
-          <a:ext cx="0" cy="0"/>
-          <a:chOff x="0" y="0"/>
-          <a:chExt cx="0" cy="0"/>
-        </a:xfrm>
-      </p:grpSpPr>
-      <p:sp>
-        <p:nvSpPr>
-          <p:cNvPr id="2" name="Titolo 1">
-            <a:extLst>
-              <a:ext uri="{FF2B5EF4-FFF2-40B4-BE49-F238E27FC236}">
-                <a16:creationId xmlns:a16="http://schemas.microsoft.com/office/drawing/2014/main" id="{BC3FB79D-6A00-2473-AAFF-43FF16879EDA}"/>
-              </a:ext>
-            </a:extLst>
-          </p:cNvPr>
-          <p:cNvSpPr>
-            <a:spLocks noGrp="1"/>
-          </p:cNvSpPr>
-          <p:nvPr>
-            <p:ph type="title"/>
-          </p:nvPr>
-        </p:nvSpPr>
-        <p:spPr/>
-        <p:txBody>
-          <a:bodyPr/>
-          <a:lstStyle/>
-          <a:p>
-            <a:r>
-              <a:rPr lang="it-IT" dirty="0"/>
-              <a:t>Feature </a:t>
-            </a:r>
-            <a:r>
-              <a:rPr lang="it-IT" dirty="0" err="1"/>
-              <a:t>extraction</a:t>
-            </a:r>
-            <a:endParaRPr lang="LID4096" dirty="0"/>
-          </a:p>
-        </p:txBody>
-      </p:sp>
-      <p:sp>
-        <p:nvSpPr>
-          <p:cNvPr id="3" name="Segnaposto contenuto 2">
-            <a:extLst>
-              <a:ext uri="{FF2B5EF4-FFF2-40B4-BE49-F238E27FC236}">
-                <a16:creationId xmlns:a16="http://schemas.microsoft.com/office/drawing/2014/main" id="{B89F1544-A694-2420-74C1-4E0D4DA21357}"/>
-              </a:ext>
-            </a:extLst>
-          </p:cNvPr>
-          <p:cNvSpPr>
-            <a:spLocks noGrp="1"/>
-          </p:cNvSpPr>
-          <p:nvPr>
-            <p:ph idx="1"/>
-          </p:nvPr>
-        </p:nvSpPr>
-        <p:spPr/>
-        <p:txBody>
-          <a:bodyPr/>
-          <a:lstStyle/>
-          <a:p>
-            <a:r>
-              <a:rPr lang="it-IT" dirty="0" err="1"/>
-              <a:t>What</a:t>
-            </a:r>
-            <a:r>
-              <a:rPr lang="it-IT" dirty="0"/>
-              <a:t> </a:t>
-            </a:r>
-            <a:r>
-              <a:rPr lang="it-IT" dirty="0" err="1"/>
-              <a:t>was</a:t>
-            </a:r>
-            <a:r>
-              <a:rPr lang="it-IT" dirty="0"/>
-              <a:t> </a:t>
-            </a:r>
-            <a:r>
-              <a:rPr lang="it-IT" dirty="0" err="1"/>
-              <a:t>not</a:t>
-            </a:r>
-            <a:r>
-              <a:rPr lang="it-IT" dirty="0"/>
-              <a:t> </a:t>
-            </a:r>
-            <a:r>
-              <a:rPr lang="it-IT" dirty="0" err="1"/>
-              <a:t>done</a:t>
-            </a:r>
-            <a:r>
-              <a:rPr lang="it-IT" dirty="0"/>
-              <a:t>: </a:t>
-            </a:r>
-            <a:r>
-              <a:rPr lang="it-IT" dirty="0" err="1"/>
-              <a:t>stemming</a:t>
-            </a:r>
-            <a:r>
-              <a:rPr lang="it-IT" dirty="0"/>
-              <a:t>, WHOIS, HTML </a:t>
-            </a:r>
-            <a:r>
-              <a:rPr lang="it-IT" dirty="0" err="1"/>
-              <a:t>requests</a:t>
-            </a:r>
-            <a:endParaRPr lang="LID4096" dirty="0"/>
-          </a:p>
-        </p:txBody>
-      </p:sp>
-    </p:spTree>
-    <p:extLst>
-      <p:ext uri="{BB962C8B-B14F-4D97-AF65-F5344CB8AC3E}">
-        <p14:creationId xmlns:p14="http://schemas.microsoft.com/office/powerpoint/2010/main" val="509448576"/>
-      </p:ext>
-    </p:extLst>
-  </p:cSld>
-  <p:clrMapOvr>
-    <a:masterClrMapping/>
-  </p:clrMapOvr>
-</p:sld>
-</file>
-
-<file path=ppt/slides/slide8.xml><?xml version="1.0" encoding="utf-8"?>
-<p:sld xmlns:a="http://schemas.openxmlformats.org/drawingml/2006/main" xmlns:r="http://schemas.openxmlformats.org/officeDocument/2006/relationships" xmlns:p="http://schemas.openxmlformats.org/presentationml/2006/main">
-  <p:cSld>
-    <p:spTree>
-      <p:nvGrpSpPr>
-        <p:cNvPr id="1" name=""/>
-        <p:cNvGrpSpPr/>
-        <p:nvPr/>
-      </p:nvGrpSpPr>
-      <p:grpSpPr>
-        <a:xfrm>
-          <a:off x="0" y="0"/>
-          <a:ext cx="0" cy="0"/>
-          <a:chOff x="0" y="0"/>
-          <a:chExt cx="0" cy="0"/>
-        </a:xfrm>
-      </p:grpSpPr>
-      <p:sp>
-        <p:nvSpPr>
-          <p:cNvPr id="2" name="Titolo 1">
-            <a:extLst>
-              <a:ext uri="{FF2B5EF4-FFF2-40B4-BE49-F238E27FC236}">
-                <a16:creationId xmlns:a16="http://schemas.microsoft.com/office/drawing/2014/main" id="{AA65FE1E-A212-6BF2-4319-7747C88C5388}"/>
-              </a:ext>
-            </a:extLst>
-          </p:cNvPr>
-          <p:cNvSpPr>
-            <a:spLocks noGrp="1"/>
-          </p:cNvSpPr>
-          <p:nvPr>
-            <p:ph type="title"/>
-          </p:nvPr>
-        </p:nvSpPr>
-        <p:spPr/>
-        <p:txBody>
-          <a:bodyPr/>
-          <a:lstStyle/>
-          <a:p>
-            <a:endParaRPr lang="LID4096" dirty="0"/>
-          </a:p>
-        </p:txBody>
-      </p:sp>
-      <p:sp>
-        <p:nvSpPr>
-          <p:cNvPr id="3" name="Segnaposto contenuto 2">
-            <a:extLst>
-              <a:ext uri="{FF2B5EF4-FFF2-40B4-BE49-F238E27FC236}">
-                <a16:creationId xmlns:a16="http://schemas.microsoft.com/office/drawing/2014/main" id="{1CAA9358-B211-C9C2-1344-BCA45F62A904}"/>
-              </a:ext>
-            </a:extLst>
-          </p:cNvPr>
-          <p:cNvSpPr>
-            <a:spLocks noGrp="1"/>
-          </p:cNvSpPr>
-          <p:nvPr>
-            <p:ph idx="1"/>
-          </p:nvPr>
-        </p:nvSpPr>
-        <p:spPr/>
-        <p:txBody>
-          <a:bodyPr/>
-          <a:lstStyle/>
-          <a:p>
-            <a:endParaRPr lang="LID4096"/>
-          </a:p>
-        </p:txBody>
-      </p:sp>
-    </p:spTree>
-    <p:extLst>
-      <p:ext uri="{BB962C8B-B14F-4D97-AF65-F5344CB8AC3E}">
-        <p14:creationId xmlns:p14="http://schemas.microsoft.com/office/powerpoint/2010/main" val="3067498416"/>
+        <p14:creationId xmlns:p14="http://schemas.microsoft.com/office/powerpoint/2010/main" val="2319067622"/>
       </p:ext>
     </p:extLst>
   </p:cSld>

--- a/slides.pptx
+++ b/slides.pptx
@@ -3,22 +3,23 @@
 <p:presentation xmlns:a="http://schemas.openxmlformats.org/drawingml/2006/main" xmlns:r="http://schemas.openxmlformats.org/officeDocument/2006/relationships" xmlns:p="http://schemas.openxmlformats.org/presentationml/2006/main" saveSubsetFonts="1">
   <p:sldMasterIdLst>
     <p:sldMasterId id="2147483660" r:id="rId1"/>
+    <p:sldMasterId id="2147483672" r:id="rId2"/>
   </p:sldMasterIdLst>
   <p:sldIdLst>
-    <p:sldId id="256" r:id="rId2"/>
-    <p:sldId id="257" r:id="rId3"/>
-    <p:sldId id="258" r:id="rId4"/>
-    <p:sldId id="259" r:id="rId5"/>
-    <p:sldId id="269" r:id="rId6"/>
-    <p:sldId id="260" r:id="rId7"/>
-    <p:sldId id="261" r:id="rId8"/>
-    <p:sldId id="262" r:id="rId9"/>
-    <p:sldId id="273" r:id="rId10"/>
-    <p:sldId id="263" r:id="rId11"/>
-    <p:sldId id="265" r:id="rId12"/>
-    <p:sldId id="271" r:id="rId13"/>
-    <p:sldId id="267" r:id="rId14"/>
-    <p:sldId id="268" r:id="rId15"/>
+    <p:sldId id="256" r:id="rId3"/>
+    <p:sldId id="257" r:id="rId4"/>
+    <p:sldId id="258" r:id="rId5"/>
+    <p:sldId id="259" r:id="rId6"/>
+    <p:sldId id="269" r:id="rId7"/>
+    <p:sldId id="260" r:id="rId8"/>
+    <p:sldId id="261" r:id="rId9"/>
+    <p:sldId id="262" r:id="rId10"/>
+    <p:sldId id="273" r:id="rId11"/>
+    <p:sldId id="263" r:id="rId12"/>
+    <p:sldId id="265" r:id="rId13"/>
+    <p:sldId id="271" r:id="rId14"/>
+    <p:sldId id="267" r:id="rId15"/>
+    <p:sldId id="268" r:id="rId16"/>
   </p:sldIdLst>
   <p:sldSz cx="12192000" cy="6858000"/>
   <p:notesSz cx="6858000" cy="9144000"/>
@@ -272,7 +273,7 @@
           <a:p>
             <a:fld id="{84A671E0-5ED3-4EC8-917B-08DC168EAD8E}" type="datetimeFigureOut">
               <a:rPr lang="LID4096" smtClean="0"/>
-              <a:t>05/14/2023</a:t>
+              <a:t>05/16/2023</a:t>
             </a:fld>
             <a:endParaRPr lang="LID4096"/>
           </a:p>
@@ -470,7 +471,7 @@
           <a:p>
             <a:fld id="{84A671E0-5ED3-4EC8-917B-08DC168EAD8E}" type="datetimeFigureOut">
               <a:rPr lang="LID4096" smtClean="0"/>
-              <a:t>05/14/2023</a:t>
+              <a:t>05/16/2023</a:t>
             </a:fld>
             <a:endParaRPr lang="LID4096"/>
           </a:p>
@@ -678,7 +679,7 @@
           <a:p>
             <a:fld id="{84A671E0-5ED3-4EC8-917B-08DC168EAD8E}" type="datetimeFigureOut">
               <a:rPr lang="LID4096" smtClean="0"/>
-              <a:t>05/14/2023</a:t>
+              <a:t>05/16/2023</a:t>
             </a:fld>
             <a:endParaRPr lang="LID4096"/>
           </a:p>
@@ -742,6 +743,2166 @@
     <p:extLst>
       <p:ext uri="{BB962C8B-B14F-4D97-AF65-F5344CB8AC3E}">
         <p14:creationId xmlns:p14="http://schemas.microsoft.com/office/powerpoint/2010/main" val="2771542896"/>
+      </p:ext>
+    </p:extLst>
+  </p:cSld>
+  <p:clrMapOvr>
+    <a:masterClrMapping/>
+  </p:clrMapOvr>
+</p:sldLayout>
+</file>
+
+<file path=ppt/slideLayouts/slideLayout12.xml><?xml version="1.0" encoding="utf-8"?>
+<p:sldLayout xmlns:a="http://schemas.openxmlformats.org/drawingml/2006/main" xmlns:r="http://schemas.openxmlformats.org/officeDocument/2006/relationships" xmlns:p="http://schemas.openxmlformats.org/presentationml/2006/main" showMasterSp="0" type="title" preserve="1">
+  <p:cSld name="Diapositiva titolo">
+    <p:spTree>
+      <p:nvGrpSpPr>
+        <p:cNvPr id="1" name=""/>
+        <p:cNvGrpSpPr/>
+        <p:nvPr/>
+      </p:nvGrpSpPr>
+      <p:grpSpPr>
+        <a:xfrm>
+          <a:off x="0" y="0"/>
+          <a:ext cx="0" cy="0"/>
+          <a:chOff x="0" y="0"/>
+          <a:chExt cx="0" cy="0"/>
+        </a:xfrm>
+      </p:grpSpPr>
+      <p:sp>
+        <p:nvSpPr>
+          <p:cNvPr id="7" name="Rectangle 6"/>
+          <p:cNvSpPr/>
+          <p:nvPr/>
+        </p:nvSpPr>
+        <p:spPr>
+          <a:xfrm>
+            <a:off x="3175" y="6400800"/>
+            <a:ext cx="12188825" cy="457200"/>
+          </a:xfrm>
+          <a:prstGeom prst="rect">
+            <a:avLst/>
+          </a:prstGeom>
+          <a:solidFill>
+            <a:schemeClr val="accent2"/>
+          </a:solidFill>
+          <a:ln>
+            <a:noFill/>
+          </a:ln>
+        </p:spPr>
+        <p:style>
+          <a:lnRef idx="2">
+            <a:schemeClr val="accent1">
+              <a:shade val="50000"/>
+            </a:schemeClr>
+          </a:lnRef>
+          <a:fillRef idx="1">
+            <a:schemeClr val="accent1"/>
+          </a:fillRef>
+          <a:effectRef idx="0">
+            <a:schemeClr val="accent1"/>
+          </a:effectRef>
+          <a:fontRef idx="minor">
+            <a:schemeClr val="lt1"/>
+          </a:fontRef>
+        </p:style>
+      </p:sp>
+      <p:sp>
+        <p:nvSpPr>
+          <p:cNvPr id="8" name="Rectangle 7"/>
+          <p:cNvSpPr/>
+          <p:nvPr/>
+        </p:nvSpPr>
+        <p:spPr>
+          <a:xfrm>
+            <a:off x="15" y="6334316"/>
+            <a:ext cx="12188825" cy="64008"/>
+          </a:xfrm>
+          <a:prstGeom prst="rect">
+            <a:avLst/>
+          </a:prstGeom>
+          <a:solidFill>
+            <a:schemeClr val="accent1"/>
+          </a:solidFill>
+          <a:ln>
+            <a:noFill/>
+          </a:ln>
+        </p:spPr>
+        <p:style>
+          <a:lnRef idx="2">
+            <a:schemeClr val="accent1">
+              <a:shade val="50000"/>
+            </a:schemeClr>
+          </a:lnRef>
+          <a:fillRef idx="1">
+            <a:schemeClr val="accent1"/>
+          </a:fillRef>
+          <a:effectRef idx="0">
+            <a:schemeClr val="accent1"/>
+          </a:effectRef>
+          <a:fontRef idx="minor">
+            <a:schemeClr val="lt1"/>
+          </a:fontRef>
+        </p:style>
+      </p:sp>
+      <p:sp>
+        <p:nvSpPr>
+          <p:cNvPr id="2" name="Title 1"/>
+          <p:cNvSpPr>
+            <a:spLocks noGrp="1"/>
+          </p:cNvSpPr>
+          <p:nvPr>
+            <p:ph type="ctrTitle"/>
+          </p:nvPr>
+        </p:nvSpPr>
+        <p:spPr>
+          <a:xfrm>
+            <a:off x="1097280" y="758952"/>
+            <a:ext cx="10058400" cy="3566160"/>
+          </a:xfrm>
+        </p:spPr>
+        <p:txBody>
+          <a:bodyPr anchor="b">
+            <a:normAutofit/>
+          </a:bodyPr>
+          <a:lstStyle>
+            <a:lvl1pPr algn="l">
+              <a:lnSpc>
+                <a:spcPct val="85000"/>
+              </a:lnSpc>
+              <a:defRPr sz="8000" spc="-50" baseline="0">
+                <a:solidFill>
+                  <a:schemeClr val="tx1">
+                    <a:lumMod val="85000"/>
+                    <a:lumOff val="15000"/>
+                  </a:schemeClr>
+                </a:solidFill>
+              </a:defRPr>
+            </a:lvl1pPr>
+          </a:lstStyle>
+          <a:p>
+            <a:r>
+              <a:rPr lang="it-IT"/>
+              <a:t>Fare clic per modificare lo stile del titolo dello schema</a:t>
+            </a:r>
+            <a:endParaRPr lang="en-US" dirty="0"/>
+          </a:p>
+        </p:txBody>
+      </p:sp>
+      <p:sp>
+        <p:nvSpPr>
+          <p:cNvPr id="3" name="Subtitle 2"/>
+          <p:cNvSpPr>
+            <a:spLocks noGrp="1"/>
+          </p:cNvSpPr>
+          <p:nvPr>
+            <p:ph type="subTitle" idx="1"/>
+          </p:nvPr>
+        </p:nvSpPr>
+        <p:spPr>
+          <a:xfrm>
+            <a:off x="1100051" y="4455620"/>
+            <a:ext cx="10058400" cy="1143000"/>
+          </a:xfrm>
+        </p:spPr>
+        <p:txBody>
+          <a:bodyPr lIns="91440" rIns="91440">
+            <a:normAutofit/>
+          </a:bodyPr>
+          <a:lstStyle>
+            <a:lvl1pPr marL="0" indent="0" algn="l">
+              <a:buNone/>
+              <a:defRPr sz="2400" cap="all" spc="200" baseline="0">
+                <a:solidFill>
+                  <a:schemeClr val="tx2"/>
+                </a:solidFill>
+                <a:latin typeface="+mj-lt"/>
+              </a:defRPr>
+            </a:lvl1pPr>
+            <a:lvl2pPr marL="457200" indent="0" algn="ctr">
+              <a:buNone/>
+              <a:defRPr sz="2400"/>
+            </a:lvl2pPr>
+            <a:lvl3pPr marL="914400" indent="0" algn="ctr">
+              <a:buNone/>
+              <a:defRPr sz="2400"/>
+            </a:lvl3pPr>
+            <a:lvl4pPr marL="1371600" indent="0" algn="ctr">
+              <a:buNone/>
+              <a:defRPr sz="2000"/>
+            </a:lvl4pPr>
+            <a:lvl5pPr marL="1828800" indent="0" algn="ctr">
+              <a:buNone/>
+              <a:defRPr sz="2000"/>
+            </a:lvl5pPr>
+            <a:lvl6pPr marL="2286000" indent="0" algn="ctr">
+              <a:buNone/>
+              <a:defRPr sz="2000"/>
+            </a:lvl6pPr>
+            <a:lvl7pPr marL="2743200" indent="0" algn="ctr">
+              <a:buNone/>
+              <a:defRPr sz="2000"/>
+            </a:lvl7pPr>
+            <a:lvl8pPr marL="3200400" indent="0" algn="ctr">
+              <a:buNone/>
+              <a:defRPr sz="2000"/>
+            </a:lvl8pPr>
+            <a:lvl9pPr marL="3657600" indent="0" algn="ctr">
+              <a:buNone/>
+              <a:defRPr sz="2000"/>
+            </a:lvl9pPr>
+          </a:lstStyle>
+          <a:p>
+            <a:r>
+              <a:rPr lang="it-IT"/>
+              <a:t>Fare clic per modificare lo stile del sottotitolo dello schema</a:t>
+            </a:r>
+            <a:endParaRPr lang="en-US" dirty="0"/>
+          </a:p>
+        </p:txBody>
+      </p:sp>
+      <p:sp>
+        <p:nvSpPr>
+          <p:cNvPr id="4" name="Date Placeholder 3"/>
+          <p:cNvSpPr>
+            <a:spLocks noGrp="1"/>
+          </p:cNvSpPr>
+          <p:nvPr>
+            <p:ph type="dt" sz="half" idx="10"/>
+          </p:nvPr>
+        </p:nvSpPr>
+        <p:spPr/>
+        <p:txBody>
+          <a:bodyPr/>
+          <a:lstStyle/>
+          <a:p>
+            <a:fld id="{84A671E0-5ED3-4EC8-917B-08DC168EAD8E}" type="datetimeFigureOut">
+              <a:rPr lang="LID4096" smtClean="0"/>
+              <a:t>05/16/2023</a:t>
+            </a:fld>
+            <a:endParaRPr lang="LID4096"/>
+          </a:p>
+        </p:txBody>
+      </p:sp>
+      <p:sp>
+        <p:nvSpPr>
+          <p:cNvPr id="5" name="Footer Placeholder 4"/>
+          <p:cNvSpPr>
+            <a:spLocks noGrp="1"/>
+          </p:cNvSpPr>
+          <p:nvPr>
+            <p:ph type="ftr" sz="quarter" idx="11"/>
+          </p:nvPr>
+        </p:nvSpPr>
+        <p:spPr/>
+        <p:txBody>
+          <a:bodyPr/>
+          <a:lstStyle/>
+          <a:p>
+            <a:endParaRPr lang="LID4096"/>
+          </a:p>
+        </p:txBody>
+      </p:sp>
+      <p:sp>
+        <p:nvSpPr>
+          <p:cNvPr id="6" name="Slide Number Placeholder 5"/>
+          <p:cNvSpPr>
+            <a:spLocks noGrp="1"/>
+          </p:cNvSpPr>
+          <p:nvPr>
+            <p:ph type="sldNum" sz="quarter" idx="12"/>
+          </p:nvPr>
+        </p:nvSpPr>
+        <p:spPr/>
+        <p:txBody>
+          <a:bodyPr/>
+          <a:lstStyle/>
+          <a:p>
+            <a:fld id="{59A90E3F-A41A-4575-B290-5B5A03E5E741}" type="slidenum">
+              <a:rPr lang="LID4096" smtClean="0"/>
+              <a:t>‹N›</a:t>
+            </a:fld>
+            <a:endParaRPr lang="LID4096"/>
+          </a:p>
+        </p:txBody>
+      </p:sp>
+      <p:cxnSp>
+        <p:nvCxnSpPr>
+          <p:cNvPr id="9" name="Straight Connector 8"/>
+          <p:cNvCxnSpPr/>
+          <p:nvPr/>
+        </p:nvCxnSpPr>
+        <p:spPr>
+          <a:xfrm>
+            <a:off x="1207658" y="4343400"/>
+            <a:ext cx="9875520" cy="0"/>
+          </a:xfrm>
+          <a:prstGeom prst="line">
+            <a:avLst/>
+          </a:prstGeom>
+          <a:ln w="6350">
+            <a:solidFill>
+              <a:schemeClr val="tx1">
+                <a:lumMod val="50000"/>
+                <a:lumOff val="50000"/>
+              </a:schemeClr>
+            </a:solidFill>
+          </a:ln>
+        </p:spPr>
+        <p:style>
+          <a:lnRef idx="1">
+            <a:schemeClr val="accent1"/>
+          </a:lnRef>
+          <a:fillRef idx="0">
+            <a:schemeClr val="accent1"/>
+          </a:fillRef>
+          <a:effectRef idx="0">
+            <a:schemeClr val="accent1"/>
+          </a:effectRef>
+          <a:fontRef idx="minor">
+            <a:schemeClr val="tx1"/>
+          </a:fontRef>
+        </p:style>
+      </p:cxnSp>
+    </p:spTree>
+    <p:extLst>
+      <p:ext uri="{BB962C8B-B14F-4D97-AF65-F5344CB8AC3E}">
+        <p14:creationId xmlns:p14="http://schemas.microsoft.com/office/powerpoint/2010/main" val="1870595001"/>
+      </p:ext>
+    </p:extLst>
+  </p:cSld>
+  <p:clrMapOvr>
+    <a:masterClrMapping/>
+  </p:clrMapOvr>
+</p:sldLayout>
+</file>
+
+<file path=ppt/slideLayouts/slideLayout13.xml><?xml version="1.0" encoding="utf-8"?>
+<p:sldLayout xmlns:a="http://schemas.openxmlformats.org/drawingml/2006/main" xmlns:r="http://schemas.openxmlformats.org/officeDocument/2006/relationships" xmlns:p="http://schemas.openxmlformats.org/presentationml/2006/main" type="obj" preserve="1">
+  <p:cSld name="Titolo e contenuto">
+    <p:spTree>
+      <p:nvGrpSpPr>
+        <p:cNvPr id="1" name=""/>
+        <p:cNvGrpSpPr/>
+        <p:nvPr/>
+      </p:nvGrpSpPr>
+      <p:grpSpPr>
+        <a:xfrm>
+          <a:off x="0" y="0"/>
+          <a:ext cx="0" cy="0"/>
+          <a:chOff x="0" y="0"/>
+          <a:chExt cx="0" cy="0"/>
+        </a:xfrm>
+      </p:grpSpPr>
+      <p:sp>
+        <p:nvSpPr>
+          <p:cNvPr id="2" name="Title 1"/>
+          <p:cNvSpPr>
+            <a:spLocks noGrp="1"/>
+          </p:cNvSpPr>
+          <p:nvPr>
+            <p:ph type="title"/>
+          </p:nvPr>
+        </p:nvSpPr>
+        <p:spPr/>
+        <p:txBody>
+          <a:bodyPr/>
+          <a:lstStyle>
+            <a:lvl1pPr marL="0">
+              <a:defRPr/>
+            </a:lvl1pPr>
+          </a:lstStyle>
+          <a:p>
+            <a:r>
+              <a:rPr lang="it-IT"/>
+              <a:t>Fare clic per modificare lo stile del titolo dello schema</a:t>
+            </a:r>
+            <a:endParaRPr lang="en-US" dirty="0"/>
+          </a:p>
+        </p:txBody>
+      </p:sp>
+      <p:sp>
+        <p:nvSpPr>
+          <p:cNvPr id="3" name="Content Placeholder 2"/>
+          <p:cNvSpPr>
+            <a:spLocks noGrp="1"/>
+          </p:cNvSpPr>
+          <p:nvPr>
+            <p:ph idx="1"/>
+          </p:nvPr>
+        </p:nvSpPr>
+        <p:spPr/>
+        <p:txBody>
+          <a:bodyPr/>
+          <a:lstStyle/>
+          <a:p>
+            <a:pPr lvl="0"/>
+            <a:r>
+              <a:rPr lang="it-IT"/>
+              <a:t>Fare clic per modificare gli stili del testo dello schema</a:t>
+            </a:r>
+          </a:p>
+          <a:p>
+            <a:pPr lvl="1"/>
+            <a:r>
+              <a:rPr lang="it-IT"/>
+              <a:t>Secondo livello</a:t>
+            </a:r>
+          </a:p>
+          <a:p>
+            <a:pPr lvl="2"/>
+            <a:r>
+              <a:rPr lang="it-IT"/>
+              <a:t>Terzo livello</a:t>
+            </a:r>
+          </a:p>
+          <a:p>
+            <a:pPr lvl="3"/>
+            <a:r>
+              <a:rPr lang="it-IT"/>
+              <a:t>Quarto livello</a:t>
+            </a:r>
+          </a:p>
+          <a:p>
+            <a:pPr lvl="4"/>
+            <a:r>
+              <a:rPr lang="it-IT"/>
+              <a:t>Quinto livello</a:t>
+            </a:r>
+            <a:endParaRPr lang="en-US" dirty="0"/>
+          </a:p>
+        </p:txBody>
+      </p:sp>
+      <p:sp>
+        <p:nvSpPr>
+          <p:cNvPr id="4" name="Date Placeholder 3"/>
+          <p:cNvSpPr>
+            <a:spLocks noGrp="1"/>
+          </p:cNvSpPr>
+          <p:nvPr>
+            <p:ph type="dt" sz="half" idx="10"/>
+          </p:nvPr>
+        </p:nvSpPr>
+        <p:spPr/>
+        <p:txBody>
+          <a:bodyPr/>
+          <a:lstStyle/>
+          <a:p>
+            <a:fld id="{84A671E0-5ED3-4EC8-917B-08DC168EAD8E}" type="datetimeFigureOut">
+              <a:rPr lang="LID4096" smtClean="0"/>
+              <a:t>05/16/2023</a:t>
+            </a:fld>
+            <a:endParaRPr lang="LID4096"/>
+          </a:p>
+        </p:txBody>
+      </p:sp>
+      <p:sp>
+        <p:nvSpPr>
+          <p:cNvPr id="5" name="Footer Placeholder 4"/>
+          <p:cNvSpPr>
+            <a:spLocks noGrp="1"/>
+          </p:cNvSpPr>
+          <p:nvPr>
+            <p:ph type="ftr" sz="quarter" idx="11"/>
+          </p:nvPr>
+        </p:nvSpPr>
+        <p:spPr/>
+        <p:txBody>
+          <a:bodyPr/>
+          <a:lstStyle/>
+          <a:p>
+            <a:endParaRPr lang="LID4096"/>
+          </a:p>
+        </p:txBody>
+      </p:sp>
+      <p:sp>
+        <p:nvSpPr>
+          <p:cNvPr id="6" name="Slide Number Placeholder 5"/>
+          <p:cNvSpPr>
+            <a:spLocks noGrp="1"/>
+          </p:cNvSpPr>
+          <p:nvPr>
+            <p:ph type="sldNum" sz="quarter" idx="12"/>
+          </p:nvPr>
+        </p:nvSpPr>
+        <p:spPr/>
+        <p:txBody>
+          <a:bodyPr/>
+          <a:lstStyle/>
+          <a:p>
+            <a:fld id="{59A90E3F-A41A-4575-B290-5B5A03E5E741}" type="slidenum">
+              <a:rPr lang="LID4096" smtClean="0"/>
+              <a:t>‹N›</a:t>
+            </a:fld>
+            <a:endParaRPr lang="LID4096"/>
+          </a:p>
+        </p:txBody>
+      </p:sp>
+    </p:spTree>
+    <p:extLst>
+      <p:ext uri="{BB962C8B-B14F-4D97-AF65-F5344CB8AC3E}">
+        <p14:creationId xmlns:p14="http://schemas.microsoft.com/office/powerpoint/2010/main" val="2310802854"/>
+      </p:ext>
+    </p:extLst>
+  </p:cSld>
+  <p:clrMapOvr>
+    <a:masterClrMapping/>
+  </p:clrMapOvr>
+</p:sldLayout>
+</file>
+
+<file path=ppt/slideLayouts/slideLayout14.xml><?xml version="1.0" encoding="utf-8"?>
+<p:sldLayout xmlns:a="http://schemas.openxmlformats.org/drawingml/2006/main" xmlns:r="http://schemas.openxmlformats.org/officeDocument/2006/relationships" xmlns:p="http://schemas.openxmlformats.org/presentationml/2006/main" showMasterSp="0" type="secHead" preserve="1">
+  <p:cSld name="Intestazione sezione">
+    <p:bg>
+      <p:bgPr>
+        <a:solidFill>
+          <a:schemeClr val="bg1"/>
+        </a:solidFill>
+        <a:effectLst/>
+      </p:bgPr>
+    </p:bg>
+    <p:spTree>
+      <p:nvGrpSpPr>
+        <p:cNvPr id="1" name=""/>
+        <p:cNvGrpSpPr/>
+        <p:nvPr/>
+      </p:nvGrpSpPr>
+      <p:grpSpPr>
+        <a:xfrm>
+          <a:off x="0" y="0"/>
+          <a:ext cx="0" cy="0"/>
+          <a:chOff x="0" y="0"/>
+          <a:chExt cx="0" cy="0"/>
+        </a:xfrm>
+      </p:grpSpPr>
+      <p:sp>
+        <p:nvSpPr>
+          <p:cNvPr id="7" name="Rectangle 6"/>
+          <p:cNvSpPr/>
+          <p:nvPr/>
+        </p:nvSpPr>
+        <p:spPr>
+          <a:xfrm>
+            <a:off x="3175" y="6400800"/>
+            <a:ext cx="12188825" cy="457200"/>
+          </a:xfrm>
+          <a:prstGeom prst="rect">
+            <a:avLst/>
+          </a:prstGeom>
+          <a:solidFill>
+            <a:schemeClr val="accent2"/>
+          </a:solidFill>
+          <a:ln>
+            <a:noFill/>
+          </a:ln>
+        </p:spPr>
+        <p:style>
+          <a:lnRef idx="2">
+            <a:schemeClr val="accent1">
+              <a:shade val="50000"/>
+            </a:schemeClr>
+          </a:lnRef>
+          <a:fillRef idx="1">
+            <a:schemeClr val="accent1"/>
+          </a:fillRef>
+          <a:effectRef idx="0">
+            <a:schemeClr val="accent1"/>
+          </a:effectRef>
+          <a:fontRef idx="minor">
+            <a:schemeClr val="lt1"/>
+          </a:fontRef>
+        </p:style>
+      </p:sp>
+      <p:sp>
+        <p:nvSpPr>
+          <p:cNvPr id="8" name="Rectangle 7"/>
+          <p:cNvSpPr/>
+          <p:nvPr/>
+        </p:nvSpPr>
+        <p:spPr>
+          <a:xfrm>
+            <a:off x="15" y="6334316"/>
+            <a:ext cx="12188825" cy="64008"/>
+          </a:xfrm>
+          <a:prstGeom prst="rect">
+            <a:avLst/>
+          </a:prstGeom>
+          <a:solidFill>
+            <a:schemeClr val="accent1"/>
+          </a:solidFill>
+          <a:ln>
+            <a:noFill/>
+          </a:ln>
+        </p:spPr>
+        <p:style>
+          <a:lnRef idx="2">
+            <a:schemeClr val="accent1">
+              <a:shade val="50000"/>
+            </a:schemeClr>
+          </a:lnRef>
+          <a:fillRef idx="1">
+            <a:schemeClr val="accent1"/>
+          </a:fillRef>
+          <a:effectRef idx="0">
+            <a:schemeClr val="accent1"/>
+          </a:effectRef>
+          <a:fontRef idx="minor">
+            <a:schemeClr val="lt1"/>
+          </a:fontRef>
+        </p:style>
+      </p:sp>
+      <p:sp>
+        <p:nvSpPr>
+          <p:cNvPr id="2" name="Title 1"/>
+          <p:cNvSpPr>
+            <a:spLocks noGrp="1"/>
+          </p:cNvSpPr>
+          <p:nvPr>
+            <p:ph type="title"/>
+          </p:nvPr>
+        </p:nvSpPr>
+        <p:spPr>
+          <a:xfrm>
+            <a:off x="1097280" y="758952"/>
+            <a:ext cx="10058400" cy="3566160"/>
+          </a:xfrm>
+        </p:spPr>
+        <p:txBody>
+          <a:bodyPr anchor="b" anchorCtr="0">
+            <a:normAutofit/>
+          </a:bodyPr>
+          <a:lstStyle>
+            <a:lvl1pPr>
+              <a:lnSpc>
+                <a:spcPct val="85000"/>
+              </a:lnSpc>
+              <a:defRPr sz="8000" b="0">
+                <a:solidFill>
+                  <a:schemeClr val="tx1">
+                    <a:lumMod val="85000"/>
+                    <a:lumOff val="15000"/>
+                  </a:schemeClr>
+                </a:solidFill>
+              </a:defRPr>
+            </a:lvl1pPr>
+          </a:lstStyle>
+          <a:p>
+            <a:r>
+              <a:rPr lang="it-IT"/>
+              <a:t>Fare clic per modificare lo stile del titolo dello schema</a:t>
+            </a:r>
+            <a:endParaRPr lang="en-US" dirty="0"/>
+          </a:p>
+        </p:txBody>
+      </p:sp>
+      <p:sp>
+        <p:nvSpPr>
+          <p:cNvPr id="3" name="Text Placeholder 2"/>
+          <p:cNvSpPr>
+            <a:spLocks noGrp="1"/>
+          </p:cNvSpPr>
+          <p:nvPr>
+            <p:ph type="body" idx="1"/>
+          </p:nvPr>
+        </p:nvSpPr>
+        <p:spPr>
+          <a:xfrm>
+            <a:off x="1097280" y="4453128"/>
+            <a:ext cx="10058400" cy="1143000"/>
+          </a:xfrm>
+        </p:spPr>
+        <p:txBody>
+          <a:bodyPr lIns="91440" rIns="91440" anchor="t" anchorCtr="0">
+            <a:normAutofit/>
+          </a:bodyPr>
+          <a:lstStyle>
+            <a:lvl1pPr marL="0" indent="0">
+              <a:buNone/>
+              <a:defRPr sz="2400" cap="all" spc="200" baseline="0">
+                <a:solidFill>
+                  <a:schemeClr val="tx2"/>
+                </a:solidFill>
+                <a:latin typeface="+mj-lt"/>
+              </a:defRPr>
+            </a:lvl1pPr>
+            <a:lvl2pPr marL="457200" indent="0">
+              <a:buNone/>
+              <a:defRPr sz="1800">
+                <a:solidFill>
+                  <a:schemeClr val="tx1">
+                    <a:tint val="75000"/>
+                  </a:schemeClr>
+                </a:solidFill>
+              </a:defRPr>
+            </a:lvl2pPr>
+            <a:lvl3pPr marL="914400" indent="0">
+              <a:buNone/>
+              <a:defRPr sz="1600">
+                <a:solidFill>
+                  <a:schemeClr val="tx1">
+                    <a:tint val="75000"/>
+                  </a:schemeClr>
+                </a:solidFill>
+              </a:defRPr>
+            </a:lvl3pPr>
+            <a:lvl4pPr marL="1371600" indent="0">
+              <a:buNone/>
+              <a:defRPr sz="1400">
+                <a:solidFill>
+                  <a:schemeClr val="tx1">
+                    <a:tint val="75000"/>
+                  </a:schemeClr>
+                </a:solidFill>
+              </a:defRPr>
+            </a:lvl4pPr>
+            <a:lvl5pPr marL="1828800" indent="0">
+              <a:buNone/>
+              <a:defRPr sz="1400">
+                <a:solidFill>
+                  <a:schemeClr val="tx1">
+                    <a:tint val="75000"/>
+                  </a:schemeClr>
+                </a:solidFill>
+              </a:defRPr>
+            </a:lvl5pPr>
+            <a:lvl6pPr marL="2286000" indent="0">
+              <a:buNone/>
+              <a:defRPr sz="1400">
+                <a:solidFill>
+                  <a:schemeClr val="tx1">
+                    <a:tint val="75000"/>
+                  </a:schemeClr>
+                </a:solidFill>
+              </a:defRPr>
+            </a:lvl6pPr>
+            <a:lvl7pPr marL="2743200" indent="0">
+              <a:buNone/>
+              <a:defRPr sz="1400">
+                <a:solidFill>
+                  <a:schemeClr val="tx1">
+                    <a:tint val="75000"/>
+                  </a:schemeClr>
+                </a:solidFill>
+              </a:defRPr>
+            </a:lvl7pPr>
+            <a:lvl8pPr marL="3200400" indent="0">
+              <a:buNone/>
+              <a:defRPr sz="1400">
+                <a:solidFill>
+                  <a:schemeClr val="tx1">
+                    <a:tint val="75000"/>
+                  </a:schemeClr>
+                </a:solidFill>
+              </a:defRPr>
+            </a:lvl8pPr>
+            <a:lvl9pPr marL="3657600" indent="0">
+              <a:buNone/>
+              <a:defRPr sz="1400">
+                <a:solidFill>
+                  <a:schemeClr val="tx1">
+                    <a:tint val="75000"/>
+                  </a:schemeClr>
+                </a:solidFill>
+              </a:defRPr>
+            </a:lvl9pPr>
+          </a:lstStyle>
+          <a:p>
+            <a:pPr lvl="0"/>
+            <a:r>
+              <a:rPr lang="it-IT"/>
+              <a:t>Fare clic per modificare gli stili del testo dello schema</a:t>
+            </a:r>
+          </a:p>
+        </p:txBody>
+      </p:sp>
+      <p:sp>
+        <p:nvSpPr>
+          <p:cNvPr id="4" name="Date Placeholder 3"/>
+          <p:cNvSpPr>
+            <a:spLocks noGrp="1"/>
+          </p:cNvSpPr>
+          <p:nvPr>
+            <p:ph type="dt" sz="half" idx="10"/>
+          </p:nvPr>
+        </p:nvSpPr>
+        <p:spPr/>
+        <p:txBody>
+          <a:bodyPr/>
+          <a:lstStyle/>
+          <a:p>
+            <a:fld id="{84A671E0-5ED3-4EC8-917B-08DC168EAD8E}" type="datetimeFigureOut">
+              <a:rPr lang="LID4096" smtClean="0"/>
+              <a:t>05/16/2023</a:t>
+            </a:fld>
+            <a:endParaRPr lang="LID4096"/>
+          </a:p>
+        </p:txBody>
+      </p:sp>
+      <p:sp>
+        <p:nvSpPr>
+          <p:cNvPr id="5" name="Footer Placeholder 4"/>
+          <p:cNvSpPr>
+            <a:spLocks noGrp="1"/>
+          </p:cNvSpPr>
+          <p:nvPr>
+            <p:ph type="ftr" sz="quarter" idx="11"/>
+          </p:nvPr>
+        </p:nvSpPr>
+        <p:spPr/>
+        <p:txBody>
+          <a:bodyPr/>
+          <a:lstStyle/>
+          <a:p>
+            <a:endParaRPr lang="LID4096"/>
+          </a:p>
+        </p:txBody>
+      </p:sp>
+      <p:sp>
+        <p:nvSpPr>
+          <p:cNvPr id="6" name="Slide Number Placeholder 5"/>
+          <p:cNvSpPr>
+            <a:spLocks noGrp="1"/>
+          </p:cNvSpPr>
+          <p:nvPr>
+            <p:ph type="sldNum" sz="quarter" idx="12"/>
+          </p:nvPr>
+        </p:nvSpPr>
+        <p:spPr/>
+        <p:txBody>
+          <a:bodyPr/>
+          <a:lstStyle/>
+          <a:p>
+            <a:fld id="{59A90E3F-A41A-4575-B290-5B5A03E5E741}" type="slidenum">
+              <a:rPr lang="LID4096" smtClean="0"/>
+              <a:t>‹N›</a:t>
+            </a:fld>
+            <a:endParaRPr lang="LID4096"/>
+          </a:p>
+        </p:txBody>
+      </p:sp>
+      <p:cxnSp>
+        <p:nvCxnSpPr>
+          <p:cNvPr id="9" name="Straight Connector 8"/>
+          <p:cNvCxnSpPr/>
+          <p:nvPr/>
+        </p:nvCxnSpPr>
+        <p:spPr>
+          <a:xfrm>
+            <a:off x="1207658" y="4343400"/>
+            <a:ext cx="9875520" cy="0"/>
+          </a:xfrm>
+          <a:prstGeom prst="line">
+            <a:avLst/>
+          </a:prstGeom>
+          <a:ln w="6350">
+            <a:solidFill>
+              <a:schemeClr val="tx1">
+                <a:lumMod val="50000"/>
+                <a:lumOff val="50000"/>
+              </a:schemeClr>
+            </a:solidFill>
+          </a:ln>
+        </p:spPr>
+        <p:style>
+          <a:lnRef idx="1">
+            <a:schemeClr val="accent1"/>
+          </a:lnRef>
+          <a:fillRef idx="0">
+            <a:schemeClr val="accent1"/>
+          </a:fillRef>
+          <a:effectRef idx="0">
+            <a:schemeClr val="accent1"/>
+          </a:effectRef>
+          <a:fontRef idx="minor">
+            <a:schemeClr val="tx1"/>
+          </a:fontRef>
+        </p:style>
+      </p:cxnSp>
+    </p:spTree>
+    <p:extLst>
+      <p:ext uri="{BB962C8B-B14F-4D97-AF65-F5344CB8AC3E}">
+        <p14:creationId xmlns:p14="http://schemas.microsoft.com/office/powerpoint/2010/main" val="56386960"/>
+      </p:ext>
+    </p:extLst>
+  </p:cSld>
+  <p:clrMapOvr>
+    <a:masterClrMapping/>
+  </p:clrMapOvr>
+</p:sldLayout>
+</file>
+
+<file path=ppt/slideLayouts/slideLayout15.xml><?xml version="1.0" encoding="utf-8"?>
+<p:sldLayout xmlns:a="http://schemas.openxmlformats.org/drawingml/2006/main" xmlns:r="http://schemas.openxmlformats.org/officeDocument/2006/relationships" xmlns:p="http://schemas.openxmlformats.org/presentationml/2006/main" type="twoObj" preserve="1">
+  <p:cSld name="Due contenuti">
+    <p:spTree>
+      <p:nvGrpSpPr>
+        <p:cNvPr id="1" name=""/>
+        <p:cNvGrpSpPr/>
+        <p:nvPr/>
+      </p:nvGrpSpPr>
+      <p:grpSpPr>
+        <a:xfrm>
+          <a:off x="0" y="0"/>
+          <a:ext cx="0" cy="0"/>
+          <a:chOff x="0" y="0"/>
+          <a:chExt cx="0" cy="0"/>
+        </a:xfrm>
+      </p:grpSpPr>
+      <p:sp>
+        <p:nvSpPr>
+          <p:cNvPr id="8" name="Title 7"/>
+          <p:cNvSpPr>
+            <a:spLocks noGrp="1"/>
+          </p:cNvSpPr>
+          <p:nvPr>
+            <p:ph type="title"/>
+          </p:nvPr>
+        </p:nvSpPr>
+        <p:spPr>
+          <a:xfrm>
+            <a:off x="1097280" y="286603"/>
+            <a:ext cx="10058400" cy="1450757"/>
+          </a:xfrm>
+        </p:spPr>
+        <p:txBody>
+          <a:bodyPr/>
+          <a:lstStyle/>
+          <a:p>
+            <a:r>
+              <a:rPr lang="it-IT"/>
+              <a:t>Fare clic per modificare lo stile del titolo dello schema</a:t>
+            </a:r>
+            <a:endParaRPr lang="en-US" dirty="0"/>
+          </a:p>
+        </p:txBody>
+      </p:sp>
+      <p:sp>
+        <p:nvSpPr>
+          <p:cNvPr id="3" name="Content Placeholder 2"/>
+          <p:cNvSpPr>
+            <a:spLocks noGrp="1"/>
+          </p:cNvSpPr>
+          <p:nvPr>
+            <p:ph sz="half" idx="1"/>
+          </p:nvPr>
+        </p:nvSpPr>
+        <p:spPr>
+          <a:xfrm>
+            <a:off x="1097279" y="1845734"/>
+            <a:ext cx="4937760" cy="4023360"/>
+          </a:xfrm>
+        </p:spPr>
+        <p:txBody>
+          <a:bodyPr/>
+          <a:lstStyle/>
+          <a:p>
+            <a:pPr lvl="0"/>
+            <a:r>
+              <a:rPr lang="it-IT"/>
+              <a:t>Fare clic per modificare gli stili del testo dello schema</a:t>
+            </a:r>
+          </a:p>
+          <a:p>
+            <a:pPr lvl="1"/>
+            <a:r>
+              <a:rPr lang="it-IT"/>
+              <a:t>Secondo livello</a:t>
+            </a:r>
+          </a:p>
+          <a:p>
+            <a:pPr lvl="2"/>
+            <a:r>
+              <a:rPr lang="it-IT"/>
+              <a:t>Terzo livello</a:t>
+            </a:r>
+          </a:p>
+          <a:p>
+            <a:pPr lvl="3"/>
+            <a:r>
+              <a:rPr lang="it-IT"/>
+              <a:t>Quarto livello</a:t>
+            </a:r>
+          </a:p>
+          <a:p>
+            <a:pPr lvl="4"/>
+            <a:r>
+              <a:rPr lang="it-IT"/>
+              <a:t>Quinto livello</a:t>
+            </a:r>
+            <a:endParaRPr lang="en-US" dirty="0"/>
+          </a:p>
+        </p:txBody>
+      </p:sp>
+      <p:sp>
+        <p:nvSpPr>
+          <p:cNvPr id="4" name="Content Placeholder 3"/>
+          <p:cNvSpPr>
+            <a:spLocks noGrp="1"/>
+          </p:cNvSpPr>
+          <p:nvPr>
+            <p:ph sz="half" idx="2"/>
+          </p:nvPr>
+        </p:nvSpPr>
+        <p:spPr>
+          <a:xfrm>
+            <a:off x="6217920" y="1845735"/>
+            <a:ext cx="4937760" cy="4023360"/>
+          </a:xfrm>
+        </p:spPr>
+        <p:txBody>
+          <a:bodyPr/>
+          <a:lstStyle/>
+          <a:p>
+            <a:pPr lvl="0"/>
+            <a:r>
+              <a:rPr lang="it-IT"/>
+              <a:t>Fare clic per modificare gli stili del testo dello schema</a:t>
+            </a:r>
+          </a:p>
+          <a:p>
+            <a:pPr lvl="1"/>
+            <a:r>
+              <a:rPr lang="it-IT"/>
+              <a:t>Secondo livello</a:t>
+            </a:r>
+          </a:p>
+          <a:p>
+            <a:pPr lvl="2"/>
+            <a:r>
+              <a:rPr lang="it-IT"/>
+              <a:t>Terzo livello</a:t>
+            </a:r>
+          </a:p>
+          <a:p>
+            <a:pPr lvl="3"/>
+            <a:r>
+              <a:rPr lang="it-IT"/>
+              <a:t>Quarto livello</a:t>
+            </a:r>
+          </a:p>
+          <a:p>
+            <a:pPr lvl="4"/>
+            <a:r>
+              <a:rPr lang="it-IT"/>
+              <a:t>Quinto livello</a:t>
+            </a:r>
+            <a:endParaRPr lang="en-US" dirty="0"/>
+          </a:p>
+        </p:txBody>
+      </p:sp>
+      <p:sp>
+        <p:nvSpPr>
+          <p:cNvPr id="5" name="Date Placeholder 4"/>
+          <p:cNvSpPr>
+            <a:spLocks noGrp="1"/>
+          </p:cNvSpPr>
+          <p:nvPr>
+            <p:ph type="dt" sz="half" idx="10"/>
+          </p:nvPr>
+        </p:nvSpPr>
+        <p:spPr/>
+        <p:txBody>
+          <a:bodyPr/>
+          <a:lstStyle/>
+          <a:p>
+            <a:fld id="{84A671E0-5ED3-4EC8-917B-08DC168EAD8E}" type="datetimeFigureOut">
+              <a:rPr lang="LID4096" smtClean="0"/>
+              <a:t>05/16/2023</a:t>
+            </a:fld>
+            <a:endParaRPr lang="LID4096"/>
+          </a:p>
+        </p:txBody>
+      </p:sp>
+      <p:sp>
+        <p:nvSpPr>
+          <p:cNvPr id="6" name="Footer Placeholder 5"/>
+          <p:cNvSpPr>
+            <a:spLocks noGrp="1"/>
+          </p:cNvSpPr>
+          <p:nvPr>
+            <p:ph type="ftr" sz="quarter" idx="11"/>
+          </p:nvPr>
+        </p:nvSpPr>
+        <p:spPr/>
+        <p:txBody>
+          <a:bodyPr/>
+          <a:lstStyle/>
+          <a:p>
+            <a:endParaRPr lang="LID4096"/>
+          </a:p>
+        </p:txBody>
+      </p:sp>
+      <p:sp>
+        <p:nvSpPr>
+          <p:cNvPr id="7" name="Slide Number Placeholder 6"/>
+          <p:cNvSpPr>
+            <a:spLocks noGrp="1"/>
+          </p:cNvSpPr>
+          <p:nvPr>
+            <p:ph type="sldNum" sz="quarter" idx="12"/>
+          </p:nvPr>
+        </p:nvSpPr>
+        <p:spPr/>
+        <p:txBody>
+          <a:bodyPr/>
+          <a:lstStyle/>
+          <a:p>
+            <a:fld id="{59A90E3F-A41A-4575-B290-5B5A03E5E741}" type="slidenum">
+              <a:rPr lang="LID4096" smtClean="0"/>
+              <a:t>‹N›</a:t>
+            </a:fld>
+            <a:endParaRPr lang="LID4096"/>
+          </a:p>
+        </p:txBody>
+      </p:sp>
+    </p:spTree>
+    <p:extLst>
+      <p:ext uri="{BB962C8B-B14F-4D97-AF65-F5344CB8AC3E}">
+        <p14:creationId xmlns:p14="http://schemas.microsoft.com/office/powerpoint/2010/main" val="2922699852"/>
+      </p:ext>
+    </p:extLst>
+  </p:cSld>
+  <p:clrMapOvr>
+    <a:masterClrMapping/>
+  </p:clrMapOvr>
+</p:sldLayout>
+</file>
+
+<file path=ppt/slideLayouts/slideLayout16.xml><?xml version="1.0" encoding="utf-8"?>
+<p:sldLayout xmlns:a="http://schemas.openxmlformats.org/drawingml/2006/main" xmlns:r="http://schemas.openxmlformats.org/officeDocument/2006/relationships" xmlns:p="http://schemas.openxmlformats.org/presentationml/2006/main" type="twoTxTwoObj" preserve="1">
+  <p:cSld name="Confronto">
+    <p:spTree>
+      <p:nvGrpSpPr>
+        <p:cNvPr id="1" name=""/>
+        <p:cNvGrpSpPr/>
+        <p:nvPr/>
+      </p:nvGrpSpPr>
+      <p:grpSpPr>
+        <a:xfrm>
+          <a:off x="0" y="0"/>
+          <a:ext cx="0" cy="0"/>
+          <a:chOff x="0" y="0"/>
+          <a:chExt cx="0" cy="0"/>
+        </a:xfrm>
+      </p:grpSpPr>
+      <p:sp>
+        <p:nvSpPr>
+          <p:cNvPr id="10" name="Title 9"/>
+          <p:cNvSpPr>
+            <a:spLocks noGrp="1"/>
+          </p:cNvSpPr>
+          <p:nvPr>
+            <p:ph type="title"/>
+          </p:nvPr>
+        </p:nvSpPr>
+        <p:spPr>
+          <a:xfrm>
+            <a:off x="1097280" y="286603"/>
+            <a:ext cx="10058400" cy="1450757"/>
+          </a:xfrm>
+        </p:spPr>
+        <p:txBody>
+          <a:bodyPr/>
+          <a:lstStyle/>
+          <a:p>
+            <a:r>
+              <a:rPr lang="it-IT"/>
+              <a:t>Fare clic per modificare lo stile del titolo dello schema</a:t>
+            </a:r>
+            <a:endParaRPr lang="en-US" dirty="0"/>
+          </a:p>
+        </p:txBody>
+      </p:sp>
+      <p:sp>
+        <p:nvSpPr>
+          <p:cNvPr id="3" name="Text Placeholder 2"/>
+          <p:cNvSpPr>
+            <a:spLocks noGrp="1"/>
+          </p:cNvSpPr>
+          <p:nvPr>
+            <p:ph type="body" idx="1"/>
+          </p:nvPr>
+        </p:nvSpPr>
+        <p:spPr>
+          <a:xfrm>
+            <a:off x="1097280" y="1846052"/>
+            <a:ext cx="4937760" cy="736282"/>
+          </a:xfrm>
+        </p:spPr>
+        <p:txBody>
+          <a:bodyPr lIns="91440" rIns="91440" anchor="ctr">
+            <a:normAutofit/>
+          </a:bodyPr>
+          <a:lstStyle>
+            <a:lvl1pPr marL="0" indent="0">
+              <a:buNone/>
+              <a:defRPr sz="2000" b="0" cap="all" baseline="0">
+                <a:solidFill>
+                  <a:schemeClr val="tx2"/>
+                </a:solidFill>
+              </a:defRPr>
+            </a:lvl1pPr>
+            <a:lvl2pPr marL="457200" indent="0">
+              <a:buNone/>
+              <a:defRPr sz="2000" b="1"/>
+            </a:lvl2pPr>
+            <a:lvl3pPr marL="914400" indent="0">
+              <a:buNone/>
+              <a:defRPr sz="1800" b="1"/>
+            </a:lvl3pPr>
+            <a:lvl4pPr marL="1371600" indent="0">
+              <a:buNone/>
+              <a:defRPr sz="1600" b="1"/>
+            </a:lvl4pPr>
+            <a:lvl5pPr marL="1828800" indent="0">
+              <a:buNone/>
+              <a:defRPr sz="1600" b="1"/>
+            </a:lvl5pPr>
+            <a:lvl6pPr marL="2286000" indent="0">
+              <a:buNone/>
+              <a:defRPr sz="1600" b="1"/>
+            </a:lvl6pPr>
+            <a:lvl7pPr marL="2743200" indent="0">
+              <a:buNone/>
+              <a:defRPr sz="1600" b="1"/>
+            </a:lvl7pPr>
+            <a:lvl8pPr marL="3200400" indent="0">
+              <a:buNone/>
+              <a:defRPr sz="1600" b="1"/>
+            </a:lvl8pPr>
+            <a:lvl9pPr marL="3657600" indent="0">
+              <a:buNone/>
+              <a:defRPr sz="1600" b="1"/>
+            </a:lvl9pPr>
+          </a:lstStyle>
+          <a:p>
+            <a:pPr lvl="0"/>
+            <a:r>
+              <a:rPr lang="it-IT"/>
+              <a:t>Fare clic per modificare gli stili del testo dello schema</a:t>
+            </a:r>
+          </a:p>
+        </p:txBody>
+      </p:sp>
+      <p:sp>
+        <p:nvSpPr>
+          <p:cNvPr id="4" name="Content Placeholder 3"/>
+          <p:cNvSpPr>
+            <a:spLocks noGrp="1"/>
+          </p:cNvSpPr>
+          <p:nvPr>
+            <p:ph sz="half" idx="2"/>
+          </p:nvPr>
+        </p:nvSpPr>
+        <p:spPr>
+          <a:xfrm>
+            <a:off x="1097280" y="2582334"/>
+            <a:ext cx="4937760" cy="3378200"/>
+          </a:xfrm>
+        </p:spPr>
+        <p:txBody>
+          <a:bodyPr/>
+          <a:lstStyle/>
+          <a:p>
+            <a:pPr lvl="0"/>
+            <a:r>
+              <a:rPr lang="it-IT"/>
+              <a:t>Fare clic per modificare gli stili del testo dello schema</a:t>
+            </a:r>
+          </a:p>
+          <a:p>
+            <a:pPr lvl="1"/>
+            <a:r>
+              <a:rPr lang="it-IT"/>
+              <a:t>Secondo livello</a:t>
+            </a:r>
+          </a:p>
+          <a:p>
+            <a:pPr lvl="2"/>
+            <a:r>
+              <a:rPr lang="it-IT"/>
+              <a:t>Terzo livello</a:t>
+            </a:r>
+          </a:p>
+          <a:p>
+            <a:pPr lvl="3"/>
+            <a:r>
+              <a:rPr lang="it-IT"/>
+              <a:t>Quarto livello</a:t>
+            </a:r>
+          </a:p>
+          <a:p>
+            <a:pPr lvl="4"/>
+            <a:r>
+              <a:rPr lang="it-IT"/>
+              <a:t>Quinto livello</a:t>
+            </a:r>
+            <a:endParaRPr lang="en-US" dirty="0"/>
+          </a:p>
+        </p:txBody>
+      </p:sp>
+      <p:sp>
+        <p:nvSpPr>
+          <p:cNvPr id="5" name="Text Placeholder 4"/>
+          <p:cNvSpPr>
+            <a:spLocks noGrp="1"/>
+          </p:cNvSpPr>
+          <p:nvPr>
+            <p:ph type="body" sz="quarter" idx="3"/>
+          </p:nvPr>
+        </p:nvSpPr>
+        <p:spPr>
+          <a:xfrm>
+            <a:off x="6217920" y="1846052"/>
+            <a:ext cx="4937760" cy="736282"/>
+          </a:xfrm>
+        </p:spPr>
+        <p:txBody>
+          <a:bodyPr lIns="91440" rIns="91440" anchor="ctr">
+            <a:normAutofit/>
+          </a:bodyPr>
+          <a:lstStyle>
+            <a:lvl1pPr marL="0" indent="0">
+              <a:buNone/>
+              <a:defRPr sz="2000" b="0" cap="all" baseline="0">
+                <a:solidFill>
+                  <a:schemeClr val="tx2"/>
+                </a:solidFill>
+              </a:defRPr>
+            </a:lvl1pPr>
+            <a:lvl2pPr marL="457200" indent="0">
+              <a:buNone/>
+              <a:defRPr sz="2000" b="1"/>
+            </a:lvl2pPr>
+            <a:lvl3pPr marL="914400" indent="0">
+              <a:buNone/>
+              <a:defRPr sz="1800" b="1"/>
+            </a:lvl3pPr>
+            <a:lvl4pPr marL="1371600" indent="0">
+              <a:buNone/>
+              <a:defRPr sz="1600" b="1"/>
+            </a:lvl4pPr>
+            <a:lvl5pPr marL="1828800" indent="0">
+              <a:buNone/>
+              <a:defRPr sz="1600" b="1"/>
+            </a:lvl5pPr>
+            <a:lvl6pPr marL="2286000" indent="0">
+              <a:buNone/>
+              <a:defRPr sz="1600" b="1"/>
+            </a:lvl6pPr>
+            <a:lvl7pPr marL="2743200" indent="0">
+              <a:buNone/>
+              <a:defRPr sz="1600" b="1"/>
+            </a:lvl7pPr>
+            <a:lvl8pPr marL="3200400" indent="0">
+              <a:buNone/>
+              <a:defRPr sz="1600" b="1"/>
+            </a:lvl8pPr>
+            <a:lvl9pPr marL="3657600" indent="0">
+              <a:buNone/>
+              <a:defRPr sz="1600" b="1"/>
+            </a:lvl9pPr>
+          </a:lstStyle>
+          <a:p>
+            <a:pPr lvl="0"/>
+            <a:r>
+              <a:rPr lang="it-IT"/>
+              <a:t>Fare clic per modificare gli stili del testo dello schema</a:t>
+            </a:r>
+          </a:p>
+        </p:txBody>
+      </p:sp>
+      <p:sp>
+        <p:nvSpPr>
+          <p:cNvPr id="6" name="Content Placeholder 5"/>
+          <p:cNvSpPr>
+            <a:spLocks noGrp="1"/>
+          </p:cNvSpPr>
+          <p:nvPr>
+            <p:ph sz="quarter" idx="4"/>
+          </p:nvPr>
+        </p:nvSpPr>
+        <p:spPr>
+          <a:xfrm>
+            <a:off x="6217920" y="2582334"/>
+            <a:ext cx="4937760" cy="3378200"/>
+          </a:xfrm>
+        </p:spPr>
+        <p:txBody>
+          <a:bodyPr/>
+          <a:lstStyle/>
+          <a:p>
+            <a:pPr lvl="0"/>
+            <a:r>
+              <a:rPr lang="it-IT"/>
+              <a:t>Fare clic per modificare gli stili del testo dello schema</a:t>
+            </a:r>
+          </a:p>
+          <a:p>
+            <a:pPr lvl="1"/>
+            <a:r>
+              <a:rPr lang="it-IT"/>
+              <a:t>Secondo livello</a:t>
+            </a:r>
+          </a:p>
+          <a:p>
+            <a:pPr lvl="2"/>
+            <a:r>
+              <a:rPr lang="it-IT"/>
+              <a:t>Terzo livello</a:t>
+            </a:r>
+          </a:p>
+          <a:p>
+            <a:pPr lvl="3"/>
+            <a:r>
+              <a:rPr lang="it-IT"/>
+              <a:t>Quarto livello</a:t>
+            </a:r>
+          </a:p>
+          <a:p>
+            <a:pPr lvl="4"/>
+            <a:r>
+              <a:rPr lang="it-IT"/>
+              <a:t>Quinto livello</a:t>
+            </a:r>
+            <a:endParaRPr lang="en-US" dirty="0"/>
+          </a:p>
+        </p:txBody>
+      </p:sp>
+      <p:sp>
+        <p:nvSpPr>
+          <p:cNvPr id="7" name="Date Placeholder 6"/>
+          <p:cNvSpPr>
+            <a:spLocks noGrp="1"/>
+          </p:cNvSpPr>
+          <p:nvPr>
+            <p:ph type="dt" sz="half" idx="10"/>
+          </p:nvPr>
+        </p:nvSpPr>
+        <p:spPr/>
+        <p:txBody>
+          <a:bodyPr/>
+          <a:lstStyle/>
+          <a:p>
+            <a:fld id="{84A671E0-5ED3-4EC8-917B-08DC168EAD8E}" type="datetimeFigureOut">
+              <a:rPr lang="LID4096" smtClean="0"/>
+              <a:t>05/16/2023</a:t>
+            </a:fld>
+            <a:endParaRPr lang="LID4096"/>
+          </a:p>
+        </p:txBody>
+      </p:sp>
+      <p:sp>
+        <p:nvSpPr>
+          <p:cNvPr id="8" name="Footer Placeholder 7"/>
+          <p:cNvSpPr>
+            <a:spLocks noGrp="1"/>
+          </p:cNvSpPr>
+          <p:nvPr>
+            <p:ph type="ftr" sz="quarter" idx="11"/>
+          </p:nvPr>
+        </p:nvSpPr>
+        <p:spPr/>
+        <p:txBody>
+          <a:bodyPr/>
+          <a:lstStyle/>
+          <a:p>
+            <a:endParaRPr lang="LID4096"/>
+          </a:p>
+        </p:txBody>
+      </p:sp>
+      <p:sp>
+        <p:nvSpPr>
+          <p:cNvPr id="9" name="Slide Number Placeholder 8"/>
+          <p:cNvSpPr>
+            <a:spLocks noGrp="1"/>
+          </p:cNvSpPr>
+          <p:nvPr>
+            <p:ph type="sldNum" sz="quarter" idx="12"/>
+          </p:nvPr>
+        </p:nvSpPr>
+        <p:spPr/>
+        <p:txBody>
+          <a:bodyPr/>
+          <a:lstStyle/>
+          <a:p>
+            <a:fld id="{59A90E3F-A41A-4575-B290-5B5A03E5E741}" type="slidenum">
+              <a:rPr lang="LID4096" smtClean="0"/>
+              <a:t>‹N›</a:t>
+            </a:fld>
+            <a:endParaRPr lang="LID4096"/>
+          </a:p>
+        </p:txBody>
+      </p:sp>
+    </p:spTree>
+    <p:extLst>
+      <p:ext uri="{BB962C8B-B14F-4D97-AF65-F5344CB8AC3E}">
+        <p14:creationId xmlns:p14="http://schemas.microsoft.com/office/powerpoint/2010/main" val="1983086709"/>
+      </p:ext>
+    </p:extLst>
+  </p:cSld>
+  <p:clrMapOvr>
+    <a:masterClrMapping/>
+  </p:clrMapOvr>
+</p:sldLayout>
+</file>
+
+<file path=ppt/slideLayouts/slideLayout17.xml><?xml version="1.0" encoding="utf-8"?>
+<p:sldLayout xmlns:a="http://schemas.openxmlformats.org/drawingml/2006/main" xmlns:r="http://schemas.openxmlformats.org/officeDocument/2006/relationships" xmlns:p="http://schemas.openxmlformats.org/presentationml/2006/main" type="titleOnly" preserve="1">
+  <p:cSld name="Solo titolo">
+    <p:spTree>
+      <p:nvGrpSpPr>
+        <p:cNvPr id="1" name=""/>
+        <p:cNvGrpSpPr/>
+        <p:nvPr/>
+      </p:nvGrpSpPr>
+      <p:grpSpPr>
+        <a:xfrm>
+          <a:off x="0" y="0"/>
+          <a:ext cx="0" cy="0"/>
+          <a:chOff x="0" y="0"/>
+          <a:chExt cx="0" cy="0"/>
+        </a:xfrm>
+      </p:grpSpPr>
+      <p:sp>
+        <p:nvSpPr>
+          <p:cNvPr id="2" name="Title 1"/>
+          <p:cNvSpPr>
+            <a:spLocks noGrp="1"/>
+          </p:cNvSpPr>
+          <p:nvPr>
+            <p:ph type="title"/>
+          </p:nvPr>
+        </p:nvSpPr>
+        <p:spPr/>
+        <p:txBody>
+          <a:bodyPr/>
+          <a:lstStyle/>
+          <a:p>
+            <a:r>
+              <a:rPr lang="it-IT"/>
+              <a:t>Fare clic per modificare lo stile del titolo dello schema</a:t>
+            </a:r>
+            <a:endParaRPr lang="en-US" dirty="0"/>
+          </a:p>
+        </p:txBody>
+      </p:sp>
+      <p:sp>
+        <p:nvSpPr>
+          <p:cNvPr id="3" name="Date Placeholder 2"/>
+          <p:cNvSpPr>
+            <a:spLocks noGrp="1"/>
+          </p:cNvSpPr>
+          <p:nvPr>
+            <p:ph type="dt" sz="half" idx="10"/>
+          </p:nvPr>
+        </p:nvSpPr>
+        <p:spPr/>
+        <p:txBody>
+          <a:bodyPr/>
+          <a:lstStyle/>
+          <a:p>
+            <a:fld id="{84A671E0-5ED3-4EC8-917B-08DC168EAD8E}" type="datetimeFigureOut">
+              <a:rPr lang="LID4096" smtClean="0"/>
+              <a:t>05/16/2023</a:t>
+            </a:fld>
+            <a:endParaRPr lang="LID4096"/>
+          </a:p>
+        </p:txBody>
+      </p:sp>
+      <p:sp>
+        <p:nvSpPr>
+          <p:cNvPr id="4" name="Footer Placeholder 3"/>
+          <p:cNvSpPr>
+            <a:spLocks noGrp="1"/>
+          </p:cNvSpPr>
+          <p:nvPr>
+            <p:ph type="ftr" sz="quarter" idx="11"/>
+          </p:nvPr>
+        </p:nvSpPr>
+        <p:spPr/>
+        <p:txBody>
+          <a:bodyPr/>
+          <a:lstStyle/>
+          <a:p>
+            <a:endParaRPr lang="LID4096"/>
+          </a:p>
+        </p:txBody>
+      </p:sp>
+      <p:sp>
+        <p:nvSpPr>
+          <p:cNvPr id="5" name="Slide Number Placeholder 4"/>
+          <p:cNvSpPr>
+            <a:spLocks noGrp="1"/>
+          </p:cNvSpPr>
+          <p:nvPr>
+            <p:ph type="sldNum" sz="quarter" idx="12"/>
+          </p:nvPr>
+        </p:nvSpPr>
+        <p:spPr/>
+        <p:txBody>
+          <a:bodyPr/>
+          <a:lstStyle/>
+          <a:p>
+            <a:fld id="{59A90E3F-A41A-4575-B290-5B5A03E5E741}" type="slidenum">
+              <a:rPr lang="LID4096" smtClean="0"/>
+              <a:t>‹N›</a:t>
+            </a:fld>
+            <a:endParaRPr lang="LID4096"/>
+          </a:p>
+        </p:txBody>
+      </p:sp>
+    </p:spTree>
+    <p:extLst>
+      <p:ext uri="{BB962C8B-B14F-4D97-AF65-F5344CB8AC3E}">
+        <p14:creationId xmlns:p14="http://schemas.microsoft.com/office/powerpoint/2010/main" val="2191917280"/>
+      </p:ext>
+    </p:extLst>
+  </p:cSld>
+  <p:clrMapOvr>
+    <a:masterClrMapping/>
+  </p:clrMapOvr>
+</p:sldLayout>
+</file>
+
+<file path=ppt/slideLayouts/slideLayout18.xml><?xml version="1.0" encoding="utf-8"?>
+<p:sldLayout xmlns:a="http://schemas.openxmlformats.org/drawingml/2006/main" xmlns:r="http://schemas.openxmlformats.org/officeDocument/2006/relationships" xmlns:p="http://schemas.openxmlformats.org/presentationml/2006/main" showMasterSp="0" type="blank" preserve="1">
+  <p:cSld name="Vuota">
+    <p:spTree>
+      <p:nvGrpSpPr>
+        <p:cNvPr id="1" name=""/>
+        <p:cNvGrpSpPr/>
+        <p:nvPr/>
+      </p:nvGrpSpPr>
+      <p:grpSpPr>
+        <a:xfrm>
+          <a:off x="0" y="0"/>
+          <a:ext cx="0" cy="0"/>
+          <a:chOff x="0" y="0"/>
+          <a:chExt cx="0" cy="0"/>
+        </a:xfrm>
+      </p:grpSpPr>
+      <p:sp>
+        <p:nvSpPr>
+          <p:cNvPr id="5" name="Rectangle 4"/>
+          <p:cNvSpPr/>
+          <p:nvPr/>
+        </p:nvSpPr>
+        <p:spPr>
+          <a:xfrm>
+            <a:off x="3175" y="6400800"/>
+            <a:ext cx="12188825" cy="457200"/>
+          </a:xfrm>
+          <a:prstGeom prst="rect">
+            <a:avLst/>
+          </a:prstGeom>
+          <a:solidFill>
+            <a:schemeClr val="accent2"/>
+          </a:solidFill>
+          <a:ln>
+            <a:noFill/>
+          </a:ln>
+        </p:spPr>
+        <p:style>
+          <a:lnRef idx="2">
+            <a:schemeClr val="accent1">
+              <a:shade val="50000"/>
+            </a:schemeClr>
+          </a:lnRef>
+          <a:fillRef idx="1">
+            <a:schemeClr val="accent1"/>
+          </a:fillRef>
+          <a:effectRef idx="0">
+            <a:schemeClr val="accent1"/>
+          </a:effectRef>
+          <a:fontRef idx="minor">
+            <a:schemeClr val="lt1"/>
+          </a:fontRef>
+        </p:style>
+      </p:sp>
+      <p:sp>
+        <p:nvSpPr>
+          <p:cNvPr id="6" name="Rectangle 5"/>
+          <p:cNvSpPr/>
+          <p:nvPr/>
+        </p:nvSpPr>
+        <p:spPr>
+          <a:xfrm>
+            <a:off x="15" y="6334316"/>
+            <a:ext cx="12188825" cy="64008"/>
+          </a:xfrm>
+          <a:prstGeom prst="rect">
+            <a:avLst/>
+          </a:prstGeom>
+          <a:solidFill>
+            <a:schemeClr val="accent1"/>
+          </a:solidFill>
+          <a:ln>
+            <a:noFill/>
+          </a:ln>
+        </p:spPr>
+        <p:style>
+          <a:lnRef idx="2">
+            <a:schemeClr val="accent1">
+              <a:shade val="50000"/>
+            </a:schemeClr>
+          </a:lnRef>
+          <a:fillRef idx="1">
+            <a:schemeClr val="accent1"/>
+          </a:fillRef>
+          <a:effectRef idx="0">
+            <a:schemeClr val="accent1"/>
+          </a:effectRef>
+          <a:fontRef idx="minor">
+            <a:schemeClr val="lt1"/>
+          </a:fontRef>
+        </p:style>
+      </p:sp>
+      <p:sp>
+        <p:nvSpPr>
+          <p:cNvPr id="7" name="Date Placeholder 6"/>
+          <p:cNvSpPr>
+            <a:spLocks noGrp="1"/>
+          </p:cNvSpPr>
+          <p:nvPr>
+            <p:ph type="dt" sz="half" idx="10"/>
+          </p:nvPr>
+        </p:nvSpPr>
+        <p:spPr/>
+        <p:txBody>
+          <a:bodyPr/>
+          <a:lstStyle/>
+          <a:p>
+            <a:fld id="{84A671E0-5ED3-4EC8-917B-08DC168EAD8E}" type="datetimeFigureOut">
+              <a:rPr lang="LID4096" smtClean="0"/>
+              <a:t>05/16/2023</a:t>
+            </a:fld>
+            <a:endParaRPr lang="LID4096"/>
+          </a:p>
+        </p:txBody>
+      </p:sp>
+      <p:sp>
+        <p:nvSpPr>
+          <p:cNvPr id="8" name="Footer Placeholder 7"/>
+          <p:cNvSpPr>
+            <a:spLocks noGrp="1"/>
+          </p:cNvSpPr>
+          <p:nvPr>
+            <p:ph type="ftr" sz="quarter" idx="11"/>
+          </p:nvPr>
+        </p:nvSpPr>
+        <p:spPr/>
+        <p:txBody>
+          <a:bodyPr/>
+          <a:lstStyle>
+            <a:lvl1pPr>
+              <a:defRPr>
+                <a:solidFill>
+                  <a:srgbClr val="FFFFFF"/>
+                </a:solidFill>
+              </a:defRPr>
+            </a:lvl1pPr>
+          </a:lstStyle>
+          <a:p>
+            <a:endParaRPr lang="LID4096"/>
+          </a:p>
+        </p:txBody>
+      </p:sp>
+      <p:sp>
+        <p:nvSpPr>
+          <p:cNvPr id="9" name="Slide Number Placeholder 8"/>
+          <p:cNvSpPr>
+            <a:spLocks noGrp="1"/>
+          </p:cNvSpPr>
+          <p:nvPr>
+            <p:ph type="sldNum" sz="quarter" idx="12"/>
+          </p:nvPr>
+        </p:nvSpPr>
+        <p:spPr/>
+        <p:txBody>
+          <a:bodyPr/>
+          <a:lstStyle/>
+          <a:p>
+            <a:fld id="{59A90E3F-A41A-4575-B290-5B5A03E5E741}" type="slidenum">
+              <a:rPr lang="LID4096" smtClean="0"/>
+              <a:t>‹N›</a:t>
+            </a:fld>
+            <a:endParaRPr lang="LID4096"/>
+          </a:p>
+        </p:txBody>
+      </p:sp>
+    </p:spTree>
+    <p:extLst>
+      <p:ext uri="{BB962C8B-B14F-4D97-AF65-F5344CB8AC3E}">
+        <p14:creationId xmlns:p14="http://schemas.microsoft.com/office/powerpoint/2010/main" val="1586709689"/>
+      </p:ext>
+    </p:extLst>
+  </p:cSld>
+  <p:clrMapOvr>
+    <a:masterClrMapping/>
+  </p:clrMapOvr>
+</p:sldLayout>
+</file>
+
+<file path=ppt/slideLayouts/slideLayout19.xml><?xml version="1.0" encoding="utf-8"?>
+<p:sldLayout xmlns:a="http://schemas.openxmlformats.org/drawingml/2006/main" xmlns:r="http://schemas.openxmlformats.org/officeDocument/2006/relationships" xmlns:p="http://schemas.openxmlformats.org/presentationml/2006/main" showMasterSp="0" type="objTx" preserve="1">
+  <p:cSld name="Contenuto con didascalia">
+    <p:spTree>
+      <p:nvGrpSpPr>
+        <p:cNvPr id="1" name=""/>
+        <p:cNvGrpSpPr/>
+        <p:nvPr/>
+      </p:nvGrpSpPr>
+      <p:grpSpPr>
+        <a:xfrm>
+          <a:off x="0" y="0"/>
+          <a:ext cx="0" cy="0"/>
+          <a:chOff x="0" y="0"/>
+          <a:chExt cx="0" cy="0"/>
+        </a:xfrm>
+      </p:grpSpPr>
+      <p:sp>
+        <p:nvSpPr>
+          <p:cNvPr id="8" name="Rectangle 7"/>
+          <p:cNvSpPr/>
+          <p:nvPr/>
+        </p:nvSpPr>
+        <p:spPr>
+          <a:xfrm>
+            <a:off x="16" y="0"/>
+            <a:ext cx="4050791" cy="6858000"/>
+          </a:xfrm>
+          <a:prstGeom prst="rect">
+            <a:avLst/>
+          </a:prstGeom>
+          <a:solidFill>
+            <a:schemeClr val="accent2"/>
+          </a:solidFill>
+          <a:ln>
+            <a:noFill/>
+          </a:ln>
+        </p:spPr>
+        <p:style>
+          <a:lnRef idx="2">
+            <a:schemeClr val="accent1">
+              <a:shade val="50000"/>
+            </a:schemeClr>
+          </a:lnRef>
+          <a:fillRef idx="1">
+            <a:schemeClr val="accent1"/>
+          </a:fillRef>
+          <a:effectRef idx="0">
+            <a:schemeClr val="accent1"/>
+          </a:effectRef>
+          <a:fontRef idx="minor">
+            <a:schemeClr val="lt1"/>
+          </a:fontRef>
+        </p:style>
+      </p:sp>
+      <p:sp>
+        <p:nvSpPr>
+          <p:cNvPr id="9" name="Rectangle 8"/>
+          <p:cNvSpPr/>
+          <p:nvPr/>
+        </p:nvSpPr>
+        <p:spPr>
+          <a:xfrm>
+            <a:off x="4040071" y="0"/>
+            <a:ext cx="64008" cy="6858000"/>
+          </a:xfrm>
+          <a:prstGeom prst="rect">
+            <a:avLst/>
+          </a:prstGeom>
+          <a:solidFill>
+            <a:schemeClr val="accent1"/>
+          </a:solidFill>
+          <a:ln>
+            <a:noFill/>
+          </a:ln>
+        </p:spPr>
+        <p:style>
+          <a:lnRef idx="2">
+            <a:schemeClr val="accent1">
+              <a:shade val="50000"/>
+            </a:schemeClr>
+          </a:lnRef>
+          <a:fillRef idx="1">
+            <a:schemeClr val="accent1"/>
+          </a:fillRef>
+          <a:effectRef idx="0">
+            <a:schemeClr val="accent1"/>
+          </a:effectRef>
+          <a:fontRef idx="minor">
+            <a:schemeClr val="lt1"/>
+          </a:fontRef>
+        </p:style>
+      </p:sp>
+      <p:sp>
+        <p:nvSpPr>
+          <p:cNvPr id="2" name="Title 1"/>
+          <p:cNvSpPr>
+            <a:spLocks noGrp="1"/>
+          </p:cNvSpPr>
+          <p:nvPr>
+            <p:ph type="title"/>
+          </p:nvPr>
+        </p:nvSpPr>
+        <p:spPr>
+          <a:xfrm>
+            <a:off x="457200" y="594359"/>
+            <a:ext cx="3200400" cy="2286000"/>
+          </a:xfrm>
+        </p:spPr>
+        <p:txBody>
+          <a:bodyPr anchor="b">
+            <a:normAutofit/>
+          </a:bodyPr>
+          <a:lstStyle>
+            <a:lvl1pPr>
+              <a:defRPr sz="3600" b="0">
+                <a:solidFill>
+                  <a:srgbClr val="FFFFFF"/>
+                </a:solidFill>
+              </a:defRPr>
+            </a:lvl1pPr>
+          </a:lstStyle>
+          <a:p>
+            <a:r>
+              <a:rPr lang="it-IT"/>
+              <a:t>Fare clic per modificare lo stile del titolo dello schema</a:t>
+            </a:r>
+            <a:endParaRPr lang="en-US" dirty="0"/>
+          </a:p>
+        </p:txBody>
+      </p:sp>
+      <p:sp>
+        <p:nvSpPr>
+          <p:cNvPr id="3" name="Content Placeholder 2"/>
+          <p:cNvSpPr>
+            <a:spLocks noGrp="1"/>
+          </p:cNvSpPr>
+          <p:nvPr>
+            <p:ph idx="1"/>
+          </p:nvPr>
+        </p:nvSpPr>
+        <p:spPr>
+          <a:xfrm>
+            <a:off x="4800600" y="731520"/>
+            <a:ext cx="6492240" cy="5257800"/>
+          </a:xfrm>
+        </p:spPr>
+        <p:txBody>
+          <a:bodyPr/>
+          <a:lstStyle/>
+          <a:p>
+            <a:pPr lvl="0"/>
+            <a:r>
+              <a:rPr lang="it-IT"/>
+              <a:t>Fare clic per modificare gli stili del testo dello schema</a:t>
+            </a:r>
+          </a:p>
+          <a:p>
+            <a:pPr lvl="1"/>
+            <a:r>
+              <a:rPr lang="it-IT"/>
+              <a:t>Secondo livello</a:t>
+            </a:r>
+          </a:p>
+          <a:p>
+            <a:pPr lvl="2"/>
+            <a:r>
+              <a:rPr lang="it-IT"/>
+              <a:t>Terzo livello</a:t>
+            </a:r>
+          </a:p>
+          <a:p>
+            <a:pPr lvl="3"/>
+            <a:r>
+              <a:rPr lang="it-IT"/>
+              <a:t>Quarto livello</a:t>
+            </a:r>
+          </a:p>
+          <a:p>
+            <a:pPr lvl="4"/>
+            <a:r>
+              <a:rPr lang="it-IT"/>
+              <a:t>Quinto livello</a:t>
+            </a:r>
+            <a:endParaRPr lang="en-US" dirty="0"/>
+          </a:p>
+        </p:txBody>
+      </p:sp>
+      <p:sp>
+        <p:nvSpPr>
+          <p:cNvPr id="4" name="Text Placeholder 3"/>
+          <p:cNvSpPr>
+            <a:spLocks noGrp="1"/>
+          </p:cNvSpPr>
+          <p:nvPr>
+            <p:ph type="body" sz="half" idx="2"/>
+          </p:nvPr>
+        </p:nvSpPr>
+        <p:spPr>
+          <a:xfrm>
+            <a:off x="457200" y="2926080"/>
+            <a:ext cx="3200400" cy="3379124"/>
+          </a:xfrm>
+        </p:spPr>
+        <p:txBody>
+          <a:bodyPr lIns="91440" rIns="91440">
+            <a:normAutofit/>
+          </a:bodyPr>
+          <a:lstStyle>
+            <a:lvl1pPr marL="0" indent="0">
+              <a:buNone/>
+              <a:defRPr sz="1500">
+                <a:solidFill>
+                  <a:srgbClr val="FFFFFF"/>
+                </a:solidFill>
+              </a:defRPr>
+            </a:lvl1pPr>
+            <a:lvl2pPr marL="457200" indent="0">
+              <a:buNone/>
+              <a:defRPr sz="1200"/>
+            </a:lvl2pPr>
+            <a:lvl3pPr marL="914400" indent="0">
+              <a:buNone/>
+              <a:defRPr sz="1000"/>
+            </a:lvl3pPr>
+            <a:lvl4pPr marL="1371600" indent="0">
+              <a:buNone/>
+              <a:defRPr sz="900"/>
+            </a:lvl4pPr>
+            <a:lvl5pPr marL="1828800" indent="0">
+              <a:buNone/>
+              <a:defRPr sz="900"/>
+            </a:lvl5pPr>
+            <a:lvl6pPr marL="2286000" indent="0">
+              <a:buNone/>
+              <a:defRPr sz="900"/>
+            </a:lvl6pPr>
+            <a:lvl7pPr marL="2743200" indent="0">
+              <a:buNone/>
+              <a:defRPr sz="900"/>
+            </a:lvl7pPr>
+            <a:lvl8pPr marL="3200400" indent="0">
+              <a:buNone/>
+              <a:defRPr sz="900"/>
+            </a:lvl8pPr>
+            <a:lvl9pPr marL="3657600" indent="0">
+              <a:buNone/>
+              <a:defRPr sz="900"/>
+            </a:lvl9pPr>
+          </a:lstStyle>
+          <a:p>
+            <a:pPr lvl="0"/>
+            <a:r>
+              <a:rPr lang="it-IT"/>
+              <a:t>Fare clic per modificare gli stili del testo dello schema</a:t>
+            </a:r>
+          </a:p>
+        </p:txBody>
+      </p:sp>
+      <p:sp>
+        <p:nvSpPr>
+          <p:cNvPr id="5" name="Date Placeholder 4"/>
+          <p:cNvSpPr>
+            <a:spLocks noGrp="1"/>
+          </p:cNvSpPr>
+          <p:nvPr>
+            <p:ph type="dt" sz="half" idx="10"/>
+          </p:nvPr>
+        </p:nvSpPr>
+        <p:spPr>
+          <a:xfrm>
+            <a:off x="465512" y="6459785"/>
+            <a:ext cx="2618510" cy="365125"/>
+          </a:xfrm>
+        </p:spPr>
+        <p:txBody>
+          <a:bodyPr/>
+          <a:lstStyle>
+            <a:lvl1pPr algn="l">
+              <a:defRPr/>
+            </a:lvl1pPr>
+          </a:lstStyle>
+          <a:p>
+            <a:fld id="{84A671E0-5ED3-4EC8-917B-08DC168EAD8E}" type="datetimeFigureOut">
+              <a:rPr lang="LID4096" smtClean="0"/>
+              <a:t>05/16/2023</a:t>
+            </a:fld>
+            <a:endParaRPr lang="LID4096"/>
+          </a:p>
+        </p:txBody>
+      </p:sp>
+      <p:sp>
+        <p:nvSpPr>
+          <p:cNvPr id="6" name="Footer Placeholder 5"/>
+          <p:cNvSpPr>
+            <a:spLocks noGrp="1"/>
+          </p:cNvSpPr>
+          <p:nvPr>
+            <p:ph type="ftr" sz="quarter" idx="11"/>
+          </p:nvPr>
+        </p:nvSpPr>
+        <p:spPr>
+          <a:xfrm>
+            <a:off x="4800600" y="6459785"/>
+            <a:ext cx="4648200" cy="365125"/>
+          </a:xfrm>
+        </p:spPr>
+        <p:txBody>
+          <a:bodyPr/>
+          <a:lstStyle>
+            <a:lvl1pPr algn="l">
+              <a:defRPr>
+                <a:solidFill>
+                  <a:schemeClr val="tx2"/>
+                </a:solidFill>
+              </a:defRPr>
+            </a:lvl1pPr>
+          </a:lstStyle>
+          <a:p>
+            <a:endParaRPr lang="LID4096"/>
+          </a:p>
+        </p:txBody>
+      </p:sp>
+      <p:sp>
+        <p:nvSpPr>
+          <p:cNvPr id="7" name="Slide Number Placeholder 6"/>
+          <p:cNvSpPr>
+            <a:spLocks noGrp="1"/>
+          </p:cNvSpPr>
+          <p:nvPr>
+            <p:ph type="sldNum" sz="quarter" idx="12"/>
+          </p:nvPr>
+        </p:nvSpPr>
+        <p:spPr/>
+        <p:txBody>
+          <a:bodyPr/>
+          <a:lstStyle>
+            <a:lvl1pPr>
+              <a:defRPr>
+                <a:solidFill>
+                  <a:schemeClr val="tx2"/>
+                </a:solidFill>
+              </a:defRPr>
+            </a:lvl1pPr>
+          </a:lstStyle>
+          <a:p>
+            <a:fld id="{59A90E3F-A41A-4575-B290-5B5A03E5E741}" type="slidenum">
+              <a:rPr lang="LID4096" smtClean="0"/>
+              <a:t>‹N›</a:t>
+            </a:fld>
+            <a:endParaRPr lang="LID4096"/>
+          </a:p>
+        </p:txBody>
+      </p:sp>
+    </p:spTree>
+    <p:extLst>
+      <p:ext uri="{BB962C8B-B14F-4D97-AF65-F5344CB8AC3E}">
+        <p14:creationId xmlns:p14="http://schemas.microsoft.com/office/powerpoint/2010/main" val="1521648050"/>
       </p:ext>
     </p:extLst>
   </p:cSld>
@@ -876,7 +3037,7 @@
           <a:p>
             <a:fld id="{84A671E0-5ED3-4EC8-917B-08DC168EAD8E}" type="datetimeFigureOut">
               <a:rPr lang="LID4096" smtClean="0"/>
-              <a:t>05/14/2023</a:t>
+              <a:t>05/16/2023</a:t>
             </a:fld>
             <a:endParaRPr lang="LID4096"/>
           </a:p>
@@ -940,6 +3101,793 @@
     <p:extLst>
       <p:ext uri="{BB962C8B-B14F-4D97-AF65-F5344CB8AC3E}">
         <p14:creationId xmlns:p14="http://schemas.microsoft.com/office/powerpoint/2010/main" val="1137425782"/>
+      </p:ext>
+    </p:extLst>
+  </p:cSld>
+  <p:clrMapOvr>
+    <a:masterClrMapping/>
+  </p:clrMapOvr>
+</p:sldLayout>
+</file>
+
+<file path=ppt/slideLayouts/slideLayout20.xml><?xml version="1.0" encoding="utf-8"?>
+<p:sldLayout xmlns:a="http://schemas.openxmlformats.org/drawingml/2006/main" xmlns:r="http://schemas.openxmlformats.org/officeDocument/2006/relationships" xmlns:p="http://schemas.openxmlformats.org/presentationml/2006/main" showMasterSp="0" type="picTx" preserve="1">
+  <p:cSld name="Immagine con didascalia">
+    <p:spTree>
+      <p:nvGrpSpPr>
+        <p:cNvPr id="1" name=""/>
+        <p:cNvGrpSpPr/>
+        <p:nvPr/>
+      </p:nvGrpSpPr>
+      <p:grpSpPr>
+        <a:xfrm>
+          <a:off x="0" y="0"/>
+          <a:ext cx="0" cy="0"/>
+          <a:chOff x="0" y="0"/>
+          <a:chExt cx="0" cy="0"/>
+        </a:xfrm>
+      </p:grpSpPr>
+      <p:sp>
+        <p:nvSpPr>
+          <p:cNvPr id="8" name="Rectangle 7"/>
+          <p:cNvSpPr/>
+          <p:nvPr/>
+        </p:nvSpPr>
+        <p:spPr>
+          <a:xfrm>
+            <a:off x="0" y="4953000"/>
+            <a:ext cx="12188825" cy="1905000"/>
+          </a:xfrm>
+          <a:prstGeom prst="rect">
+            <a:avLst/>
+          </a:prstGeom>
+          <a:solidFill>
+            <a:schemeClr val="accent2"/>
+          </a:solidFill>
+          <a:ln>
+            <a:noFill/>
+          </a:ln>
+        </p:spPr>
+        <p:style>
+          <a:lnRef idx="2">
+            <a:schemeClr val="accent1">
+              <a:shade val="50000"/>
+            </a:schemeClr>
+          </a:lnRef>
+          <a:fillRef idx="1">
+            <a:schemeClr val="accent1"/>
+          </a:fillRef>
+          <a:effectRef idx="0">
+            <a:schemeClr val="accent1"/>
+          </a:effectRef>
+          <a:fontRef idx="minor">
+            <a:schemeClr val="lt1"/>
+          </a:fontRef>
+        </p:style>
+      </p:sp>
+      <p:sp>
+        <p:nvSpPr>
+          <p:cNvPr id="9" name="Rectangle 8"/>
+          <p:cNvSpPr/>
+          <p:nvPr/>
+        </p:nvSpPr>
+        <p:spPr>
+          <a:xfrm>
+            <a:off x="15" y="4915076"/>
+            <a:ext cx="12188825" cy="64008"/>
+          </a:xfrm>
+          <a:prstGeom prst="rect">
+            <a:avLst/>
+          </a:prstGeom>
+          <a:solidFill>
+            <a:schemeClr val="accent1"/>
+          </a:solidFill>
+          <a:ln>
+            <a:noFill/>
+          </a:ln>
+        </p:spPr>
+        <p:style>
+          <a:lnRef idx="2">
+            <a:schemeClr val="accent1">
+              <a:shade val="50000"/>
+            </a:schemeClr>
+          </a:lnRef>
+          <a:fillRef idx="1">
+            <a:schemeClr val="accent1"/>
+          </a:fillRef>
+          <a:effectRef idx="0">
+            <a:schemeClr val="accent1"/>
+          </a:effectRef>
+          <a:fontRef idx="minor">
+            <a:schemeClr val="lt1"/>
+          </a:fontRef>
+        </p:style>
+      </p:sp>
+      <p:sp>
+        <p:nvSpPr>
+          <p:cNvPr id="2" name="Title 1"/>
+          <p:cNvSpPr>
+            <a:spLocks noGrp="1"/>
+          </p:cNvSpPr>
+          <p:nvPr>
+            <p:ph type="title"/>
+          </p:nvPr>
+        </p:nvSpPr>
+        <p:spPr>
+          <a:xfrm>
+            <a:off x="1097280" y="5074920"/>
+            <a:ext cx="10113264" cy="822960"/>
+          </a:xfrm>
+        </p:spPr>
+        <p:txBody>
+          <a:bodyPr lIns="91440" tIns="0" rIns="91440" bIns="0" anchor="b">
+            <a:noAutofit/>
+          </a:bodyPr>
+          <a:lstStyle>
+            <a:lvl1pPr>
+              <a:defRPr sz="3600" b="0">
+                <a:solidFill>
+                  <a:srgbClr val="FFFFFF"/>
+                </a:solidFill>
+              </a:defRPr>
+            </a:lvl1pPr>
+          </a:lstStyle>
+          <a:p>
+            <a:r>
+              <a:rPr lang="it-IT"/>
+              <a:t>Fare clic per modificare lo stile del titolo dello schema</a:t>
+            </a:r>
+            <a:endParaRPr lang="en-US" dirty="0"/>
+          </a:p>
+        </p:txBody>
+      </p:sp>
+      <p:sp>
+        <p:nvSpPr>
+          <p:cNvPr id="3" name="Picture Placeholder 2"/>
+          <p:cNvSpPr>
+            <a:spLocks noGrp="1" noChangeAspect="1"/>
+          </p:cNvSpPr>
+          <p:nvPr>
+            <p:ph type="pic" idx="1"/>
+          </p:nvPr>
+        </p:nvSpPr>
+        <p:spPr>
+          <a:xfrm>
+            <a:off x="15" y="0"/>
+            <a:ext cx="12191985" cy="4915076"/>
+          </a:xfrm>
+          <a:blipFill>
+            <a:blip r:embed="rId2"/>
+            <a:stretch>
+              <a:fillRect/>
+            </a:stretch>
+          </a:blipFill>
+        </p:spPr>
+        <p:txBody>
+          <a:bodyPr lIns="457200" tIns="457200" anchor="t"/>
+          <a:lstStyle>
+            <a:lvl1pPr marL="0" indent="0">
+              <a:buNone/>
+              <a:defRPr sz="3200">
+                <a:solidFill>
+                  <a:schemeClr val="bg1"/>
+                </a:solidFill>
+              </a:defRPr>
+            </a:lvl1pPr>
+            <a:lvl2pPr marL="457200" indent="0">
+              <a:buNone/>
+              <a:defRPr sz="2800"/>
+            </a:lvl2pPr>
+            <a:lvl3pPr marL="914400" indent="0">
+              <a:buNone/>
+              <a:defRPr sz="2400"/>
+            </a:lvl3pPr>
+            <a:lvl4pPr marL="1371600" indent="0">
+              <a:buNone/>
+              <a:defRPr sz="2000"/>
+            </a:lvl4pPr>
+            <a:lvl5pPr marL="1828800" indent="0">
+              <a:buNone/>
+              <a:defRPr sz="2000"/>
+            </a:lvl5pPr>
+            <a:lvl6pPr marL="2286000" indent="0">
+              <a:buNone/>
+              <a:defRPr sz="2000"/>
+            </a:lvl6pPr>
+            <a:lvl7pPr marL="2743200" indent="0">
+              <a:buNone/>
+              <a:defRPr sz="2000"/>
+            </a:lvl7pPr>
+            <a:lvl8pPr marL="3200400" indent="0">
+              <a:buNone/>
+              <a:defRPr sz="2000"/>
+            </a:lvl8pPr>
+            <a:lvl9pPr marL="3657600" indent="0">
+              <a:buNone/>
+              <a:defRPr sz="2000"/>
+            </a:lvl9pPr>
+          </a:lstStyle>
+          <a:p>
+            <a:r>
+              <a:rPr lang="it-IT"/>
+              <a:t>Fare clic sull'icona per inserire un'immagine</a:t>
+            </a:r>
+            <a:endParaRPr lang="en-US" dirty="0"/>
+          </a:p>
+        </p:txBody>
+      </p:sp>
+      <p:sp>
+        <p:nvSpPr>
+          <p:cNvPr id="4" name="Text Placeholder 3"/>
+          <p:cNvSpPr>
+            <a:spLocks noGrp="1"/>
+          </p:cNvSpPr>
+          <p:nvPr>
+            <p:ph type="body" sz="half" idx="2"/>
+          </p:nvPr>
+        </p:nvSpPr>
+        <p:spPr>
+          <a:xfrm>
+            <a:off x="1097280" y="5907023"/>
+            <a:ext cx="10113264" cy="594360"/>
+          </a:xfrm>
+        </p:spPr>
+        <p:txBody>
+          <a:bodyPr lIns="91440" tIns="0" rIns="91440" bIns="0">
+            <a:normAutofit/>
+          </a:bodyPr>
+          <a:lstStyle>
+            <a:lvl1pPr marL="0" indent="0">
+              <a:spcBef>
+                <a:spcPts val="0"/>
+              </a:spcBef>
+              <a:spcAft>
+                <a:spcPts val="600"/>
+              </a:spcAft>
+              <a:buNone/>
+              <a:defRPr sz="1500">
+                <a:solidFill>
+                  <a:srgbClr val="FFFFFF"/>
+                </a:solidFill>
+              </a:defRPr>
+            </a:lvl1pPr>
+            <a:lvl2pPr marL="457200" indent="0">
+              <a:buNone/>
+              <a:defRPr sz="1200"/>
+            </a:lvl2pPr>
+            <a:lvl3pPr marL="914400" indent="0">
+              <a:buNone/>
+              <a:defRPr sz="1000"/>
+            </a:lvl3pPr>
+            <a:lvl4pPr marL="1371600" indent="0">
+              <a:buNone/>
+              <a:defRPr sz="900"/>
+            </a:lvl4pPr>
+            <a:lvl5pPr marL="1828800" indent="0">
+              <a:buNone/>
+              <a:defRPr sz="900"/>
+            </a:lvl5pPr>
+            <a:lvl6pPr marL="2286000" indent="0">
+              <a:buNone/>
+              <a:defRPr sz="900"/>
+            </a:lvl6pPr>
+            <a:lvl7pPr marL="2743200" indent="0">
+              <a:buNone/>
+              <a:defRPr sz="900"/>
+            </a:lvl7pPr>
+            <a:lvl8pPr marL="3200400" indent="0">
+              <a:buNone/>
+              <a:defRPr sz="900"/>
+            </a:lvl8pPr>
+            <a:lvl9pPr marL="3657600" indent="0">
+              <a:buNone/>
+              <a:defRPr sz="900"/>
+            </a:lvl9pPr>
+          </a:lstStyle>
+          <a:p>
+            <a:pPr lvl="0"/>
+            <a:r>
+              <a:rPr lang="it-IT"/>
+              <a:t>Fare clic per modificare gli stili del testo dello schema</a:t>
+            </a:r>
+          </a:p>
+        </p:txBody>
+      </p:sp>
+      <p:sp>
+        <p:nvSpPr>
+          <p:cNvPr id="5" name="Date Placeholder 4"/>
+          <p:cNvSpPr>
+            <a:spLocks noGrp="1"/>
+          </p:cNvSpPr>
+          <p:nvPr>
+            <p:ph type="dt" sz="half" idx="10"/>
+          </p:nvPr>
+        </p:nvSpPr>
+        <p:spPr/>
+        <p:txBody>
+          <a:bodyPr/>
+          <a:lstStyle/>
+          <a:p>
+            <a:fld id="{84A671E0-5ED3-4EC8-917B-08DC168EAD8E}" type="datetimeFigureOut">
+              <a:rPr lang="LID4096" smtClean="0"/>
+              <a:t>05/16/2023</a:t>
+            </a:fld>
+            <a:endParaRPr lang="LID4096"/>
+          </a:p>
+        </p:txBody>
+      </p:sp>
+      <p:sp>
+        <p:nvSpPr>
+          <p:cNvPr id="6" name="Footer Placeholder 5"/>
+          <p:cNvSpPr>
+            <a:spLocks noGrp="1"/>
+          </p:cNvSpPr>
+          <p:nvPr>
+            <p:ph type="ftr" sz="quarter" idx="11"/>
+          </p:nvPr>
+        </p:nvSpPr>
+        <p:spPr/>
+        <p:txBody>
+          <a:bodyPr/>
+          <a:lstStyle/>
+          <a:p>
+            <a:endParaRPr lang="LID4096"/>
+          </a:p>
+        </p:txBody>
+      </p:sp>
+      <p:sp>
+        <p:nvSpPr>
+          <p:cNvPr id="7" name="Slide Number Placeholder 6"/>
+          <p:cNvSpPr>
+            <a:spLocks noGrp="1"/>
+          </p:cNvSpPr>
+          <p:nvPr>
+            <p:ph type="sldNum" sz="quarter" idx="12"/>
+          </p:nvPr>
+        </p:nvSpPr>
+        <p:spPr/>
+        <p:txBody>
+          <a:bodyPr/>
+          <a:lstStyle/>
+          <a:p>
+            <a:fld id="{59A90E3F-A41A-4575-B290-5B5A03E5E741}" type="slidenum">
+              <a:rPr lang="LID4096" smtClean="0"/>
+              <a:t>‹N›</a:t>
+            </a:fld>
+            <a:endParaRPr lang="LID4096"/>
+          </a:p>
+        </p:txBody>
+      </p:sp>
+    </p:spTree>
+    <p:extLst>
+      <p:ext uri="{BB962C8B-B14F-4D97-AF65-F5344CB8AC3E}">
+        <p14:creationId xmlns:p14="http://schemas.microsoft.com/office/powerpoint/2010/main" val="514514745"/>
+      </p:ext>
+    </p:extLst>
+  </p:cSld>
+  <p:clrMapOvr>
+    <a:masterClrMapping/>
+  </p:clrMapOvr>
+</p:sldLayout>
+</file>
+
+<file path=ppt/slideLayouts/slideLayout21.xml><?xml version="1.0" encoding="utf-8"?>
+<p:sldLayout xmlns:a="http://schemas.openxmlformats.org/drawingml/2006/main" xmlns:r="http://schemas.openxmlformats.org/officeDocument/2006/relationships" xmlns:p="http://schemas.openxmlformats.org/presentationml/2006/main" type="vertTx" preserve="1">
+  <p:cSld name="Titolo e testo verticale">
+    <p:spTree>
+      <p:nvGrpSpPr>
+        <p:cNvPr id="1" name=""/>
+        <p:cNvGrpSpPr/>
+        <p:nvPr/>
+      </p:nvGrpSpPr>
+      <p:grpSpPr>
+        <a:xfrm>
+          <a:off x="0" y="0"/>
+          <a:ext cx="0" cy="0"/>
+          <a:chOff x="0" y="0"/>
+          <a:chExt cx="0" cy="0"/>
+        </a:xfrm>
+      </p:grpSpPr>
+      <p:sp>
+        <p:nvSpPr>
+          <p:cNvPr id="2" name="Title 1"/>
+          <p:cNvSpPr>
+            <a:spLocks noGrp="1"/>
+          </p:cNvSpPr>
+          <p:nvPr>
+            <p:ph type="title"/>
+          </p:nvPr>
+        </p:nvSpPr>
+        <p:spPr/>
+        <p:txBody>
+          <a:bodyPr/>
+          <a:lstStyle/>
+          <a:p>
+            <a:r>
+              <a:rPr lang="it-IT"/>
+              <a:t>Fare clic per modificare lo stile del titolo dello schema</a:t>
+            </a:r>
+            <a:endParaRPr lang="en-US" dirty="0"/>
+          </a:p>
+        </p:txBody>
+      </p:sp>
+      <p:sp>
+        <p:nvSpPr>
+          <p:cNvPr id="3" name="Vertical Text Placeholder 2"/>
+          <p:cNvSpPr>
+            <a:spLocks noGrp="1"/>
+          </p:cNvSpPr>
+          <p:nvPr>
+            <p:ph type="body" orient="vert" idx="1"/>
+          </p:nvPr>
+        </p:nvSpPr>
+        <p:spPr/>
+        <p:txBody>
+          <a:bodyPr vert="eaVert" lIns="45720" tIns="0" rIns="45720" bIns="0"/>
+          <a:lstStyle/>
+          <a:p>
+            <a:pPr lvl="0"/>
+            <a:r>
+              <a:rPr lang="it-IT"/>
+              <a:t>Fare clic per modificare gli stili del testo dello schema</a:t>
+            </a:r>
+          </a:p>
+          <a:p>
+            <a:pPr lvl="1"/>
+            <a:r>
+              <a:rPr lang="it-IT"/>
+              <a:t>Secondo livello</a:t>
+            </a:r>
+          </a:p>
+          <a:p>
+            <a:pPr lvl="2"/>
+            <a:r>
+              <a:rPr lang="it-IT"/>
+              <a:t>Terzo livello</a:t>
+            </a:r>
+          </a:p>
+          <a:p>
+            <a:pPr lvl="3"/>
+            <a:r>
+              <a:rPr lang="it-IT"/>
+              <a:t>Quarto livello</a:t>
+            </a:r>
+          </a:p>
+          <a:p>
+            <a:pPr lvl="4"/>
+            <a:r>
+              <a:rPr lang="it-IT"/>
+              <a:t>Quinto livello</a:t>
+            </a:r>
+            <a:endParaRPr lang="en-US" dirty="0"/>
+          </a:p>
+        </p:txBody>
+      </p:sp>
+      <p:sp>
+        <p:nvSpPr>
+          <p:cNvPr id="4" name="Date Placeholder 3"/>
+          <p:cNvSpPr>
+            <a:spLocks noGrp="1"/>
+          </p:cNvSpPr>
+          <p:nvPr>
+            <p:ph type="dt" sz="half" idx="10"/>
+          </p:nvPr>
+        </p:nvSpPr>
+        <p:spPr/>
+        <p:txBody>
+          <a:bodyPr/>
+          <a:lstStyle/>
+          <a:p>
+            <a:fld id="{84A671E0-5ED3-4EC8-917B-08DC168EAD8E}" type="datetimeFigureOut">
+              <a:rPr lang="LID4096" smtClean="0"/>
+              <a:t>05/16/2023</a:t>
+            </a:fld>
+            <a:endParaRPr lang="LID4096"/>
+          </a:p>
+        </p:txBody>
+      </p:sp>
+      <p:sp>
+        <p:nvSpPr>
+          <p:cNvPr id="5" name="Footer Placeholder 4"/>
+          <p:cNvSpPr>
+            <a:spLocks noGrp="1"/>
+          </p:cNvSpPr>
+          <p:nvPr>
+            <p:ph type="ftr" sz="quarter" idx="11"/>
+          </p:nvPr>
+        </p:nvSpPr>
+        <p:spPr/>
+        <p:txBody>
+          <a:bodyPr/>
+          <a:lstStyle/>
+          <a:p>
+            <a:endParaRPr lang="LID4096"/>
+          </a:p>
+        </p:txBody>
+      </p:sp>
+      <p:sp>
+        <p:nvSpPr>
+          <p:cNvPr id="6" name="Slide Number Placeholder 5"/>
+          <p:cNvSpPr>
+            <a:spLocks noGrp="1"/>
+          </p:cNvSpPr>
+          <p:nvPr>
+            <p:ph type="sldNum" sz="quarter" idx="12"/>
+          </p:nvPr>
+        </p:nvSpPr>
+        <p:spPr/>
+        <p:txBody>
+          <a:bodyPr/>
+          <a:lstStyle/>
+          <a:p>
+            <a:fld id="{59A90E3F-A41A-4575-B290-5B5A03E5E741}" type="slidenum">
+              <a:rPr lang="LID4096" smtClean="0"/>
+              <a:t>‹N›</a:t>
+            </a:fld>
+            <a:endParaRPr lang="LID4096"/>
+          </a:p>
+        </p:txBody>
+      </p:sp>
+    </p:spTree>
+    <p:extLst>
+      <p:ext uri="{BB962C8B-B14F-4D97-AF65-F5344CB8AC3E}">
+        <p14:creationId xmlns:p14="http://schemas.microsoft.com/office/powerpoint/2010/main" val="468075064"/>
+      </p:ext>
+    </p:extLst>
+  </p:cSld>
+  <p:clrMapOvr>
+    <a:masterClrMapping/>
+  </p:clrMapOvr>
+</p:sldLayout>
+</file>
+
+<file path=ppt/slideLayouts/slideLayout22.xml><?xml version="1.0" encoding="utf-8"?>
+<p:sldLayout xmlns:a="http://schemas.openxmlformats.org/drawingml/2006/main" xmlns:r="http://schemas.openxmlformats.org/officeDocument/2006/relationships" xmlns:p="http://schemas.openxmlformats.org/presentationml/2006/main" showMasterSp="0" type="vertTitleAndTx" preserve="1">
+  <p:cSld name="1_Titolo e testo verticale">
+    <p:spTree>
+      <p:nvGrpSpPr>
+        <p:cNvPr id="1" name=""/>
+        <p:cNvGrpSpPr/>
+        <p:nvPr/>
+      </p:nvGrpSpPr>
+      <p:grpSpPr>
+        <a:xfrm>
+          <a:off x="0" y="0"/>
+          <a:ext cx="0" cy="0"/>
+          <a:chOff x="0" y="0"/>
+          <a:chExt cx="0" cy="0"/>
+        </a:xfrm>
+      </p:grpSpPr>
+      <p:sp>
+        <p:nvSpPr>
+          <p:cNvPr id="7" name="Rectangle 6"/>
+          <p:cNvSpPr/>
+          <p:nvPr/>
+        </p:nvSpPr>
+        <p:spPr>
+          <a:xfrm>
+            <a:off x="3175" y="6400800"/>
+            <a:ext cx="12188825" cy="457200"/>
+          </a:xfrm>
+          <a:prstGeom prst="rect">
+            <a:avLst/>
+          </a:prstGeom>
+          <a:solidFill>
+            <a:schemeClr val="accent2"/>
+          </a:solidFill>
+          <a:ln>
+            <a:noFill/>
+          </a:ln>
+        </p:spPr>
+        <p:style>
+          <a:lnRef idx="2">
+            <a:schemeClr val="accent1">
+              <a:shade val="50000"/>
+            </a:schemeClr>
+          </a:lnRef>
+          <a:fillRef idx="1">
+            <a:schemeClr val="accent1"/>
+          </a:fillRef>
+          <a:effectRef idx="0">
+            <a:schemeClr val="accent1"/>
+          </a:effectRef>
+          <a:fontRef idx="minor">
+            <a:schemeClr val="lt1"/>
+          </a:fontRef>
+        </p:style>
+      </p:sp>
+      <p:sp>
+        <p:nvSpPr>
+          <p:cNvPr id="8" name="Rectangle 7"/>
+          <p:cNvSpPr/>
+          <p:nvPr/>
+        </p:nvSpPr>
+        <p:spPr>
+          <a:xfrm>
+            <a:off x="15" y="6334316"/>
+            <a:ext cx="12188825" cy="64008"/>
+          </a:xfrm>
+          <a:prstGeom prst="rect">
+            <a:avLst/>
+          </a:prstGeom>
+          <a:solidFill>
+            <a:schemeClr val="accent1"/>
+          </a:solidFill>
+          <a:ln>
+            <a:noFill/>
+          </a:ln>
+        </p:spPr>
+        <p:style>
+          <a:lnRef idx="2">
+            <a:schemeClr val="accent1">
+              <a:shade val="50000"/>
+            </a:schemeClr>
+          </a:lnRef>
+          <a:fillRef idx="1">
+            <a:schemeClr val="accent1"/>
+          </a:fillRef>
+          <a:effectRef idx="0">
+            <a:schemeClr val="accent1"/>
+          </a:effectRef>
+          <a:fontRef idx="minor">
+            <a:schemeClr val="lt1"/>
+          </a:fontRef>
+        </p:style>
+      </p:sp>
+      <p:sp>
+        <p:nvSpPr>
+          <p:cNvPr id="2" name="Vertical Title 1"/>
+          <p:cNvSpPr>
+            <a:spLocks noGrp="1"/>
+          </p:cNvSpPr>
+          <p:nvPr>
+            <p:ph type="title" orient="vert"/>
+          </p:nvPr>
+        </p:nvSpPr>
+        <p:spPr>
+          <a:xfrm>
+            <a:off x="8724900" y="414778"/>
+            <a:ext cx="2628900" cy="5757421"/>
+          </a:xfrm>
+        </p:spPr>
+        <p:txBody>
+          <a:bodyPr vert="eaVert"/>
+          <a:lstStyle/>
+          <a:p>
+            <a:r>
+              <a:rPr lang="it-IT"/>
+              <a:t>Fare clic per modificare lo stile del titolo dello schema</a:t>
+            </a:r>
+            <a:endParaRPr lang="en-US" dirty="0"/>
+          </a:p>
+        </p:txBody>
+      </p:sp>
+      <p:sp>
+        <p:nvSpPr>
+          <p:cNvPr id="3" name="Vertical Text Placeholder 2"/>
+          <p:cNvSpPr>
+            <a:spLocks noGrp="1"/>
+          </p:cNvSpPr>
+          <p:nvPr>
+            <p:ph type="body" orient="vert" idx="1"/>
+          </p:nvPr>
+        </p:nvSpPr>
+        <p:spPr>
+          <a:xfrm>
+            <a:off x="838200" y="414778"/>
+            <a:ext cx="7734300" cy="5757422"/>
+          </a:xfrm>
+        </p:spPr>
+        <p:txBody>
+          <a:bodyPr vert="eaVert" lIns="45720" tIns="0" rIns="45720" bIns="0"/>
+          <a:lstStyle/>
+          <a:p>
+            <a:pPr lvl="0"/>
+            <a:r>
+              <a:rPr lang="it-IT"/>
+              <a:t>Fare clic per modificare gli stili del testo dello schema</a:t>
+            </a:r>
+          </a:p>
+          <a:p>
+            <a:pPr lvl="1"/>
+            <a:r>
+              <a:rPr lang="it-IT"/>
+              <a:t>Secondo livello</a:t>
+            </a:r>
+          </a:p>
+          <a:p>
+            <a:pPr lvl="2"/>
+            <a:r>
+              <a:rPr lang="it-IT"/>
+              <a:t>Terzo livello</a:t>
+            </a:r>
+          </a:p>
+          <a:p>
+            <a:pPr lvl="3"/>
+            <a:r>
+              <a:rPr lang="it-IT"/>
+              <a:t>Quarto livello</a:t>
+            </a:r>
+          </a:p>
+          <a:p>
+            <a:pPr lvl="4"/>
+            <a:r>
+              <a:rPr lang="it-IT"/>
+              <a:t>Quinto livello</a:t>
+            </a:r>
+            <a:endParaRPr lang="en-US" dirty="0"/>
+          </a:p>
+        </p:txBody>
+      </p:sp>
+      <p:sp>
+        <p:nvSpPr>
+          <p:cNvPr id="4" name="Date Placeholder 3"/>
+          <p:cNvSpPr>
+            <a:spLocks noGrp="1"/>
+          </p:cNvSpPr>
+          <p:nvPr>
+            <p:ph type="dt" sz="half" idx="10"/>
+          </p:nvPr>
+        </p:nvSpPr>
+        <p:spPr/>
+        <p:txBody>
+          <a:bodyPr/>
+          <a:lstStyle/>
+          <a:p>
+            <a:fld id="{84A671E0-5ED3-4EC8-917B-08DC168EAD8E}" type="datetimeFigureOut">
+              <a:rPr lang="LID4096" smtClean="0"/>
+              <a:t>05/16/2023</a:t>
+            </a:fld>
+            <a:endParaRPr lang="LID4096"/>
+          </a:p>
+        </p:txBody>
+      </p:sp>
+      <p:sp>
+        <p:nvSpPr>
+          <p:cNvPr id="5" name="Footer Placeholder 4"/>
+          <p:cNvSpPr>
+            <a:spLocks noGrp="1"/>
+          </p:cNvSpPr>
+          <p:nvPr>
+            <p:ph type="ftr" sz="quarter" idx="11"/>
+          </p:nvPr>
+        </p:nvSpPr>
+        <p:spPr/>
+        <p:txBody>
+          <a:bodyPr/>
+          <a:lstStyle/>
+          <a:p>
+            <a:endParaRPr lang="LID4096"/>
+          </a:p>
+        </p:txBody>
+      </p:sp>
+      <p:sp>
+        <p:nvSpPr>
+          <p:cNvPr id="6" name="Slide Number Placeholder 5"/>
+          <p:cNvSpPr>
+            <a:spLocks noGrp="1"/>
+          </p:cNvSpPr>
+          <p:nvPr>
+            <p:ph type="sldNum" sz="quarter" idx="12"/>
+          </p:nvPr>
+        </p:nvSpPr>
+        <p:spPr/>
+        <p:txBody>
+          <a:bodyPr/>
+          <a:lstStyle/>
+          <a:p>
+            <a:fld id="{59A90E3F-A41A-4575-B290-5B5A03E5E741}" type="slidenum">
+              <a:rPr lang="LID4096" smtClean="0"/>
+              <a:t>‹N›</a:t>
+            </a:fld>
+            <a:endParaRPr lang="LID4096"/>
+          </a:p>
+        </p:txBody>
+      </p:sp>
+    </p:spTree>
+    <p:extLst>
+      <p:ext uri="{BB962C8B-B14F-4D97-AF65-F5344CB8AC3E}">
+        <p14:creationId xmlns:p14="http://schemas.microsoft.com/office/powerpoint/2010/main" val="1226043661"/>
       </p:ext>
     </p:extLst>
   </p:cSld>
@@ -1151,7 +4099,7 @@
           <a:p>
             <a:fld id="{84A671E0-5ED3-4EC8-917B-08DC168EAD8E}" type="datetimeFigureOut">
               <a:rPr lang="LID4096" smtClean="0"/>
-              <a:t>05/14/2023</a:t>
+              <a:t>05/16/2023</a:t>
             </a:fld>
             <a:endParaRPr lang="LID4096"/>
           </a:p>
@@ -1416,7 +4364,7 @@
           <a:p>
             <a:fld id="{84A671E0-5ED3-4EC8-917B-08DC168EAD8E}" type="datetimeFigureOut">
               <a:rPr lang="LID4096" smtClean="0"/>
-              <a:t>05/14/2023</a:t>
+              <a:t>05/16/2023</a:t>
             </a:fld>
             <a:endParaRPr lang="LID4096"/>
           </a:p>
@@ -1828,7 +4776,7 @@
           <a:p>
             <a:fld id="{84A671E0-5ED3-4EC8-917B-08DC168EAD8E}" type="datetimeFigureOut">
               <a:rPr lang="LID4096" smtClean="0"/>
-              <a:t>05/14/2023</a:t>
+              <a:t>05/16/2023</a:t>
             </a:fld>
             <a:endParaRPr lang="LID4096"/>
           </a:p>
@@ -1969,7 +4917,7 @@
           <a:p>
             <a:fld id="{84A671E0-5ED3-4EC8-917B-08DC168EAD8E}" type="datetimeFigureOut">
               <a:rPr lang="LID4096" smtClean="0"/>
-              <a:t>05/14/2023</a:t>
+              <a:t>05/16/2023</a:t>
             </a:fld>
             <a:endParaRPr lang="LID4096"/>
           </a:p>
@@ -2082,7 +5030,7 @@
           <a:p>
             <a:fld id="{84A671E0-5ED3-4EC8-917B-08DC168EAD8E}" type="datetimeFigureOut">
               <a:rPr lang="LID4096" smtClean="0"/>
-              <a:t>05/14/2023</a:t>
+              <a:t>05/16/2023</a:t>
             </a:fld>
             <a:endParaRPr lang="LID4096"/>
           </a:p>
@@ -2393,7 +5341,7 @@
           <a:p>
             <a:fld id="{84A671E0-5ED3-4EC8-917B-08DC168EAD8E}" type="datetimeFigureOut">
               <a:rPr lang="LID4096" smtClean="0"/>
-              <a:t>05/14/2023</a:t>
+              <a:t>05/16/2023</a:t>
             </a:fld>
             <a:endParaRPr lang="LID4096"/>
           </a:p>
@@ -2681,7 +5629,7 @@
           <a:p>
             <a:fld id="{84A671E0-5ED3-4EC8-917B-08DC168EAD8E}" type="datetimeFigureOut">
               <a:rPr lang="LID4096" smtClean="0"/>
-              <a:t>05/14/2023</a:t>
+              <a:t>05/16/2023</a:t>
             </a:fld>
             <a:endParaRPr lang="LID4096"/>
           </a:p>
@@ -2922,7 +5870,7 @@
           <a:p>
             <a:fld id="{84A671E0-5ED3-4EC8-917B-08DC168EAD8E}" type="datetimeFigureOut">
               <a:rPr lang="LID4096" smtClean="0"/>
-              <a:t>05/14/2023</a:t>
+              <a:t>05/16/2023</a:t>
             </a:fld>
             <a:endParaRPr lang="LID4096"/>
           </a:p>
@@ -3322,6 +6270,739 @@
 </p:sldMaster>
 </file>
 
+<file path=ppt/slideMasters/slideMaster2.xml><?xml version="1.0" encoding="utf-8"?>
+<p:sldMaster xmlns:a="http://schemas.openxmlformats.org/drawingml/2006/main" xmlns:r="http://schemas.openxmlformats.org/officeDocument/2006/relationships" xmlns:p="http://schemas.openxmlformats.org/presentationml/2006/main">
+  <p:cSld>
+    <p:bg>
+      <p:bgRef idx="1001">
+        <a:schemeClr val="bg1"/>
+      </p:bgRef>
+    </p:bg>
+    <p:spTree>
+      <p:nvGrpSpPr>
+        <p:cNvPr id="1" name=""/>
+        <p:cNvGrpSpPr/>
+        <p:nvPr/>
+      </p:nvGrpSpPr>
+      <p:grpSpPr>
+        <a:xfrm>
+          <a:off x="0" y="0"/>
+          <a:ext cx="0" cy="0"/>
+          <a:chOff x="0" y="0"/>
+          <a:chExt cx="0" cy="0"/>
+        </a:xfrm>
+      </p:grpSpPr>
+      <p:sp>
+        <p:nvSpPr>
+          <p:cNvPr id="7" name="Rectangle 6"/>
+          <p:cNvSpPr/>
+          <p:nvPr/>
+        </p:nvSpPr>
+        <p:spPr>
+          <a:xfrm>
+            <a:off x="1" y="6400800"/>
+            <a:ext cx="12192000" cy="457200"/>
+          </a:xfrm>
+          <a:prstGeom prst="rect">
+            <a:avLst/>
+          </a:prstGeom>
+          <a:solidFill>
+            <a:schemeClr val="accent2"/>
+          </a:solidFill>
+          <a:ln>
+            <a:noFill/>
+          </a:ln>
+        </p:spPr>
+        <p:style>
+          <a:lnRef idx="2">
+            <a:schemeClr val="accent1">
+              <a:shade val="50000"/>
+            </a:schemeClr>
+          </a:lnRef>
+          <a:fillRef idx="1">
+            <a:schemeClr val="accent1"/>
+          </a:fillRef>
+          <a:effectRef idx="0">
+            <a:schemeClr val="accent1"/>
+          </a:effectRef>
+          <a:fontRef idx="minor">
+            <a:schemeClr val="lt1"/>
+          </a:fontRef>
+        </p:style>
+      </p:sp>
+      <p:sp>
+        <p:nvSpPr>
+          <p:cNvPr id="9" name="Rectangle 8"/>
+          <p:cNvSpPr/>
+          <p:nvPr/>
+        </p:nvSpPr>
+        <p:spPr>
+          <a:xfrm>
+            <a:off x="0" y="6334316"/>
+            <a:ext cx="12192001" cy="65998"/>
+          </a:xfrm>
+          <a:prstGeom prst="rect">
+            <a:avLst/>
+          </a:prstGeom>
+          <a:solidFill>
+            <a:schemeClr val="accent1"/>
+          </a:solidFill>
+          <a:ln>
+            <a:noFill/>
+          </a:ln>
+        </p:spPr>
+        <p:style>
+          <a:lnRef idx="2">
+            <a:schemeClr val="accent1">
+              <a:shade val="50000"/>
+            </a:schemeClr>
+          </a:lnRef>
+          <a:fillRef idx="1">
+            <a:schemeClr val="accent1"/>
+          </a:fillRef>
+          <a:effectRef idx="0">
+            <a:schemeClr val="accent1"/>
+          </a:effectRef>
+          <a:fontRef idx="minor">
+            <a:schemeClr val="lt1"/>
+          </a:fontRef>
+        </p:style>
+      </p:sp>
+      <p:sp>
+        <p:nvSpPr>
+          <p:cNvPr id="2" name="Title Placeholder 1"/>
+          <p:cNvSpPr>
+            <a:spLocks noGrp="1"/>
+          </p:cNvSpPr>
+          <p:nvPr>
+            <p:ph type="title"/>
+          </p:nvPr>
+        </p:nvSpPr>
+        <p:spPr>
+          <a:xfrm>
+            <a:off x="1097280" y="286603"/>
+            <a:ext cx="10058400" cy="1450757"/>
+          </a:xfrm>
+          <a:prstGeom prst="rect">
+            <a:avLst/>
+          </a:prstGeom>
+        </p:spPr>
+        <p:txBody>
+          <a:bodyPr vert="horz" lIns="91440" tIns="45720" rIns="91440" bIns="45720" rtlCol="0" anchor="b">
+            <a:normAutofit/>
+          </a:bodyPr>
+          <a:lstStyle/>
+          <a:p>
+            <a:r>
+              <a:rPr lang="it-IT"/>
+              <a:t>Fare clic per modificare lo stile del titolo dello schema</a:t>
+            </a:r>
+            <a:endParaRPr lang="en-US" dirty="0"/>
+          </a:p>
+        </p:txBody>
+      </p:sp>
+      <p:sp>
+        <p:nvSpPr>
+          <p:cNvPr id="3" name="Text Placeholder 2"/>
+          <p:cNvSpPr>
+            <a:spLocks noGrp="1"/>
+          </p:cNvSpPr>
+          <p:nvPr>
+            <p:ph type="body" idx="1"/>
+          </p:nvPr>
+        </p:nvSpPr>
+        <p:spPr>
+          <a:xfrm>
+            <a:off x="1097280" y="1845734"/>
+            <a:ext cx="10058400" cy="4023360"/>
+          </a:xfrm>
+          <a:prstGeom prst="rect">
+            <a:avLst/>
+          </a:prstGeom>
+        </p:spPr>
+        <p:txBody>
+          <a:bodyPr vert="horz" lIns="0" tIns="45720" rIns="0" bIns="45720" rtlCol="0">
+            <a:normAutofit/>
+          </a:bodyPr>
+          <a:lstStyle/>
+          <a:p>
+            <a:pPr lvl="0"/>
+            <a:r>
+              <a:rPr lang="it-IT"/>
+              <a:t>Fare clic per modificare gli stili del testo dello schema</a:t>
+            </a:r>
+          </a:p>
+          <a:p>
+            <a:pPr lvl="1"/>
+            <a:r>
+              <a:rPr lang="it-IT"/>
+              <a:t>Secondo livello</a:t>
+            </a:r>
+          </a:p>
+          <a:p>
+            <a:pPr lvl="2"/>
+            <a:r>
+              <a:rPr lang="it-IT"/>
+              <a:t>Terzo livello</a:t>
+            </a:r>
+          </a:p>
+          <a:p>
+            <a:pPr lvl="3"/>
+            <a:r>
+              <a:rPr lang="it-IT"/>
+              <a:t>Quarto livello</a:t>
+            </a:r>
+          </a:p>
+          <a:p>
+            <a:pPr lvl="4"/>
+            <a:r>
+              <a:rPr lang="it-IT"/>
+              <a:t>Quinto livello</a:t>
+            </a:r>
+            <a:endParaRPr lang="en-US" dirty="0"/>
+          </a:p>
+        </p:txBody>
+      </p:sp>
+      <p:sp>
+        <p:nvSpPr>
+          <p:cNvPr id="4" name="Date Placeholder 3"/>
+          <p:cNvSpPr>
+            <a:spLocks noGrp="1"/>
+          </p:cNvSpPr>
+          <p:nvPr>
+            <p:ph type="dt" sz="half" idx="2"/>
+          </p:nvPr>
+        </p:nvSpPr>
+        <p:spPr>
+          <a:xfrm>
+            <a:off x="1097280" y="6459785"/>
+            <a:ext cx="2472271" cy="365125"/>
+          </a:xfrm>
+          <a:prstGeom prst="rect">
+            <a:avLst/>
+          </a:prstGeom>
+        </p:spPr>
+        <p:txBody>
+          <a:bodyPr vert="horz" lIns="91440" tIns="45720" rIns="91440" bIns="45720" rtlCol="0" anchor="ctr"/>
+          <a:lstStyle>
+            <a:lvl1pPr algn="l">
+              <a:defRPr sz="900">
+                <a:solidFill>
+                  <a:srgbClr val="FFFFFF"/>
+                </a:solidFill>
+              </a:defRPr>
+            </a:lvl1pPr>
+          </a:lstStyle>
+          <a:p>
+            <a:fld id="{84A671E0-5ED3-4EC8-917B-08DC168EAD8E}" type="datetimeFigureOut">
+              <a:rPr lang="LID4096" smtClean="0"/>
+              <a:t>05/16/2023</a:t>
+            </a:fld>
+            <a:endParaRPr lang="LID4096"/>
+          </a:p>
+        </p:txBody>
+      </p:sp>
+      <p:sp>
+        <p:nvSpPr>
+          <p:cNvPr id="5" name="Footer Placeholder 4"/>
+          <p:cNvSpPr>
+            <a:spLocks noGrp="1"/>
+          </p:cNvSpPr>
+          <p:nvPr>
+            <p:ph type="ftr" sz="quarter" idx="3"/>
+          </p:nvPr>
+        </p:nvSpPr>
+        <p:spPr>
+          <a:xfrm>
+            <a:off x="3686185" y="6459785"/>
+            <a:ext cx="4822804" cy="365125"/>
+          </a:xfrm>
+          <a:prstGeom prst="rect">
+            <a:avLst/>
+          </a:prstGeom>
+        </p:spPr>
+        <p:txBody>
+          <a:bodyPr vert="horz" lIns="91440" tIns="45720" rIns="91440" bIns="45720" rtlCol="0" anchor="ctr"/>
+          <a:lstStyle>
+            <a:lvl1pPr algn="ctr">
+              <a:defRPr sz="900" cap="all" baseline="0">
+                <a:solidFill>
+                  <a:srgbClr val="FFFFFF"/>
+                </a:solidFill>
+              </a:defRPr>
+            </a:lvl1pPr>
+          </a:lstStyle>
+          <a:p>
+            <a:endParaRPr lang="LID4096"/>
+          </a:p>
+        </p:txBody>
+      </p:sp>
+      <p:sp>
+        <p:nvSpPr>
+          <p:cNvPr id="6" name="Slide Number Placeholder 5"/>
+          <p:cNvSpPr>
+            <a:spLocks noGrp="1"/>
+          </p:cNvSpPr>
+          <p:nvPr>
+            <p:ph type="sldNum" sz="quarter" idx="4"/>
+          </p:nvPr>
+        </p:nvSpPr>
+        <p:spPr>
+          <a:xfrm>
+            <a:off x="9900458" y="6459785"/>
+            <a:ext cx="1312025" cy="365125"/>
+          </a:xfrm>
+          <a:prstGeom prst="rect">
+            <a:avLst/>
+          </a:prstGeom>
+        </p:spPr>
+        <p:txBody>
+          <a:bodyPr vert="horz" lIns="91440" tIns="45720" rIns="91440" bIns="45720" rtlCol="0" anchor="ctr"/>
+          <a:lstStyle>
+            <a:lvl1pPr algn="r">
+              <a:defRPr sz="1050">
+                <a:solidFill>
+                  <a:srgbClr val="FFFFFF"/>
+                </a:solidFill>
+              </a:defRPr>
+            </a:lvl1pPr>
+          </a:lstStyle>
+          <a:p>
+            <a:fld id="{59A90E3F-A41A-4575-B290-5B5A03E5E741}" type="slidenum">
+              <a:rPr lang="LID4096" smtClean="0"/>
+              <a:t>‹N›</a:t>
+            </a:fld>
+            <a:endParaRPr lang="LID4096"/>
+          </a:p>
+        </p:txBody>
+      </p:sp>
+      <p:cxnSp>
+        <p:nvCxnSpPr>
+          <p:cNvPr id="10" name="Straight Connector 9"/>
+          <p:cNvCxnSpPr/>
+          <p:nvPr/>
+        </p:nvCxnSpPr>
+        <p:spPr>
+          <a:xfrm>
+            <a:off x="1193532" y="1737845"/>
+            <a:ext cx="9966960" cy="0"/>
+          </a:xfrm>
+          <a:prstGeom prst="line">
+            <a:avLst/>
+          </a:prstGeom>
+          <a:ln w="6350">
+            <a:solidFill>
+              <a:schemeClr val="tx1">
+                <a:lumMod val="50000"/>
+                <a:lumOff val="50000"/>
+              </a:schemeClr>
+            </a:solidFill>
+          </a:ln>
+        </p:spPr>
+        <p:style>
+          <a:lnRef idx="1">
+            <a:schemeClr val="accent1"/>
+          </a:lnRef>
+          <a:fillRef idx="0">
+            <a:schemeClr val="accent1"/>
+          </a:fillRef>
+          <a:effectRef idx="0">
+            <a:schemeClr val="accent1"/>
+          </a:effectRef>
+          <a:fontRef idx="minor">
+            <a:schemeClr val="tx1"/>
+          </a:fontRef>
+        </p:style>
+      </p:cxnSp>
+    </p:spTree>
+    <p:extLst>
+      <p:ext uri="{BB962C8B-B14F-4D97-AF65-F5344CB8AC3E}">
+        <p14:creationId xmlns:p14="http://schemas.microsoft.com/office/powerpoint/2010/main" val="1793217199"/>
+      </p:ext>
+    </p:extLst>
+  </p:cSld>
+  <p:clrMap bg1="lt1" tx1="dk1" bg2="lt2" tx2="dk2" accent1="accent1" accent2="accent2" accent3="accent3" accent4="accent4" accent5="accent5" accent6="accent6" hlink="hlink" folHlink="folHlink"/>
+  <p:sldLayoutIdLst>
+    <p:sldLayoutId id="2147483673" r:id="rId1"/>
+    <p:sldLayoutId id="2147483674" r:id="rId2"/>
+    <p:sldLayoutId id="2147483675" r:id="rId3"/>
+    <p:sldLayoutId id="2147483676" r:id="rId4"/>
+    <p:sldLayoutId id="2147483677" r:id="rId5"/>
+    <p:sldLayoutId id="2147483678" r:id="rId6"/>
+    <p:sldLayoutId id="2147483679" r:id="rId7"/>
+    <p:sldLayoutId id="2147483680" r:id="rId8"/>
+    <p:sldLayoutId id="2147483681" r:id="rId9"/>
+    <p:sldLayoutId id="2147483682" r:id="rId10"/>
+    <p:sldLayoutId id="2147483683" r:id="rId11"/>
+  </p:sldLayoutIdLst>
+  <p:txStyles>
+    <p:titleStyle>
+      <a:lvl1pPr algn="l" defTabSz="914400" rtl="0" eaLnBrk="1" latinLnBrk="0" hangingPunct="1">
+        <a:lnSpc>
+          <a:spcPct val="85000"/>
+        </a:lnSpc>
+        <a:spcBef>
+          <a:spcPct val="0"/>
+        </a:spcBef>
+        <a:buNone/>
+        <a:defRPr sz="4800" kern="1200" spc="-50" baseline="0">
+          <a:solidFill>
+            <a:schemeClr val="tx1">
+              <a:lumMod val="75000"/>
+              <a:lumOff val="25000"/>
+            </a:schemeClr>
+          </a:solidFill>
+          <a:latin typeface="+mj-lt"/>
+          <a:ea typeface="+mj-ea"/>
+          <a:cs typeface="+mj-cs"/>
+        </a:defRPr>
+      </a:lvl1pPr>
+    </p:titleStyle>
+    <p:bodyStyle>
+      <a:lvl1pPr marL="91440" indent="-91440" algn="l" defTabSz="914400" rtl="0" eaLnBrk="1" latinLnBrk="0" hangingPunct="1">
+        <a:lnSpc>
+          <a:spcPct val="90000"/>
+        </a:lnSpc>
+        <a:spcBef>
+          <a:spcPts val="1200"/>
+        </a:spcBef>
+        <a:spcAft>
+          <a:spcPts val="200"/>
+        </a:spcAft>
+        <a:buClr>
+          <a:schemeClr val="accent1"/>
+        </a:buClr>
+        <a:buSzPct val="100000"/>
+        <a:buFont typeface="Calibri" panose="020F0502020204030204" pitchFamily="34" charset="0"/>
+        <a:buChar char=" "/>
+        <a:defRPr sz="2000" kern="1200">
+          <a:solidFill>
+            <a:schemeClr val="tx1">
+              <a:lumMod val="75000"/>
+              <a:lumOff val="25000"/>
+            </a:schemeClr>
+          </a:solidFill>
+          <a:latin typeface="+mn-lt"/>
+          <a:ea typeface="+mn-ea"/>
+          <a:cs typeface="+mn-cs"/>
+        </a:defRPr>
+      </a:lvl1pPr>
+      <a:lvl2pPr marL="384048" indent="-182880" algn="l" defTabSz="914400" rtl="0" eaLnBrk="1" latinLnBrk="0" hangingPunct="1">
+        <a:lnSpc>
+          <a:spcPct val="90000"/>
+        </a:lnSpc>
+        <a:spcBef>
+          <a:spcPts val="200"/>
+        </a:spcBef>
+        <a:spcAft>
+          <a:spcPts val="400"/>
+        </a:spcAft>
+        <a:buClr>
+          <a:schemeClr val="accent1"/>
+        </a:buClr>
+        <a:buFont typeface="Calibri" pitchFamily="34" charset="0"/>
+        <a:buChar char="◦"/>
+        <a:defRPr sz="1800" kern="1200">
+          <a:solidFill>
+            <a:schemeClr val="tx1">
+              <a:lumMod val="75000"/>
+              <a:lumOff val="25000"/>
+            </a:schemeClr>
+          </a:solidFill>
+          <a:latin typeface="+mn-lt"/>
+          <a:ea typeface="+mn-ea"/>
+          <a:cs typeface="+mn-cs"/>
+        </a:defRPr>
+      </a:lvl2pPr>
+      <a:lvl3pPr marL="566928" indent="-182880" algn="l" defTabSz="914400" rtl="0" eaLnBrk="1" latinLnBrk="0" hangingPunct="1">
+        <a:lnSpc>
+          <a:spcPct val="90000"/>
+        </a:lnSpc>
+        <a:spcBef>
+          <a:spcPts val="200"/>
+        </a:spcBef>
+        <a:spcAft>
+          <a:spcPts val="400"/>
+        </a:spcAft>
+        <a:buClr>
+          <a:schemeClr val="accent1"/>
+        </a:buClr>
+        <a:buFont typeface="Calibri" pitchFamily="34" charset="0"/>
+        <a:buChar char="◦"/>
+        <a:defRPr sz="1400" kern="1200">
+          <a:solidFill>
+            <a:schemeClr val="tx1">
+              <a:lumMod val="75000"/>
+              <a:lumOff val="25000"/>
+            </a:schemeClr>
+          </a:solidFill>
+          <a:latin typeface="+mn-lt"/>
+          <a:ea typeface="+mn-ea"/>
+          <a:cs typeface="+mn-cs"/>
+        </a:defRPr>
+      </a:lvl3pPr>
+      <a:lvl4pPr marL="749808" indent="-182880" algn="l" defTabSz="914400" rtl="0" eaLnBrk="1" latinLnBrk="0" hangingPunct="1">
+        <a:lnSpc>
+          <a:spcPct val="90000"/>
+        </a:lnSpc>
+        <a:spcBef>
+          <a:spcPts val="200"/>
+        </a:spcBef>
+        <a:spcAft>
+          <a:spcPts val="400"/>
+        </a:spcAft>
+        <a:buClr>
+          <a:schemeClr val="accent1"/>
+        </a:buClr>
+        <a:buFont typeface="Calibri" pitchFamily="34" charset="0"/>
+        <a:buChar char="◦"/>
+        <a:defRPr sz="1400" kern="1200">
+          <a:solidFill>
+            <a:schemeClr val="tx1">
+              <a:lumMod val="75000"/>
+              <a:lumOff val="25000"/>
+            </a:schemeClr>
+          </a:solidFill>
+          <a:latin typeface="+mn-lt"/>
+          <a:ea typeface="+mn-ea"/>
+          <a:cs typeface="+mn-cs"/>
+        </a:defRPr>
+      </a:lvl4pPr>
+      <a:lvl5pPr marL="932688" indent="-182880" algn="l" defTabSz="914400" rtl="0" eaLnBrk="1" latinLnBrk="0" hangingPunct="1">
+        <a:lnSpc>
+          <a:spcPct val="90000"/>
+        </a:lnSpc>
+        <a:spcBef>
+          <a:spcPts val="200"/>
+        </a:spcBef>
+        <a:spcAft>
+          <a:spcPts val="400"/>
+        </a:spcAft>
+        <a:buClr>
+          <a:schemeClr val="accent1"/>
+        </a:buClr>
+        <a:buFont typeface="Calibri" pitchFamily="34" charset="0"/>
+        <a:buChar char="◦"/>
+        <a:defRPr sz="1400" kern="1200">
+          <a:solidFill>
+            <a:schemeClr val="tx1">
+              <a:lumMod val="75000"/>
+              <a:lumOff val="25000"/>
+            </a:schemeClr>
+          </a:solidFill>
+          <a:latin typeface="+mn-lt"/>
+          <a:ea typeface="+mn-ea"/>
+          <a:cs typeface="+mn-cs"/>
+        </a:defRPr>
+      </a:lvl5pPr>
+      <a:lvl6pPr marL="1100000" indent="-228600" algn="l" defTabSz="914400" rtl="0" eaLnBrk="1" latinLnBrk="0" hangingPunct="1">
+        <a:lnSpc>
+          <a:spcPct val="90000"/>
+        </a:lnSpc>
+        <a:spcBef>
+          <a:spcPts val="200"/>
+        </a:spcBef>
+        <a:spcAft>
+          <a:spcPts val="400"/>
+        </a:spcAft>
+        <a:buClr>
+          <a:schemeClr val="accent1"/>
+        </a:buClr>
+        <a:buFont typeface="Calibri" pitchFamily="34" charset="0"/>
+        <a:buChar char="◦"/>
+        <a:defRPr sz="1400" kern="1200">
+          <a:solidFill>
+            <a:schemeClr val="tx1">
+              <a:lumMod val="75000"/>
+              <a:lumOff val="25000"/>
+            </a:schemeClr>
+          </a:solidFill>
+          <a:latin typeface="+mn-lt"/>
+          <a:ea typeface="+mn-ea"/>
+          <a:cs typeface="+mn-cs"/>
+        </a:defRPr>
+      </a:lvl6pPr>
+      <a:lvl7pPr marL="1300000" indent="-228600" algn="l" defTabSz="914400" rtl="0" eaLnBrk="1" latinLnBrk="0" hangingPunct="1">
+        <a:lnSpc>
+          <a:spcPct val="90000"/>
+        </a:lnSpc>
+        <a:spcBef>
+          <a:spcPts val="200"/>
+        </a:spcBef>
+        <a:spcAft>
+          <a:spcPts val="400"/>
+        </a:spcAft>
+        <a:buClr>
+          <a:schemeClr val="accent1"/>
+        </a:buClr>
+        <a:buFont typeface="Calibri" pitchFamily="34" charset="0"/>
+        <a:buChar char="◦"/>
+        <a:defRPr sz="1400" kern="1200">
+          <a:solidFill>
+            <a:schemeClr val="tx1">
+              <a:lumMod val="75000"/>
+              <a:lumOff val="25000"/>
+            </a:schemeClr>
+          </a:solidFill>
+          <a:latin typeface="+mn-lt"/>
+          <a:ea typeface="+mn-ea"/>
+          <a:cs typeface="+mn-cs"/>
+        </a:defRPr>
+      </a:lvl7pPr>
+      <a:lvl8pPr marL="1500000" indent="-228600" algn="l" defTabSz="914400" rtl="0" eaLnBrk="1" latinLnBrk="0" hangingPunct="1">
+        <a:lnSpc>
+          <a:spcPct val="90000"/>
+        </a:lnSpc>
+        <a:spcBef>
+          <a:spcPts val="200"/>
+        </a:spcBef>
+        <a:spcAft>
+          <a:spcPts val="400"/>
+        </a:spcAft>
+        <a:buClr>
+          <a:schemeClr val="accent1"/>
+        </a:buClr>
+        <a:buFont typeface="Calibri" pitchFamily="34" charset="0"/>
+        <a:buChar char="◦"/>
+        <a:defRPr sz="1400" kern="1200">
+          <a:solidFill>
+            <a:schemeClr val="tx1">
+              <a:lumMod val="75000"/>
+              <a:lumOff val="25000"/>
+            </a:schemeClr>
+          </a:solidFill>
+          <a:latin typeface="+mn-lt"/>
+          <a:ea typeface="+mn-ea"/>
+          <a:cs typeface="+mn-cs"/>
+        </a:defRPr>
+      </a:lvl8pPr>
+      <a:lvl9pPr marL="1700000" indent="-228600" algn="l" defTabSz="914400" rtl="0" eaLnBrk="1" latinLnBrk="0" hangingPunct="1">
+        <a:lnSpc>
+          <a:spcPct val="90000"/>
+        </a:lnSpc>
+        <a:spcBef>
+          <a:spcPts val="200"/>
+        </a:spcBef>
+        <a:spcAft>
+          <a:spcPts val="400"/>
+        </a:spcAft>
+        <a:buClr>
+          <a:schemeClr val="accent1"/>
+        </a:buClr>
+        <a:buFont typeface="Calibri" pitchFamily="34" charset="0"/>
+        <a:buChar char="◦"/>
+        <a:defRPr sz="1400" kern="1200">
+          <a:solidFill>
+            <a:schemeClr val="tx1">
+              <a:lumMod val="75000"/>
+              <a:lumOff val="25000"/>
+            </a:schemeClr>
+          </a:solidFill>
+          <a:latin typeface="+mn-lt"/>
+          <a:ea typeface="+mn-ea"/>
+          <a:cs typeface="+mn-cs"/>
+        </a:defRPr>
+      </a:lvl9pPr>
+    </p:bodyStyle>
+    <p:otherStyle>
+      <a:defPPr>
+        <a:defRPr lang="en-US"/>
+      </a:defPPr>
+      <a:lvl1pPr marL="0" algn="l" defTabSz="914400" rtl="0" eaLnBrk="1" latinLnBrk="0" hangingPunct="1">
+        <a:defRPr sz="1800" kern="1200">
+          <a:solidFill>
+            <a:schemeClr val="tx1"/>
+          </a:solidFill>
+          <a:latin typeface="+mn-lt"/>
+          <a:ea typeface="+mn-ea"/>
+          <a:cs typeface="+mn-cs"/>
+        </a:defRPr>
+      </a:lvl1pPr>
+      <a:lvl2pPr marL="457200" algn="l" defTabSz="914400" rtl="0" eaLnBrk="1" latinLnBrk="0" hangingPunct="1">
+        <a:defRPr sz="1800" kern="1200">
+          <a:solidFill>
+            <a:schemeClr val="tx1"/>
+          </a:solidFill>
+          <a:latin typeface="+mn-lt"/>
+          <a:ea typeface="+mn-ea"/>
+          <a:cs typeface="+mn-cs"/>
+        </a:defRPr>
+      </a:lvl2pPr>
+      <a:lvl3pPr marL="914400" algn="l" defTabSz="914400" rtl="0" eaLnBrk="1" latinLnBrk="0" hangingPunct="1">
+        <a:defRPr sz="1800" kern="1200">
+          <a:solidFill>
+            <a:schemeClr val="tx1"/>
+          </a:solidFill>
+          <a:latin typeface="+mn-lt"/>
+          <a:ea typeface="+mn-ea"/>
+          <a:cs typeface="+mn-cs"/>
+        </a:defRPr>
+      </a:lvl3pPr>
+      <a:lvl4pPr marL="1371600" algn="l" defTabSz="914400" rtl="0" eaLnBrk="1" latinLnBrk="0" hangingPunct="1">
+        <a:defRPr sz="1800" kern="1200">
+          <a:solidFill>
+            <a:schemeClr val="tx1"/>
+          </a:solidFill>
+          <a:latin typeface="+mn-lt"/>
+          <a:ea typeface="+mn-ea"/>
+          <a:cs typeface="+mn-cs"/>
+        </a:defRPr>
+      </a:lvl4pPr>
+      <a:lvl5pPr marL="1828800" algn="l" defTabSz="914400" rtl="0" eaLnBrk="1" latinLnBrk="0" hangingPunct="1">
+        <a:defRPr sz="1800" kern="1200">
+          <a:solidFill>
+            <a:schemeClr val="tx1"/>
+          </a:solidFill>
+          <a:latin typeface="+mn-lt"/>
+          <a:ea typeface="+mn-ea"/>
+          <a:cs typeface="+mn-cs"/>
+        </a:defRPr>
+      </a:lvl5pPr>
+      <a:lvl6pPr marL="2286000" algn="l" defTabSz="914400" rtl="0" eaLnBrk="1" latinLnBrk="0" hangingPunct="1">
+        <a:defRPr sz="1800" kern="1200">
+          <a:solidFill>
+            <a:schemeClr val="tx1"/>
+          </a:solidFill>
+          <a:latin typeface="+mn-lt"/>
+          <a:ea typeface="+mn-ea"/>
+          <a:cs typeface="+mn-cs"/>
+        </a:defRPr>
+      </a:lvl6pPr>
+      <a:lvl7pPr marL="2743200" algn="l" defTabSz="914400" rtl="0" eaLnBrk="1" latinLnBrk="0" hangingPunct="1">
+        <a:defRPr sz="1800" kern="1200">
+          <a:solidFill>
+            <a:schemeClr val="tx1"/>
+          </a:solidFill>
+          <a:latin typeface="+mn-lt"/>
+          <a:ea typeface="+mn-ea"/>
+          <a:cs typeface="+mn-cs"/>
+        </a:defRPr>
+      </a:lvl7pPr>
+      <a:lvl8pPr marL="3200400" algn="l" defTabSz="914400" rtl="0" eaLnBrk="1" latinLnBrk="0" hangingPunct="1">
+        <a:defRPr sz="1800" kern="1200">
+          <a:solidFill>
+            <a:schemeClr val="tx1"/>
+          </a:solidFill>
+          <a:latin typeface="+mn-lt"/>
+          <a:ea typeface="+mn-ea"/>
+          <a:cs typeface="+mn-cs"/>
+        </a:defRPr>
+      </a:lvl8pPr>
+      <a:lvl9pPr marL="3657600" algn="l" defTabSz="914400" rtl="0" eaLnBrk="1" latinLnBrk="0" hangingPunct="1">
+        <a:defRPr sz="1800" kern="1200">
+          <a:solidFill>
+            <a:schemeClr val="tx1"/>
+          </a:solidFill>
+          <a:latin typeface="+mn-lt"/>
+          <a:ea typeface="+mn-ea"/>
+          <a:cs typeface="+mn-cs"/>
+        </a:defRPr>
+      </a:lvl9pPr>
+    </p:otherStyle>
+  </p:txStyles>
+</p:sldMaster>
+</file>
+
 <file path=ppt/slides/slide1.xml><?xml version="1.0" encoding="utf-8"?>
 <p:sld xmlns:a="http://schemas.openxmlformats.org/drawingml/2006/main" xmlns:r="http://schemas.openxmlformats.org/officeDocument/2006/relationships" xmlns:p="http://schemas.openxmlformats.org/presentationml/2006/main">
   <p:cSld>
@@ -3402,7 +7083,9 @@
         </p:nvSpPr>
         <p:spPr/>
         <p:txBody>
-          <a:bodyPr/>
+          <a:bodyPr>
+            <a:normAutofit fontScale="85000" lnSpcReduction="20000"/>
+          </a:bodyPr>
           <a:lstStyle/>
           <a:p>
             <a:r>
@@ -3469,7 +7152,7 @@
         </p:blipFill>
         <p:spPr>
           <a:xfrm>
-            <a:off x="5134758" y="815009"/>
+            <a:off x="9233196" y="4572612"/>
             <a:ext cx="1922484" cy="1026008"/>
           </a:xfrm>
           <a:prstGeom prst="rect">
@@ -3558,36 +7241,75 @@
         </p:nvSpPr>
         <p:spPr>
           <a:xfrm>
-            <a:off x="838199" y="1825625"/>
-            <a:ext cx="10515599" cy="2004080"/>
+            <a:off x="838199" y="1825624"/>
+            <a:ext cx="10515599" cy="2785567"/>
           </a:xfrm>
         </p:spPr>
         <p:txBody>
           <a:bodyPr>
-            <a:normAutofit fontScale="92500" lnSpcReduction="20000"/>
+            <a:normAutofit fontScale="70000" lnSpcReduction="20000"/>
           </a:bodyPr>
           <a:lstStyle/>
           <a:p>
             <a:r>
-              <a:rPr lang="en-US" dirty="0"/>
+              <a:rPr lang="en-US" sz="2900" dirty="0"/>
+              <a:t>Consider binary and multi-label classification, with and without </a:t>
+            </a:r>
+            <a:r>
+              <a:rPr lang="en-US" sz="2900" dirty="0" err="1"/>
+              <a:t>undersampling</a:t>
+            </a:r>
+            <a:endParaRPr lang="en-US" sz="2900" dirty="0"/>
+          </a:p>
+          <a:p>
+            <a:r>
+              <a:rPr lang="en-US" sz="2900" dirty="0"/>
               <a:t>Stratified 10-fold cross validation</a:t>
             </a:r>
           </a:p>
           <a:p>
             <a:r>
-              <a:rPr lang="en-US" dirty="0"/>
-              <a:t>Classifiers used: Decision tree, random forest, gaussian naïve Bayes, stochastic gradient descent, neural network (multilayer perceptron)</a:t>
-            </a:r>
-          </a:p>
-          <a:p>
-            <a:r>
-              <a:rPr lang="en-US" dirty="0"/>
+              <a:rPr lang="en-US" sz="2900" dirty="0"/>
+              <a:t>Classifiers used: </a:t>
+            </a:r>
+          </a:p>
+          <a:p>
+            <a:pPr lvl="1"/>
+            <a:r>
+              <a:rPr lang="en-US" sz="2500" dirty="0"/>
+              <a:t>Decision tree, random forest as popular choices for classification</a:t>
+            </a:r>
+          </a:p>
+          <a:p>
+            <a:pPr lvl="1"/>
+            <a:r>
+              <a:rPr lang="en-US" sz="2500" dirty="0"/>
+              <a:t>Gaussian naïve Bayes as a very efficient alternative</a:t>
+            </a:r>
+          </a:p>
+          <a:p>
+            <a:pPr lvl="1"/>
+            <a:r>
+              <a:rPr lang="en-US" sz="2500" dirty="0"/>
+              <a:t>Multilayer perceptron neural network as better alternative to NB when features are correlated</a:t>
+            </a:r>
+          </a:p>
+          <a:p>
+            <a:pPr lvl="1"/>
+            <a:r>
+              <a:rPr lang="en-US" sz="2500" dirty="0"/>
+              <a:t>Stochastic gradient descent as a linear alternative</a:t>
+            </a:r>
+          </a:p>
+          <a:p>
+            <a:r>
+              <a:rPr lang="en-US" sz="2900" dirty="0"/>
               <a:t>Metrics used: accuracy, precision, recall, f1-score</a:t>
             </a:r>
           </a:p>
           <a:p>
             <a:r>
-              <a:rPr lang="en-US" dirty="0"/>
+              <a:rPr lang="en-US" sz="2900" dirty="0"/>
               <a:t>Confidence threshold for Wilcoxon test is 5%</a:t>
             </a:r>
           </a:p>
@@ -3610,7 +7332,7 @@
         </p:nvSpPr>
         <p:spPr>
           <a:xfrm>
-            <a:off x="7856122" y="5504073"/>
+            <a:off x="7869152" y="5807937"/>
             <a:ext cx="964529" cy="571500"/>
           </a:xfrm>
           <a:prstGeom prst="rect">
@@ -3678,7 +7400,7 @@
         </p:nvSpPr>
         <p:spPr>
           <a:xfrm>
-            <a:off x="6526543" y="4446480"/>
+            <a:off x="6539573" y="4750344"/>
             <a:ext cx="1167744" cy="637617"/>
           </a:xfrm>
           <a:prstGeom prst="rect">
@@ -3748,7 +7470,7 @@
         </p:nvSpPr>
         <p:spPr>
           <a:xfrm>
-            <a:off x="5247776" y="5502947"/>
+            <a:off x="5260806" y="5806811"/>
             <a:ext cx="1116933" cy="571500"/>
           </a:xfrm>
           <a:prstGeom prst="rect">
@@ -3816,7 +7538,7 @@
         </p:nvSpPr>
         <p:spPr>
           <a:xfrm>
-            <a:off x="9154276" y="5502947"/>
+            <a:off x="9167306" y="5806811"/>
             <a:ext cx="1243756" cy="571500"/>
           </a:xfrm>
           <a:prstGeom prst="rect">
@@ -3886,7 +7608,7 @@
         </p:nvSpPr>
         <p:spPr>
           <a:xfrm>
-            <a:off x="4089988" y="5504073"/>
+            <a:off x="4103018" y="5807937"/>
             <a:ext cx="824163" cy="571500"/>
           </a:xfrm>
           <a:prstGeom prst="diamond">
@@ -3940,7 +7662,7 @@
         </p:nvSpPr>
         <p:spPr>
           <a:xfrm>
-            <a:off x="3577726" y="4446480"/>
+            <a:off x="3590756" y="4750344"/>
             <a:ext cx="1848686" cy="637617"/>
           </a:xfrm>
           <a:prstGeom prst="rect">
@@ -4050,7 +7772,7 @@
         </p:nvSpPr>
         <p:spPr>
           <a:xfrm>
-            <a:off x="6698334" y="5504407"/>
+            <a:off x="6711364" y="5808271"/>
             <a:ext cx="824163" cy="571500"/>
           </a:xfrm>
           <a:prstGeom prst="diamond">
@@ -4104,7 +7826,7 @@
         </p:nvSpPr>
         <p:spPr>
           <a:xfrm>
-            <a:off x="825169" y="5502947"/>
+            <a:off x="838199" y="5806811"/>
             <a:ext cx="1147011" cy="571500"/>
           </a:xfrm>
           <a:prstGeom prst="rect">
@@ -4172,7 +7894,7 @@
         </p:nvSpPr>
         <p:spPr>
           <a:xfrm>
-            <a:off x="2305805" y="5503698"/>
+            <a:off x="2318835" y="5807562"/>
             <a:ext cx="1459643" cy="571500"/>
           </a:xfrm>
           <a:prstGeom prst="roundRect">
@@ -4255,7 +7977,7 @@
         </p:nvCxnSpPr>
         <p:spPr>
           <a:xfrm>
-            <a:off x="1972180" y="5788697"/>
+            <a:off x="1985210" y="6092561"/>
             <a:ext cx="333625" cy="751"/>
           </a:xfrm>
           <a:prstGeom prst="bentConnector3">
@@ -4301,7 +8023,7 @@
         </p:nvCxnSpPr>
         <p:spPr>
           <a:xfrm flipH="1" flipV="1">
-            <a:off x="4502069" y="5084097"/>
+            <a:off x="4515099" y="5387961"/>
             <a:ext cx="1" cy="419976"/>
           </a:xfrm>
           <a:prstGeom prst="straightConnector1">
@@ -4347,7 +8069,7 @@
         </p:nvCxnSpPr>
         <p:spPr>
           <a:xfrm>
-            <a:off x="3765448" y="5789448"/>
+            <a:off x="3778478" y="6093312"/>
             <a:ext cx="324540" cy="375"/>
           </a:xfrm>
           <a:prstGeom prst="bentConnector3">
@@ -4392,7 +8114,7 @@
         </p:nvCxnSpPr>
         <p:spPr>
           <a:xfrm flipV="1">
-            <a:off x="4914151" y="5788697"/>
+            <a:off x="4927181" y="6092561"/>
             <a:ext cx="333625" cy="1126"/>
           </a:xfrm>
           <a:prstGeom prst="bentConnector3">
@@ -4437,7 +8159,7 @@
         </p:nvCxnSpPr>
         <p:spPr>
           <a:xfrm>
-            <a:off x="6364709" y="5788697"/>
+            <a:off x="6377739" y="6092561"/>
             <a:ext cx="333625" cy="1460"/>
           </a:xfrm>
           <a:prstGeom prst="bentConnector3">
@@ -4484,7 +8206,7 @@
         </p:nvCxnSpPr>
         <p:spPr>
           <a:xfrm flipV="1">
-            <a:off x="7522497" y="5789823"/>
+            <a:off x="7535527" y="6093687"/>
             <a:ext cx="333625" cy="334"/>
           </a:xfrm>
           <a:prstGeom prst="bentConnector3">
@@ -4529,7 +8251,7 @@
         </p:nvCxnSpPr>
         <p:spPr>
           <a:xfrm flipV="1">
-            <a:off x="8820651" y="5788697"/>
+            <a:off x="8833681" y="6092561"/>
             <a:ext cx="333625" cy="1126"/>
           </a:xfrm>
           <a:prstGeom prst="bentConnector3">
@@ -4575,7 +8297,7 @@
         </p:nvCxnSpPr>
         <p:spPr>
           <a:xfrm rot="16200000" flipV="1">
-            <a:off x="6900261" y="5294251"/>
+            <a:off x="6913291" y="5598115"/>
             <a:ext cx="420310" cy="1"/>
           </a:xfrm>
           <a:prstGeom prst="bentConnector3">
@@ -5038,15 +8760,129 @@
           <a:lstStyle/>
           <a:p>
             <a:r>
-              <a:rPr lang="it-IT" sz="2200"/>
-              <a:t>RF and MLP offer the best performance. Decision tree follows closely </a:t>
-            </a:r>
-          </a:p>
-          <a:p>
-            <a:r>
-              <a:rPr lang="it-IT" sz="2200"/>
-              <a:t>Random undersampling improves recall, but reduces precision, leading to an overall lower f1-score. Accuracy is also worse</a:t>
-            </a:r>
+              <a:rPr lang="it-IT" sz="2200" dirty="0"/>
+              <a:t>RF and MLP </a:t>
+            </a:r>
+            <a:r>
+              <a:rPr lang="it-IT" sz="2200" dirty="0" err="1"/>
+              <a:t>offer</a:t>
+            </a:r>
+            <a:r>
+              <a:rPr lang="it-IT" sz="2200" dirty="0"/>
+              <a:t> the best performance. </a:t>
+            </a:r>
+            <a:r>
+              <a:rPr lang="it-IT" sz="2200" dirty="0" err="1"/>
+              <a:t>Decision</a:t>
+            </a:r>
+            <a:r>
+              <a:rPr lang="it-IT" sz="2200" dirty="0"/>
+              <a:t> </a:t>
+            </a:r>
+            <a:r>
+              <a:rPr lang="it-IT" sz="2200" dirty="0" err="1"/>
+              <a:t>tree</a:t>
+            </a:r>
+            <a:r>
+              <a:rPr lang="it-IT" sz="2200" dirty="0"/>
+              <a:t> follows </a:t>
+            </a:r>
+            <a:r>
+              <a:rPr lang="it-IT" sz="2200" dirty="0" err="1"/>
+              <a:t>closely</a:t>
+            </a:r>
+            <a:endParaRPr lang="it-IT" sz="2200" dirty="0"/>
+          </a:p>
+          <a:p>
+            <a:r>
+              <a:rPr lang="it-IT" sz="2200" dirty="0"/>
+              <a:t>Random </a:t>
+            </a:r>
+            <a:r>
+              <a:rPr lang="it-IT" sz="2200" dirty="0" err="1"/>
+              <a:t>undersampling</a:t>
+            </a:r>
+            <a:r>
+              <a:rPr lang="it-IT" sz="2200" dirty="0"/>
+              <a:t> </a:t>
+            </a:r>
+            <a:r>
+              <a:rPr lang="it-IT" sz="2200" dirty="0" err="1"/>
+              <a:t>improves</a:t>
+            </a:r>
+            <a:r>
+              <a:rPr lang="it-IT" sz="2200" dirty="0"/>
+              <a:t> recall, </a:t>
+            </a:r>
+            <a:r>
+              <a:rPr lang="it-IT" sz="2200" dirty="0" err="1"/>
+              <a:t>but</a:t>
+            </a:r>
+            <a:r>
+              <a:rPr lang="it-IT" sz="2200" dirty="0"/>
+              <a:t> </a:t>
+            </a:r>
+            <a:r>
+              <a:rPr lang="it-IT" sz="2200" dirty="0" err="1"/>
+              <a:t>reduces</a:t>
+            </a:r>
+            <a:r>
+              <a:rPr lang="it-IT" sz="2200" dirty="0"/>
+              <a:t> </a:t>
+            </a:r>
+            <a:r>
+              <a:rPr lang="it-IT" sz="2200" dirty="0" err="1"/>
+              <a:t>precision</a:t>
+            </a:r>
+            <a:r>
+              <a:rPr lang="it-IT" sz="2200" dirty="0"/>
+              <a:t>, </a:t>
+            </a:r>
+            <a:r>
+              <a:rPr lang="it-IT" sz="2200" dirty="0" err="1"/>
+              <a:t>leading</a:t>
+            </a:r>
+            <a:r>
+              <a:rPr lang="it-IT" sz="2200" dirty="0"/>
+              <a:t> to an overall </a:t>
+            </a:r>
+            <a:r>
+              <a:rPr lang="it-IT" sz="2200" dirty="0" err="1"/>
+              <a:t>lower</a:t>
+            </a:r>
+            <a:r>
+              <a:rPr lang="it-IT" sz="2200" dirty="0"/>
+              <a:t> f1-score. </a:t>
+            </a:r>
+            <a:r>
+              <a:rPr lang="it-IT" sz="2200" dirty="0" err="1"/>
+              <a:t>Accuracy</a:t>
+            </a:r>
+            <a:r>
+              <a:rPr lang="it-IT" sz="2200" dirty="0"/>
+              <a:t> </a:t>
+            </a:r>
+            <a:r>
+              <a:rPr lang="it-IT" sz="2200" dirty="0" err="1"/>
+              <a:t>is</a:t>
+            </a:r>
+            <a:r>
+              <a:rPr lang="it-IT" sz="2200" dirty="0"/>
+              <a:t> </a:t>
+            </a:r>
+            <a:r>
+              <a:rPr lang="it-IT" sz="2200" dirty="0" err="1"/>
+              <a:t>also</a:t>
+            </a:r>
+            <a:r>
+              <a:rPr lang="it-IT" sz="2200" dirty="0"/>
+              <a:t> </a:t>
+            </a:r>
+            <a:r>
+              <a:rPr lang="it-IT" sz="2200" dirty="0" err="1"/>
+              <a:t>worse</a:t>
+            </a:r>
+            <a:endParaRPr lang="it-IT" sz="2200" dirty="0"/>
           </a:p>
         </p:txBody>
       </p:sp>
@@ -6773,20 +10609,20 @@
             <a:pPr lvl="1"/>
             <a:r>
               <a:rPr lang="en-US" dirty="0"/>
-              <a:t>For example, SMOTE-NC from the </a:t>
-            </a:r>
-            <a:r>
-              <a:rPr lang="en-US" sz="2200" dirty="0" err="1">
+              <a:t>For example, </a:t>
+            </a:r>
+            <a:r>
+              <a:rPr lang="en-US" sz="2300" dirty="0">
                 <a:solidFill>
                   <a:schemeClr val="accent2"/>
                 </a:solidFill>
                 <a:latin typeface="Consolas" panose="020B0609020204030204" pitchFamily="49" charset="0"/>
               </a:rPr>
-              <a:t>imblearn</a:t>
+              <a:t>SMOTENC</a:t>
             </a:r>
             <a:r>
               <a:rPr lang="en-US" dirty="0"/>
-              <a:t> package can work with categorical features as well as numerical ones</a:t>
+              <a:t> from imbalanced-learn can work with categorical features as well as numerical ones</a:t>
             </a:r>
           </a:p>
           <a:p>
@@ -7419,12 +11255,18 @@
         </p:spPr>
         <p:txBody>
           <a:bodyPr anchor="t">
-            <a:normAutofit/>
+            <a:normAutofit fontScale="92500" lnSpcReduction="10000"/>
           </a:bodyPr>
           <a:lstStyle/>
           <a:p>
             <a:r>
               <a:rPr lang="en-US" sz="2200" dirty="0"/>
+              <a:t>A dataset of labeled URLs classified in 4 categories: benign, defacement, phishing and malware</a:t>
+            </a:r>
+          </a:p>
+          <a:p>
+            <a:r>
+              <a:rPr lang="en-US" sz="2200" dirty="0"/>
               <a:t>The dataset contains about 650k records and is imbalanced towards benign URLs</a:t>
             </a:r>
           </a:p>
@@ -7443,7 +11285,7 @@
           <a:p>
             <a:r>
               <a:rPr lang="en-US" sz="2200" dirty="0"/>
-              <a:t>Has only 72 duplicates</a:t>
+              <a:t>Has only a small amount of duplicates</a:t>
             </a:r>
           </a:p>
         </p:txBody>
@@ -7593,10 +11435,14 @@
           <a:lstStyle/>
           <a:p>
             <a:r>
-              <a:rPr lang="it-IT" sz="5400"/>
-              <a:t>Data cleaning</a:t>
-            </a:r>
-            <a:endParaRPr lang="LID4096" sz="5400"/>
+              <a:rPr lang="it-IT" sz="5400" dirty="0"/>
+              <a:t>Data </a:t>
+            </a:r>
+            <a:r>
+              <a:rPr lang="it-IT" sz="5400" dirty="0" err="1"/>
+              <a:t>cleaning</a:t>
+            </a:r>
+            <a:endParaRPr lang="LID4096" sz="5400" dirty="0"/>
           </a:p>
         </p:txBody>
       </p:sp>
@@ -7844,7 +11690,7 @@
         <p:spPr>
           <a:xfrm>
             <a:off x="612648" y="365125"/>
-            <a:ext cx="6986015" cy="1776484"/>
+            <a:ext cx="5743701" cy="1776484"/>
           </a:xfrm>
         </p:spPr>
         <p:txBody>
@@ -10513,7 +14359,7 @@
             </a:r>
             <a:r>
               <a:rPr lang="it-IT" dirty="0"/>
-              <a:t> 900 features vs 23)</a:t>
+              <a:t> 900 features)</a:t>
             </a:r>
           </a:p>
           <a:p>
@@ -10555,39 +14401,7 @@
             </a:r>
             <a:r>
               <a:rPr lang="it-IT" dirty="0"/>
-              <a:t> case (</a:t>
-            </a:r>
-            <a:r>
-              <a:rPr lang="it-IT" dirty="0" err="1"/>
-              <a:t>which</a:t>
-            </a:r>
-            <a:r>
-              <a:rPr lang="it-IT" dirty="0"/>
-              <a:t> </a:t>
-            </a:r>
-            <a:r>
-              <a:rPr lang="it-IT" dirty="0" err="1"/>
-              <a:t>is</a:t>
-            </a:r>
-            <a:r>
-              <a:rPr lang="it-IT" dirty="0"/>
-              <a:t> </a:t>
-            </a:r>
-            <a:r>
-              <a:rPr lang="it-IT" dirty="0" err="1"/>
-              <a:t>enough</a:t>
-            </a:r>
-            <a:r>
-              <a:rPr lang="it-IT" dirty="0"/>
-              <a:t> for </a:t>
-            </a:r>
-            <a:r>
-              <a:rPr lang="it-IT" dirty="0" err="1"/>
-              <a:t>our</a:t>
-            </a:r>
-            <a:r>
-              <a:rPr lang="it-IT" dirty="0"/>
-              <a:t> goal) yields a more </a:t>
+              <a:t> case yields a more </a:t>
             </a:r>
             <a:r>
               <a:rPr lang="it-IT" dirty="0" err="1"/>
@@ -10783,10 +14597,9 @@
           </a:p>
           <a:p>
             <a:r>
-              <a:rPr lang="it-IT"/>
+              <a:rPr lang="it-IT" dirty="0"/>
               <a:t>Feature scaling</a:t>
             </a:r>
-            <a:endParaRPr lang="it-IT" dirty="0"/>
           </a:p>
           <a:p>
             <a:pPr lvl="1"/>
@@ -10891,7 +14704,12 @@
               <a:t> </a:t>
             </a:r>
             <a:r>
-              <a:rPr lang="it-IT" dirty="0" err="1"/>
+              <a:rPr lang="it-IT" sz="2100" dirty="0" err="1">
+                <a:solidFill>
+                  <a:schemeClr val="accent2"/>
+                </a:solidFill>
+                <a:latin typeface="Consolas" panose="020B0609020204030204" pitchFamily="49" charset="0"/>
+              </a:rPr>
               <a:t>StandardScaler</a:t>
             </a:r>
             <a:r>
@@ -11231,4 +15049,287 @@
     </a:ext>
   </a:extLst>
 </a:theme>
+</file>
+
+<file path=ppt/theme/theme2.xml><?xml version="1.0" encoding="utf-8"?>
+<a:theme xmlns:a="http://schemas.openxmlformats.org/drawingml/2006/main" name="Retrospettivo">
+  <a:themeElements>
+    <a:clrScheme name="Retrospettivo">
+      <a:dk1>
+        <a:srgbClr val="000000"/>
+      </a:dk1>
+      <a:lt1>
+        <a:sysClr val="window" lastClr="FFFFFF"/>
+      </a:lt1>
+      <a:dk2>
+        <a:srgbClr val="637052"/>
+      </a:dk2>
+      <a:lt2>
+        <a:srgbClr val="CCDDEA"/>
+      </a:lt2>
+      <a:accent1>
+        <a:srgbClr val="E48312"/>
+      </a:accent1>
+      <a:accent2>
+        <a:srgbClr val="BD582C"/>
+      </a:accent2>
+      <a:accent3>
+        <a:srgbClr val="865640"/>
+      </a:accent3>
+      <a:accent4>
+        <a:srgbClr val="9B8357"/>
+      </a:accent4>
+      <a:accent5>
+        <a:srgbClr val="C2BC80"/>
+      </a:accent5>
+      <a:accent6>
+        <a:srgbClr val="94A088"/>
+      </a:accent6>
+      <a:hlink>
+        <a:srgbClr val="2998E3"/>
+      </a:hlink>
+      <a:folHlink>
+        <a:srgbClr val="8C8C8C"/>
+      </a:folHlink>
+    </a:clrScheme>
+    <a:fontScheme name="Retrospettivo">
+      <a:majorFont>
+        <a:latin typeface="Calibri Light" panose="020F0302020204030204"/>
+        <a:ea typeface=""/>
+        <a:cs typeface=""/>
+        <a:font script="Jpan" typeface="ＭＳ Ｐゴシック"/>
+        <a:font script="Hang" typeface="맑은 고딕"/>
+        <a:font script="Hans" typeface="宋体"/>
+        <a:font script="Hant" typeface="新細明體"/>
+        <a:font script="Arab" typeface="Times New Roman"/>
+        <a:font script="Hebr" typeface="Times New Roman"/>
+        <a:font script="Thai" typeface="Angsana New"/>
+        <a:font script="Ethi" typeface="Nyala"/>
+        <a:font script="Beng" typeface="Vrinda"/>
+        <a:font script="Gujr" typeface="Shruti"/>
+        <a:font script="Khmr" typeface="MoolBoran"/>
+        <a:font script="Knda" typeface="Tunga"/>
+        <a:font script="Guru" typeface="Raavi"/>
+        <a:font script="Cans" typeface="Euphemia"/>
+        <a:font script="Cher" typeface="Plantagenet Cherokee"/>
+        <a:font script="Yiii" typeface="Microsoft Yi Baiti"/>
+        <a:font script="Tibt" typeface="Microsoft Himalaya"/>
+        <a:font script="Thaa" typeface="MV Boli"/>
+        <a:font script="Deva" typeface="Mangal"/>
+        <a:font script="Telu" typeface="Gautami"/>
+        <a:font script="Taml" typeface="Latha"/>
+        <a:font script="Syrc" typeface="Estrangelo Edessa"/>
+        <a:font script="Orya" typeface="Kalinga"/>
+        <a:font script="Mlym" typeface="Kartika"/>
+        <a:font script="Laoo" typeface="DokChampa"/>
+        <a:font script="Sinh" typeface="Iskoola Pota"/>
+        <a:font script="Mong" typeface="Mongolian Baiti"/>
+        <a:font script="Viet" typeface="Times New Roman"/>
+        <a:font script="Uigh" typeface="Microsoft Uighur"/>
+        <a:font script="Geor" typeface="Sylfaen"/>
+      </a:majorFont>
+      <a:minorFont>
+        <a:latin typeface="Calibri" panose="020F0502020204030204"/>
+        <a:ea typeface=""/>
+        <a:cs typeface=""/>
+        <a:font script="Jpan" typeface="ＭＳ Ｐゴシック"/>
+        <a:font script="Hang" typeface="맑은 고딕"/>
+        <a:font script="Hans" typeface="宋体"/>
+        <a:font script="Hant" typeface="新細明體"/>
+        <a:font script="Arab" typeface="Arial"/>
+        <a:font script="Hebr" typeface="Arial"/>
+        <a:font script="Thai" typeface="Cordia New"/>
+        <a:font script="Ethi" typeface="Nyala"/>
+        <a:font script="Beng" typeface="Vrinda"/>
+        <a:font script="Gujr" typeface="Shruti"/>
+        <a:font script="Khmr" typeface="DaunPenh"/>
+        <a:font script="Knda" typeface="Tunga"/>
+        <a:font script="Guru" typeface="Raavi"/>
+        <a:font script="Cans" typeface="Euphemia"/>
+        <a:font script="Cher" typeface="Plantagenet Cherokee"/>
+        <a:font script="Yiii" typeface="Microsoft Yi Baiti"/>
+        <a:font script="Tibt" typeface="Microsoft Himalaya"/>
+        <a:font script="Thaa" typeface="MV Boli"/>
+        <a:font script="Deva" typeface="Mangal"/>
+        <a:font script="Telu" typeface="Gautami"/>
+        <a:font script="Taml" typeface="Latha"/>
+        <a:font script="Syrc" typeface="Estrangelo Edessa"/>
+        <a:font script="Orya" typeface="Kalinga"/>
+        <a:font script="Mlym" typeface="Kartika"/>
+        <a:font script="Laoo" typeface="DokChampa"/>
+        <a:font script="Sinh" typeface="Iskoola Pota"/>
+        <a:font script="Mong" typeface="Mongolian Baiti"/>
+        <a:font script="Viet" typeface="Arial"/>
+        <a:font script="Uigh" typeface="Microsoft Uighur"/>
+        <a:font script="Geor" typeface="Sylfaen"/>
+      </a:minorFont>
+    </a:fontScheme>
+    <a:fmtScheme name="Retrospettivo">
+      <a:fillStyleLst>
+        <a:solidFill>
+          <a:schemeClr val="phClr"/>
+        </a:solidFill>
+        <a:gradFill rotWithShape="1">
+          <a:gsLst>
+            <a:gs pos="0">
+              <a:schemeClr val="phClr">
+                <a:tint val="65000"/>
+                <a:shade val="92000"/>
+                <a:satMod val="130000"/>
+              </a:schemeClr>
+            </a:gs>
+            <a:gs pos="45000">
+              <a:schemeClr val="phClr">
+                <a:tint val="60000"/>
+                <a:shade val="99000"/>
+                <a:satMod val="120000"/>
+              </a:schemeClr>
+            </a:gs>
+            <a:gs pos="100000">
+              <a:schemeClr val="phClr">
+                <a:tint val="55000"/>
+                <a:satMod val="140000"/>
+              </a:schemeClr>
+            </a:gs>
+          </a:gsLst>
+          <a:path path="circle">
+            <a:fillToRect l="100000" t="100000" r="100000" b="100000"/>
+          </a:path>
+        </a:gradFill>
+        <a:gradFill rotWithShape="1">
+          <a:gsLst>
+            <a:gs pos="0">
+              <a:schemeClr val="phClr">
+                <a:shade val="85000"/>
+                <a:satMod val="130000"/>
+              </a:schemeClr>
+            </a:gs>
+            <a:gs pos="34000">
+              <a:schemeClr val="phClr">
+                <a:shade val="87000"/>
+                <a:satMod val="125000"/>
+              </a:schemeClr>
+            </a:gs>
+            <a:gs pos="70000">
+              <a:schemeClr val="phClr">
+                <a:tint val="100000"/>
+                <a:shade val="90000"/>
+                <a:satMod val="130000"/>
+              </a:schemeClr>
+            </a:gs>
+            <a:gs pos="100000">
+              <a:schemeClr val="phClr">
+                <a:tint val="100000"/>
+                <a:shade val="100000"/>
+                <a:satMod val="110000"/>
+              </a:schemeClr>
+            </a:gs>
+          </a:gsLst>
+          <a:path path="circle">
+            <a:fillToRect l="100000" t="100000" r="100000" b="100000"/>
+          </a:path>
+        </a:gradFill>
+      </a:fillStyleLst>
+      <a:lnStyleLst>
+        <a:ln w="12700" cap="flat" cmpd="sng" algn="ctr">
+          <a:solidFill>
+            <a:schemeClr val="phClr"/>
+          </a:solidFill>
+          <a:prstDash val="solid"/>
+        </a:ln>
+        <a:ln w="15875" cap="flat" cmpd="sng" algn="ctr">
+          <a:solidFill>
+            <a:schemeClr val="phClr"/>
+          </a:solidFill>
+          <a:prstDash val="solid"/>
+        </a:ln>
+        <a:ln w="25400" cap="flat" cmpd="sng" algn="ctr">
+          <a:solidFill>
+            <a:schemeClr val="phClr"/>
+          </a:solidFill>
+          <a:prstDash val="solid"/>
+        </a:ln>
+      </a:lnStyleLst>
+      <a:effectStyleLst>
+        <a:effectStyle>
+          <a:effectLst/>
+        </a:effectStyle>
+        <a:effectStyle>
+          <a:effectLst>
+            <a:outerShdw blurRad="38100" dist="25400" dir="2700000" algn="br" rotWithShape="0">
+              <a:srgbClr val="000000">
+                <a:alpha val="60000"/>
+              </a:srgbClr>
+            </a:outerShdw>
+          </a:effectLst>
+        </a:effectStyle>
+        <a:effectStyle>
+          <a:effectLst>
+            <a:outerShdw blurRad="44450" dist="25400" dir="2700000" algn="br" rotWithShape="0">
+              <a:srgbClr val="000000">
+                <a:alpha val="60000"/>
+              </a:srgbClr>
+            </a:outerShdw>
+          </a:effectLst>
+          <a:scene3d>
+            <a:camera prst="orthographicFront">
+              <a:rot lat="0" lon="0" rev="0"/>
+            </a:camera>
+            <a:lightRig rig="threePt" dir="t">
+              <a:rot lat="0" lon="0" rev="19800000"/>
+            </a:lightRig>
+          </a:scene3d>
+          <a:sp3d prstMaterial="flat">
+            <a:bevelT w="25400" h="31750"/>
+          </a:sp3d>
+        </a:effectStyle>
+      </a:effectStyleLst>
+      <a:bgFillStyleLst>
+        <a:solidFill>
+          <a:schemeClr val="phClr"/>
+        </a:solidFill>
+        <a:solidFill>
+          <a:schemeClr val="phClr">
+            <a:tint val="90000"/>
+            <a:shade val="97000"/>
+            <a:satMod val="130000"/>
+          </a:schemeClr>
+        </a:solidFill>
+        <a:gradFill rotWithShape="1">
+          <a:gsLst>
+            <a:gs pos="0">
+              <a:schemeClr val="phClr">
+                <a:tint val="96000"/>
+                <a:shade val="99000"/>
+                <a:satMod val="140000"/>
+              </a:schemeClr>
+            </a:gs>
+            <a:gs pos="65000">
+              <a:schemeClr val="phClr">
+                <a:tint val="100000"/>
+                <a:shade val="80000"/>
+                <a:satMod val="130000"/>
+              </a:schemeClr>
+            </a:gs>
+            <a:gs pos="100000">
+              <a:schemeClr val="phClr">
+                <a:tint val="100000"/>
+                <a:shade val="48000"/>
+                <a:satMod val="120000"/>
+              </a:schemeClr>
+            </a:gs>
+          </a:gsLst>
+          <a:lin ang="16200000" scaled="0"/>
+        </a:gradFill>
+      </a:bgFillStyleLst>
+    </a:fmtScheme>
+  </a:themeElements>
+  <a:objectDefaults/>
+  <a:extraClrSchemeLst/>
+  <a:extLst>
+    <a:ext uri="{05A4C25C-085E-4340-85A3-A5531E510DB2}">
+      <thm15:themeFamily xmlns:thm15="http://schemas.microsoft.com/office/thememl/2012/main" name="Retrospect" id="{5F128B03-DCCA-4EEB-AB3B-CF2899314A46}" vid="{3F1AAB62-24C6-49D2-8E01-B56FAC9A3DCD}"/>
+    </a:ext>
+  </a:extLst>
+</a:theme>
 </file>
--- a/slides.pptx
+++ b/slides.pptx
@@ -273,7 +273,7 @@
           <a:p>
             <a:fld id="{84A671E0-5ED3-4EC8-917B-08DC168EAD8E}" type="datetimeFigureOut">
               <a:rPr lang="LID4096" smtClean="0"/>
-              <a:t>05/16/2023</a:t>
+              <a:t>05/22/2023</a:t>
             </a:fld>
             <a:endParaRPr lang="LID4096"/>
           </a:p>
@@ -471,7 +471,7 @@
           <a:p>
             <a:fld id="{84A671E0-5ED3-4EC8-917B-08DC168EAD8E}" type="datetimeFigureOut">
               <a:rPr lang="LID4096" smtClean="0"/>
-              <a:t>05/16/2023</a:t>
+              <a:t>05/22/2023</a:t>
             </a:fld>
             <a:endParaRPr lang="LID4096"/>
           </a:p>
@@ -679,7 +679,7 @@
           <a:p>
             <a:fld id="{84A671E0-5ED3-4EC8-917B-08DC168EAD8E}" type="datetimeFigureOut">
               <a:rPr lang="LID4096" smtClean="0"/>
-              <a:t>05/16/2023</a:t>
+              <a:t>05/22/2023</a:t>
             </a:fld>
             <a:endParaRPr lang="LID4096"/>
           </a:p>
@@ -978,7 +978,7 @@
           <a:p>
             <a:fld id="{84A671E0-5ED3-4EC8-917B-08DC168EAD8E}" type="datetimeFigureOut">
               <a:rPr lang="LID4096" smtClean="0"/>
-              <a:t>05/16/2023</a:t>
+              <a:t>05/22/2023</a:t>
             </a:fld>
             <a:endParaRPr lang="LID4096"/>
           </a:p>
@@ -1190,7 +1190,7 @@
           <a:p>
             <a:fld id="{84A671E0-5ED3-4EC8-917B-08DC168EAD8E}" type="datetimeFigureOut">
               <a:rPr lang="LID4096" smtClean="0"/>
-              <a:t>05/16/2023</a:t>
+              <a:t>05/22/2023</a:t>
             </a:fld>
             <a:endParaRPr lang="LID4096"/>
           </a:p>
@@ -1533,7 +1533,7 @@
           <a:p>
             <a:fld id="{84A671E0-5ED3-4EC8-917B-08DC168EAD8E}" type="datetimeFigureOut">
               <a:rPr lang="LID4096" smtClean="0"/>
-              <a:t>05/16/2023</a:t>
+              <a:t>05/22/2023</a:t>
             </a:fld>
             <a:endParaRPr lang="LID4096"/>
           </a:p>
@@ -1808,7 +1808,7 @@
           <a:p>
             <a:fld id="{84A671E0-5ED3-4EC8-917B-08DC168EAD8E}" type="datetimeFigureOut">
               <a:rPr lang="LID4096" smtClean="0"/>
-              <a:t>05/16/2023</a:t>
+              <a:t>05/22/2023</a:t>
             </a:fld>
             <a:endParaRPr lang="LID4096"/>
           </a:p>
@@ -2187,7 +2187,7 @@
           <a:p>
             <a:fld id="{84A671E0-5ED3-4EC8-917B-08DC168EAD8E}" type="datetimeFigureOut">
               <a:rPr lang="LID4096" smtClean="0"/>
-              <a:t>05/16/2023</a:t>
+              <a:t>05/22/2023</a:t>
             </a:fld>
             <a:endParaRPr lang="LID4096"/>
           </a:p>
@@ -2305,7 +2305,7 @@
           <a:p>
             <a:fld id="{84A671E0-5ED3-4EC8-917B-08DC168EAD8E}" type="datetimeFigureOut">
               <a:rPr lang="LID4096" smtClean="0"/>
-              <a:t>05/16/2023</a:t>
+              <a:t>05/22/2023</a:t>
             </a:fld>
             <a:endParaRPr lang="LID4096"/>
           </a:p>
@@ -2476,7 +2476,7 @@
           <a:p>
             <a:fld id="{84A671E0-5ED3-4EC8-917B-08DC168EAD8E}" type="datetimeFigureOut">
               <a:rPr lang="LID4096" smtClean="0"/>
-              <a:t>05/16/2023</a:t>
+              <a:t>05/22/2023</a:t>
             </a:fld>
             <a:endParaRPr lang="LID4096"/>
           </a:p>
@@ -2830,7 +2830,7 @@
           <a:p>
             <a:fld id="{84A671E0-5ED3-4EC8-917B-08DC168EAD8E}" type="datetimeFigureOut">
               <a:rPr lang="LID4096" smtClean="0"/>
-              <a:t>05/16/2023</a:t>
+              <a:t>05/22/2023</a:t>
             </a:fld>
             <a:endParaRPr lang="LID4096"/>
           </a:p>
@@ -3037,7 +3037,7 @@
           <a:p>
             <a:fld id="{84A671E0-5ED3-4EC8-917B-08DC168EAD8E}" type="datetimeFigureOut">
               <a:rPr lang="LID4096" smtClean="0"/>
-              <a:t>05/16/2023</a:t>
+              <a:t>05/22/2023</a:t>
             </a:fld>
             <a:endParaRPr lang="LID4096"/>
           </a:p>
@@ -3410,7 +3410,7 @@
           <a:p>
             <a:fld id="{84A671E0-5ED3-4EC8-917B-08DC168EAD8E}" type="datetimeFigureOut">
               <a:rPr lang="LID4096" smtClean="0"/>
-              <a:t>05/16/2023</a:t>
+              <a:t>05/22/2023</a:t>
             </a:fld>
             <a:endParaRPr lang="LID4096"/>
           </a:p>
@@ -3580,7 +3580,7 @@
           <a:p>
             <a:fld id="{84A671E0-5ED3-4EC8-917B-08DC168EAD8E}" type="datetimeFigureOut">
               <a:rPr lang="LID4096" smtClean="0"/>
-              <a:t>05/16/2023</a:t>
+              <a:t>05/22/2023</a:t>
             </a:fld>
             <a:endParaRPr lang="LID4096"/>
           </a:p>
@@ -3836,7 +3836,7 @@
           <a:p>
             <a:fld id="{84A671E0-5ED3-4EC8-917B-08DC168EAD8E}" type="datetimeFigureOut">
               <a:rPr lang="LID4096" smtClean="0"/>
-              <a:t>05/16/2023</a:t>
+              <a:t>05/22/2023</a:t>
             </a:fld>
             <a:endParaRPr lang="LID4096"/>
           </a:p>
@@ -4099,7 +4099,7 @@
           <a:p>
             <a:fld id="{84A671E0-5ED3-4EC8-917B-08DC168EAD8E}" type="datetimeFigureOut">
               <a:rPr lang="LID4096" smtClean="0"/>
-              <a:t>05/16/2023</a:t>
+              <a:t>05/22/2023</a:t>
             </a:fld>
             <a:endParaRPr lang="LID4096"/>
           </a:p>
@@ -4364,7 +4364,7 @@
           <a:p>
             <a:fld id="{84A671E0-5ED3-4EC8-917B-08DC168EAD8E}" type="datetimeFigureOut">
               <a:rPr lang="LID4096" smtClean="0"/>
-              <a:t>05/16/2023</a:t>
+              <a:t>05/22/2023</a:t>
             </a:fld>
             <a:endParaRPr lang="LID4096"/>
           </a:p>
@@ -4776,7 +4776,7 @@
           <a:p>
             <a:fld id="{84A671E0-5ED3-4EC8-917B-08DC168EAD8E}" type="datetimeFigureOut">
               <a:rPr lang="LID4096" smtClean="0"/>
-              <a:t>05/16/2023</a:t>
+              <a:t>05/22/2023</a:t>
             </a:fld>
             <a:endParaRPr lang="LID4096"/>
           </a:p>
@@ -4917,7 +4917,7 @@
           <a:p>
             <a:fld id="{84A671E0-5ED3-4EC8-917B-08DC168EAD8E}" type="datetimeFigureOut">
               <a:rPr lang="LID4096" smtClean="0"/>
-              <a:t>05/16/2023</a:t>
+              <a:t>05/22/2023</a:t>
             </a:fld>
             <a:endParaRPr lang="LID4096"/>
           </a:p>
@@ -5030,7 +5030,7 @@
           <a:p>
             <a:fld id="{84A671E0-5ED3-4EC8-917B-08DC168EAD8E}" type="datetimeFigureOut">
               <a:rPr lang="LID4096" smtClean="0"/>
-              <a:t>05/16/2023</a:t>
+              <a:t>05/22/2023</a:t>
             </a:fld>
             <a:endParaRPr lang="LID4096"/>
           </a:p>
@@ -5341,7 +5341,7 @@
           <a:p>
             <a:fld id="{84A671E0-5ED3-4EC8-917B-08DC168EAD8E}" type="datetimeFigureOut">
               <a:rPr lang="LID4096" smtClean="0"/>
-              <a:t>05/16/2023</a:t>
+              <a:t>05/22/2023</a:t>
             </a:fld>
             <a:endParaRPr lang="LID4096"/>
           </a:p>
@@ -5629,7 +5629,7 @@
           <a:p>
             <a:fld id="{84A671E0-5ED3-4EC8-917B-08DC168EAD8E}" type="datetimeFigureOut">
               <a:rPr lang="LID4096" smtClean="0"/>
-              <a:t>05/16/2023</a:t>
+              <a:t>05/22/2023</a:t>
             </a:fld>
             <a:endParaRPr lang="LID4096"/>
           </a:p>
@@ -5870,7 +5870,7 @@
           <a:p>
             <a:fld id="{84A671E0-5ED3-4EC8-917B-08DC168EAD8E}" type="datetimeFigureOut">
               <a:rPr lang="LID4096" smtClean="0"/>
-              <a:t>05/16/2023</a:t>
+              <a:t>05/22/2023</a:t>
             </a:fld>
             <a:endParaRPr lang="LID4096"/>
           </a:p>
@@ -6496,7 +6496,7 @@
           <a:p>
             <a:fld id="{84A671E0-5ED3-4EC8-917B-08DC168EAD8E}" type="datetimeFigureOut">
               <a:rPr lang="LID4096" smtClean="0"/>
-              <a:t>05/16/2023</a:t>
+              <a:t>05/22/2023</a:t>
             </a:fld>
             <a:endParaRPr lang="LID4096"/>
           </a:p>
@@ -7298,8 +7298,13 @@
             <a:pPr lvl="1"/>
             <a:r>
               <a:rPr lang="en-US" sz="2500" dirty="0"/>
-              <a:t>Stochastic gradient descent as a linear alternative</a:t>
-            </a:r>
+              <a:t>Stochastic gradient descent is another efficient classifier that scales well with </a:t>
+            </a:r>
+            <a:r>
+              <a:rPr lang="en-US" sz="2500"/>
+              <a:t>large datasets</a:t>
+            </a:r>
+            <a:endParaRPr lang="en-US" sz="2500" dirty="0"/>
           </a:p>
           <a:p>
             <a:r>

--- a/slides.pptx
+++ b/slides.pptx
@@ -273,7 +273,7 @@
           <a:p>
             <a:fld id="{84A671E0-5ED3-4EC8-917B-08DC168EAD8E}" type="datetimeFigureOut">
               <a:rPr lang="LID4096" smtClean="0"/>
-              <a:t>05/22/2023</a:t>
+              <a:t>05/29/2023</a:t>
             </a:fld>
             <a:endParaRPr lang="LID4096"/>
           </a:p>
@@ -471,7 +471,7 @@
           <a:p>
             <a:fld id="{84A671E0-5ED3-4EC8-917B-08DC168EAD8E}" type="datetimeFigureOut">
               <a:rPr lang="LID4096" smtClean="0"/>
-              <a:t>05/22/2023</a:t>
+              <a:t>05/29/2023</a:t>
             </a:fld>
             <a:endParaRPr lang="LID4096"/>
           </a:p>
@@ -679,7 +679,7 @@
           <a:p>
             <a:fld id="{84A671E0-5ED3-4EC8-917B-08DC168EAD8E}" type="datetimeFigureOut">
               <a:rPr lang="LID4096" smtClean="0"/>
-              <a:t>05/22/2023</a:t>
+              <a:t>05/29/2023</a:t>
             </a:fld>
             <a:endParaRPr lang="LID4096"/>
           </a:p>
@@ -978,7 +978,7 @@
           <a:p>
             <a:fld id="{84A671E0-5ED3-4EC8-917B-08DC168EAD8E}" type="datetimeFigureOut">
               <a:rPr lang="LID4096" smtClean="0"/>
-              <a:t>05/22/2023</a:t>
+              <a:t>05/29/2023</a:t>
             </a:fld>
             <a:endParaRPr lang="LID4096"/>
           </a:p>
@@ -1190,7 +1190,7 @@
           <a:p>
             <a:fld id="{84A671E0-5ED3-4EC8-917B-08DC168EAD8E}" type="datetimeFigureOut">
               <a:rPr lang="LID4096" smtClean="0"/>
-              <a:t>05/22/2023</a:t>
+              <a:t>05/29/2023</a:t>
             </a:fld>
             <a:endParaRPr lang="LID4096"/>
           </a:p>
@@ -1533,7 +1533,7 @@
           <a:p>
             <a:fld id="{84A671E0-5ED3-4EC8-917B-08DC168EAD8E}" type="datetimeFigureOut">
               <a:rPr lang="LID4096" smtClean="0"/>
-              <a:t>05/22/2023</a:t>
+              <a:t>05/29/2023</a:t>
             </a:fld>
             <a:endParaRPr lang="LID4096"/>
           </a:p>
@@ -1808,7 +1808,7 @@
           <a:p>
             <a:fld id="{84A671E0-5ED3-4EC8-917B-08DC168EAD8E}" type="datetimeFigureOut">
               <a:rPr lang="LID4096" smtClean="0"/>
-              <a:t>05/22/2023</a:t>
+              <a:t>05/29/2023</a:t>
             </a:fld>
             <a:endParaRPr lang="LID4096"/>
           </a:p>
@@ -2187,7 +2187,7 @@
           <a:p>
             <a:fld id="{84A671E0-5ED3-4EC8-917B-08DC168EAD8E}" type="datetimeFigureOut">
               <a:rPr lang="LID4096" smtClean="0"/>
-              <a:t>05/22/2023</a:t>
+              <a:t>05/29/2023</a:t>
             </a:fld>
             <a:endParaRPr lang="LID4096"/>
           </a:p>
@@ -2305,7 +2305,7 @@
           <a:p>
             <a:fld id="{84A671E0-5ED3-4EC8-917B-08DC168EAD8E}" type="datetimeFigureOut">
               <a:rPr lang="LID4096" smtClean="0"/>
-              <a:t>05/22/2023</a:t>
+              <a:t>05/29/2023</a:t>
             </a:fld>
             <a:endParaRPr lang="LID4096"/>
           </a:p>
@@ -2476,7 +2476,7 @@
           <a:p>
             <a:fld id="{84A671E0-5ED3-4EC8-917B-08DC168EAD8E}" type="datetimeFigureOut">
               <a:rPr lang="LID4096" smtClean="0"/>
-              <a:t>05/22/2023</a:t>
+              <a:t>05/29/2023</a:t>
             </a:fld>
             <a:endParaRPr lang="LID4096"/>
           </a:p>
@@ -2830,7 +2830,7 @@
           <a:p>
             <a:fld id="{84A671E0-5ED3-4EC8-917B-08DC168EAD8E}" type="datetimeFigureOut">
               <a:rPr lang="LID4096" smtClean="0"/>
-              <a:t>05/22/2023</a:t>
+              <a:t>05/29/2023</a:t>
             </a:fld>
             <a:endParaRPr lang="LID4096"/>
           </a:p>
@@ -3037,7 +3037,7 @@
           <a:p>
             <a:fld id="{84A671E0-5ED3-4EC8-917B-08DC168EAD8E}" type="datetimeFigureOut">
               <a:rPr lang="LID4096" smtClean="0"/>
-              <a:t>05/22/2023</a:t>
+              <a:t>05/29/2023</a:t>
             </a:fld>
             <a:endParaRPr lang="LID4096"/>
           </a:p>
@@ -3410,7 +3410,7 @@
           <a:p>
             <a:fld id="{84A671E0-5ED3-4EC8-917B-08DC168EAD8E}" type="datetimeFigureOut">
               <a:rPr lang="LID4096" smtClean="0"/>
-              <a:t>05/22/2023</a:t>
+              <a:t>05/29/2023</a:t>
             </a:fld>
             <a:endParaRPr lang="LID4096"/>
           </a:p>
@@ -3580,7 +3580,7 @@
           <a:p>
             <a:fld id="{84A671E0-5ED3-4EC8-917B-08DC168EAD8E}" type="datetimeFigureOut">
               <a:rPr lang="LID4096" smtClean="0"/>
-              <a:t>05/22/2023</a:t>
+              <a:t>05/29/2023</a:t>
             </a:fld>
             <a:endParaRPr lang="LID4096"/>
           </a:p>
@@ -3836,7 +3836,7 @@
           <a:p>
             <a:fld id="{84A671E0-5ED3-4EC8-917B-08DC168EAD8E}" type="datetimeFigureOut">
               <a:rPr lang="LID4096" smtClean="0"/>
-              <a:t>05/22/2023</a:t>
+              <a:t>05/29/2023</a:t>
             </a:fld>
             <a:endParaRPr lang="LID4096"/>
           </a:p>
@@ -4099,7 +4099,7 @@
           <a:p>
             <a:fld id="{84A671E0-5ED3-4EC8-917B-08DC168EAD8E}" type="datetimeFigureOut">
               <a:rPr lang="LID4096" smtClean="0"/>
-              <a:t>05/22/2023</a:t>
+              <a:t>05/29/2023</a:t>
             </a:fld>
             <a:endParaRPr lang="LID4096"/>
           </a:p>
@@ -4364,7 +4364,7 @@
           <a:p>
             <a:fld id="{84A671E0-5ED3-4EC8-917B-08DC168EAD8E}" type="datetimeFigureOut">
               <a:rPr lang="LID4096" smtClean="0"/>
-              <a:t>05/22/2023</a:t>
+              <a:t>05/29/2023</a:t>
             </a:fld>
             <a:endParaRPr lang="LID4096"/>
           </a:p>
@@ -4776,7 +4776,7 @@
           <a:p>
             <a:fld id="{84A671E0-5ED3-4EC8-917B-08DC168EAD8E}" type="datetimeFigureOut">
               <a:rPr lang="LID4096" smtClean="0"/>
-              <a:t>05/22/2023</a:t>
+              <a:t>05/29/2023</a:t>
             </a:fld>
             <a:endParaRPr lang="LID4096"/>
           </a:p>
@@ -4917,7 +4917,7 @@
           <a:p>
             <a:fld id="{84A671E0-5ED3-4EC8-917B-08DC168EAD8E}" type="datetimeFigureOut">
               <a:rPr lang="LID4096" smtClean="0"/>
-              <a:t>05/22/2023</a:t>
+              <a:t>05/29/2023</a:t>
             </a:fld>
             <a:endParaRPr lang="LID4096"/>
           </a:p>
@@ -5030,7 +5030,7 @@
           <a:p>
             <a:fld id="{84A671E0-5ED3-4EC8-917B-08DC168EAD8E}" type="datetimeFigureOut">
               <a:rPr lang="LID4096" smtClean="0"/>
-              <a:t>05/22/2023</a:t>
+              <a:t>05/29/2023</a:t>
             </a:fld>
             <a:endParaRPr lang="LID4096"/>
           </a:p>
@@ -5341,7 +5341,7 @@
           <a:p>
             <a:fld id="{84A671E0-5ED3-4EC8-917B-08DC168EAD8E}" type="datetimeFigureOut">
               <a:rPr lang="LID4096" smtClean="0"/>
-              <a:t>05/22/2023</a:t>
+              <a:t>05/29/2023</a:t>
             </a:fld>
             <a:endParaRPr lang="LID4096"/>
           </a:p>
@@ -5629,7 +5629,7 @@
           <a:p>
             <a:fld id="{84A671E0-5ED3-4EC8-917B-08DC168EAD8E}" type="datetimeFigureOut">
               <a:rPr lang="LID4096" smtClean="0"/>
-              <a:t>05/22/2023</a:t>
+              <a:t>05/29/2023</a:t>
             </a:fld>
             <a:endParaRPr lang="LID4096"/>
           </a:p>
@@ -5870,7 +5870,7 @@
           <a:p>
             <a:fld id="{84A671E0-5ED3-4EC8-917B-08DC168EAD8E}" type="datetimeFigureOut">
               <a:rPr lang="LID4096" smtClean="0"/>
-              <a:t>05/22/2023</a:t>
+              <a:t>05/29/2023</a:t>
             </a:fld>
             <a:endParaRPr lang="LID4096"/>
           </a:p>
@@ -6496,7 +6496,7 @@
           <a:p>
             <a:fld id="{84A671E0-5ED3-4EC8-917B-08DC168EAD8E}" type="datetimeFigureOut">
               <a:rPr lang="LID4096" smtClean="0"/>
-              <a:t>05/22/2023</a:t>
+              <a:t>05/29/2023</a:t>
             </a:fld>
             <a:endParaRPr lang="LID4096"/>
           </a:p>
@@ -7213,7 +7213,7 @@
           <a:p>
             <a:r>
               <a:rPr lang="it-IT" dirty="0"/>
-              <a:t>Cross-</a:t>
+              <a:t>Training and cross-</a:t>
             </a:r>
             <a:r>
               <a:rPr lang="it-IT" dirty="0" err="1"/>
@@ -7247,7 +7247,7 @@
         </p:spPr>
         <p:txBody>
           <a:bodyPr>
-            <a:normAutofit fontScale="70000" lnSpcReduction="20000"/>
+            <a:normAutofit fontScale="62500" lnSpcReduction="20000"/>
           </a:bodyPr>
           <a:lstStyle/>
           <a:p>
@@ -7264,7 +7264,7 @@
           <a:p>
             <a:r>
               <a:rPr lang="en-US" sz="2900" dirty="0"/>
-              <a:t>Stratified 10-fold cross validation</a:t>
+              <a:t>Stratified 10-fold cross validation to mitigate overfitting and improve performance estimation</a:t>
             </a:r>
           </a:p>
           <a:p>
@@ -7298,19 +7298,26 @@
             <a:pPr lvl="1"/>
             <a:r>
               <a:rPr lang="en-US" sz="2500" dirty="0"/>
-              <a:t>Stochastic gradient descent is another efficient classifier that scales well with </a:t>
-            </a:r>
-            <a:r>
-              <a:rPr lang="en-US" sz="2500"/>
-              <a:t>large datasets</a:t>
-            </a:r>
-            <a:endParaRPr lang="en-US" sz="2500" dirty="0"/>
+              <a:t>Stochastic gradient descent is another efficient classifier that scales well with large datasets</a:t>
+            </a:r>
           </a:p>
           <a:p>
             <a:r>
               <a:rPr lang="en-US" sz="2900" dirty="0"/>
               <a:t>Metrics used: accuracy, precision, recall, f1-score</a:t>
             </a:r>
+          </a:p>
+          <a:p>
+            <a:pPr lvl="1"/>
+            <a:r>
+              <a:rPr lang="en-US" sz="2500" dirty="0"/>
+              <a:t>Multiclass precision/recall/f1-score is calculated </a:t>
+            </a:r>
+            <a:r>
+              <a:rPr lang="en-US" sz="2500"/>
+              <a:t>by counting total TP, FP, TN and FN</a:t>
+            </a:r>
+            <a:endParaRPr lang="en-US" sz="2500" dirty="0"/>
           </a:p>
           <a:p>
             <a:r>
@@ -11440,12 +11447,8 @@
           <a:lstStyle/>
           <a:p>
             <a:r>
-              <a:rPr lang="it-IT" sz="5400" dirty="0"/>
-              <a:t>Data </a:t>
-            </a:r>
-            <a:r>
-              <a:rPr lang="it-IT" sz="5400" dirty="0" err="1"/>
-              <a:t>cleaning</a:t>
+              <a:rPr lang="it-IT" sz="5400"/>
+              <a:t>Data cleaning</a:t>
             </a:r>
             <a:endParaRPr lang="LID4096" sz="5400" dirty="0"/>
           </a:p>
@@ -11480,43 +11483,23 @@
           <a:lstStyle/>
           <a:p>
             <a:r>
-              <a:rPr lang="en-US" sz="2200" dirty="0"/>
+              <a:rPr lang="en-US" sz="2200"/>
               <a:t>Duplicates are removed keeping the last entry</a:t>
             </a:r>
           </a:p>
           <a:p>
             <a:r>
-              <a:rPr lang="en-US" sz="2200" dirty="0"/>
+              <a:rPr lang="en-US" sz="2200"/>
               <a:t>Checking character encoding can reveal malformed or corrupted URL strings and can also be used as a feature for classification</a:t>
             </a:r>
           </a:p>
           <a:p>
             <a:r>
-              <a:rPr lang="it-IT" sz="2200" dirty="0" err="1"/>
-              <a:t>Encodings</a:t>
-            </a:r>
-            <a:r>
-              <a:rPr lang="it-IT" sz="2200" dirty="0"/>
-              <a:t> </a:t>
-            </a:r>
-            <a:r>
-              <a:rPr lang="it-IT" sz="2200" dirty="0" err="1"/>
-              <a:t>determined</a:t>
-            </a:r>
-            <a:r>
-              <a:rPr lang="it-IT" sz="2200" dirty="0"/>
-              <a:t> </a:t>
-            </a:r>
-            <a:r>
-              <a:rPr lang="it-IT" sz="2200" dirty="0" err="1"/>
-              <a:t>using</a:t>
-            </a:r>
-            <a:r>
-              <a:rPr lang="it-IT" sz="2200" dirty="0"/>
-              <a:t> the </a:t>
-            </a:r>
-            <a:r>
-              <a:rPr lang="it-IT" sz="2000" dirty="0" err="1">
+              <a:rPr lang="it-IT" sz="2200"/>
+              <a:t>Encodings determined using the </a:t>
+            </a:r>
+            <a:r>
+              <a:rPr lang="it-IT" sz="2000">
                 <a:solidFill>
                   <a:schemeClr val="accent2"/>
                 </a:solidFill>
@@ -11525,78 +11508,14 @@
               <a:t>chardet</a:t>
             </a:r>
             <a:r>
-              <a:rPr lang="it-IT" sz="2200" dirty="0"/>
+              <a:rPr lang="it-IT" sz="2200"/>
               <a:t> library</a:t>
             </a:r>
           </a:p>
           <a:p>
             <a:r>
-              <a:rPr lang="it-IT" sz="2200" dirty="0" err="1"/>
-              <a:t>Each</a:t>
-            </a:r>
-            <a:r>
-              <a:rPr lang="it-IT" sz="2200" dirty="0"/>
-              <a:t> </a:t>
-            </a:r>
-            <a:r>
-              <a:rPr lang="it-IT" sz="2200" dirty="0" err="1"/>
-              <a:t>encoding</a:t>
-            </a:r>
-            <a:r>
-              <a:rPr lang="it-IT" sz="2200" dirty="0"/>
-              <a:t> </a:t>
-            </a:r>
-            <a:r>
-              <a:rPr lang="it-IT" sz="2200" dirty="0" err="1"/>
-              <a:t>is</a:t>
-            </a:r>
-            <a:r>
-              <a:rPr lang="it-IT" sz="2200" dirty="0"/>
-              <a:t> </a:t>
-            </a:r>
-            <a:r>
-              <a:rPr lang="it-IT" sz="2200" dirty="0" err="1"/>
-              <a:t>associated</a:t>
-            </a:r>
-            <a:r>
-              <a:rPr lang="it-IT" sz="2200" dirty="0"/>
-              <a:t> with a confidence </a:t>
-            </a:r>
-            <a:r>
-              <a:rPr lang="it-IT" sz="2200" dirty="0" err="1"/>
-              <a:t>metric</a:t>
-            </a:r>
-            <a:r>
-              <a:rPr lang="it-IT" sz="2200" dirty="0"/>
-              <a:t>, </a:t>
-            </a:r>
-            <a:r>
-              <a:rPr lang="it-IT" sz="2200" dirty="0" err="1"/>
-              <a:t>which</a:t>
-            </a:r>
-            <a:r>
-              <a:rPr lang="it-IT" sz="2200" dirty="0"/>
-              <a:t> can be </a:t>
-            </a:r>
-            <a:r>
-              <a:rPr lang="it-IT" sz="2200" dirty="0" err="1"/>
-              <a:t>used</a:t>
-            </a:r>
-            <a:r>
-              <a:rPr lang="it-IT" sz="2200" dirty="0"/>
-              <a:t> to spot </a:t>
-            </a:r>
-            <a:r>
-              <a:rPr lang="it-IT" sz="2200" dirty="0" err="1"/>
-              <a:t>corrupted</a:t>
-            </a:r>
-            <a:r>
-              <a:rPr lang="it-IT" sz="2200" dirty="0"/>
-              <a:t> </a:t>
-            </a:r>
-            <a:r>
-              <a:rPr lang="it-IT" sz="2200" dirty="0" err="1"/>
-              <a:t>strings</a:t>
+              <a:rPr lang="it-IT" sz="2200"/>
+              <a:t>Each encoding is associated with a confidence metric, which can be used to spot corrupted strings</a:t>
             </a:r>
             <a:endParaRPr lang="it-IT" sz="2200" dirty="0"/>
           </a:p>
@@ -11604,10 +11523,10 @@
       </p:sp>
       <p:pic>
         <p:nvPicPr>
-          <p:cNvPr id="6" name="Immagine 5" descr="Immagine che contiene grafico&#10;&#10;Descrizione generata automaticamente">
+          <p:cNvPr id="5" name="Immagine 4" descr="Immagine che contiene diagramma, testo, Piano, Parallelo&#10;&#10;Descrizione generata automaticamente">
             <a:extLst>
               <a:ext uri="{FF2B5EF4-FFF2-40B4-BE49-F238E27FC236}">
-                <a16:creationId xmlns:a16="http://schemas.microsoft.com/office/drawing/2014/main" id="{59850C98-25DA-C724-EEF9-C0CEE45176C5}"/>
+                <a16:creationId xmlns:a16="http://schemas.microsoft.com/office/drawing/2014/main" id="{ABB5293B-440E-0B7D-7A1A-4D41393B07F6}"/>
               </a:ext>
             </a:extLst>
           </p:cNvPr>
@@ -11630,8 +11549,8 @@
         </p:blipFill>
         <p:spPr>
           <a:xfrm>
-            <a:off x="5449824" y="2176264"/>
-            <a:ext cx="6071628" cy="4041656"/>
+            <a:off x="5724939" y="717126"/>
+            <a:ext cx="5756612" cy="5423747"/>
           </a:xfrm>
           <a:prstGeom prst="rect">
             <a:avLst/>
